--- a/tests/testthat/temp.pptx
+++ b/tests/testthat/temp.pptx
@@ -1,200 +1,136 @@
 
 <file path=ppt/presentation.xml><?xml version="1.0" encoding="utf-8"?>
-<p:presentation xmlns:a="http://schemas.openxmlformats.org/drawingml/2006/main" xmlns:r="http://schemas.openxmlformats.org/officeDocument/2006/relationships" xmlns:p="http://schemas.openxmlformats.org/presentationml/2006/main" showSpecialPlsOnTitleSld="0" strictFirstAndLastChars="0" saveSubsetFonts="1">
+<p:presentation xmlns:a="http://schemas.openxmlformats.org/drawingml/2006/main" xmlns:r="http://schemas.openxmlformats.org/officeDocument/2006/relationships" xmlns:p="http://schemas.openxmlformats.org/presentationml/2006/main" saveSubsetFonts="1" autoCompressPictures="0">
   <p:sldMasterIdLst>
-    <p:sldMasterId id="2147483654" r:id="rId1"/>
+    <p:sldMasterId id="2147483831" r:id="rId1"/>
   </p:sldMasterIdLst>
   <p:notesMasterIdLst>
     <p:notesMasterId r:id="rId2"/>
   </p:notesMasterIdLst>
   <p:sldIdLst>
-    <p:sldId id="256" r:id="rId7"/>
+    <p:sldId id="256" r:id="rId8"/>
   </p:sldIdLst>
   <p:sldSz cx="12192000" cy="6858000"/>
-  <p:notesSz cx="6797675" cy="9928225"/>
+  <p:notesSz cx="6858000" cy="9144000"/>
   <p:defaultTextStyle>
     <a:defPPr>
       <a:defRPr lang="en-US"/>
     </a:defPPr>
-    <a:lvl1pPr algn="l" rtl="0" eaLnBrk="0" fontAlgn="base" hangingPunct="0">
-      <a:spcBef>
-        <a:spcPct val="0"/>
-      </a:spcBef>
-      <a:spcAft>
-        <a:spcPct val="0"/>
-      </a:spcAft>
-      <a:defRPr sz="2400" kern="1200">
+    <a:lvl1pPr marL="0" algn="l" defTabSz="457200" rtl="0" eaLnBrk="1" latinLnBrk="0" hangingPunct="1">
+      <a:defRPr sz="1800" kern="1200">
         <a:solidFill>
           <a:schemeClr val="tx1"/>
         </a:solidFill>
-        <a:latin typeface="Arial" charset="0"/>
-        <a:ea typeface="ＭＳ Ｐゴシック" pitchFamily="34" charset="-128"/>
+        <a:latin typeface="+mn-lt"/>
+        <a:ea typeface="+mn-ea"/>
         <a:cs typeface="+mn-cs"/>
       </a:defRPr>
     </a:lvl1pPr>
-    <a:lvl2pPr marL="457200" algn="l" rtl="0" eaLnBrk="0" fontAlgn="base" hangingPunct="0">
-      <a:spcBef>
-        <a:spcPct val="0"/>
-      </a:spcBef>
-      <a:spcAft>
-        <a:spcPct val="0"/>
-      </a:spcAft>
-      <a:defRPr sz="2400" kern="1200">
+    <a:lvl2pPr marL="457200" algn="l" defTabSz="457200" rtl="0" eaLnBrk="1" latinLnBrk="0" hangingPunct="1">
+      <a:defRPr sz="1800" kern="1200">
         <a:solidFill>
           <a:schemeClr val="tx1"/>
         </a:solidFill>
-        <a:latin typeface="Arial" charset="0"/>
-        <a:ea typeface="ＭＳ Ｐゴシック" pitchFamily="34" charset="-128"/>
+        <a:latin typeface="+mn-lt"/>
+        <a:ea typeface="+mn-ea"/>
         <a:cs typeface="+mn-cs"/>
       </a:defRPr>
     </a:lvl2pPr>
-    <a:lvl3pPr marL="914400" algn="l" rtl="0" eaLnBrk="0" fontAlgn="base" hangingPunct="0">
-      <a:spcBef>
-        <a:spcPct val="0"/>
-      </a:spcBef>
-      <a:spcAft>
-        <a:spcPct val="0"/>
-      </a:spcAft>
-      <a:defRPr sz="2400" kern="1200">
+    <a:lvl3pPr marL="914400" algn="l" defTabSz="457200" rtl="0" eaLnBrk="1" latinLnBrk="0" hangingPunct="1">
+      <a:defRPr sz="1800" kern="1200">
         <a:solidFill>
           <a:schemeClr val="tx1"/>
         </a:solidFill>
-        <a:latin typeface="Arial" charset="0"/>
-        <a:ea typeface="ＭＳ Ｐゴシック" pitchFamily="34" charset="-128"/>
+        <a:latin typeface="+mn-lt"/>
+        <a:ea typeface="+mn-ea"/>
         <a:cs typeface="+mn-cs"/>
       </a:defRPr>
     </a:lvl3pPr>
-    <a:lvl4pPr marL="1371600" algn="l" rtl="0" eaLnBrk="0" fontAlgn="base" hangingPunct="0">
-      <a:spcBef>
-        <a:spcPct val="0"/>
-      </a:spcBef>
-      <a:spcAft>
-        <a:spcPct val="0"/>
-      </a:spcAft>
-      <a:defRPr sz="2400" kern="1200">
+    <a:lvl4pPr marL="1371600" algn="l" defTabSz="457200" rtl="0" eaLnBrk="1" latinLnBrk="0" hangingPunct="1">
+      <a:defRPr sz="1800" kern="1200">
         <a:solidFill>
           <a:schemeClr val="tx1"/>
         </a:solidFill>
-        <a:latin typeface="Arial" charset="0"/>
-        <a:ea typeface="ＭＳ Ｐゴシック" pitchFamily="34" charset="-128"/>
+        <a:latin typeface="+mn-lt"/>
+        <a:ea typeface="+mn-ea"/>
         <a:cs typeface="+mn-cs"/>
       </a:defRPr>
     </a:lvl4pPr>
-    <a:lvl5pPr marL="1828800" algn="l" rtl="0" eaLnBrk="0" fontAlgn="base" hangingPunct="0">
-      <a:spcBef>
-        <a:spcPct val="0"/>
-      </a:spcBef>
-      <a:spcAft>
-        <a:spcPct val="0"/>
-      </a:spcAft>
-      <a:defRPr sz="2400" kern="1200">
+    <a:lvl5pPr marL="1828800" algn="l" defTabSz="457200" rtl="0" eaLnBrk="1" latinLnBrk="0" hangingPunct="1">
+      <a:defRPr sz="1800" kern="1200">
         <a:solidFill>
           <a:schemeClr val="tx1"/>
         </a:solidFill>
-        <a:latin typeface="Arial" charset="0"/>
-        <a:ea typeface="ＭＳ Ｐゴシック" pitchFamily="34" charset="-128"/>
+        <a:latin typeface="+mn-lt"/>
+        <a:ea typeface="+mn-ea"/>
         <a:cs typeface="+mn-cs"/>
       </a:defRPr>
     </a:lvl5pPr>
-    <a:lvl6pPr marL="2286000" algn="l" defTabSz="914400" rtl="0" eaLnBrk="1" latinLnBrk="0" hangingPunct="1">
-      <a:defRPr sz="2400" kern="1200">
+    <a:lvl6pPr marL="2286000" algn="l" defTabSz="457200" rtl="0" eaLnBrk="1" latinLnBrk="0" hangingPunct="1">
+      <a:defRPr sz="1800" kern="1200">
         <a:solidFill>
           <a:schemeClr val="tx1"/>
         </a:solidFill>
-        <a:latin typeface="Arial" charset="0"/>
-        <a:ea typeface="ＭＳ Ｐゴシック" pitchFamily="34" charset="-128"/>
+        <a:latin typeface="+mn-lt"/>
+        <a:ea typeface="+mn-ea"/>
         <a:cs typeface="+mn-cs"/>
       </a:defRPr>
     </a:lvl6pPr>
-    <a:lvl7pPr marL="2743200" algn="l" defTabSz="914400" rtl="0" eaLnBrk="1" latinLnBrk="0" hangingPunct="1">
-      <a:defRPr sz="2400" kern="1200">
+    <a:lvl7pPr marL="2743200" algn="l" defTabSz="457200" rtl="0" eaLnBrk="1" latinLnBrk="0" hangingPunct="1">
+      <a:defRPr sz="1800" kern="1200">
         <a:solidFill>
           <a:schemeClr val="tx1"/>
         </a:solidFill>
-        <a:latin typeface="Arial" charset="0"/>
-        <a:ea typeface="ＭＳ Ｐゴシック" pitchFamily="34" charset="-128"/>
+        <a:latin typeface="+mn-lt"/>
+        <a:ea typeface="+mn-ea"/>
         <a:cs typeface="+mn-cs"/>
       </a:defRPr>
     </a:lvl7pPr>
-    <a:lvl8pPr marL="3200400" algn="l" defTabSz="914400" rtl="0" eaLnBrk="1" latinLnBrk="0" hangingPunct="1">
-      <a:defRPr sz="2400" kern="1200">
+    <a:lvl8pPr marL="3200400" algn="l" defTabSz="457200" rtl="0" eaLnBrk="1" latinLnBrk="0" hangingPunct="1">
+      <a:defRPr sz="1800" kern="1200">
         <a:solidFill>
           <a:schemeClr val="tx1"/>
         </a:solidFill>
-        <a:latin typeface="Arial" charset="0"/>
-        <a:ea typeface="ＭＳ Ｐゴシック" pitchFamily="34" charset="-128"/>
+        <a:latin typeface="+mn-lt"/>
+        <a:ea typeface="+mn-ea"/>
         <a:cs typeface="+mn-cs"/>
       </a:defRPr>
     </a:lvl8pPr>
-    <a:lvl9pPr marL="3657600" algn="l" defTabSz="914400" rtl="0" eaLnBrk="1" latinLnBrk="0" hangingPunct="1">
-      <a:defRPr sz="2400" kern="1200">
+    <a:lvl9pPr marL="3657600" algn="l" defTabSz="457200" rtl="0" eaLnBrk="1" latinLnBrk="0" hangingPunct="1">
+      <a:defRPr sz="1800" kern="1200">
         <a:solidFill>
           <a:schemeClr val="tx1"/>
         </a:solidFill>
-        <a:latin typeface="Arial" charset="0"/>
-        <a:ea typeface="ＭＳ Ｐゴシック" pitchFamily="34" charset="-128"/>
+        <a:latin typeface="+mn-lt"/>
+        <a:ea typeface="+mn-ea"/>
         <a:cs typeface="+mn-cs"/>
       </a:defRPr>
     </a:lvl9pPr>
   </p:defaultTextStyle>
   <p:extLst>
     <p:ext uri="{EFAFB233-063F-42B5-8137-9DF3F51BA10A}">
-      <p15:sldGuideLst xmlns:p15="http://schemas.microsoft.com/office/powerpoint/2012/main">
-        <p15:guide id="2" orient="horz" pos="4080" userDrawn="1">
-          <p15:clr>
-            <a:srgbClr val="A4A3A4"/>
-          </p15:clr>
-        </p15:guide>
-        <p15:guide id="4" orient="horz" pos="793" userDrawn="1">
-          <p15:clr>
-            <a:srgbClr val="A4A3A4"/>
-          </p15:clr>
-        </p15:guide>
-        <p15:guide id="6" pos="7242" userDrawn="1">
-          <p15:clr>
-            <a:srgbClr val="A4A3A4"/>
-          </p15:clr>
-        </p15:guide>
-        <p15:guide id="7" pos="543" userDrawn="1">
-          <p15:clr>
-            <a:srgbClr val="A4A3A4"/>
-          </p15:clr>
-        </p15:guide>
-        <p15:guide id="8" pos="7679" userDrawn="1">
-          <p15:clr>
-            <a:srgbClr val="A4A3A4"/>
-          </p15:clr>
-        </p15:guide>
-      </p15:sldGuideLst>
+      <p15:sldGuideLst xmlns:p15="http://schemas.microsoft.com/office/powerpoint/2012/main"/>
     </p:ext>
     <p:ext uri="{2D200454-40CA-4A62-9FC3-DE9A4176ACB9}">
-      <p15:notesGuideLst xmlns:p15="http://schemas.microsoft.com/office/powerpoint/2012/main">
-        <p15:guide id="1" orient="horz" pos="3127">
-          <p15:clr>
-            <a:srgbClr val="A4A3A4"/>
-          </p15:clr>
-        </p15:guide>
-        <p15:guide id="2" pos="2141">
-          <p15:clr>
-            <a:srgbClr val="A4A3A4"/>
-          </p15:clr>
-        </p15:guide>
-      </p15:notesGuideLst>
+      <p15:notesGuideLst xmlns:p15="http://schemas.microsoft.com/office/powerpoint/2012/main"/>
     </p:ext>
   </p:extLst>
 </p:presentation>
+</file>
+
+<file path=ppt/authors.xml><?xml version="1.0" encoding="utf-8"?>
+<p188:authorLst xmlns:a="http://schemas.openxmlformats.org/drawingml/2006/main" xmlns:r="http://schemas.openxmlformats.org/officeDocument/2006/relationships" xmlns:p188="http://schemas.microsoft.com/office/powerpoint/2018/8/main">
+  <p188:author id="{FC027A25-491E-F020-8D4D-24B2035FFD33}" name="Kat Clay" initials="KC" userId="S::kat.clay@grattaninstitute.edu.au::98d84789-129b-4d4d-9a75-a87bac8c8fd2" providerId="AD"/>
+</p188:authorLst>
 </file>
 
 <file path=ppt/notesMasters/notesMaster1.xml><?xml version="1.0" encoding="utf-8"?>
 <p:notesMaster xmlns:a="http://schemas.openxmlformats.org/drawingml/2006/main" xmlns:r="http://schemas.openxmlformats.org/officeDocument/2006/relationships" xmlns:p="http://schemas.openxmlformats.org/presentationml/2006/main">
   <p:cSld>
     <p:bg>
-      <p:bgPr>
-        <a:solidFill>
-          <a:schemeClr val="bg1"/>
-        </a:solidFill>
-        <a:effectLst/>
-      </p:bgPr>
+      <p:bgRef idx="1001">
+        <a:schemeClr val="bg1"/>
+      </p:bgRef>
     </p:bg>
     <p:spTree>
       <p:nvGrpSpPr>
@@ -212,42 +148,98 @@
       </p:grpSpPr>
       <p:sp>
         <p:nvSpPr>
-          <p:cNvPr id="125954" name="Rectangle 2"/>
+          <p:cNvPr id="2" name="Header Placeholder 1"/>
           <p:cNvSpPr>
-            <a:spLocks noGrp="1" noChangeArrowheads="1"/>
+            <a:spLocks noGrp="1"/>
           </p:cNvSpPr>
           <p:nvPr>
             <p:ph type="hdr" sz="quarter"/>
           </p:nvPr>
         </p:nvSpPr>
-        <p:spPr bwMode="auto">
+        <p:spPr>
           <a:xfrm>
             <a:off x="0" y="0"/>
-            <a:ext cx="2946400" cy="496888"/>
+            <a:ext cx="2971800" cy="458788"/>
+          </a:xfrm>
+          <a:prstGeom prst="rect">
+            <a:avLst/>
+          </a:prstGeom>
+        </p:spPr>
+        <p:txBody>
+          <a:bodyPr vert="horz" lIns="91440" tIns="45720" rIns="91440" bIns="45720" rtlCol="0"/>
+          <a:lstStyle>
+            <a:lvl1pPr algn="l">
+              <a:defRPr sz="1200"/>
+            </a:lvl1pPr>
+          </a:lstStyle>
+          <a:p>
+            <a:endParaRPr lang="en-US"/>
+          </a:p>
+        </p:txBody>
+      </p:sp>
+      <p:sp>
+        <p:nvSpPr>
+          <p:cNvPr id="3" name="Date Placeholder 2"/>
+          <p:cNvSpPr>
+            <a:spLocks noGrp="1"/>
+          </p:cNvSpPr>
+          <p:nvPr>
+            <p:ph type="dt" idx="1"/>
+          </p:nvPr>
+        </p:nvSpPr>
+        <p:spPr>
+          <a:xfrm>
+            <a:off x="3884613" y="0"/>
+            <a:ext cx="2971800" cy="458788"/>
+          </a:xfrm>
+          <a:prstGeom prst="rect">
+            <a:avLst/>
+          </a:prstGeom>
+        </p:spPr>
+        <p:txBody>
+          <a:bodyPr vert="horz" lIns="91440" tIns="45720" rIns="91440" bIns="45720" rtlCol="0"/>
+          <a:lstStyle>
+            <a:lvl1pPr algn="r">
+              <a:defRPr sz="1200"/>
+            </a:lvl1pPr>
+          </a:lstStyle>
+          <a:p>
+            <a:fld id="{E6375376-077A-8F42-9E71-155E70FB596E}" type="datetimeFigureOut">
+              <a:rPr lang="en-US" smtClean="0"/>
+              <a:t>5/26/23</a:t>
+            </a:fld>
+            <a:endParaRPr lang="en-US"/>
+          </a:p>
+        </p:txBody>
+      </p:sp>
+      <p:sp>
+        <p:nvSpPr>
+          <p:cNvPr id="4" name="Slide Image Placeholder 3"/>
+          <p:cNvSpPr>
+            <a:spLocks noGrp="1" noRot="1" noChangeAspect="1"/>
+          </p:cNvSpPr>
+          <p:nvPr>
+            <p:ph type="sldImg" idx="2"/>
+          </p:nvPr>
+        </p:nvSpPr>
+        <p:spPr>
+          <a:xfrm>
+            <a:off x="685800" y="1143000"/>
+            <a:ext cx="5486400" cy="3086100"/>
           </a:xfrm>
           <a:prstGeom prst="rect">
             <a:avLst/>
           </a:prstGeom>
           <a:noFill/>
-          <a:ln w="9525">
-            <a:noFill/>
-            <a:miter lim="800000"/>
-            <a:headEnd/>
-            <a:tailEnd/>
+          <a:ln w="12700">
+            <a:solidFill>
+              <a:prstClr val="black"/>
+            </a:solidFill>
           </a:ln>
-          <a:effectLst/>
         </p:spPr>
         <p:txBody>
-          <a:bodyPr vert="horz" wrap="square" lIns="91440" tIns="45720" rIns="91440" bIns="45720" numCol="1" anchor="t" anchorCtr="0" compatLnSpc="1">
-            <a:prstTxWarp prst="textNoShape">
-              <a:avLst/>
-            </a:prstTxWarp>
-          </a:bodyPr>
-          <a:lstStyle>
-            <a:lvl1pPr>
-              <a:defRPr sz="1200"/>
-            </a:lvl1pPr>
-          </a:lstStyle>
+          <a:bodyPr vert="horz" lIns="91440" tIns="45720" rIns="91440" bIns="45720" rtlCol="0" anchor="ctr"/>
+          <a:lstStyle/>
           <a:p>
             <a:endParaRPr lang="en-US"/>
           </a:p>
@@ -255,233 +247,124 @@
       </p:sp>
       <p:sp>
         <p:nvSpPr>
-          <p:cNvPr id="125955" name="Rectangle 3"/>
+          <p:cNvPr id="5" name="Notes Placeholder 4"/>
           <p:cNvSpPr>
-            <a:spLocks noGrp="1" noChangeArrowheads="1"/>
+            <a:spLocks noGrp="1"/>
           </p:cNvSpPr>
           <p:nvPr>
-            <p:ph type="dt" idx="1"/>
+            <p:ph type="body" sz="quarter" idx="3"/>
           </p:nvPr>
         </p:nvSpPr>
-        <p:spPr bwMode="auto">
+        <p:spPr>
           <a:xfrm>
-            <a:off x="3849688" y="0"/>
-            <a:ext cx="2946400" cy="496888"/>
+            <a:off x="685800" y="4400550"/>
+            <a:ext cx="5486400" cy="3600450"/>
           </a:xfrm>
           <a:prstGeom prst="rect">
             <a:avLst/>
           </a:prstGeom>
-          <a:noFill/>
-          <a:ln w="9525">
-            <a:noFill/>
-            <a:miter lim="800000"/>
-            <a:headEnd/>
-            <a:tailEnd/>
-          </a:ln>
-          <a:effectLst/>
         </p:spPr>
         <p:txBody>
-          <a:bodyPr vert="horz" wrap="square" lIns="91440" tIns="45720" rIns="91440" bIns="45720" numCol="1" anchor="t" anchorCtr="0" compatLnSpc="1">
-            <a:prstTxWarp prst="textNoShape">
-              <a:avLst/>
-            </a:prstTxWarp>
-          </a:bodyPr>
+          <a:bodyPr vert="horz" lIns="91440" tIns="45720" rIns="91440" bIns="45720" rtlCol="0"/>
+          <a:lstStyle/>
+          <a:p>
+            <a:pPr lvl="0"/>
+            <a:r>
+              <a:rPr lang="en-GB"/>
+              <a:t>Click to edit Master text styles</a:t>
+            </a:r>
+          </a:p>
+          <a:p>
+            <a:pPr lvl="1"/>
+            <a:r>
+              <a:rPr lang="en-GB"/>
+              <a:t>Second level</a:t>
+            </a:r>
+          </a:p>
+          <a:p>
+            <a:pPr lvl="2"/>
+            <a:r>
+              <a:rPr lang="en-GB"/>
+              <a:t>Third level</a:t>
+            </a:r>
+          </a:p>
+          <a:p>
+            <a:pPr lvl="3"/>
+            <a:r>
+              <a:rPr lang="en-GB"/>
+              <a:t>Fourth level</a:t>
+            </a:r>
+          </a:p>
+          <a:p>
+            <a:pPr lvl="4"/>
+            <a:r>
+              <a:rPr lang="en-GB"/>
+              <a:t>Fifth level</a:t>
+            </a:r>
+            <a:endParaRPr lang="en-US"/>
+          </a:p>
+        </p:txBody>
+      </p:sp>
+      <p:sp>
+        <p:nvSpPr>
+          <p:cNvPr id="6" name="Footer Placeholder 5"/>
+          <p:cNvSpPr>
+            <a:spLocks noGrp="1"/>
+          </p:cNvSpPr>
+          <p:nvPr>
+            <p:ph type="ftr" sz="quarter" idx="4"/>
+          </p:nvPr>
+        </p:nvSpPr>
+        <p:spPr>
+          <a:xfrm>
+            <a:off x="0" y="8685213"/>
+            <a:ext cx="2971800" cy="458787"/>
+          </a:xfrm>
+          <a:prstGeom prst="rect">
+            <a:avLst/>
+          </a:prstGeom>
+        </p:spPr>
+        <p:txBody>
+          <a:bodyPr vert="horz" lIns="91440" tIns="45720" rIns="91440" bIns="45720" rtlCol="0" anchor="b"/>
+          <a:lstStyle>
+            <a:lvl1pPr algn="l">
+              <a:defRPr sz="1200"/>
+            </a:lvl1pPr>
+          </a:lstStyle>
+          <a:p>
+            <a:endParaRPr lang="en-US"/>
+          </a:p>
+        </p:txBody>
+      </p:sp>
+      <p:sp>
+        <p:nvSpPr>
+          <p:cNvPr id="7" name="Slide Number Placeholder 6"/>
+          <p:cNvSpPr>
+            <a:spLocks noGrp="1"/>
+          </p:cNvSpPr>
+          <p:nvPr>
+            <p:ph type="sldNum" sz="quarter" idx="5"/>
+          </p:nvPr>
+        </p:nvSpPr>
+        <p:spPr>
+          <a:xfrm>
+            <a:off x="3884613" y="8685213"/>
+            <a:ext cx="2971800" cy="458787"/>
+          </a:xfrm>
+          <a:prstGeom prst="rect">
+            <a:avLst/>
+          </a:prstGeom>
+        </p:spPr>
+        <p:txBody>
+          <a:bodyPr vert="horz" lIns="91440" tIns="45720" rIns="91440" bIns="45720" rtlCol="0" anchor="b"/>
           <a:lstStyle>
             <a:lvl1pPr algn="r">
               <a:defRPr sz="1200"/>
             </a:lvl1pPr>
           </a:lstStyle>
           <a:p>
-            <a:endParaRPr lang="en-US"/>
-          </a:p>
-        </p:txBody>
-      </p:sp>
-      <p:sp>
-        <p:nvSpPr>
-          <p:cNvPr id="125956" name="Rectangle 4"/>
-          <p:cNvSpPr>
-            <a:spLocks noGrp="1" noRot="1" noChangeAspect="1" noChangeArrowheads="1" noTextEdit="1"/>
-          </p:cNvSpPr>
-          <p:nvPr>
-            <p:ph type="sldImg" idx="2"/>
-          </p:nvPr>
-        </p:nvSpPr>
-        <p:spPr bwMode="auto">
-          <a:xfrm>
-            <a:off x="92075" y="744538"/>
-            <a:ext cx="6615113" cy="3722687"/>
-          </a:xfrm>
-          <a:prstGeom prst="rect">
-            <a:avLst/>
-          </a:prstGeom>
-          <a:noFill/>
-          <a:ln w="9525">
-            <a:solidFill>
-              <a:srgbClr val="000000"/>
-            </a:solidFill>
-            <a:miter lim="800000"/>
-            <a:headEnd/>
-            <a:tailEnd/>
-          </a:ln>
-          <a:effectLst/>
-        </p:spPr>
-      </p:sp>
-      <p:sp>
-        <p:nvSpPr>
-          <p:cNvPr id="125957" name="Rectangle 5"/>
-          <p:cNvSpPr>
-            <a:spLocks noGrp="1" noChangeArrowheads="1"/>
-          </p:cNvSpPr>
-          <p:nvPr>
-            <p:ph type="body" sz="quarter" idx="3"/>
-          </p:nvPr>
-        </p:nvSpPr>
-        <p:spPr bwMode="auto">
-          <a:xfrm>
-            <a:off x="679450" y="4716463"/>
-            <a:ext cx="5438775" cy="4467225"/>
-          </a:xfrm>
-          <a:prstGeom prst="rect">
-            <a:avLst/>
-          </a:prstGeom>
-          <a:noFill/>
-          <a:ln w="9525">
-            <a:noFill/>
-            <a:miter lim="800000"/>
-            <a:headEnd/>
-            <a:tailEnd/>
-          </a:ln>
-          <a:effectLst/>
-        </p:spPr>
-        <p:txBody>
-          <a:bodyPr vert="horz" wrap="square" lIns="91440" tIns="45720" rIns="91440" bIns="45720" numCol="1" anchor="t" anchorCtr="0" compatLnSpc="1">
-            <a:prstTxWarp prst="textNoShape">
-              <a:avLst/>
-            </a:prstTxWarp>
-          </a:bodyPr>
-          <a:lstStyle/>
-          <a:p>
-            <a:pPr lvl="0"/>
-            <a:r>
-              <a:rPr lang="en-US"/>
-              <a:t>Click to edit Master text styles</a:t>
-            </a:r>
-          </a:p>
-          <a:p>
-            <a:pPr lvl="1"/>
-            <a:r>
-              <a:rPr lang="en-US"/>
-              <a:t>Second level</a:t>
-            </a:r>
-          </a:p>
-          <a:p>
-            <a:pPr lvl="2"/>
-            <a:r>
-              <a:rPr lang="en-US"/>
-              <a:t>Third level</a:t>
-            </a:r>
-          </a:p>
-          <a:p>
-            <a:pPr lvl="3"/>
-            <a:r>
-              <a:rPr lang="en-US"/>
-              <a:t>Fourth level</a:t>
-            </a:r>
-          </a:p>
-          <a:p>
-            <a:pPr lvl="4"/>
-            <a:r>
-              <a:rPr lang="en-US"/>
-              <a:t>Fifth level</a:t>
-            </a:r>
-          </a:p>
-        </p:txBody>
-      </p:sp>
-      <p:sp>
-        <p:nvSpPr>
-          <p:cNvPr id="125958" name="Rectangle 6"/>
-          <p:cNvSpPr>
-            <a:spLocks noGrp="1" noChangeArrowheads="1"/>
-          </p:cNvSpPr>
-          <p:nvPr>
-            <p:ph type="ftr" sz="quarter" idx="4"/>
-          </p:nvPr>
-        </p:nvSpPr>
-        <p:spPr bwMode="auto">
-          <a:xfrm>
-            <a:off x="0" y="9429750"/>
-            <a:ext cx="2946400" cy="496888"/>
-          </a:xfrm>
-          <a:prstGeom prst="rect">
-            <a:avLst/>
-          </a:prstGeom>
-          <a:noFill/>
-          <a:ln w="9525">
-            <a:noFill/>
-            <a:miter lim="800000"/>
-            <a:headEnd/>
-            <a:tailEnd/>
-          </a:ln>
-          <a:effectLst/>
-        </p:spPr>
-        <p:txBody>
-          <a:bodyPr vert="horz" wrap="square" lIns="91440" tIns="45720" rIns="91440" bIns="45720" numCol="1" anchor="b" anchorCtr="0" compatLnSpc="1">
-            <a:prstTxWarp prst="textNoShape">
-              <a:avLst/>
-            </a:prstTxWarp>
-          </a:bodyPr>
-          <a:lstStyle>
-            <a:lvl1pPr>
-              <a:defRPr sz="1200"/>
-            </a:lvl1pPr>
-          </a:lstStyle>
-          <a:p>
-            <a:endParaRPr lang="en-US"/>
-          </a:p>
-        </p:txBody>
-      </p:sp>
-      <p:sp>
-        <p:nvSpPr>
-          <p:cNvPr id="125959" name="Rectangle 7"/>
-          <p:cNvSpPr>
-            <a:spLocks noGrp="1" noChangeArrowheads="1"/>
-          </p:cNvSpPr>
-          <p:nvPr>
-            <p:ph type="sldNum" sz="quarter" idx="5"/>
-          </p:nvPr>
-        </p:nvSpPr>
-        <p:spPr bwMode="auto">
-          <a:xfrm>
-            <a:off x="3849688" y="9429750"/>
-            <a:ext cx="2946400" cy="496888"/>
-          </a:xfrm>
-          <a:prstGeom prst="rect">
-            <a:avLst/>
-          </a:prstGeom>
-          <a:noFill/>
-          <a:ln w="9525">
-            <a:noFill/>
-            <a:miter lim="800000"/>
-            <a:headEnd/>
-            <a:tailEnd/>
-          </a:ln>
-          <a:effectLst/>
-        </p:spPr>
-        <p:txBody>
-          <a:bodyPr vert="horz" wrap="square" lIns="91440" tIns="45720" rIns="91440" bIns="45720" numCol="1" anchor="b" anchorCtr="0" compatLnSpc="1">
-            <a:prstTxWarp prst="textNoShape">
-              <a:avLst/>
-            </a:prstTxWarp>
-          </a:bodyPr>
-          <a:lstStyle>
-            <a:lvl1pPr algn="r">
-              <a:defRPr sz="1200"/>
-            </a:lvl1pPr>
-          </a:lstStyle>
-          <a:p>
-            <a:fld id="{EE67FFEB-41A8-4E33-A442-87C345D03039}" type="slidenum">
-              <a:rPr lang="en-US"/>
-              <a:pPr/>
+            <a:fld id="{62E9419A-B53B-B044-8F99-D2573F3A847D}" type="slidenum">
+              <a:rPr lang="en-US" smtClean="0"/>
               <a:t>‹#›</a:t>
             </a:fld>
             <a:endParaRPr lang="en-US"/>
@@ -491,89 +374,59 @@
     </p:spTree>
     <p:extLst>
       <p:ext uri="{BB962C8B-B14F-4D97-AF65-F5344CB8AC3E}">
-        <p14:creationId xmlns:p14="http://schemas.microsoft.com/office/powerpoint/2010/main" val="1768619553"/>
+        <p14:creationId xmlns:p14="http://schemas.microsoft.com/office/powerpoint/2010/main" val="1586388501"/>
       </p:ext>
     </p:extLst>
   </p:cSld>
   <p:clrMap bg1="lt1" tx1="dk1" bg2="lt2" tx2="dk2" accent1="accent1" accent2="accent2" accent3="accent3" accent4="accent4" accent5="accent5" accent6="accent6" hlink="hlink" folHlink="folHlink"/>
   <p:notesStyle>
-    <a:lvl1pPr algn="l" rtl="0" fontAlgn="base">
-      <a:spcBef>
-        <a:spcPct val="30000"/>
-      </a:spcBef>
-      <a:spcAft>
-        <a:spcPct val="0"/>
-      </a:spcAft>
+    <a:lvl1pPr marL="0" algn="l" defTabSz="914400" rtl="0" eaLnBrk="1" latinLnBrk="0" hangingPunct="1">
       <a:defRPr sz="1200" kern="1200">
         <a:solidFill>
           <a:schemeClr val="tx1"/>
         </a:solidFill>
-        <a:latin typeface="Arial" charset="0"/>
-        <a:ea typeface="ＭＳ Ｐゴシック" pitchFamily="34" charset="-128"/>
+        <a:latin typeface="+mn-lt"/>
+        <a:ea typeface="+mn-ea"/>
         <a:cs typeface="+mn-cs"/>
       </a:defRPr>
     </a:lvl1pPr>
-    <a:lvl2pPr marL="457200" algn="l" rtl="0" fontAlgn="base">
-      <a:spcBef>
-        <a:spcPct val="30000"/>
-      </a:spcBef>
-      <a:spcAft>
-        <a:spcPct val="0"/>
-      </a:spcAft>
+    <a:lvl2pPr marL="457200" algn="l" defTabSz="914400" rtl="0" eaLnBrk="1" latinLnBrk="0" hangingPunct="1">
       <a:defRPr sz="1200" kern="1200">
         <a:solidFill>
           <a:schemeClr val="tx1"/>
         </a:solidFill>
-        <a:latin typeface="Arial" charset="0"/>
-        <a:ea typeface="ＭＳ Ｐゴシック" pitchFamily="34" charset="-128"/>
+        <a:latin typeface="+mn-lt"/>
+        <a:ea typeface="+mn-ea"/>
         <a:cs typeface="+mn-cs"/>
       </a:defRPr>
     </a:lvl2pPr>
-    <a:lvl3pPr marL="914400" algn="l" rtl="0" fontAlgn="base">
-      <a:spcBef>
-        <a:spcPct val="30000"/>
-      </a:spcBef>
-      <a:spcAft>
-        <a:spcPct val="0"/>
-      </a:spcAft>
+    <a:lvl3pPr marL="914400" algn="l" defTabSz="914400" rtl="0" eaLnBrk="1" latinLnBrk="0" hangingPunct="1">
       <a:defRPr sz="1200" kern="1200">
         <a:solidFill>
           <a:schemeClr val="tx1"/>
         </a:solidFill>
-        <a:latin typeface="Arial" charset="0"/>
-        <a:ea typeface="ＭＳ Ｐゴシック" pitchFamily="34" charset="-128"/>
+        <a:latin typeface="+mn-lt"/>
+        <a:ea typeface="+mn-ea"/>
         <a:cs typeface="+mn-cs"/>
       </a:defRPr>
     </a:lvl3pPr>
-    <a:lvl4pPr marL="1371600" algn="l" rtl="0" fontAlgn="base">
-      <a:spcBef>
-        <a:spcPct val="30000"/>
-      </a:spcBef>
-      <a:spcAft>
-        <a:spcPct val="0"/>
-      </a:spcAft>
+    <a:lvl4pPr marL="1371600" algn="l" defTabSz="914400" rtl="0" eaLnBrk="1" latinLnBrk="0" hangingPunct="1">
       <a:defRPr sz="1200" kern="1200">
         <a:solidFill>
           <a:schemeClr val="tx1"/>
         </a:solidFill>
-        <a:latin typeface="Arial" charset="0"/>
-        <a:ea typeface="ＭＳ Ｐゴシック" pitchFamily="34" charset="-128"/>
+        <a:latin typeface="+mn-lt"/>
+        <a:ea typeface="+mn-ea"/>
         <a:cs typeface="+mn-cs"/>
       </a:defRPr>
     </a:lvl4pPr>
-    <a:lvl5pPr marL="1828800" algn="l" rtl="0" fontAlgn="base">
-      <a:spcBef>
-        <a:spcPct val="30000"/>
-      </a:spcBef>
-      <a:spcAft>
-        <a:spcPct val="0"/>
-      </a:spcAft>
+    <a:lvl5pPr marL="1828800" algn="l" defTabSz="914400" rtl="0" eaLnBrk="1" latinLnBrk="0" hangingPunct="1">
       <a:defRPr sz="1200" kern="1200">
         <a:solidFill>
           <a:schemeClr val="tx1"/>
         </a:solidFill>
-        <a:latin typeface="Arial" charset="0"/>
-        <a:ea typeface="ＭＳ Ｐゴシック" pitchFamily="34" charset="-128"/>
+        <a:latin typeface="+mn-lt"/>
+        <a:ea typeface="+mn-ea"/>
         <a:cs typeface="+mn-cs"/>
       </a:defRPr>
     </a:lvl5pPr>
@@ -640,7 +493,7 @@
       </p:grpSpPr>
       <p:sp>
         <p:nvSpPr>
-          <p:cNvPr id="2" name="Rectangle 5"/>
+          <p:cNvPr id="2" name="Notes Placeholder 4"/>
           <p:cNvSpPr>
             <a:spLocks noGrp="1"/>
           </p:cNvSpPr>
@@ -655,7 +508,7 @@
           <a:p>
             <a:r>
               <a:rPr/>
-              <a:t>
+              <a:t>R script location: ~/Desktop/grattantheme/data-raw/create sysdata.R
 Powerpoint file location: /Users/reysenbacht/Desktop/grattantheme/tests/testthat/temp.pptx</a:t>
             </a:r>
           </a:p>
@@ -670,7 +523,442 @@
 </file>
 
 <file path=ppt/slideLayouts/slideLayout1.xml><?xml version="1.0" encoding="utf-8"?>
-<p:sldLayout xmlns:a="http://schemas.openxmlformats.org/drawingml/2006/main" xmlns:r="http://schemas.openxmlformats.org/officeDocument/2006/relationships" xmlns:p="http://schemas.openxmlformats.org/presentationml/2006/main" showMasterSp="0" preserve="1" userDrawn="1">
+<p:sldLayout xmlns:a="http://schemas.openxmlformats.org/drawingml/2006/main" xmlns:r="http://schemas.openxmlformats.org/officeDocument/2006/relationships" xmlns:p="http://schemas.openxmlformats.org/presentationml/2006/main" preserve="1" userDrawn="1">
+  <p:cSld name="1_Title Slide">
+    <p:spTree>
+      <p:nvGrpSpPr>
+        <p:cNvPr id="1" name=""/>
+        <p:cNvGrpSpPr/>
+        <p:nvPr/>
+      </p:nvGrpSpPr>
+      <p:grpSpPr>
+        <a:xfrm>
+          <a:off x="0" y="0"/>
+          <a:ext cx="0" cy="0"/>
+          <a:chOff x="0" y="0"/>
+          <a:chExt cx="0" cy="0"/>
+        </a:xfrm>
+      </p:grpSpPr>
+      <p:sp>
+        <p:nvSpPr>
+          <p:cNvPr id="7" name="TextBox 6">
+            <a:extLst>
+              <a:ext uri="{FF2B5EF4-FFF2-40B4-BE49-F238E27FC236}">
+                <a16:creationId xmlns:a16="http://schemas.microsoft.com/office/drawing/2014/main" id="{0ECBC2DE-EA68-5645-6DC4-19921CEEB0B0}"/>
+              </a:ext>
+            </a:extLst>
+          </p:cNvPr>
+          <p:cNvSpPr txBox="1"/>
+          <p:nvPr userDrawn="1"/>
+        </p:nvSpPr>
+        <p:spPr>
+          <a:xfrm>
+            <a:off x="116541" y="1290918"/>
+            <a:ext cx="184731" cy="369332"/>
+          </a:xfrm>
+          <a:prstGeom prst="rect">
+            <a:avLst/>
+          </a:prstGeom>
+          <a:noFill/>
+        </p:spPr>
+        <p:txBody>
+          <a:bodyPr wrap="none" rtlCol="0">
+            <a:spAutoFit/>
+          </a:bodyPr>
+          <a:lstStyle/>
+          <a:p>
+            <a:endParaRPr lang="en-US" dirty="0"/>
+          </a:p>
+        </p:txBody>
+      </p:sp>
+      <p:sp>
+        <p:nvSpPr>
+          <p:cNvPr id="8" name="Rectangle 7">
+            <a:extLst>
+              <a:ext uri="{FF2B5EF4-FFF2-40B4-BE49-F238E27FC236}">
+                <a16:creationId xmlns:a16="http://schemas.microsoft.com/office/drawing/2014/main" id="{7972C78F-E40D-3A6B-24C2-906FA20E603F}"/>
+              </a:ext>
+            </a:extLst>
+          </p:cNvPr>
+          <p:cNvSpPr/>
+          <p:nvPr userDrawn="1"/>
+        </p:nvSpPr>
+        <p:spPr>
+          <a:xfrm>
+            <a:off x="-11575" y="0"/>
+            <a:ext cx="12203575" cy="6858000"/>
+          </a:xfrm>
+          <a:prstGeom prst="rect">
+            <a:avLst/>
+          </a:prstGeom>
+        </p:spPr>
+        <p:style>
+          <a:lnRef idx="2">
+            <a:schemeClr val="dk1">
+              <a:shade val="50000"/>
+            </a:schemeClr>
+          </a:lnRef>
+          <a:fillRef idx="1">
+            <a:schemeClr val="dk1"/>
+          </a:fillRef>
+          <a:effectRef idx="0">
+            <a:schemeClr val="dk1"/>
+          </a:effectRef>
+          <a:fontRef idx="minor">
+            <a:schemeClr val="lt1"/>
+          </a:fontRef>
+        </p:style>
+        <p:txBody>
+          <a:bodyPr rtlCol="0" anchor="ctr"/>
+          <a:lstStyle/>
+          <a:p>
+            <a:pPr algn="ctr"/>
+            <a:endParaRPr lang="en-US" dirty="0"/>
+          </a:p>
+        </p:txBody>
+      </p:sp>
+      <p:pic>
+        <p:nvPicPr>
+          <p:cNvPr id="12" name="Picture 11">
+            <a:extLst>
+              <a:ext uri="{FF2B5EF4-FFF2-40B4-BE49-F238E27FC236}">
+                <a16:creationId xmlns:a16="http://schemas.microsoft.com/office/drawing/2014/main" id="{92DD39A8-9F28-D01B-F290-1C31B5FA8F47}"/>
+              </a:ext>
+            </a:extLst>
+          </p:cNvPr>
+          <p:cNvPicPr>
+            <a:picLocks noChangeAspect="1"/>
+          </p:cNvPicPr>
+          <p:nvPr userDrawn="1"/>
+        </p:nvPicPr>
+        <p:blipFill>
+          <a:blip r:embed="rId2" cstate="screen">
+            <a:extLst>
+              <a:ext uri="{28A0092B-C50C-407E-A947-70E740481C1C}">
+                <a14:useLocalDpi xmlns:a14="http://schemas.microsoft.com/office/drawing/2010/main"/>
+              </a:ext>
+            </a:extLst>
+          </a:blip>
+          <a:stretch>
+            <a:fillRect/>
+          </a:stretch>
+        </p:blipFill>
+        <p:spPr>
+          <a:xfrm>
+            <a:off x="9677400" y="5905970"/>
+            <a:ext cx="1933575" cy="532929"/>
+          </a:xfrm>
+          <a:prstGeom prst="rect">
+            <a:avLst/>
+          </a:prstGeom>
+        </p:spPr>
+      </p:pic>
+      <p:sp>
+        <p:nvSpPr>
+          <p:cNvPr id="19" name="Picture Placeholder 18">
+            <a:extLst>
+              <a:ext uri="{FF2B5EF4-FFF2-40B4-BE49-F238E27FC236}">
+                <a16:creationId xmlns:a16="http://schemas.microsoft.com/office/drawing/2014/main" id="{9AC38636-A519-1DAA-F186-6178D64B122F}"/>
+              </a:ext>
+            </a:extLst>
+          </p:cNvPr>
+          <p:cNvSpPr>
+            <a:spLocks noGrp="1"/>
+          </p:cNvSpPr>
+          <p:nvPr>
+            <p:ph type="pic" sz="quarter" idx="11" hasCustomPrompt="1"/>
+          </p:nvPr>
+        </p:nvSpPr>
+        <p:spPr>
+          <a:xfrm>
+            <a:off x="-11575" y="0"/>
+            <a:ext cx="4181474" cy="6858000"/>
+          </a:xfrm>
+        </p:spPr>
+        <p:txBody>
+          <a:bodyPr/>
+          <a:lstStyle>
+            <a:lvl1pPr marL="0" indent="0" algn="ctr">
+              <a:buNone/>
+              <a:defRPr>
+                <a:solidFill>
+                  <a:schemeClr val="bg1"/>
+                </a:solidFill>
+              </a:defRPr>
+            </a:lvl1pPr>
+          </a:lstStyle>
+          <a:p>
+            <a:r>
+              <a:rPr lang="en-US" dirty="0"/>
+              <a:t>Insert picture here</a:t>
+            </a:r>
+          </a:p>
+        </p:txBody>
+      </p:sp>
+      <p:sp>
+        <p:nvSpPr>
+          <p:cNvPr id="3" name="Picture Placeholder 2">
+            <a:extLst>
+              <a:ext uri="{FF2B5EF4-FFF2-40B4-BE49-F238E27FC236}">
+                <a16:creationId xmlns:a16="http://schemas.microsoft.com/office/drawing/2014/main" id="{E7F0A3FD-BE2F-A94A-0A45-53E6C58A00E0}"/>
+              </a:ext>
+            </a:extLst>
+          </p:cNvPr>
+          <p:cNvSpPr>
+            <a:spLocks noGrp="1"/>
+          </p:cNvSpPr>
+          <p:nvPr>
+            <p:ph type="pic" sz="quarter" idx="12" hasCustomPrompt="1"/>
+          </p:nvPr>
+        </p:nvSpPr>
+        <p:spPr>
+          <a:xfrm>
+            <a:off x="5043488" y="5091113"/>
+            <a:ext cx="1306512" cy="1206500"/>
+          </a:xfrm>
+        </p:spPr>
+        <p:txBody>
+          <a:bodyPr>
+            <a:normAutofit/>
+          </a:bodyPr>
+          <a:lstStyle>
+            <a:lvl1pPr>
+              <a:defRPr sz="1400">
+                <a:solidFill>
+                  <a:schemeClr val="bg1"/>
+                </a:solidFill>
+              </a:defRPr>
+            </a:lvl1pPr>
+          </a:lstStyle>
+          <a:p>
+            <a:r>
+              <a:rPr lang="en-AU" dirty="0"/>
+              <a:t>Insert headshot here</a:t>
+            </a:r>
+          </a:p>
+        </p:txBody>
+      </p:sp>
+      <p:sp>
+        <p:nvSpPr>
+          <p:cNvPr id="6" name="Text Placeholder 5">
+            <a:extLst>
+              <a:ext uri="{FF2B5EF4-FFF2-40B4-BE49-F238E27FC236}">
+                <a16:creationId xmlns:a16="http://schemas.microsoft.com/office/drawing/2014/main" id="{D74C6B55-78E8-9DB5-56FA-E4A3B5705F80}"/>
+              </a:ext>
+            </a:extLst>
+          </p:cNvPr>
+          <p:cNvSpPr>
+            <a:spLocks noGrp="1"/>
+          </p:cNvSpPr>
+          <p:nvPr>
+            <p:ph type="body" sz="quarter" idx="13" hasCustomPrompt="1"/>
+          </p:nvPr>
+        </p:nvSpPr>
+        <p:spPr>
+          <a:xfrm>
+            <a:off x="6464300" y="5141913"/>
+            <a:ext cx="2335213" cy="339725"/>
+          </a:xfrm>
+        </p:spPr>
+        <p:txBody>
+          <a:bodyPr>
+            <a:noAutofit/>
+          </a:bodyPr>
+          <a:lstStyle>
+            <a:lvl1pPr marL="0" indent="0">
+              <a:buNone/>
+              <a:defRPr sz="1200">
+                <a:solidFill>
+                  <a:schemeClr val="bg1"/>
+                </a:solidFill>
+              </a:defRPr>
+            </a:lvl1pPr>
+            <a:lvl2pPr>
+              <a:defRPr sz="1100"/>
+            </a:lvl2pPr>
+            <a:lvl3pPr>
+              <a:defRPr sz="1050"/>
+            </a:lvl3pPr>
+            <a:lvl4pPr>
+              <a:defRPr sz="1000"/>
+            </a:lvl4pPr>
+            <a:lvl5pPr>
+              <a:defRPr sz="1000"/>
+            </a:lvl5pPr>
+          </a:lstStyle>
+          <a:p>
+            <a:pPr lvl="0"/>
+            <a:r>
+              <a:rPr lang="en-US" dirty="0"/>
+              <a:t>Name and title</a:t>
+            </a:r>
+            <a:endParaRPr lang="en-AU" dirty="0"/>
+          </a:p>
+        </p:txBody>
+      </p:sp>
+      <p:sp>
+        <p:nvSpPr>
+          <p:cNvPr id="13" name="Text Placeholder 12">
+            <a:extLst>
+              <a:ext uri="{FF2B5EF4-FFF2-40B4-BE49-F238E27FC236}">
+                <a16:creationId xmlns:a16="http://schemas.microsoft.com/office/drawing/2014/main" id="{0F4E9AF8-FC9F-0A5C-B569-D51DA3E363FA}"/>
+              </a:ext>
+            </a:extLst>
+          </p:cNvPr>
+          <p:cNvSpPr>
+            <a:spLocks noGrp="1"/>
+          </p:cNvSpPr>
+          <p:nvPr>
+            <p:ph type="body" sz="quarter" idx="14" hasCustomPrompt="1"/>
+          </p:nvPr>
+        </p:nvSpPr>
+        <p:spPr>
+          <a:xfrm>
+            <a:off x="6464300" y="5732462"/>
+            <a:ext cx="2276475" cy="268287"/>
+          </a:xfrm>
+        </p:spPr>
+        <p:txBody>
+          <a:bodyPr>
+            <a:noAutofit/>
+          </a:bodyPr>
+          <a:lstStyle>
+            <a:lvl1pPr marL="0" indent="0">
+              <a:buNone/>
+              <a:defRPr sz="1200">
+                <a:solidFill>
+                  <a:schemeClr val="bg1"/>
+                </a:solidFill>
+              </a:defRPr>
+            </a:lvl1pPr>
+          </a:lstStyle>
+          <a:p>
+            <a:pPr lvl="0"/>
+            <a:r>
+              <a:rPr lang="en-US" dirty="0"/>
+              <a:t>Date</a:t>
+            </a:r>
+            <a:endParaRPr lang="en-AU" dirty="0"/>
+          </a:p>
+        </p:txBody>
+      </p:sp>
+      <p:sp>
+        <p:nvSpPr>
+          <p:cNvPr id="15" name="Text Placeholder 14">
+            <a:extLst>
+              <a:ext uri="{FF2B5EF4-FFF2-40B4-BE49-F238E27FC236}">
+                <a16:creationId xmlns:a16="http://schemas.microsoft.com/office/drawing/2014/main" id="{B0FC04F8-DC87-4C48-7442-FA72D1647E24}"/>
+              </a:ext>
+            </a:extLst>
+          </p:cNvPr>
+          <p:cNvSpPr>
+            <a:spLocks noGrp="1"/>
+          </p:cNvSpPr>
+          <p:nvPr>
+            <p:ph type="body" sz="quarter" idx="15" hasCustomPrompt="1"/>
+          </p:nvPr>
+        </p:nvSpPr>
+        <p:spPr>
+          <a:xfrm>
+            <a:off x="5014913" y="2014538"/>
+            <a:ext cx="5573712" cy="1206500"/>
+          </a:xfrm>
+        </p:spPr>
+        <p:txBody>
+          <a:bodyPr/>
+          <a:lstStyle>
+            <a:lvl1pPr marL="0" indent="0">
+              <a:buNone/>
+              <a:defRPr sz="4000">
+                <a:solidFill>
+                  <a:schemeClr val="bg1"/>
+                </a:solidFill>
+                <a:latin typeface="+mj-lt"/>
+              </a:defRPr>
+            </a:lvl1pPr>
+            <a:lvl5pPr>
+              <a:defRPr/>
+            </a:lvl5pPr>
+          </a:lstStyle>
+          <a:p>
+            <a:pPr lvl="0"/>
+            <a:r>
+              <a:rPr lang="en-US" dirty="0"/>
+              <a:t>Title</a:t>
+            </a:r>
+            <a:endParaRPr lang="en-AU" dirty="0"/>
+          </a:p>
+        </p:txBody>
+      </p:sp>
+      <p:sp>
+        <p:nvSpPr>
+          <p:cNvPr id="18" name="Text Placeholder 17">
+            <a:extLst>
+              <a:ext uri="{FF2B5EF4-FFF2-40B4-BE49-F238E27FC236}">
+                <a16:creationId xmlns:a16="http://schemas.microsoft.com/office/drawing/2014/main" id="{6DCF6FB1-F9E4-A648-B189-9DD172BB1E85}"/>
+              </a:ext>
+            </a:extLst>
+          </p:cNvPr>
+          <p:cNvSpPr>
+            <a:spLocks noGrp="1"/>
+          </p:cNvSpPr>
+          <p:nvPr>
+            <p:ph type="body" sz="quarter" idx="16" hasCustomPrompt="1"/>
+          </p:nvPr>
+        </p:nvSpPr>
+        <p:spPr>
+          <a:xfrm>
+            <a:off x="5014913" y="3429000"/>
+            <a:ext cx="5573712" cy="652463"/>
+          </a:xfrm>
+        </p:spPr>
+        <p:txBody>
+          <a:bodyPr>
+            <a:normAutofit/>
+          </a:bodyPr>
+          <a:lstStyle>
+            <a:lvl1pPr marL="0" indent="0">
+              <a:buNone/>
+              <a:defRPr sz="2400" b="0" cap="none" spc="0">
+                <a:ln w="0"/>
+                <a:solidFill>
+                  <a:schemeClr val="accent1"/>
+                </a:solidFill>
+                <a:effectLst>
+                  <a:outerShdw blurRad="38100" dist="25400" dir="5400000" algn="ctr" rotWithShape="0">
+                    <a:srgbClr val="6E747A">
+                      <a:alpha val="43000"/>
+                    </a:srgbClr>
+                  </a:outerShdw>
+                </a:effectLst>
+              </a:defRPr>
+            </a:lvl1pPr>
+          </a:lstStyle>
+          <a:p>
+            <a:pPr lvl="0"/>
+            <a:r>
+              <a:rPr lang="en-US" dirty="0"/>
+              <a:t>Subheading</a:t>
+            </a:r>
+            <a:endParaRPr lang="en-AU" dirty="0"/>
+          </a:p>
+        </p:txBody>
+      </p:sp>
+    </p:spTree>
+    <p:extLst>
+      <p:ext uri="{BB962C8B-B14F-4D97-AF65-F5344CB8AC3E}">
+        <p14:creationId xmlns:p14="http://schemas.microsoft.com/office/powerpoint/2010/main" val="2531635496"/>
+      </p:ext>
+    </p:extLst>
+  </p:cSld>
+  <p:clrMapOvr>
+    <a:masterClrMapping/>
+  </p:clrMapOvr>
+</p:sldLayout>
+</file>
+
+<file path=ppt/slideLayouts/slideLayout2.xml><?xml version="1.0" encoding="utf-8"?>
+<p:sldLayout xmlns:a="http://schemas.openxmlformats.org/drawingml/2006/main" xmlns:r="http://schemas.openxmlformats.org/officeDocument/2006/relationships" xmlns:p="http://schemas.openxmlformats.org/presentationml/2006/main" type="secHead" preserve="1">
   <p:cSld name="Section Header">
     <p:spTree>
       <p:nvGrpSpPr>
@@ -688,278 +976,50 @@
       </p:grpSpPr>
       <p:sp>
         <p:nvSpPr>
-          <p:cNvPr id="7" name="Rectangle 2">
+          <p:cNvPr id="7" name="Rectangle 6">
             <a:extLst>
               <a:ext uri="{FF2B5EF4-FFF2-40B4-BE49-F238E27FC236}">
-                <a16:creationId xmlns:a16="http://schemas.microsoft.com/office/drawing/2014/main" id="{44D005F0-3FDA-D04B-84DD-1363FABAE9B6}"/>
+                <a16:creationId xmlns:a16="http://schemas.microsoft.com/office/drawing/2014/main" id="{820FF13B-17DE-B58E-23D0-863404B8498B}"/>
               </a:ext>
             </a:extLst>
           </p:cNvPr>
-          <p:cNvSpPr>
-            <a:spLocks noGrp="1" noChangeArrowheads="1"/>
-          </p:cNvSpPr>
-          <p:nvPr>
-            <p:ph type="ctrTitle"/>
-          </p:nvPr>
+          <p:cNvSpPr/>
+          <p:nvPr userDrawn="1"/>
         </p:nvSpPr>
         <p:spPr>
           <a:xfrm>
-            <a:off x="2460295" y="3391819"/>
-            <a:ext cx="9040445" cy="430887"/>
-          </a:xfrm>
-        </p:spPr>
-        <p:txBody>
-          <a:bodyPr/>
-          <a:lstStyle>
-            <a:lvl1pPr algn="r">
-              <a:defRPr sz="2800"/>
-            </a:lvl1pPr>
-          </a:lstStyle>
-          <a:p>
-            <a:r>
-              <a:rPr lang="en-US" dirty="0"/>
-              <a:t>Click to edit Master title style</a:t>
-            </a:r>
-            <a:endParaRPr lang="en-AU" dirty="0"/>
-          </a:p>
-        </p:txBody>
-      </p:sp>
-      <p:sp>
-        <p:nvSpPr>
-          <p:cNvPr id="8" name="Rectangle 3">
-            <a:extLst>
-              <a:ext uri="{FF2B5EF4-FFF2-40B4-BE49-F238E27FC236}">
-                <a16:creationId xmlns:a16="http://schemas.microsoft.com/office/drawing/2014/main" id="{CF96A3B4-E487-2E43-AB4D-AF0B84261717}"/>
-              </a:ext>
-            </a:extLst>
-          </p:cNvPr>
-          <p:cNvSpPr>
-            <a:spLocks noGrp="1" noChangeArrowheads="1"/>
-          </p:cNvSpPr>
-          <p:nvPr>
-            <p:ph type="subTitle" idx="1"/>
-          </p:nvPr>
-        </p:nvSpPr>
-        <p:spPr>
-          <a:xfrm>
-            <a:off x="2460295" y="4146129"/>
-            <a:ext cx="9040445" cy="338554"/>
-          </a:xfrm>
-        </p:spPr>
-        <p:txBody>
-          <a:bodyPr/>
-          <a:lstStyle>
-            <a:lvl1pPr algn="r">
-              <a:defRPr sz="2200"/>
-            </a:lvl1pPr>
-          </a:lstStyle>
-          <a:p>
-            <a:r>
-              <a:rPr lang="en-US" dirty="0"/>
-              <a:t>Click to edit Master subtitle style</a:t>
-            </a:r>
-            <a:endParaRPr lang="en-AU" dirty="0"/>
-          </a:p>
-        </p:txBody>
-      </p:sp>
-      <p:sp>
-        <p:nvSpPr>
-          <p:cNvPr id="9" name="Rectangle 4">
-            <a:extLst>
-              <a:ext uri="{FF2B5EF4-FFF2-40B4-BE49-F238E27FC236}">
-                <a16:creationId xmlns:a16="http://schemas.microsoft.com/office/drawing/2014/main" id="{82E06D4E-6FDB-CF4F-A1E4-67EA24E8CF41}"/>
-              </a:ext>
-            </a:extLst>
-          </p:cNvPr>
-          <p:cNvSpPr>
-            <a:spLocks noGrp="1" noChangeArrowheads="1"/>
-          </p:cNvSpPr>
-          <p:nvPr>
-            <p:ph type="dt" sz="half" idx="2"/>
-          </p:nvPr>
-        </p:nvSpPr>
-        <p:spPr bwMode="auto">
-          <a:xfrm>
-            <a:off x="609600" y="6245225"/>
-            <a:ext cx="2844800" cy="476250"/>
-          </a:xfrm>
-          <a:prstGeom prst="rect">
-            <a:avLst/>
-          </a:prstGeom>
-          <a:noFill/>
-          <a:ln>
-            <a:miter lim="800000"/>
-            <a:headEnd/>
-            <a:tailEnd/>
-          </a:ln>
-        </p:spPr>
-        <p:txBody>
-          <a:bodyPr vert="horz" wrap="none" lIns="0" tIns="0" rIns="0" bIns="0" numCol="1" anchor="t" anchorCtr="0" compatLnSpc="1">
-            <a:prstTxWarp prst="textNoShape">
-              <a:avLst/>
-            </a:prstTxWarp>
-          </a:bodyPr>
-          <a:lstStyle>
-            <a:lvl1pPr>
-              <a:defRPr sz="1292"/>
-            </a:lvl1pPr>
-          </a:lstStyle>
-          <a:p>
-            <a:endParaRPr lang="en-US" dirty="0"/>
-          </a:p>
-        </p:txBody>
-      </p:sp>
-      <p:sp>
-        <p:nvSpPr>
-          <p:cNvPr id="10" name="Rectangle 5">
-            <a:extLst>
-              <a:ext uri="{FF2B5EF4-FFF2-40B4-BE49-F238E27FC236}">
-                <a16:creationId xmlns:a16="http://schemas.microsoft.com/office/drawing/2014/main" id="{50F3A1FE-D85A-214B-BC70-C1B9CAF69254}"/>
-              </a:ext>
-            </a:extLst>
-          </p:cNvPr>
-          <p:cNvSpPr>
-            <a:spLocks noGrp="1" noChangeArrowheads="1"/>
-          </p:cNvSpPr>
-          <p:nvPr>
-            <p:ph type="ftr" sz="quarter" idx="3"/>
-          </p:nvPr>
-        </p:nvSpPr>
-        <p:spPr bwMode="auto">
-          <a:xfrm>
-            <a:off x="4165600" y="6245225"/>
-            <a:ext cx="3860800" cy="476250"/>
-          </a:xfrm>
-          <a:prstGeom prst="rect">
-            <a:avLst/>
-          </a:prstGeom>
-          <a:noFill/>
-          <a:ln>
-            <a:miter lim="800000"/>
-            <a:headEnd/>
-            <a:tailEnd/>
-          </a:ln>
-        </p:spPr>
-        <p:txBody>
-          <a:bodyPr vert="horz" wrap="none" lIns="0" tIns="0" rIns="0" bIns="0" numCol="1" anchor="t" anchorCtr="0" compatLnSpc="1">
-            <a:prstTxWarp prst="textNoShape">
-              <a:avLst/>
-            </a:prstTxWarp>
-          </a:bodyPr>
-          <a:lstStyle>
-            <a:lvl1pPr algn="ctr">
-              <a:defRPr sz="1292"/>
-            </a:lvl1pPr>
-          </a:lstStyle>
-          <a:p>
-            <a:endParaRPr lang="en-US"/>
-          </a:p>
-        </p:txBody>
-      </p:sp>
-      <p:sp>
-        <p:nvSpPr>
-          <p:cNvPr id="11" name="Rectangle 6">
-            <a:extLst>
-              <a:ext uri="{FF2B5EF4-FFF2-40B4-BE49-F238E27FC236}">
-                <a16:creationId xmlns:a16="http://schemas.microsoft.com/office/drawing/2014/main" id="{BAC7EBFE-F4CA-034D-9C58-E44E2CE12F8A}"/>
-              </a:ext>
-            </a:extLst>
-          </p:cNvPr>
-          <p:cNvSpPr>
-            <a:spLocks noGrp="1" noChangeArrowheads="1"/>
-          </p:cNvSpPr>
-          <p:nvPr>
-            <p:ph type="sldNum" sz="quarter" idx="4"/>
-          </p:nvPr>
-        </p:nvSpPr>
-        <p:spPr>
-          <a:xfrm>
-            <a:off x="8737600" y="6245225"/>
-            <a:ext cx="2844800" cy="476250"/>
+            <a:off x="0" y="0"/>
+            <a:ext cx="12192000" cy="6858000"/>
           </a:xfrm>
           <a:prstGeom prst="rect">
             <a:avLst/>
           </a:prstGeom>
         </p:spPr>
+        <p:style>
+          <a:lnRef idx="2">
+            <a:schemeClr val="dk1">
+              <a:shade val="50000"/>
+            </a:schemeClr>
+          </a:lnRef>
+          <a:fillRef idx="1">
+            <a:schemeClr val="dk1"/>
+          </a:fillRef>
+          <a:effectRef idx="0">
+            <a:schemeClr val="dk1"/>
+          </a:effectRef>
+          <a:fontRef idx="minor">
+            <a:schemeClr val="lt1"/>
+          </a:fontRef>
+        </p:style>
         <p:txBody>
-          <a:bodyPr wrap="none" lIns="0" tIns="0" rIns="0" bIns="0"/>
-          <a:lstStyle>
-            <a:lvl1pPr eaLnBrk="0" hangingPunct="0">
-              <a:defRPr sz="1292" i="0"/>
-            </a:lvl1pPr>
-          </a:lstStyle>
-          <a:p>
-            <a:fld id="{3E7C0CC8-E12B-4B1E-958E-BC6C5916F62C}" type="slidenum">
-              <a:rPr lang="en-US" smtClean="0"/>
-              <a:pPr/>
-              <a:t>‹#›</a:t>
-            </a:fld>
-            <a:endParaRPr lang="en-US"/>
+          <a:bodyPr rtlCol="0" anchor="ctr"/>
+          <a:lstStyle/>
+          <a:p>
+            <a:pPr algn="ctr"/>
+            <a:endParaRPr lang="en-US" dirty="0"/>
           </a:p>
         </p:txBody>
       </p:sp>
-      <p:pic>
-        <p:nvPicPr>
-          <p:cNvPr id="12" name="Picture 11" descr="GrattanLogo">
-            <a:extLst>
-              <a:ext uri="{FF2B5EF4-FFF2-40B4-BE49-F238E27FC236}">
-                <a16:creationId xmlns:a16="http://schemas.microsoft.com/office/drawing/2014/main" id="{E7817012-46DA-4247-AF7B-25B82EA0992A}"/>
-              </a:ext>
-            </a:extLst>
-          </p:cNvPr>
-          <p:cNvPicPr>
-            <a:picLocks noChangeAspect="1" noChangeArrowheads="1"/>
-          </p:cNvPicPr>
-          <p:nvPr userDrawn="1"/>
-        </p:nvPicPr>
-        <p:blipFill>
-          <a:blip r:embed="rId2" cstate="print"/>
-          <a:srcRect/>
-          <a:stretch>
-            <a:fillRect/>
-          </a:stretch>
-        </p:blipFill>
-        <p:spPr bwMode="auto">
-          <a:xfrm>
-            <a:off x="7584817" y="982163"/>
-            <a:ext cx="3915924" cy="1080000"/>
-          </a:xfrm>
-          <a:prstGeom prst="rect">
-            <a:avLst/>
-          </a:prstGeom>
-          <a:noFill/>
-        </p:spPr>
-      </p:pic>
-    </p:spTree>
-    <p:extLst>
-      <p:ext uri="{BB962C8B-B14F-4D97-AF65-F5344CB8AC3E}">
-        <p14:creationId xmlns:p14="http://schemas.microsoft.com/office/powerpoint/2010/main" val="2115546771"/>
-      </p:ext>
-    </p:extLst>
-  </p:cSld>
-  <p:clrMapOvr>
-    <a:masterClrMapping/>
-  </p:clrMapOvr>
-</p:sldLayout>
-</file>
-
-<file path=ppt/slideLayouts/slideLayout2.xml><?xml version="1.0" encoding="utf-8"?>
-<p:sldLayout xmlns:a="http://schemas.openxmlformats.org/drawingml/2006/main" xmlns:r="http://schemas.openxmlformats.org/officeDocument/2006/relationships" xmlns:p="http://schemas.openxmlformats.org/presentationml/2006/main" preserve="1" userDrawn="1">
-  <p:cSld name="Title and Content">
-    <p:spTree>
-      <p:nvGrpSpPr>
-        <p:cNvPr id="1" name=""/>
-        <p:cNvGrpSpPr/>
-        <p:nvPr/>
-      </p:nvGrpSpPr>
-      <p:grpSpPr>
-        <a:xfrm>
-          <a:off x="0" y="0"/>
-          <a:ext cx="0" cy="0"/>
-          <a:chOff x="0" y="0"/>
-          <a:chExt cx="0" cy="0"/>
-        </a:xfrm>
-      </p:grpSpPr>
       <p:sp>
         <p:nvSpPr>
           <p:cNvPr id="2" name="Title 1"/>
@@ -972,251 +1032,30 @@
         </p:nvSpPr>
         <p:spPr>
           <a:xfrm>
-            <a:off x="864000" y="425789"/>
-            <a:ext cx="8832400" cy="369332"/>
+            <a:off x="831850" y="1709738"/>
+            <a:ext cx="10515600" cy="2852737"/>
           </a:xfrm>
+          <a:prstGeom prst="rect">
+            <a:avLst/>
+          </a:prstGeom>
         </p:spPr>
         <p:txBody>
-          <a:bodyPr/>
-          <a:lstStyle/>
+          <a:bodyPr anchor="b"/>
+          <a:lstStyle>
+            <a:lvl1pPr>
+              <a:defRPr sz="6000">
+                <a:solidFill>
+                  <a:schemeClr val="bg1"/>
+                </a:solidFill>
+              </a:defRPr>
+            </a:lvl1pPr>
+          </a:lstStyle>
           <a:p>
             <a:r>
-              <a:rPr lang="en-US" dirty="0"/>
+              <a:rPr lang="en-GB" dirty="0"/>
               <a:t>Click to edit Master title style</a:t>
             </a:r>
-          </a:p>
-        </p:txBody>
-      </p:sp>
-      <p:sp>
-        <p:nvSpPr>
-          <p:cNvPr id="4" name="Date Placeholder 3"/>
-          <p:cNvSpPr>
-            <a:spLocks noGrp="1"/>
-          </p:cNvSpPr>
-          <p:nvPr>
-            <p:ph type="dt" sz="half" idx="10"/>
-          </p:nvPr>
-        </p:nvSpPr>
-        <p:spPr/>
-        <p:txBody>
-          <a:bodyPr/>
-          <a:lstStyle/>
-          <a:p>
-            <a:fld id="{862C827D-FC0C-184A-B855-165F1307D257}" type="datetimeFigureOut">
-              <a:rPr lang="en-US" smtClean="0"/>
-              <a:t>12/29/22</a:t>
-            </a:fld>
-            <a:endParaRPr lang="en-US"/>
-          </a:p>
-        </p:txBody>
-      </p:sp>
-      <p:sp>
-        <p:nvSpPr>
-          <p:cNvPr id="5" name="Footer Placeholder 4"/>
-          <p:cNvSpPr>
-            <a:spLocks noGrp="1"/>
-          </p:cNvSpPr>
-          <p:nvPr>
-            <p:ph type="ftr" sz="quarter" idx="11"/>
-          </p:nvPr>
-        </p:nvSpPr>
-        <p:spPr/>
-        <p:txBody>
-          <a:bodyPr/>
-          <a:lstStyle/>
-          <a:p>
-            <a:endParaRPr lang="en-US"/>
-          </a:p>
-        </p:txBody>
-      </p:sp>
-      <p:sp>
-        <p:nvSpPr>
-          <p:cNvPr id="6" name="Slide Number Placeholder 5"/>
-          <p:cNvSpPr>
-            <a:spLocks noGrp="1"/>
-          </p:cNvSpPr>
-          <p:nvPr>
-            <p:ph type="sldNum" sz="quarter" idx="12"/>
-          </p:nvPr>
-        </p:nvSpPr>
-        <p:spPr/>
-        <p:txBody>
-          <a:bodyPr/>
-          <a:lstStyle/>
-          <a:p>
-            <a:fld id="{E428D261-E467-CB42-92CE-56E038D4601A}" type="slidenum">
-              <a:rPr lang="en-US" smtClean="0"/>
-              <a:t>‹#›</a:t>
-            </a:fld>
-            <a:endParaRPr lang="en-US"/>
-          </a:p>
-        </p:txBody>
-      </p:sp>
-      <p:sp>
-        <p:nvSpPr>
-          <p:cNvPr id="10" name="Content Placeholder 2">
-            <a:extLst>
-              <a:ext uri="{FF2B5EF4-FFF2-40B4-BE49-F238E27FC236}">
-                <a16:creationId xmlns:a16="http://schemas.microsoft.com/office/drawing/2014/main" id="{5776813A-6BA6-2B48-8868-0EF29F4BF7DF}"/>
-              </a:ext>
-            </a:extLst>
-          </p:cNvPr>
-          <p:cNvSpPr>
-            <a:spLocks noGrp="1"/>
-          </p:cNvSpPr>
-          <p:nvPr>
-            <p:ph sz="half" idx="1" hasCustomPrompt="1"/>
-          </p:nvPr>
-        </p:nvSpPr>
-        <p:spPr>
-          <a:xfrm>
-            <a:off x="838200" y="1124744"/>
-            <a:ext cx="10655157" cy="5231606"/>
-          </a:xfrm>
-        </p:spPr>
-        <p:txBody>
-          <a:bodyPr/>
-          <a:lstStyle>
-            <a:lvl1pPr>
-              <a:spcAft>
-                <a:spcPts val="1800"/>
-              </a:spcAft>
-              <a:defRPr/>
-            </a:lvl1pPr>
-            <a:lvl2pPr>
-              <a:spcAft>
-                <a:spcPts val="1800"/>
-              </a:spcAft>
-              <a:defRPr>
-                <a:latin typeface="Arial" panose="020B0604020202020204" pitchFamily="34" charset="0"/>
-                <a:cs typeface="Arial" panose="020B0604020202020204" pitchFamily="34" charset="0"/>
-              </a:defRPr>
-            </a:lvl2pPr>
-            <a:lvl3pPr>
-              <a:spcAft>
-                <a:spcPts val="1800"/>
-              </a:spcAft>
-              <a:defRPr>
-                <a:latin typeface="Arial" panose="020B0604020202020204" pitchFamily="34" charset="0"/>
-                <a:cs typeface="Arial" panose="020B0604020202020204" pitchFamily="34" charset="0"/>
-              </a:defRPr>
-            </a:lvl3pPr>
-            <a:lvl4pPr>
-              <a:spcAft>
-                <a:spcPts val="1800"/>
-              </a:spcAft>
-              <a:defRPr>
-                <a:latin typeface="Arial" panose="020B0604020202020204" pitchFamily="34" charset="0"/>
-                <a:cs typeface="Arial" panose="020B0604020202020204" pitchFamily="34" charset="0"/>
-              </a:defRPr>
-            </a:lvl4pPr>
-            <a:lvl5pPr>
-              <a:spcAft>
-                <a:spcPts val="1800"/>
-              </a:spcAft>
-              <a:defRPr>
-                <a:latin typeface="Arial" panose="020B0604020202020204" pitchFamily="34" charset="0"/>
-                <a:cs typeface="Arial" panose="020B0604020202020204" pitchFamily="34" charset="0"/>
-              </a:defRPr>
-            </a:lvl5pPr>
-          </a:lstStyle>
-          <a:p>
-            <a:pPr lvl="0"/>
-            <a:r>
-              <a:rPr lang="en-US" dirty="0"/>
-              <a:t>Edit Master text styles</a:t>
-            </a:r>
-          </a:p>
-          <a:p>
-            <a:pPr lvl="1"/>
-            <a:r>
-              <a:rPr lang="en-US" dirty="0"/>
-              <a:t>Second level</a:t>
-            </a:r>
-          </a:p>
-          <a:p>
-            <a:pPr lvl="2"/>
-            <a:r>
-              <a:rPr lang="en-US" dirty="0"/>
-              <a:t>Third level</a:t>
-            </a:r>
-          </a:p>
-          <a:p>
-            <a:pPr lvl="3"/>
-            <a:r>
-              <a:rPr lang="en-US" dirty="0"/>
-              <a:t>Fourth level</a:t>
-            </a:r>
-          </a:p>
-          <a:p>
-            <a:pPr lvl="4"/>
-            <a:r>
-              <a:rPr lang="en-US" dirty="0"/>
-              <a:t>Fifth level</a:t>
-            </a:r>
-          </a:p>
-        </p:txBody>
-      </p:sp>
-    </p:spTree>
-    <p:extLst>
-      <p:ext uri="{BB962C8B-B14F-4D97-AF65-F5344CB8AC3E}">
-        <p14:creationId xmlns:p14="http://schemas.microsoft.com/office/powerpoint/2010/main" val="797339368"/>
-      </p:ext>
-    </p:extLst>
-  </p:cSld>
-  <p:clrMapOvr>
-    <a:masterClrMapping/>
-  </p:clrMapOvr>
-</p:sldLayout>
-</file>
-
-<file path=ppt/slideLayouts/slideLayout3.xml><?xml version="1.0" encoding="utf-8"?>
-<p:sldLayout xmlns:a="http://schemas.openxmlformats.org/drawingml/2006/main" xmlns:r="http://schemas.openxmlformats.org/officeDocument/2006/relationships" xmlns:p="http://schemas.openxmlformats.org/presentationml/2006/main" type="secHead" preserve="1">
-  <p:cSld name="1_Section Header">
-    <p:spTree>
-      <p:nvGrpSpPr>
-        <p:cNvPr id="1" name=""/>
-        <p:cNvGrpSpPr/>
-        <p:nvPr/>
-      </p:nvGrpSpPr>
-      <p:grpSpPr>
-        <a:xfrm>
-          <a:off x="0" y="0"/>
-          <a:ext cx="0" cy="0"/>
-          <a:chOff x="0" y="0"/>
-          <a:chExt cx="0" cy="0"/>
-        </a:xfrm>
-      </p:grpSpPr>
-      <p:sp>
-        <p:nvSpPr>
-          <p:cNvPr id="2" name="Title 1"/>
-          <p:cNvSpPr>
-            <a:spLocks noGrp="1"/>
-          </p:cNvSpPr>
-          <p:nvPr>
-            <p:ph type="title"/>
-          </p:nvPr>
-        </p:nvSpPr>
-        <p:spPr>
-          <a:xfrm>
-            <a:off x="831851" y="1709740"/>
-            <a:ext cx="10515600" cy="2852737"/>
-          </a:xfrm>
-        </p:spPr>
-        <p:txBody>
-          <a:bodyPr anchor="ctr">
-            <a:normAutofit/>
-          </a:bodyPr>
-          <a:lstStyle>
-            <a:lvl1pPr algn="ctr">
-              <a:defRPr sz="2200"/>
-            </a:lvl1pPr>
-          </a:lstStyle>
-          <a:p>
-            <a:r>
-              <a:rPr lang="en-US" dirty="0"/>
-              <a:t>Click to edit Master title style</a:t>
-            </a:r>
+            <a:endParaRPr lang="en-US" dirty="0"/>
           </a:p>
         </p:txBody>
       </p:sp>
@@ -1232,9 +1071,12 @@
         </p:nvSpPr>
         <p:spPr>
           <a:xfrm>
-            <a:off x="831851" y="4589465"/>
-            <a:ext cx="10515600" cy="369332"/>
+            <a:off x="831850" y="4589463"/>
+            <a:ext cx="10515600" cy="1500187"/>
           </a:xfrm>
+          <a:prstGeom prst="rect">
+            <a:avLst/>
+          </a:prstGeom>
         </p:spPr>
         <p:txBody>
           <a:bodyPr/>
@@ -1243,7 +1085,7 @@
               <a:buNone/>
               <a:defRPr sz="2400">
                 <a:solidFill>
-                  <a:schemeClr val="tx1"/>
+                  <a:schemeClr val="accent1"/>
                 </a:solidFill>
               </a:defRPr>
             </a:lvl1pPr>
@@ -1331,8 +1173,8 @@
           <a:p>
             <a:pPr lvl="0"/>
             <a:r>
-              <a:rPr lang="en-US"/>
-              <a:t>Edit Master text styles</a:t>
+              <a:rPr lang="en-GB" dirty="0"/>
+              <a:t>Click to edit Master text styles</a:t>
             </a:r>
           </a:p>
         </p:txBody>
@@ -1347,14 +1189,22 @@
             <p:ph type="dt" sz="half" idx="10"/>
           </p:nvPr>
         </p:nvSpPr>
-        <p:spPr/>
+        <p:spPr>
+          <a:xfrm>
+            <a:off x="838200" y="6356350"/>
+            <a:ext cx="2743200" cy="365125"/>
+          </a:xfrm>
+          <a:prstGeom prst="rect">
+            <a:avLst/>
+          </a:prstGeom>
+        </p:spPr>
         <p:txBody>
           <a:bodyPr/>
           <a:lstStyle/>
           <a:p>
-            <a:fld id="{862C827D-FC0C-184A-B855-165F1307D257}" type="datetimeFigureOut">
+            <a:fld id="{184C34C6-D93D-964F-98F1-8B05274CB5BF}" type="datetimeFigureOut">
               <a:rPr lang="en-US" smtClean="0"/>
-              <a:t>12/29/22</a:t>
+              <a:t>5/26/23</a:t>
             </a:fld>
             <a:endParaRPr lang="en-US"/>
           </a:p>
@@ -1370,7 +1220,15 @@
             <p:ph type="ftr" sz="quarter" idx="11"/>
           </p:nvPr>
         </p:nvSpPr>
-        <p:spPr/>
+        <p:spPr>
+          <a:xfrm>
+            <a:off x="4038600" y="6356350"/>
+            <a:ext cx="4114800" cy="365125"/>
+          </a:xfrm>
+          <a:prstGeom prst="rect">
+            <a:avLst/>
+          </a:prstGeom>
+        </p:spPr>
         <p:txBody>
           <a:bodyPr/>
           <a:lstStyle/>
@@ -1389,12 +1247,20 @@
             <p:ph type="sldNum" sz="quarter" idx="12"/>
           </p:nvPr>
         </p:nvSpPr>
-        <p:spPr/>
+        <p:spPr>
+          <a:xfrm>
+            <a:off x="8610600" y="6356350"/>
+            <a:ext cx="2743200" cy="365125"/>
+          </a:xfrm>
+          <a:prstGeom prst="rect">
+            <a:avLst/>
+          </a:prstGeom>
+        </p:spPr>
         <p:txBody>
           <a:bodyPr/>
           <a:lstStyle/>
           <a:p>
-            <a:fld id="{E428D261-E467-CB42-92CE-56E038D4601A}" type="slidenum">
+            <a:fld id="{0D1C777A-97BF-664C-98A5-2907D09321D1}" type="slidenum">
               <a:rPr lang="en-US" smtClean="0"/>
               <a:t>‹#›</a:t>
             </a:fld>
@@ -1405,7 +1271,367 @@
     </p:spTree>
     <p:extLst>
       <p:ext uri="{BB962C8B-B14F-4D97-AF65-F5344CB8AC3E}">
-        <p14:creationId xmlns:p14="http://schemas.microsoft.com/office/powerpoint/2010/main" val="936132378"/>
+        <p14:creationId xmlns:p14="http://schemas.microsoft.com/office/powerpoint/2010/main" val="3660062076"/>
+      </p:ext>
+    </p:extLst>
+  </p:cSld>
+  <p:clrMapOvr>
+    <a:masterClrMapping/>
+  </p:clrMapOvr>
+</p:sldLayout>
+</file>
+
+<file path=ppt/slideLayouts/slideLayout3.xml><?xml version="1.0" encoding="utf-8"?>
+<p:sldLayout xmlns:a="http://schemas.openxmlformats.org/drawingml/2006/main" xmlns:r="http://schemas.openxmlformats.org/officeDocument/2006/relationships" xmlns:p="http://schemas.openxmlformats.org/presentationml/2006/main" preserve="1" userDrawn="1">
+  <p:cSld name="1_Title and content">
+    <p:spTree>
+      <p:nvGrpSpPr>
+        <p:cNvPr id="1" name=""/>
+        <p:cNvGrpSpPr/>
+        <p:nvPr/>
+      </p:nvGrpSpPr>
+      <p:grpSpPr>
+        <a:xfrm>
+          <a:off x="0" y="0"/>
+          <a:ext cx="0" cy="0"/>
+          <a:chOff x="0" y="0"/>
+          <a:chExt cx="0" cy="0"/>
+        </a:xfrm>
+      </p:grpSpPr>
+      <p:sp>
+        <p:nvSpPr>
+          <p:cNvPr id="19" name="Rectangle 18">
+            <a:extLst>
+              <a:ext uri="{FF2B5EF4-FFF2-40B4-BE49-F238E27FC236}">
+                <a16:creationId xmlns:a16="http://schemas.microsoft.com/office/drawing/2014/main" id="{8B1789E7-BA20-0780-FB52-B02484AC77D3}"/>
+              </a:ext>
+            </a:extLst>
+          </p:cNvPr>
+          <p:cNvSpPr/>
+          <p:nvPr userDrawn="1"/>
+        </p:nvSpPr>
+        <p:spPr>
+          <a:xfrm>
+            <a:off x="0" y="-1"/>
+            <a:ext cx="12192000" cy="1150201"/>
+          </a:xfrm>
+          <a:prstGeom prst="rect">
+            <a:avLst/>
+          </a:prstGeom>
+          <a:solidFill>
+            <a:srgbClr val="F2F2F2"/>
+          </a:solidFill>
+          <a:ln>
+            <a:noFill/>
+          </a:ln>
+        </p:spPr>
+        <p:style>
+          <a:lnRef idx="1">
+            <a:schemeClr val="accent1"/>
+          </a:lnRef>
+          <a:fillRef idx="2">
+            <a:schemeClr val="accent1"/>
+          </a:fillRef>
+          <a:effectRef idx="1">
+            <a:schemeClr val="accent1"/>
+          </a:effectRef>
+          <a:fontRef idx="minor">
+            <a:schemeClr val="dk1"/>
+          </a:fontRef>
+        </p:style>
+        <p:txBody>
+          <a:bodyPr rtlCol="0" anchor="ctr"/>
+          <a:lstStyle/>
+          <a:p>
+            <a:pPr algn="ctr"/>
+            <a:endParaRPr lang="en-US" dirty="0"/>
+          </a:p>
+        </p:txBody>
+      </p:sp>
+      <p:pic>
+        <p:nvPicPr>
+          <p:cNvPr id="20" name="Picture 19">
+            <a:extLst>
+              <a:ext uri="{FF2B5EF4-FFF2-40B4-BE49-F238E27FC236}">
+                <a16:creationId xmlns:a16="http://schemas.microsoft.com/office/drawing/2014/main" id="{B2B8918E-1EDB-7F60-9A99-7D4A0E14ABC6}"/>
+              </a:ext>
+            </a:extLst>
+          </p:cNvPr>
+          <p:cNvPicPr>
+            <a:picLocks noChangeAspect="1"/>
+          </p:cNvPicPr>
+          <p:nvPr userDrawn="1"/>
+        </p:nvPicPr>
+        <p:blipFill>
+          <a:blip r:embed="rId2" cstate="screen">
+            <a:extLst>
+              <a:ext uri="{28A0092B-C50C-407E-A947-70E740481C1C}">
+                <a14:useLocalDpi xmlns:a14="http://schemas.microsoft.com/office/drawing/2010/main"/>
+              </a:ext>
+            </a:extLst>
+          </a:blip>
+          <a:stretch>
+            <a:fillRect/>
+          </a:stretch>
+        </p:blipFill>
+        <p:spPr>
+          <a:xfrm>
+            <a:off x="10183883" y="349310"/>
+            <a:ext cx="1622635" cy="576263"/>
+          </a:xfrm>
+          <a:prstGeom prst="rect">
+            <a:avLst/>
+          </a:prstGeom>
+        </p:spPr>
+      </p:pic>
+      <p:sp>
+        <p:nvSpPr>
+          <p:cNvPr id="16" name="Date Placeholder 3">
+            <a:extLst>
+              <a:ext uri="{FF2B5EF4-FFF2-40B4-BE49-F238E27FC236}">
+                <a16:creationId xmlns:a16="http://schemas.microsoft.com/office/drawing/2014/main" id="{D7BE69A9-24E9-418A-68B9-AAE233480BEA}"/>
+              </a:ext>
+            </a:extLst>
+          </p:cNvPr>
+          <p:cNvSpPr>
+            <a:spLocks noGrp="1"/>
+          </p:cNvSpPr>
+          <p:nvPr>
+            <p:ph type="dt" sz="half" idx="2"/>
+          </p:nvPr>
+        </p:nvSpPr>
+        <p:spPr>
+          <a:xfrm>
+            <a:off x="385482" y="6356350"/>
+            <a:ext cx="3195918" cy="365125"/>
+          </a:xfrm>
+          <a:prstGeom prst="rect">
+            <a:avLst/>
+          </a:prstGeom>
+        </p:spPr>
+        <p:txBody>
+          <a:bodyPr vert="horz" lIns="91440" tIns="45720" rIns="91440" bIns="45720" rtlCol="0" anchor="ctr"/>
+          <a:lstStyle>
+            <a:lvl1pPr algn="l">
+              <a:defRPr sz="1200">
+                <a:solidFill>
+                  <a:schemeClr val="tx1">
+                    <a:tint val="75000"/>
+                  </a:schemeClr>
+                </a:solidFill>
+              </a:defRPr>
+            </a:lvl1pPr>
+          </a:lstStyle>
+          <a:p>
+            <a:fld id="{184C34C6-D93D-964F-98F1-8B05274CB5BF}" type="datetimeFigureOut">
+              <a:rPr lang="en-US" smtClean="0"/>
+              <a:t>5/26/23</a:t>
+            </a:fld>
+            <a:endParaRPr lang="en-US" dirty="0"/>
+          </a:p>
+        </p:txBody>
+      </p:sp>
+      <p:sp>
+        <p:nvSpPr>
+          <p:cNvPr id="17" name="Footer Placeholder 4">
+            <a:extLst>
+              <a:ext uri="{FF2B5EF4-FFF2-40B4-BE49-F238E27FC236}">
+                <a16:creationId xmlns:a16="http://schemas.microsoft.com/office/drawing/2014/main" id="{7B216488-F6B2-C054-EB55-0F9A57D9C0B4}"/>
+              </a:ext>
+            </a:extLst>
+          </p:cNvPr>
+          <p:cNvSpPr>
+            <a:spLocks noGrp="1"/>
+          </p:cNvSpPr>
+          <p:nvPr>
+            <p:ph type="ftr" sz="quarter" idx="3"/>
+          </p:nvPr>
+        </p:nvSpPr>
+        <p:spPr>
+          <a:xfrm>
+            <a:off x="4038600" y="6356350"/>
+            <a:ext cx="4114800" cy="365125"/>
+          </a:xfrm>
+          <a:prstGeom prst="rect">
+            <a:avLst/>
+          </a:prstGeom>
+        </p:spPr>
+        <p:txBody>
+          <a:bodyPr vert="horz" lIns="91440" tIns="45720" rIns="91440" bIns="45720" rtlCol="0" anchor="ctr"/>
+          <a:lstStyle>
+            <a:lvl1pPr algn="ctr">
+              <a:defRPr sz="1200">
+                <a:solidFill>
+                  <a:schemeClr val="tx1">
+                    <a:tint val="75000"/>
+                  </a:schemeClr>
+                </a:solidFill>
+              </a:defRPr>
+            </a:lvl1pPr>
+          </a:lstStyle>
+          <a:p>
+            <a:endParaRPr lang="en-US" dirty="0"/>
+          </a:p>
+        </p:txBody>
+      </p:sp>
+      <p:sp>
+        <p:nvSpPr>
+          <p:cNvPr id="2" name="Title Placeholder 1">
+            <a:extLst>
+              <a:ext uri="{FF2B5EF4-FFF2-40B4-BE49-F238E27FC236}">
+                <a16:creationId xmlns:a16="http://schemas.microsoft.com/office/drawing/2014/main" id="{58EECB45-057A-1EA2-2F6E-7C55F9459DC4}"/>
+              </a:ext>
+            </a:extLst>
+          </p:cNvPr>
+          <p:cNvSpPr>
+            <a:spLocks noGrp="1"/>
+          </p:cNvSpPr>
+          <p:nvPr>
+            <p:ph type="title"/>
+          </p:nvPr>
+        </p:nvSpPr>
+        <p:spPr>
+          <a:xfrm>
+            <a:off x="385482" y="339329"/>
+            <a:ext cx="9637060" cy="540145"/>
+          </a:xfrm>
+          <a:prstGeom prst="rect">
+            <a:avLst/>
+          </a:prstGeom>
+        </p:spPr>
+        <p:txBody>
+          <a:bodyPr vert="horz" lIns="91440" tIns="45720" rIns="91440" bIns="45720" rtlCol="0" anchor="ctr">
+            <a:noAutofit/>
+          </a:bodyPr>
+          <a:lstStyle/>
+          <a:p>
+            <a:r>
+              <a:rPr lang="en-GB" dirty="0"/>
+              <a:t>Click to edit Master title style</a:t>
+            </a:r>
+            <a:endParaRPr lang="en-US" dirty="0"/>
+          </a:p>
+        </p:txBody>
+      </p:sp>
+      <p:sp>
+        <p:nvSpPr>
+          <p:cNvPr id="3" name="Text Placeholder 2">
+            <a:extLst>
+              <a:ext uri="{FF2B5EF4-FFF2-40B4-BE49-F238E27FC236}">
+                <a16:creationId xmlns:a16="http://schemas.microsoft.com/office/drawing/2014/main" id="{98AA2F51-0C2E-D1D9-EFED-E3A2276D7D04}"/>
+              </a:ext>
+            </a:extLst>
+          </p:cNvPr>
+          <p:cNvSpPr>
+            <a:spLocks noGrp="1"/>
+          </p:cNvSpPr>
+          <p:nvPr>
+            <p:ph idx="1"/>
+          </p:nvPr>
+        </p:nvSpPr>
+        <p:spPr>
+          <a:xfrm>
+            <a:off x="385481" y="1315299"/>
+            <a:ext cx="11398531" cy="4836263"/>
+          </a:xfrm>
+          <a:prstGeom prst="rect">
+            <a:avLst/>
+          </a:prstGeom>
+        </p:spPr>
+        <p:txBody>
+          <a:bodyPr vert="horz" lIns="91440" tIns="45720" rIns="91440" bIns="45720" rtlCol="0">
+            <a:normAutofit/>
+          </a:bodyPr>
+          <a:lstStyle/>
+          <a:p>
+            <a:pPr lvl="0"/>
+            <a:r>
+              <a:rPr lang="en-GB" dirty="0"/>
+              <a:t>Click to edit Master text styles</a:t>
+            </a:r>
+          </a:p>
+          <a:p>
+            <a:pPr lvl="1"/>
+            <a:r>
+              <a:rPr lang="en-GB" dirty="0"/>
+              <a:t>Second level</a:t>
+            </a:r>
+          </a:p>
+          <a:p>
+            <a:pPr lvl="2"/>
+            <a:r>
+              <a:rPr lang="en-GB" dirty="0"/>
+              <a:t>Third level</a:t>
+            </a:r>
+          </a:p>
+          <a:p>
+            <a:pPr lvl="3"/>
+            <a:r>
+              <a:rPr lang="en-GB" dirty="0"/>
+              <a:t>Fourth level</a:t>
+            </a:r>
+          </a:p>
+          <a:p>
+            <a:pPr lvl="4"/>
+            <a:r>
+              <a:rPr lang="en-GB" dirty="0"/>
+              <a:t>Fifth level</a:t>
+            </a:r>
+            <a:endParaRPr lang="en-US" dirty="0"/>
+          </a:p>
+        </p:txBody>
+      </p:sp>
+      <p:sp>
+        <p:nvSpPr>
+          <p:cNvPr id="4" name="Slide Number Placeholder 5">
+            <a:extLst>
+              <a:ext uri="{FF2B5EF4-FFF2-40B4-BE49-F238E27FC236}">
+                <a16:creationId xmlns:a16="http://schemas.microsoft.com/office/drawing/2014/main" id="{DBAC65C7-BF2B-A350-909C-35D42AF84DE9}"/>
+              </a:ext>
+            </a:extLst>
+          </p:cNvPr>
+          <p:cNvSpPr>
+            <a:spLocks noGrp="1"/>
+          </p:cNvSpPr>
+          <p:nvPr>
+            <p:ph type="sldNum" sz="quarter" idx="4"/>
+          </p:nvPr>
+        </p:nvSpPr>
+        <p:spPr>
+          <a:xfrm>
+            <a:off x="8646320" y="6356350"/>
+            <a:ext cx="3142128" cy="365125"/>
+          </a:xfrm>
+          <a:prstGeom prst="rect">
+            <a:avLst/>
+          </a:prstGeom>
+        </p:spPr>
+        <p:txBody>
+          <a:bodyPr vert="horz" lIns="91440" tIns="45720" rIns="91440" bIns="45720" rtlCol="0" anchor="ctr"/>
+          <a:lstStyle>
+            <a:lvl1pPr algn="r">
+              <a:defRPr sz="1200">
+                <a:solidFill>
+                  <a:schemeClr val="tx1">
+                    <a:tint val="75000"/>
+                  </a:schemeClr>
+                </a:solidFill>
+              </a:defRPr>
+            </a:lvl1pPr>
+          </a:lstStyle>
+          <a:p>
+            <a:fld id="{0D1C777A-97BF-664C-98A5-2907D09321D1}" type="slidenum">
+              <a:rPr lang="en-US" smtClean="0"/>
+              <a:t>‹#›</a:t>
+            </a:fld>
+            <a:endParaRPr lang="en-US" dirty="0"/>
+          </a:p>
+        </p:txBody>
+      </p:sp>
+    </p:spTree>
+    <p:extLst>
+      <p:ext uri="{BB962C8B-B14F-4D97-AF65-F5344CB8AC3E}">
+        <p14:creationId xmlns:p14="http://schemas.microsoft.com/office/powerpoint/2010/main" val="3567906646"/>
       </p:ext>
     </p:extLst>
   </p:cSld>
@@ -1417,7 +1643,1170 @@
 
 <file path=ppt/slideLayouts/slideLayout4.xml><?xml version="1.0" encoding="utf-8"?>
 <p:sldLayout xmlns:a="http://schemas.openxmlformats.org/drawingml/2006/main" xmlns:r="http://schemas.openxmlformats.org/officeDocument/2006/relationships" xmlns:p="http://schemas.openxmlformats.org/presentationml/2006/main" preserve="1" userDrawn="1">
+  <p:cSld name="Two Content + orange subtitle">
+    <p:spTree>
+      <p:nvGrpSpPr>
+        <p:cNvPr id="1" name=""/>
+        <p:cNvGrpSpPr/>
+        <p:nvPr/>
+      </p:nvGrpSpPr>
+      <p:grpSpPr>
+        <a:xfrm>
+          <a:off x="0" y="0"/>
+          <a:ext cx="0" cy="0"/>
+          <a:chOff x="0" y="0"/>
+          <a:chExt cx="0" cy="0"/>
+        </a:xfrm>
+      </p:grpSpPr>
+      <p:sp>
+        <p:nvSpPr>
+          <p:cNvPr id="18" name="Rectangle 17">
+            <a:extLst>
+              <a:ext uri="{FF2B5EF4-FFF2-40B4-BE49-F238E27FC236}">
+                <a16:creationId xmlns:a16="http://schemas.microsoft.com/office/drawing/2014/main" id="{7CF076BF-B4D2-731F-A8C4-B4C0523DA8D6}"/>
+              </a:ext>
+            </a:extLst>
+          </p:cNvPr>
+          <p:cNvSpPr/>
+          <p:nvPr userDrawn="1"/>
+        </p:nvSpPr>
+        <p:spPr>
+          <a:xfrm>
+            <a:off x="0" y="-1"/>
+            <a:ext cx="12192000" cy="1329588"/>
+          </a:xfrm>
+          <a:prstGeom prst="rect">
+            <a:avLst/>
+          </a:prstGeom>
+          <a:solidFill>
+            <a:srgbClr val="F2F2F2"/>
+          </a:solidFill>
+          <a:ln>
+            <a:noFill/>
+          </a:ln>
+        </p:spPr>
+        <p:style>
+          <a:lnRef idx="1">
+            <a:schemeClr val="accent1"/>
+          </a:lnRef>
+          <a:fillRef idx="2">
+            <a:schemeClr val="accent1"/>
+          </a:fillRef>
+          <a:effectRef idx="1">
+            <a:schemeClr val="accent1"/>
+          </a:effectRef>
+          <a:fontRef idx="minor">
+            <a:schemeClr val="dk1"/>
+          </a:fontRef>
+        </p:style>
+        <p:txBody>
+          <a:bodyPr rtlCol="0" anchor="ctr"/>
+          <a:lstStyle/>
+          <a:p>
+            <a:pPr algn="ctr"/>
+            <a:endParaRPr lang="en-US" dirty="0"/>
+          </a:p>
+        </p:txBody>
+      </p:sp>
+      <p:sp>
+        <p:nvSpPr>
+          <p:cNvPr id="14" name="Date Placeholder 3">
+            <a:extLst>
+              <a:ext uri="{FF2B5EF4-FFF2-40B4-BE49-F238E27FC236}">
+                <a16:creationId xmlns:a16="http://schemas.microsoft.com/office/drawing/2014/main" id="{CC0B9F51-D432-89C3-BAF5-11132AE40440}"/>
+              </a:ext>
+            </a:extLst>
+          </p:cNvPr>
+          <p:cNvSpPr>
+            <a:spLocks noGrp="1"/>
+          </p:cNvSpPr>
+          <p:nvPr>
+            <p:ph type="dt" sz="half" idx="2"/>
+          </p:nvPr>
+        </p:nvSpPr>
+        <p:spPr>
+          <a:xfrm>
+            <a:off x="385482" y="6356350"/>
+            <a:ext cx="3195918" cy="365125"/>
+          </a:xfrm>
+          <a:prstGeom prst="rect">
+            <a:avLst/>
+          </a:prstGeom>
+        </p:spPr>
+        <p:txBody>
+          <a:bodyPr vert="horz" lIns="91440" tIns="45720" rIns="91440" bIns="45720" rtlCol="0" anchor="ctr"/>
+          <a:lstStyle>
+            <a:lvl1pPr algn="l">
+              <a:defRPr sz="1200">
+                <a:solidFill>
+                  <a:schemeClr val="tx1">
+                    <a:tint val="75000"/>
+                  </a:schemeClr>
+                </a:solidFill>
+              </a:defRPr>
+            </a:lvl1pPr>
+          </a:lstStyle>
+          <a:p>
+            <a:fld id="{184C34C6-D93D-964F-98F1-8B05274CB5BF}" type="datetimeFigureOut">
+              <a:rPr lang="en-US" smtClean="0"/>
+              <a:t>5/26/23</a:t>
+            </a:fld>
+            <a:endParaRPr lang="en-US" dirty="0"/>
+          </a:p>
+        </p:txBody>
+      </p:sp>
+      <p:sp>
+        <p:nvSpPr>
+          <p:cNvPr id="15" name="Footer Placeholder 4">
+            <a:extLst>
+              <a:ext uri="{FF2B5EF4-FFF2-40B4-BE49-F238E27FC236}">
+                <a16:creationId xmlns:a16="http://schemas.microsoft.com/office/drawing/2014/main" id="{E482CF5D-DEBD-DB20-7858-2A857E71D9E4}"/>
+              </a:ext>
+            </a:extLst>
+          </p:cNvPr>
+          <p:cNvSpPr>
+            <a:spLocks noGrp="1"/>
+          </p:cNvSpPr>
+          <p:nvPr>
+            <p:ph type="ftr" sz="quarter" idx="3"/>
+          </p:nvPr>
+        </p:nvSpPr>
+        <p:spPr>
+          <a:xfrm>
+            <a:off x="4038600" y="6356350"/>
+            <a:ext cx="4114800" cy="365125"/>
+          </a:xfrm>
+          <a:prstGeom prst="rect">
+            <a:avLst/>
+          </a:prstGeom>
+        </p:spPr>
+        <p:txBody>
+          <a:bodyPr vert="horz" lIns="91440" tIns="45720" rIns="91440" bIns="45720" rtlCol="0" anchor="ctr"/>
+          <a:lstStyle>
+            <a:lvl1pPr algn="ctr">
+              <a:defRPr sz="1200">
+                <a:solidFill>
+                  <a:schemeClr val="tx1">
+                    <a:tint val="75000"/>
+                  </a:schemeClr>
+                </a:solidFill>
+              </a:defRPr>
+            </a:lvl1pPr>
+          </a:lstStyle>
+          <a:p>
+            <a:endParaRPr lang="en-US" dirty="0"/>
+          </a:p>
+        </p:txBody>
+      </p:sp>
+      <p:pic>
+        <p:nvPicPr>
+          <p:cNvPr id="19" name="Picture 18">
+            <a:extLst>
+              <a:ext uri="{FF2B5EF4-FFF2-40B4-BE49-F238E27FC236}">
+                <a16:creationId xmlns:a16="http://schemas.microsoft.com/office/drawing/2014/main" id="{96015322-31D2-917E-375B-3379430E14BC}"/>
+              </a:ext>
+            </a:extLst>
+          </p:cNvPr>
+          <p:cNvPicPr>
+            <a:picLocks noChangeAspect="1"/>
+          </p:cNvPicPr>
+          <p:nvPr userDrawn="1"/>
+        </p:nvPicPr>
+        <p:blipFill>
+          <a:blip r:embed="rId2" cstate="screen">
+            <a:extLst>
+              <a:ext uri="{28A0092B-C50C-407E-A947-70E740481C1C}">
+                <a14:useLocalDpi xmlns:a14="http://schemas.microsoft.com/office/drawing/2010/main"/>
+              </a:ext>
+            </a:extLst>
+          </a:blip>
+          <a:stretch>
+            <a:fillRect/>
+          </a:stretch>
+        </p:blipFill>
+        <p:spPr>
+          <a:xfrm>
+            <a:off x="10183883" y="349310"/>
+            <a:ext cx="1622635" cy="576263"/>
+          </a:xfrm>
+          <a:prstGeom prst="rect">
+            <a:avLst/>
+          </a:prstGeom>
+        </p:spPr>
+      </p:pic>
+      <p:sp>
+        <p:nvSpPr>
+          <p:cNvPr id="3" name="Content Placeholder 3">
+            <a:extLst>
+              <a:ext uri="{FF2B5EF4-FFF2-40B4-BE49-F238E27FC236}">
+                <a16:creationId xmlns:a16="http://schemas.microsoft.com/office/drawing/2014/main" id="{73A11B26-D536-E55C-FEA5-61BBE902EA5D}"/>
+              </a:ext>
+            </a:extLst>
+          </p:cNvPr>
+          <p:cNvSpPr>
+            <a:spLocks noGrp="1"/>
+          </p:cNvSpPr>
+          <p:nvPr>
+            <p:ph idx="1"/>
+          </p:nvPr>
+        </p:nvSpPr>
+        <p:spPr>
+          <a:xfrm>
+            <a:off x="385481" y="1535906"/>
+            <a:ext cx="11398531" cy="4615656"/>
+          </a:xfrm>
+          <a:prstGeom prst="rect">
+            <a:avLst/>
+          </a:prstGeom>
+        </p:spPr>
+        <p:txBody>
+          <a:bodyPr vert="horz" lIns="91440" tIns="45720" rIns="91440" bIns="45720" rtlCol="0">
+            <a:normAutofit/>
+          </a:bodyPr>
+          <a:lstStyle/>
+          <a:p>
+            <a:pPr lvl="0"/>
+            <a:r>
+              <a:rPr lang="en-GB" dirty="0"/>
+              <a:t>Click to edit Master text styles</a:t>
+            </a:r>
+          </a:p>
+          <a:p>
+            <a:pPr lvl="1"/>
+            <a:r>
+              <a:rPr lang="en-GB" dirty="0"/>
+              <a:t>Second level</a:t>
+            </a:r>
+          </a:p>
+          <a:p>
+            <a:pPr lvl="2"/>
+            <a:r>
+              <a:rPr lang="en-GB" dirty="0"/>
+              <a:t>Third level</a:t>
+            </a:r>
+          </a:p>
+          <a:p>
+            <a:pPr lvl="3"/>
+            <a:r>
+              <a:rPr lang="en-GB" dirty="0"/>
+              <a:t>Fourth level</a:t>
+            </a:r>
+          </a:p>
+          <a:p>
+            <a:pPr lvl="4"/>
+            <a:r>
+              <a:rPr lang="en-GB" dirty="0"/>
+              <a:t>Fifth level</a:t>
+            </a:r>
+            <a:endParaRPr lang="en-US" dirty="0"/>
+          </a:p>
+        </p:txBody>
+      </p:sp>
+      <p:sp>
+        <p:nvSpPr>
+          <p:cNvPr id="4" name="Slide Number Placeholder 5">
+            <a:extLst>
+              <a:ext uri="{FF2B5EF4-FFF2-40B4-BE49-F238E27FC236}">
+                <a16:creationId xmlns:a16="http://schemas.microsoft.com/office/drawing/2014/main" id="{1E6EC27F-20CE-4CCF-3D5C-A051E0347B27}"/>
+              </a:ext>
+            </a:extLst>
+          </p:cNvPr>
+          <p:cNvSpPr txBox="1">
+            <a:spLocks/>
+          </p:cNvSpPr>
+          <p:nvPr userDrawn="1"/>
+        </p:nvSpPr>
+        <p:spPr>
+          <a:xfrm>
+            <a:off x="8646320" y="6356350"/>
+            <a:ext cx="3142128" cy="365125"/>
+          </a:xfrm>
+          <a:prstGeom prst="rect">
+            <a:avLst/>
+          </a:prstGeom>
+        </p:spPr>
+        <p:txBody>
+          <a:bodyPr vert="horz" lIns="91440" tIns="45720" rIns="91440" bIns="45720" rtlCol="0" anchor="ctr"/>
+          <a:lstStyle>
+            <a:defPPr>
+              <a:defRPr lang="en-US"/>
+            </a:defPPr>
+            <a:lvl1pPr marL="0" algn="r" defTabSz="457200" rtl="0" eaLnBrk="1" latinLnBrk="0" hangingPunct="1">
+              <a:defRPr sz="1200" kern="1200">
+                <a:solidFill>
+                  <a:schemeClr val="tx1">
+                    <a:tint val="75000"/>
+                  </a:schemeClr>
+                </a:solidFill>
+                <a:latin typeface="+mn-lt"/>
+                <a:ea typeface="+mn-ea"/>
+                <a:cs typeface="+mn-cs"/>
+              </a:defRPr>
+            </a:lvl1pPr>
+            <a:lvl2pPr marL="457200" algn="l" defTabSz="457200" rtl="0" eaLnBrk="1" latinLnBrk="0" hangingPunct="1">
+              <a:defRPr sz="1800" kern="1200">
+                <a:solidFill>
+                  <a:schemeClr val="tx1"/>
+                </a:solidFill>
+                <a:latin typeface="+mn-lt"/>
+                <a:ea typeface="+mn-ea"/>
+                <a:cs typeface="+mn-cs"/>
+              </a:defRPr>
+            </a:lvl2pPr>
+            <a:lvl3pPr marL="914400" algn="l" defTabSz="457200" rtl="0" eaLnBrk="1" latinLnBrk="0" hangingPunct="1">
+              <a:defRPr sz="1800" kern="1200">
+                <a:solidFill>
+                  <a:schemeClr val="tx1"/>
+                </a:solidFill>
+                <a:latin typeface="+mn-lt"/>
+                <a:ea typeface="+mn-ea"/>
+                <a:cs typeface="+mn-cs"/>
+              </a:defRPr>
+            </a:lvl3pPr>
+            <a:lvl4pPr marL="1371600" algn="l" defTabSz="457200" rtl="0" eaLnBrk="1" latinLnBrk="0" hangingPunct="1">
+              <a:defRPr sz="1800" kern="1200">
+                <a:solidFill>
+                  <a:schemeClr val="tx1"/>
+                </a:solidFill>
+                <a:latin typeface="+mn-lt"/>
+                <a:ea typeface="+mn-ea"/>
+                <a:cs typeface="+mn-cs"/>
+              </a:defRPr>
+            </a:lvl4pPr>
+            <a:lvl5pPr marL="1828800" algn="l" defTabSz="457200" rtl="0" eaLnBrk="1" latinLnBrk="0" hangingPunct="1">
+              <a:defRPr sz="1800" kern="1200">
+                <a:solidFill>
+                  <a:schemeClr val="tx1"/>
+                </a:solidFill>
+                <a:latin typeface="+mn-lt"/>
+                <a:ea typeface="+mn-ea"/>
+                <a:cs typeface="+mn-cs"/>
+              </a:defRPr>
+            </a:lvl5pPr>
+            <a:lvl6pPr marL="2286000" algn="l" defTabSz="457200" rtl="0" eaLnBrk="1" latinLnBrk="0" hangingPunct="1">
+              <a:defRPr sz="1800" kern="1200">
+                <a:solidFill>
+                  <a:schemeClr val="tx1"/>
+                </a:solidFill>
+                <a:latin typeface="+mn-lt"/>
+                <a:ea typeface="+mn-ea"/>
+                <a:cs typeface="+mn-cs"/>
+              </a:defRPr>
+            </a:lvl6pPr>
+            <a:lvl7pPr marL="2743200" algn="l" defTabSz="457200" rtl="0" eaLnBrk="1" latinLnBrk="0" hangingPunct="1">
+              <a:defRPr sz="1800" kern="1200">
+                <a:solidFill>
+                  <a:schemeClr val="tx1"/>
+                </a:solidFill>
+                <a:latin typeface="+mn-lt"/>
+                <a:ea typeface="+mn-ea"/>
+                <a:cs typeface="+mn-cs"/>
+              </a:defRPr>
+            </a:lvl7pPr>
+            <a:lvl8pPr marL="3200400" algn="l" defTabSz="457200" rtl="0" eaLnBrk="1" latinLnBrk="0" hangingPunct="1">
+              <a:defRPr sz="1800" kern="1200">
+                <a:solidFill>
+                  <a:schemeClr val="tx1"/>
+                </a:solidFill>
+                <a:latin typeface="+mn-lt"/>
+                <a:ea typeface="+mn-ea"/>
+                <a:cs typeface="+mn-cs"/>
+              </a:defRPr>
+            </a:lvl8pPr>
+            <a:lvl9pPr marL="3657600" algn="l" defTabSz="457200" rtl="0" eaLnBrk="1" latinLnBrk="0" hangingPunct="1">
+              <a:defRPr sz="1800" kern="1200">
+                <a:solidFill>
+                  <a:schemeClr val="tx1"/>
+                </a:solidFill>
+                <a:latin typeface="+mn-lt"/>
+                <a:ea typeface="+mn-ea"/>
+                <a:cs typeface="+mn-cs"/>
+              </a:defRPr>
+            </a:lvl9pPr>
+          </a:lstStyle>
+          <a:p>
+            <a:fld id="{0D1C777A-97BF-664C-98A5-2907D09321D1}" type="slidenum">
+              <a:rPr lang="en-US" smtClean="0"/>
+              <a:pPr/>
+              <a:t>‹#›</a:t>
+            </a:fld>
+            <a:endParaRPr lang="en-US" dirty="0"/>
+          </a:p>
+        </p:txBody>
+      </p:sp>
+      <p:sp>
+        <p:nvSpPr>
+          <p:cNvPr id="6" name="Content Placeholder 2">
+            <a:extLst>
+              <a:ext uri="{FF2B5EF4-FFF2-40B4-BE49-F238E27FC236}">
+                <a16:creationId xmlns:a16="http://schemas.microsoft.com/office/drawing/2014/main" id="{CC22FC4E-C0DC-E3DE-BD6B-D5CA5918036D}"/>
+              </a:ext>
+            </a:extLst>
+          </p:cNvPr>
+          <p:cNvSpPr>
+            <a:spLocks noGrp="1"/>
+          </p:cNvSpPr>
+          <p:nvPr>
+            <p:ph type="body" sz="quarter" idx="10" hasCustomPrompt="1"/>
+          </p:nvPr>
+        </p:nvSpPr>
+        <p:spPr>
+          <a:xfrm>
+            <a:off x="455612" y="879474"/>
+            <a:ext cx="6230937" cy="292100"/>
+          </a:xfrm>
+        </p:spPr>
+        <p:txBody>
+          <a:bodyPr>
+            <a:noAutofit/>
+          </a:bodyPr>
+          <a:lstStyle>
+            <a:lvl1pPr marL="0" indent="0">
+              <a:buNone/>
+              <a:defRPr sz="1800">
+                <a:solidFill>
+                  <a:schemeClr val="accent1"/>
+                </a:solidFill>
+              </a:defRPr>
+            </a:lvl1pPr>
+          </a:lstStyle>
+          <a:p>
+            <a:pPr lvl="0"/>
+            <a:r>
+              <a:rPr lang="en-US" dirty="0"/>
+              <a:t>Click to add subheading</a:t>
+            </a:r>
+            <a:endParaRPr lang="en-AU" dirty="0"/>
+          </a:p>
+        </p:txBody>
+      </p:sp>
+      <p:sp>
+        <p:nvSpPr>
+          <p:cNvPr id="8" name="Title 1">
+            <a:extLst>
+              <a:ext uri="{FF2B5EF4-FFF2-40B4-BE49-F238E27FC236}">
+                <a16:creationId xmlns:a16="http://schemas.microsoft.com/office/drawing/2014/main" id="{B2EE96F9-3E03-A2B8-1CAD-49604615BA4A}"/>
+              </a:ext>
+            </a:extLst>
+          </p:cNvPr>
+          <p:cNvSpPr>
+            <a:spLocks noGrp="1"/>
+          </p:cNvSpPr>
+          <p:nvPr>
+            <p:ph type="title"/>
+          </p:nvPr>
+        </p:nvSpPr>
+        <p:spPr/>
+        <p:txBody>
+          <a:bodyPr/>
+          <a:lstStyle/>
+          <a:p>
+            <a:r>
+              <a:rPr lang="en-GB" dirty="0"/>
+              <a:t>Click to edit Master title style</a:t>
+            </a:r>
+            <a:endParaRPr lang="en-US" dirty="0"/>
+          </a:p>
+        </p:txBody>
+      </p:sp>
+    </p:spTree>
+    <p:extLst>
+      <p:ext uri="{BB962C8B-B14F-4D97-AF65-F5344CB8AC3E}">
+        <p14:creationId xmlns:p14="http://schemas.microsoft.com/office/powerpoint/2010/main" val="1483668483"/>
+      </p:ext>
+    </p:extLst>
+  </p:cSld>
+  <p:clrMapOvr>
+    <a:masterClrMapping/>
+  </p:clrMapOvr>
+</p:sldLayout>
+</file>
+
+<file path=ppt/slideLayouts/slideLayout5.xml><?xml version="1.0" encoding="utf-8"?>
+<p:sldLayout xmlns:a="http://schemas.openxmlformats.org/drawingml/2006/main" xmlns:r="http://schemas.openxmlformats.org/officeDocument/2006/relationships" xmlns:p="http://schemas.openxmlformats.org/presentationml/2006/main" preserve="1" userDrawn="1">
+  <p:cSld name="Title Only">
+    <p:spTree>
+      <p:nvGrpSpPr>
+        <p:cNvPr id="1" name=""/>
+        <p:cNvGrpSpPr/>
+        <p:nvPr/>
+      </p:nvGrpSpPr>
+      <p:grpSpPr>
+        <a:xfrm>
+          <a:off x="0" y="0"/>
+          <a:ext cx="0" cy="0"/>
+          <a:chOff x="0" y="0"/>
+          <a:chExt cx="0" cy="0"/>
+        </a:xfrm>
+      </p:grpSpPr>
+      <p:sp>
+        <p:nvSpPr>
+          <p:cNvPr id="16" name="Rectangle 15">
+            <a:extLst>
+              <a:ext uri="{FF2B5EF4-FFF2-40B4-BE49-F238E27FC236}">
+                <a16:creationId xmlns:a16="http://schemas.microsoft.com/office/drawing/2014/main" id="{6F927AB4-CA90-E951-65D7-A7115E4E9728}"/>
+              </a:ext>
+            </a:extLst>
+          </p:cNvPr>
+          <p:cNvSpPr/>
+          <p:nvPr userDrawn="1"/>
+        </p:nvSpPr>
+        <p:spPr>
+          <a:xfrm>
+            <a:off x="0" y="-1"/>
+            <a:ext cx="12192000" cy="1150201"/>
+          </a:xfrm>
+          <a:prstGeom prst="rect">
+            <a:avLst/>
+          </a:prstGeom>
+          <a:solidFill>
+            <a:srgbClr val="F2F2F2"/>
+          </a:solidFill>
+          <a:ln>
+            <a:noFill/>
+          </a:ln>
+        </p:spPr>
+        <p:style>
+          <a:lnRef idx="1">
+            <a:schemeClr val="accent1"/>
+          </a:lnRef>
+          <a:fillRef idx="2">
+            <a:schemeClr val="accent1"/>
+          </a:fillRef>
+          <a:effectRef idx="1">
+            <a:schemeClr val="accent1"/>
+          </a:effectRef>
+          <a:fontRef idx="minor">
+            <a:schemeClr val="dk1"/>
+          </a:fontRef>
+        </p:style>
+        <p:txBody>
+          <a:bodyPr rtlCol="0" anchor="ctr"/>
+          <a:lstStyle/>
+          <a:p>
+            <a:pPr algn="ctr"/>
+            <a:endParaRPr lang="en-US" dirty="0"/>
+          </a:p>
+        </p:txBody>
+      </p:sp>
+      <p:pic>
+        <p:nvPicPr>
+          <p:cNvPr id="17" name="Picture 16">
+            <a:extLst>
+              <a:ext uri="{FF2B5EF4-FFF2-40B4-BE49-F238E27FC236}">
+                <a16:creationId xmlns:a16="http://schemas.microsoft.com/office/drawing/2014/main" id="{E2C36E00-9570-96F4-957E-95AEE4FAB2B1}"/>
+              </a:ext>
+            </a:extLst>
+          </p:cNvPr>
+          <p:cNvPicPr>
+            <a:picLocks noChangeAspect="1"/>
+          </p:cNvPicPr>
+          <p:nvPr userDrawn="1"/>
+        </p:nvPicPr>
+        <p:blipFill>
+          <a:blip r:embed="rId2" cstate="screen">
+            <a:extLst>
+              <a:ext uri="{28A0092B-C50C-407E-A947-70E740481C1C}">
+                <a14:useLocalDpi xmlns:a14="http://schemas.microsoft.com/office/drawing/2010/main"/>
+              </a:ext>
+            </a:extLst>
+          </a:blip>
+          <a:stretch>
+            <a:fillRect/>
+          </a:stretch>
+        </p:blipFill>
+        <p:spPr>
+          <a:xfrm>
+            <a:off x="10183883" y="349310"/>
+            <a:ext cx="1622635" cy="576263"/>
+          </a:xfrm>
+          <a:prstGeom prst="rect">
+            <a:avLst/>
+          </a:prstGeom>
+        </p:spPr>
+      </p:pic>
+      <p:sp>
+        <p:nvSpPr>
+          <p:cNvPr id="13" name="Date Placeholder 3">
+            <a:extLst>
+              <a:ext uri="{FF2B5EF4-FFF2-40B4-BE49-F238E27FC236}">
+                <a16:creationId xmlns:a16="http://schemas.microsoft.com/office/drawing/2014/main" id="{74C90D1F-6BBA-97AB-88AA-507E0C7ADBC9}"/>
+              </a:ext>
+            </a:extLst>
+          </p:cNvPr>
+          <p:cNvSpPr>
+            <a:spLocks noGrp="1"/>
+          </p:cNvSpPr>
+          <p:nvPr>
+            <p:ph type="dt" sz="half" idx="2"/>
+          </p:nvPr>
+        </p:nvSpPr>
+        <p:spPr>
+          <a:xfrm>
+            <a:off x="385482" y="6356350"/>
+            <a:ext cx="3195918" cy="365125"/>
+          </a:xfrm>
+          <a:prstGeom prst="rect">
+            <a:avLst/>
+          </a:prstGeom>
+        </p:spPr>
+        <p:txBody>
+          <a:bodyPr vert="horz" lIns="91440" tIns="45720" rIns="91440" bIns="45720" rtlCol="0" anchor="ctr"/>
+          <a:lstStyle>
+            <a:lvl1pPr algn="l">
+              <a:defRPr sz="1200">
+                <a:solidFill>
+                  <a:schemeClr val="tx1">
+                    <a:tint val="75000"/>
+                  </a:schemeClr>
+                </a:solidFill>
+              </a:defRPr>
+            </a:lvl1pPr>
+          </a:lstStyle>
+          <a:p>
+            <a:fld id="{184C34C6-D93D-964F-98F1-8B05274CB5BF}" type="datetimeFigureOut">
+              <a:rPr lang="en-US" smtClean="0"/>
+              <a:t>5/26/23</a:t>
+            </a:fld>
+            <a:endParaRPr lang="en-US" dirty="0"/>
+          </a:p>
+        </p:txBody>
+      </p:sp>
+      <p:sp>
+        <p:nvSpPr>
+          <p:cNvPr id="14" name="Footer Placeholder 4">
+            <a:extLst>
+              <a:ext uri="{FF2B5EF4-FFF2-40B4-BE49-F238E27FC236}">
+                <a16:creationId xmlns:a16="http://schemas.microsoft.com/office/drawing/2014/main" id="{6721463F-DE73-8A1C-4B1D-EC5523146131}"/>
+              </a:ext>
+            </a:extLst>
+          </p:cNvPr>
+          <p:cNvSpPr>
+            <a:spLocks noGrp="1"/>
+          </p:cNvSpPr>
+          <p:nvPr>
+            <p:ph type="ftr" sz="quarter" idx="3"/>
+          </p:nvPr>
+        </p:nvSpPr>
+        <p:spPr>
+          <a:xfrm>
+            <a:off x="4038600" y="6356350"/>
+            <a:ext cx="4114800" cy="365125"/>
+          </a:xfrm>
+          <a:prstGeom prst="rect">
+            <a:avLst/>
+          </a:prstGeom>
+        </p:spPr>
+        <p:txBody>
+          <a:bodyPr vert="horz" lIns="91440" tIns="45720" rIns="91440" bIns="45720" rtlCol="0" anchor="ctr"/>
+          <a:lstStyle>
+            <a:lvl1pPr algn="ctr">
+              <a:defRPr sz="1200">
+                <a:solidFill>
+                  <a:schemeClr val="tx1">
+                    <a:tint val="75000"/>
+                  </a:schemeClr>
+                </a:solidFill>
+              </a:defRPr>
+            </a:lvl1pPr>
+          </a:lstStyle>
+          <a:p>
+            <a:endParaRPr lang="en-US"/>
+          </a:p>
+        </p:txBody>
+      </p:sp>
+      <p:sp>
+        <p:nvSpPr>
+          <p:cNvPr id="2" name="Title Placeholder 1">
+            <a:extLst>
+              <a:ext uri="{FF2B5EF4-FFF2-40B4-BE49-F238E27FC236}">
+                <a16:creationId xmlns:a16="http://schemas.microsoft.com/office/drawing/2014/main" id="{3BAB2FF0-4955-916C-E396-EBC8532A65C8}"/>
+              </a:ext>
+            </a:extLst>
+          </p:cNvPr>
+          <p:cNvSpPr>
+            <a:spLocks noGrp="1"/>
+          </p:cNvSpPr>
+          <p:nvPr>
+            <p:ph type="title"/>
+          </p:nvPr>
+        </p:nvSpPr>
+        <p:spPr>
+          <a:xfrm>
+            <a:off x="385482" y="339329"/>
+            <a:ext cx="9637060" cy="540145"/>
+          </a:xfrm>
+          <a:prstGeom prst="rect">
+            <a:avLst/>
+          </a:prstGeom>
+        </p:spPr>
+        <p:txBody>
+          <a:bodyPr vert="horz" lIns="91440" tIns="45720" rIns="91440" bIns="45720" rtlCol="0" anchor="ctr">
+            <a:noAutofit/>
+          </a:bodyPr>
+          <a:lstStyle/>
+          <a:p>
+            <a:r>
+              <a:rPr lang="en-GB" dirty="0"/>
+              <a:t>Click to edit Master title style</a:t>
+            </a:r>
+            <a:endParaRPr lang="en-US" dirty="0"/>
+          </a:p>
+        </p:txBody>
+      </p:sp>
+      <p:sp>
+        <p:nvSpPr>
+          <p:cNvPr id="3" name="Slide Number Placeholder 5">
+            <a:extLst>
+              <a:ext uri="{FF2B5EF4-FFF2-40B4-BE49-F238E27FC236}">
+                <a16:creationId xmlns:a16="http://schemas.microsoft.com/office/drawing/2014/main" id="{18836AB3-6799-2DF5-B516-EDC045CE4ED1}"/>
+              </a:ext>
+            </a:extLst>
+          </p:cNvPr>
+          <p:cNvSpPr>
+            <a:spLocks noGrp="1"/>
+          </p:cNvSpPr>
+          <p:nvPr>
+            <p:ph type="sldNum" sz="quarter" idx="4"/>
+          </p:nvPr>
+        </p:nvSpPr>
+        <p:spPr>
+          <a:xfrm>
+            <a:off x="8646320" y="6356350"/>
+            <a:ext cx="3142128" cy="365125"/>
+          </a:xfrm>
+          <a:prstGeom prst="rect">
+            <a:avLst/>
+          </a:prstGeom>
+        </p:spPr>
+        <p:txBody>
+          <a:bodyPr vert="horz" lIns="91440" tIns="45720" rIns="91440" bIns="45720" rtlCol="0" anchor="ctr"/>
+          <a:lstStyle>
+            <a:lvl1pPr algn="r">
+              <a:defRPr sz="1200">
+                <a:solidFill>
+                  <a:schemeClr val="tx1">
+                    <a:tint val="75000"/>
+                  </a:schemeClr>
+                </a:solidFill>
+              </a:defRPr>
+            </a:lvl1pPr>
+          </a:lstStyle>
+          <a:p>
+            <a:fld id="{0D1C777A-97BF-664C-98A5-2907D09321D1}" type="slidenum">
+              <a:rPr lang="en-US" smtClean="0"/>
+              <a:t>‹#›</a:t>
+            </a:fld>
+            <a:endParaRPr lang="en-US" dirty="0"/>
+          </a:p>
+        </p:txBody>
+      </p:sp>
+    </p:spTree>
+    <p:extLst>
+      <p:ext uri="{BB962C8B-B14F-4D97-AF65-F5344CB8AC3E}">
+        <p14:creationId xmlns:p14="http://schemas.microsoft.com/office/powerpoint/2010/main" val="2604831980"/>
+      </p:ext>
+    </p:extLst>
+  </p:cSld>
+  <p:clrMapOvr>
+    <a:masterClrMapping/>
+  </p:clrMapOvr>
+</p:sldLayout>
+</file>
+
+<file path=ppt/slideLayouts/slideLayout6.xml><?xml version="1.0" encoding="utf-8"?>
+<p:sldLayout xmlns:a="http://schemas.openxmlformats.org/drawingml/2006/main" xmlns:r="http://schemas.openxmlformats.org/officeDocument/2006/relationships" xmlns:p="http://schemas.openxmlformats.org/presentationml/2006/main" preserve="1" userDrawn="1">
   <p:cSld name="Two Content">
+    <p:spTree>
+      <p:nvGrpSpPr>
+        <p:cNvPr id="1" name=""/>
+        <p:cNvGrpSpPr/>
+        <p:nvPr/>
+      </p:nvGrpSpPr>
+      <p:grpSpPr>
+        <a:xfrm>
+          <a:off x="0" y="0"/>
+          <a:ext cx="0" cy="0"/>
+          <a:chOff x="0" y="0"/>
+          <a:chExt cx="0" cy="0"/>
+        </a:xfrm>
+      </p:grpSpPr>
+      <p:sp>
+        <p:nvSpPr>
+          <p:cNvPr id="16" name="Rectangle 15">
+            <a:extLst>
+              <a:ext uri="{FF2B5EF4-FFF2-40B4-BE49-F238E27FC236}">
+                <a16:creationId xmlns:a16="http://schemas.microsoft.com/office/drawing/2014/main" id="{6F927AB4-CA90-E951-65D7-A7115E4E9728}"/>
+              </a:ext>
+            </a:extLst>
+          </p:cNvPr>
+          <p:cNvSpPr/>
+          <p:nvPr userDrawn="1"/>
+        </p:nvSpPr>
+        <p:spPr>
+          <a:xfrm>
+            <a:off x="0" y="-1"/>
+            <a:ext cx="12192000" cy="1150201"/>
+          </a:xfrm>
+          <a:prstGeom prst="rect">
+            <a:avLst/>
+          </a:prstGeom>
+          <a:solidFill>
+            <a:srgbClr val="F2F2F2"/>
+          </a:solidFill>
+          <a:ln>
+            <a:noFill/>
+          </a:ln>
+        </p:spPr>
+        <p:style>
+          <a:lnRef idx="1">
+            <a:schemeClr val="accent1"/>
+          </a:lnRef>
+          <a:fillRef idx="2">
+            <a:schemeClr val="accent1"/>
+          </a:fillRef>
+          <a:effectRef idx="1">
+            <a:schemeClr val="accent1"/>
+          </a:effectRef>
+          <a:fontRef idx="minor">
+            <a:schemeClr val="dk1"/>
+          </a:fontRef>
+        </p:style>
+        <p:txBody>
+          <a:bodyPr rtlCol="0" anchor="ctr"/>
+          <a:lstStyle/>
+          <a:p>
+            <a:pPr algn="ctr"/>
+            <a:endParaRPr lang="en-US" dirty="0"/>
+          </a:p>
+        </p:txBody>
+      </p:sp>
+      <p:pic>
+        <p:nvPicPr>
+          <p:cNvPr id="17" name="Picture 16">
+            <a:extLst>
+              <a:ext uri="{FF2B5EF4-FFF2-40B4-BE49-F238E27FC236}">
+                <a16:creationId xmlns:a16="http://schemas.microsoft.com/office/drawing/2014/main" id="{E2C36E00-9570-96F4-957E-95AEE4FAB2B1}"/>
+              </a:ext>
+            </a:extLst>
+          </p:cNvPr>
+          <p:cNvPicPr>
+            <a:picLocks noChangeAspect="1"/>
+          </p:cNvPicPr>
+          <p:nvPr userDrawn="1"/>
+        </p:nvPicPr>
+        <p:blipFill>
+          <a:blip r:embed="rId2" cstate="screen">
+            <a:extLst>
+              <a:ext uri="{28A0092B-C50C-407E-A947-70E740481C1C}">
+                <a14:useLocalDpi xmlns:a14="http://schemas.microsoft.com/office/drawing/2010/main"/>
+              </a:ext>
+            </a:extLst>
+          </a:blip>
+          <a:stretch>
+            <a:fillRect/>
+          </a:stretch>
+        </p:blipFill>
+        <p:spPr>
+          <a:xfrm>
+            <a:off x="10183883" y="349310"/>
+            <a:ext cx="1622635" cy="576263"/>
+          </a:xfrm>
+          <a:prstGeom prst="rect">
+            <a:avLst/>
+          </a:prstGeom>
+        </p:spPr>
+      </p:pic>
+      <p:sp>
+        <p:nvSpPr>
+          <p:cNvPr id="11" name="Title 1">
+            <a:extLst>
+              <a:ext uri="{FF2B5EF4-FFF2-40B4-BE49-F238E27FC236}">
+                <a16:creationId xmlns:a16="http://schemas.microsoft.com/office/drawing/2014/main" id="{8EC5B233-B10D-77D4-13F6-C9B4EACAB362}"/>
+              </a:ext>
+            </a:extLst>
+          </p:cNvPr>
+          <p:cNvSpPr>
+            <a:spLocks noGrp="1"/>
+          </p:cNvSpPr>
+          <p:nvPr>
+            <p:ph type="title" hasCustomPrompt="1"/>
+          </p:nvPr>
+        </p:nvSpPr>
+        <p:spPr>
+          <a:xfrm>
+            <a:off x="385482" y="367368"/>
+            <a:ext cx="9637060" cy="540145"/>
+          </a:xfrm>
+          <a:prstGeom prst="rect">
+            <a:avLst/>
+          </a:prstGeom>
+        </p:spPr>
+        <p:txBody>
+          <a:bodyPr vert="horz" lIns="91440" tIns="45720" rIns="91440" bIns="45720" rtlCol="0" anchor="ctr">
+            <a:noAutofit/>
+          </a:bodyPr>
+          <a:lstStyle/>
+          <a:p>
+            <a:r>
+              <a:rPr lang="en-GB" dirty="0"/>
+              <a:t>Click to add slide title</a:t>
+            </a:r>
+            <a:endParaRPr lang="en-US" dirty="0"/>
+          </a:p>
+        </p:txBody>
+      </p:sp>
+      <p:sp>
+        <p:nvSpPr>
+          <p:cNvPr id="15" name="Slide Number Placeholder 5">
+            <a:extLst>
+              <a:ext uri="{FF2B5EF4-FFF2-40B4-BE49-F238E27FC236}">
+                <a16:creationId xmlns:a16="http://schemas.microsoft.com/office/drawing/2014/main" id="{7C09E446-08E7-FD8F-80D1-1B02D15A6910}"/>
+              </a:ext>
+            </a:extLst>
+          </p:cNvPr>
+          <p:cNvSpPr>
+            <a:spLocks noGrp="1"/>
+          </p:cNvSpPr>
+          <p:nvPr>
+            <p:ph type="sldNum" sz="quarter" idx="4"/>
+          </p:nvPr>
+        </p:nvSpPr>
+        <p:spPr>
+          <a:xfrm>
+            <a:off x="11033794" y="6356350"/>
+            <a:ext cx="718933" cy="365125"/>
+          </a:xfrm>
+          <a:prstGeom prst="rect">
+            <a:avLst/>
+          </a:prstGeom>
+        </p:spPr>
+        <p:txBody>
+          <a:bodyPr vert="horz" lIns="91440" tIns="45720" rIns="91440" bIns="45720" rtlCol="0" anchor="ctr"/>
+          <a:lstStyle>
+            <a:lvl1pPr algn="r">
+              <a:defRPr sz="1200">
+                <a:solidFill>
+                  <a:schemeClr val="tx1">
+                    <a:tint val="75000"/>
+                  </a:schemeClr>
+                </a:solidFill>
+              </a:defRPr>
+            </a:lvl1pPr>
+          </a:lstStyle>
+          <a:p>
+            <a:fld id="{0D1C777A-97BF-664C-98A5-2907D09321D1}" type="slidenum">
+              <a:rPr lang="en-US" smtClean="0"/>
+              <a:t>‹#›</a:t>
+            </a:fld>
+            <a:endParaRPr lang="en-US" dirty="0"/>
+          </a:p>
+        </p:txBody>
+      </p:sp>
+      <p:sp>
+        <p:nvSpPr>
+          <p:cNvPr id="46" name="Content Placeholder 2">
+            <a:extLst>
+              <a:ext uri="{FF2B5EF4-FFF2-40B4-BE49-F238E27FC236}">
+                <a16:creationId xmlns:a16="http://schemas.microsoft.com/office/drawing/2014/main" id="{48F4585A-2D72-19E2-7B40-41FEB45DABA5}"/>
+              </a:ext>
+            </a:extLst>
+          </p:cNvPr>
+          <p:cNvSpPr>
+            <a:spLocks noGrp="1"/>
+          </p:cNvSpPr>
+          <p:nvPr>
+            <p:ph type="body" sz="quarter" idx="10" hasCustomPrompt="1"/>
+          </p:nvPr>
+        </p:nvSpPr>
+        <p:spPr>
+          <a:xfrm>
+            <a:off x="378478" y="1192801"/>
+            <a:ext cx="11398531" cy="306710"/>
+          </a:xfrm>
+        </p:spPr>
+        <p:txBody>
+          <a:bodyPr>
+            <a:noAutofit/>
+          </a:bodyPr>
+          <a:lstStyle>
+            <a:lvl1pPr marL="0" indent="0">
+              <a:buNone/>
+              <a:defRPr sz="1800"/>
+            </a:lvl1pPr>
+          </a:lstStyle>
+          <a:p>
+            <a:pPr lvl="0"/>
+            <a:r>
+              <a:rPr lang="en-GB" dirty="0"/>
+              <a:t>Insert unit title</a:t>
+            </a:r>
+            <a:endParaRPr lang="en-AU" dirty="0"/>
+          </a:p>
+        </p:txBody>
+      </p:sp>
+      <p:sp>
+        <p:nvSpPr>
+          <p:cNvPr id="48" name="Caption Placeholder 1">
+            <a:extLst>
+              <a:ext uri="{FF2B5EF4-FFF2-40B4-BE49-F238E27FC236}">
+                <a16:creationId xmlns:a16="http://schemas.microsoft.com/office/drawing/2014/main" id="{69F7CE92-E1D5-B5FE-FFCF-4017AEF4DBAA}"/>
+              </a:ext>
+            </a:extLst>
+          </p:cNvPr>
+          <p:cNvSpPr>
+            <a:spLocks noGrp="1"/>
+          </p:cNvSpPr>
+          <p:nvPr>
+            <p:ph type="body" sz="quarter" idx="11" hasCustomPrompt="1"/>
+          </p:nvPr>
+        </p:nvSpPr>
+        <p:spPr>
+          <a:xfrm>
+            <a:off x="371475" y="6609900"/>
+            <a:ext cx="10662320" cy="204762"/>
+          </a:xfrm>
+        </p:spPr>
+        <p:txBody>
+          <a:bodyPr>
+            <a:noAutofit/>
+          </a:bodyPr>
+          <a:lstStyle>
+            <a:lvl1pPr marL="0" indent="0">
+              <a:buNone/>
+              <a:defRPr sz="800"/>
+            </a:lvl1pPr>
+          </a:lstStyle>
+          <a:p>
+            <a:pPr lvl="0"/>
+            <a:r>
+              <a:rPr lang="en-GB" dirty="0"/>
+              <a:t>Insert source and notes here</a:t>
+            </a:r>
+            <a:endParaRPr lang="en-AU" dirty="0"/>
+          </a:p>
+        </p:txBody>
+      </p:sp>
+      <p:sp>
+        <p:nvSpPr>
+          <p:cNvPr id="3" name="Content Placeholder 3">
+            <a:extLst>
+              <a:ext uri="{FF2B5EF4-FFF2-40B4-BE49-F238E27FC236}">
+                <a16:creationId xmlns:a16="http://schemas.microsoft.com/office/drawing/2014/main" id="{308335A6-FEDB-3236-69EC-4D55F9E69E71}"/>
+              </a:ext>
+            </a:extLst>
+          </p:cNvPr>
+          <p:cNvSpPr>
+            <a:spLocks noGrp="1"/>
+          </p:cNvSpPr>
+          <p:nvPr>
+            <p:ph sz="quarter" idx="13"/>
+          </p:nvPr>
+        </p:nvSpPr>
+        <p:spPr>
+          <a:xfrm>
+            <a:off x="536713" y="1517569"/>
+            <a:ext cx="11002617" cy="5068887"/>
+          </a:xfrm>
+        </p:spPr>
+        <p:txBody>
+          <a:bodyPr/>
+          <a:lstStyle/>
+          <a:p>
+            <a:pPr lvl="0"/>
+            <a:r>
+              <a:rPr lang="en-GB"/>
+              <a:t>Click to edit Master text styles</a:t>
+            </a:r>
+          </a:p>
+          <a:p>
+            <a:pPr lvl="1"/>
+            <a:r>
+              <a:rPr lang="en-GB"/>
+              <a:t>Second level</a:t>
+            </a:r>
+          </a:p>
+          <a:p>
+            <a:pPr lvl="2"/>
+            <a:r>
+              <a:rPr lang="en-GB"/>
+              <a:t>Third level</a:t>
+            </a:r>
+          </a:p>
+          <a:p>
+            <a:pPr lvl="3"/>
+            <a:r>
+              <a:rPr lang="en-GB"/>
+              <a:t>Fourth level</a:t>
+            </a:r>
+          </a:p>
+          <a:p>
+            <a:pPr lvl="4"/>
+            <a:r>
+              <a:rPr lang="en-GB"/>
+              <a:t>Fifth level</a:t>
+            </a:r>
+            <a:endParaRPr lang="en-AU"/>
+          </a:p>
+        </p:txBody>
+      </p:sp>
+    </p:spTree>
+    <p:extLst>
+      <p:ext uri="{BB962C8B-B14F-4D97-AF65-F5344CB8AC3E}">
+        <p14:creationId xmlns:p14="http://schemas.microsoft.com/office/powerpoint/2010/main" val="335403666"/>
+      </p:ext>
+    </p:extLst>
+  </p:cSld>
+  <p:clrMapOvr>
+    <a:masterClrMapping/>
+  </p:clrMapOvr>
+  <p:extLst>
+    <p:ext uri="{DCECCB84-F9BA-43D5-87BE-67443E8EF086}">
+      <p15:sldGuideLst xmlns:p15="http://schemas.microsoft.com/office/powerpoint/2012/main">
+        <p15:guide id="2" pos="7423" userDrawn="1">
+          <p15:clr>
+            <a:srgbClr val="FBAE40"/>
+          </p15:clr>
+        </p15:guide>
+        <p15:guide id="3" pos="234" userDrawn="1">
+          <p15:clr>
+            <a:srgbClr val="FBAE40"/>
+          </p15:clr>
+        </p15:guide>
+        <p15:guide id="4" orient="horz" pos="3838" userDrawn="1">
+          <p15:clr>
+            <a:srgbClr val="FBAE40"/>
+          </p15:clr>
+        </p15:guide>
+        <p15:guide id="5" orient="horz" pos="3929" userDrawn="1">
+          <p15:clr>
+            <a:srgbClr val="FBAE40"/>
+          </p15:clr>
+        </p15:guide>
+        <p15:guide id="6" orient="horz" pos="1139" userDrawn="1">
+          <p15:clr>
+            <a:srgbClr val="FBAE40"/>
+          </p15:clr>
+        </p15:guide>
+        <p15:guide id="7" orient="horz" pos="1049" userDrawn="1">
+          <p15:clr>
+            <a:srgbClr val="FBAE40"/>
+          </p15:clr>
+        </p15:guide>
+      </p15:sldGuideLst>
+    </p:ext>
+  </p:extLst>
+</p:sldLayout>
+</file>
+
+<file path=ppt/slideMasters/slideMaster1.xml><?xml version="1.0" encoding="utf-8"?>
+<p:sldMaster xmlns:a="http://schemas.openxmlformats.org/drawingml/2006/main" xmlns:r="http://schemas.openxmlformats.org/officeDocument/2006/relationships" xmlns:p="http://schemas.openxmlformats.org/presentationml/2006/main">
+  <p:cSld>
+    <p:bg>
+      <p:bgRef idx="1001">
+        <a:schemeClr val="bg1"/>
+      </p:bgRef>
+    </p:bg>
     <p:spTree>
       <p:nvGrpSpPr>
         <p:cNvPr id="1" name=""/>
@@ -1439,904 +2828,97 @@
             <a:spLocks noGrp="1"/>
           </p:cNvSpPr>
           <p:nvPr>
-            <p:ph type="title" hasCustomPrompt="1"/>
+            <p:ph type="title"/>
           </p:nvPr>
         </p:nvSpPr>
         <p:spPr>
           <a:xfrm>
-            <a:off x="864000" y="188640"/>
-            <a:ext cx="9035374" cy="606481"/>
+            <a:off x="385482" y="339329"/>
+            <a:ext cx="9637060" cy="540145"/>
           </a:xfrm>
+          <a:prstGeom prst="rect">
+            <a:avLst/>
+          </a:prstGeom>
         </p:spPr>
         <p:txBody>
-          <a:bodyPr anchor="b">
+          <a:bodyPr vert="horz" lIns="91440" tIns="45720" rIns="91440" bIns="45720" rtlCol="0" anchor="ctr">
             <a:noAutofit/>
           </a:bodyPr>
-          <a:lstStyle>
-            <a:lvl1pPr algn="l">
-              <a:defRPr sz="1800"/>
-            </a:lvl1pPr>
-          </a:lstStyle>
+          <a:lstStyle/>
           <a:p>
             <a:r>
-              <a:rPr lang="en-US" dirty="0"/>
-              <a:t> </a:t>
+              <a:rPr lang="en-GB" dirty="0"/>
+              <a:t>Click to edit Master title style</a:t>
             </a:r>
+            <a:endParaRPr lang="en-US" dirty="0"/>
           </a:p>
         </p:txBody>
       </p:sp>
       <p:sp>
         <p:nvSpPr>
-          <p:cNvPr id="3" name="Content Placeholder 2"/>
+          <p:cNvPr id="3" name="Text Placeholder 2"/>
           <p:cNvSpPr>
             <a:spLocks noGrp="1"/>
-          </p:cNvSpPr>
-          <p:nvPr>
-            <p:ph sz="half" idx="1" hasCustomPrompt="1"/>
-          </p:nvPr>
-        </p:nvSpPr>
-        <p:spPr>
-          <a:xfrm>
-            <a:off x="851790" y="908720"/>
-            <a:ext cx="10656000" cy="249299"/>
-          </a:xfrm>
-        </p:spPr>
-        <p:txBody>
-          <a:bodyPr/>
-          <a:lstStyle>
-            <a:lvl1pPr>
-              <a:lnSpc>
-                <a:spcPct val="90000"/>
-              </a:lnSpc>
-              <a:spcAft>
-                <a:spcPts val="0"/>
-              </a:spcAft>
-              <a:defRPr/>
-            </a:lvl1pPr>
-            <a:lvl2pPr>
-              <a:lnSpc>
-                <a:spcPct val="90000"/>
-              </a:lnSpc>
-              <a:spcAft>
-                <a:spcPts val="0"/>
-              </a:spcAft>
-              <a:defRPr/>
-            </a:lvl2pPr>
-            <a:lvl3pPr>
-              <a:lnSpc>
-                <a:spcPct val="90000"/>
-              </a:lnSpc>
-              <a:spcAft>
-                <a:spcPts val="0"/>
-              </a:spcAft>
-              <a:defRPr/>
-            </a:lvl3pPr>
-            <a:lvl4pPr>
-              <a:lnSpc>
-                <a:spcPct val="90000"/>
-              </a:lnSpc>
-              <a:spcAft>
-                <a:spcPts val="0"/>
-              </a:spcAft>
-              <a:defRPr/>
-            </a:lvl4pPr>
-            <a:lvl5pPr>
-              <a:lnSpc>
-                <a:spcPct val="90000"/>
-              </a:lnSpc>
-              <a:spcAft>
-                <a:spcPts val="0"/>
-              </a:spcAft>
-              <a:defRPr/>
-            </a:lvl5pPr>
-          </a:lstStyle>
-          <a:p>
-            <a:pPr lvl="0"/>
-            <a:r>
-              <a:rPr lang="en-US" dirty="0"/>
-              <a:t> </a:t>
-            </a:r>
-          </a:p>
-        </p:txBody>
-      </p:sp>
-      <p:sp>
-        <p:nvSpPr>
-          <p:cNvPr id="4" name="Content Placeholder 3"/>
-          <p:cNvSpPr>
-            <a:spLocks noGrp="1"/>
-          </p:cNvSpPr>
-          <p:nvPr>
-            <p:ph sz="half" idx="2" hasCustomPrompt="1"/>
-          </p:nvPr>
-        </p:nvSpPr>
-        <p:spPr>
-          <a:xfrm>
-            <a:off x="851790" y="1158019"/>
-            <a:ext cx="10800000" cy="5313931"/>
-          </a:xfrm>
-        </p:spPr>
-        <p:txBody>
-          <a:bodyPr anchor="b" anchorCtr="1"/>
-          <a:lstStyle>
-            <a:lvl1pPr>
-              <a:spcAft>
-                <a:spcPts val="1800"/>
-              </a:spcAft>
-              <a:defRPr>
-                <a:latin typeface="Arial" panose="020B0604020202020204" pitchFamily="34" charset="0"/>
-                <a:cs typeface="Arial" panose="020B0604020202020204" pitchFamily="34" charset="0"/>
-              </a:defRPr>
-            </a:lvl1pPr>
-            <a:lvl2pPr>
-              <a:spcAft>
-                <a:spcPts val="1800"/>
-              </a:spcAft>
-              <a:defRPr>
-                <a:latin typeface="Arial" panose="020B0604020202020204" pitchFamily="34" charset="0"/>
-                <a:cs typeface="Arial" panose="020B0604020202020204" pitchFamily="34" charset="0"/>
-              </a:defRPr>
-            </a:lvl2pPr>
-            <a:lvl3pPr>
-              <a:spcAft>
-                <a:spcPts val="1800"/>
-              </a:spcAft>
-              <a:defRPr>
-                <a:latin typeface="Arial" panose="020B0604020202020204" pitchFamily="34" charset="0"/>
-                <a:cs typeface="Arial" panose="020B0604020202020204" pitchFamily="34" charset="0"/>
-              </a:defRPr>
-            </a:lvl3pPr>
-            <a:lvl4pPr>
-              <a:spcAft>
-                <a:spcPts val="1800"/>
-              </a:spcAft>
-              <a:defRPr>
-                <a:latin typeface="Arial" panose="020B0604020202020204" pitchFamily="34" charset="0"/>
-                <a:cs typeface="Arial" panose="020B0604020202020204" pitchFamily="34" charset="0"/>
-              </a:defRPr>
-            </a:lvl4pPr>
-            <a:lvl5pPr>
-              <a:spcAft>
-                <a:spcPts val="1800"/>
-              </a:spcAft>
-              <a:defRPr>
-                <a:latin typeface="Arial" panose="020B0604020202020204" pitchFamily="34" charset="0"/>
-                <a:cs typeface="Arial" panose="020B0604020202020204" pitchFamily="34" charset="0"/>
-              </a:defRPr>
-            </a:lvl5pPr>
-          </a:lstStyle>
-          <a:p>
-            <a:pPr lvl="0"/>
-            <a:r>
-              <a:rPr lang="en-US" dirty="0"/>
-              <a:t>Edit Master text styles</a:t>
-            </a:r>
-          </a:p>
-          <a:p>
-            <a:pPr lvl="1"/>
-            <a:r>
-              <a:rPr lang="en-US" dirty="0"/>
-              <a:t>Second level</a:t>
-            </a:r>
-          </a:p>
-          <a:p>
-            <a:pPr lvl="2"/>
-            <a:r>
-              <a:rPr lang="en-US" dirty="0"/>
-              <a:t>Third level</a:t>
-            </a:r>
-          </a:p>
-          <a:p>
-            <a:pPr lvl="3"/>
-            <a:r>
-              <a:rPr lang="en-US" dirty="0"/>
-              <a:t>Fourth level</a:t>
-            </a:r>
-          </a:p>
-          <a:p>
-            <a:pPr lvl="4"/>
-            <a:r>
-              <a:rPr lang="en-US" dirty="0"/>
-              <a:t>Fifth level</a:t>
-            </a:r>
-          </a:p>
-        </p:txBody>
-      </p:sp>
-      <p:sp>
-        <p:nvSpPr>
-          <p:cNvPr id="5" name="Date Placeholder 4"/>
-          <p:cNvSpPr>
-            <a:spLocks noGrp="1"/>
-          </p:cNvSpPr>
-          <p:nvPr>
-            <p:ph type="dt" sz="half" idx="10"/>
-          </p:nvPr>
-        </p:nvSpPr>
-        <p:spPr/>
-        <p:txBody>
-          <a:bodyPr/>
-          <a:lstStyle/>
-          <a:p>
-            <a:fld id="{862C827D-FC0C-184A-B855-165F1307D257}" type="datetimeFigureOut">
-              <a:rPr lang="en-US" smtClean="0"/>
-              <a:t>12/29/22</a:t>
-            </a:fld>
-            <a:endParaRPr lang="en-US"/>
-          </a:p>
-        </p:txBody>
-      </p:sp>
-      <p:sp>
-        <p:nvSpPr>
-          <p:cNvPr id="6" name="Footer Placeholder 5"/>
-          <p:cNvSpPr>
-            <a:spLocks noGrp="1"/>
-          </p:cNvSpPr>
-          <p:nvPr>
-            <p:ph type="ftr" sz="quarter" idx="11"/>
-          </p:nvPr>
-        </p:nvSpPr>
-        <p:spPr/>
-        <p:txBody>
-          <a:bodyPr/>
-          <a:lstStyle/>
-          <a:p>
-            <a:endParaRPr lang="en-US"/>
-          </a:p>
-        </p:txBody>
-      </p:sp>
-      <p:sp>
-        <p:nvSpPr>
-          <p:cNvPr id="7" name="Slide Number Placeholder 6"/>
-          <p:cNvSpPr>
-            <a:spLocks noGrp="1"/>
-          </p:cNvSpPr>
-          <p:nvPr>
-            <p:ph type="sldNum" sz="quarter" idx="12"/>
-          </p:nvPr>
-        </p:nvSpPr>
-        <p:spPr/>
-        <p:txBody>
-          <a:bodyPr/>
-          <a:lstStyle/>
-          <a:p>
-            <a:fld id="{E428D261-E467-CB42-92CE-56E038D4601A}" type="slidenum">
-              <a:rPr lang="en-US" smtClean="0"/>
-              <a:t>‹#›</a:t>
-            </a:fld>
-            <a:endParaRPr lang="en-US"/>
-          </a:p>
-        </p:txBody>
-      </p:sp>
-      <p:sp>
-        <p:nvSpPr>
-          <p:cNvPr id="9" name="Caption Placeholder 1">
-            <a:extLst>
-              <a:ext uri="{FF2B5EF4-FFF2-40B4-BE49-F238E27FC236}">
-                <a16:creationId xmlns:a16="http://schemas.microsoft.com/office/drawing/2014/main" id="{A4BC241A-C29A-8D53-9CA0-F340B78723D7}"/>
-              </a:ext>
-            </a:extLst>
-          </p:cNvPr>
-          <p:cNvSpPr>
-            <a:spLocks noGrp="1"/>
-          </p:cNvSpPr>
-          <p:nvPr>
-            <p:ph type="body" sz="quarter" idx="13"/>
-          </p:nvPr>
-        </p:nvSpPr>
-        <p:spPr>
-          <a:xfrm>
-            <a:off x="851791" y="6519769"/>
-            <a:ext cx="10800000" cy="153888"/>
-          </a:xfrm>
-        </p:spPr>
-        <p:txBody>
-          <a:bodyPr/>
-          <a:lstStyle>
-            <a:lvl1pPr>
-              <a:defRPr sz="1000"/>
-            </a:lvl1pPr>
-            <a:lvl2pPr marL="1466" indent="0">
-              <a:buNone/>
-              <a:defRPr/>
-            </a:lvl2pPr>
-          </a:lstStyle>
-          <a:p>
-            <a:pPr lvl="0"/>
-            <a:r>
-              <a:rPr lang="en-GB" dirty="0"/>
-              <a:t>Click to edit Master </a:t>
-            </a:r>
-            <a:r>
-              <a:rPr lang="en-GB"/>
-              <a:t>text styles</a:t>
-            </a:r>
-            <a:endParaRPr lang="en-GB" dirty="0"/>
-          </a:p>
-        </p:txBody>
-      </p:sp>
-      <p:sp>
-        <p:nvSpPr>
-          <p:cNvPr id="8" name="TextBox 7">
-            <a:extLst>
-              <a:ext uri="{FF2B5EF4-FFF2-40B4-BE49-F238E27FC236}">
-                <a16:creationId xmlns:a16="http://schemas.microsoft.com/office/drawing/2014/main" id="{A3ADAF66-22D4-91E5-017B-15DBB3B9FC1F}"/>
-              </a:ext>
-            </a:extLst>
-          </p:cNvPr>
-          <p:cNvSpPr txBox="1"/>
-          <p:nvPr userDrawn="1"/>
-        </p:nvSpPr>
-        <p:spPr>
-          <a:xfrm>
-            <a:off x="12292657" y="-353632"/>
-            <a:ext cx="1362269" cy="249299"/>
-          </a:xfrm>
-          <a:prstGeom prst="rect">
-            <a:avLst/>
-          </a:prstGeom>
-          <a:noFill/>
-        </p:spPr>
-        <p:txBody>
-          <a:bodyPr wrap="square" lIns="0" tIns="0" rIns="0" bIns="0" rtlCol="0" anchor="b" anchorCtr="1">
-            <a:spAutoFit/>
-          </a:bodyPr>
-          <a:lstStyle/>
-          <a:p>
-            <a:pPr>
-              <a:lnSpc>
-                <a:spcPct val="90000"/>
-              </a:lnSpc>
-            </a:pPr>
-            <a:endParaRPr lang="en-US" sz="1800" dirty="0"/>
-          </a:p>
-        </p:txBody>
-      </p:sp>
-    </p:spTree>
-    <p:extLst>
-      <p:ext uri="{BB962C8B-B14F-4D97-AF65-F5344CB8AC3E}">
-        <p14:creationId xmlns:p14="http://schemas.microsoft.com/office/powerpoint/2010/main" val="1955615109"/>
-      </p:ext>
-    </p:extLst>
-  </p:cSld>
-  <p:clrMapOvr>
-    <a:masterClrMapping/>
-  </p:clrMapOvr>
-</p:sldLayout>
-</file>
-
-<file path=ppt/slideLayouts/slideLayout5.xml><?xml version="1.0" encoding="utf-8"?>
-<p:sldLayout xmlns:a="http://schemas.openxmlformats.org/drawingml/2006/main" xmlns:r="http://schemas.openxmlformats.org/officeDocument/2006/relationships" xmlns:p="http://schemas.openxmlformats.org/presentationml/2006/main" showMasterSp="0" type="title" preserve="1">
-  <p:cSld name="Title Slide">
-    <p:spTree>
-      <p:nvGrpSpPr>
-        <p:cNvPr id="1" name=""/>
-        <p:cNvGrpSpPr/>
-        <p:nvPr/>
-      </p:nvGrpSpPr>
-      <p:grpSpPr>
-        <a:xfrm>
-          <a:off x="0" y="0"/>
-          <a:ext cx="0" cy="0"/>
-          <a:chOff x="0" y="0"/>
-          <a:chExt cx="0" cy="0"/>
-        </a:xfrm>
-      </p:grpSpPr>
-      <p:sp>
-        <p:nvSpPr>
-          <p:cNvPr id="133122" name="Rectangle 2"/>
-          <p:cNvSpPr>
-            <a:spLocks noGrp="1" noChangeArrowheads="1"/>
-          </p:cNvSpPr>
-          <p:nvPr>
-            <p:ph type="ctrTitle"/>
-          </p:nvPr>
-        </p:nvSpPr>
-        <p:spPr>
-          <a:xfrm>
-            <a:off x="2460296" y="3391820"/>
-            <a:ext cx="9040445" cy="430887"/>
-          </a:xfrm>
-        </p:spPr>
-        <p:txBody>
-          <a:bodyPr/>
-          <a:lstStyle>
-            <a:lvl1pPr algn="r">
-              <a:defRPr sz="2800"/>
-            </a:lvl1pPr>
-          </a:lstStyle>
-          <a:p>
-            <a:r>
-              <a:rPr lang="en-US" dirty="0"/>
-              <a:t>Click to edit Master title style</a:t>
-            </a:r>
-            <a:endParaRPr lang="en-AU" dirty="0"/>
-          </a:p>
-        </p:txBody>
-      </p:sp>
-      <p:sp>
-        <p:nvSpPr>
-          <p:cNvPr id="133123" name="Rectangle 3"/>
-          <p:cNvSpPr>
-            <a:spLocks noGrp="1" noChangeArrowheads="1"/>
-          </p:cNvSpPr>
-          <p:nvPr>
-            <p:ph type="subTitle" idx="1"/>
-          </p:nvPr>
-        </p:nvSpPr>
-        <p:spPr>
-          <a:xfrm>
-            <a:off x="2460296" y="4105276"/>
-            <a:ext cx="9040445" cy="338554"/>
-          </a:xfrm>
-        </p:spPr>
-        <p:txBody>
-          <a:bodyPr/>
-          <a:lstStyle>
-            <a:lvl1pPr algn="r">
-              <a:defRPr sz="2200"/>
-            </a:lvl1pPr>
-          </a:lstStyle>
-          <a:p>
-            <a:r>
-              <a:rPr lang="en-US" dirty="0"/>
-              <a:t>Click to edit Master subtitle style</a:t>
-            </a:r>
-            <a:endParaRPr lang="en-AU" dirty="0"/>
-          </a:p>
-        </p:txBody>
-      </p:sp>
-      <p:pic>
-        <p:nvPicPr>
-          <p:cNvPr id="10" name="Picture 9" descr="GrattanLogo"/>
-          <p:cNvPicPr>
-            <a:picLocks noChangeAspect="1" noChangeArrowheads="1"/>
-          </p:cNvPicPr>
-          <p:nvPr userDrawn="1"/>
-        </p:nvPicPr>
-        <p:blipFill>
-          <a:blip r:embed="rId2" cstate="print"/>
-          <a:srcRect/>
-          <a:stretch>
-            <a:fillRect/>
-          </a:stretch>
-        </p:blipFill>
-        <p:spPr bwMode="auto">
-          <a:xfrm>
-            <a:off x="7584817" y="982163"/>
-            <a:ext cx="3915924" cy="1080000"/>
-          </a:xfrm>
-          <a:prstGeom prst="rect">
-            <a:avLst/>
-          </a:prstGeom>
-          <a:noFill/>
-        </p:spPr>
-      </p:pic>
-    </p:spTree>
-  </p:cSld>
-  <p:clrMapOvr>
-    <a:masterClrMapping/>
-  </p:clrMapOvr>
-</p:sldLayout>
-</file>
-
-<file path=ppt/slideLayouts/slideLayout6.xml><?xml version="1.0" encoding="utf-8"?>
-<p:sldLayout xmlns:a="http://schemas.openxmlformats.org/drawingml/2006/main" xmlns:r="http://schemas.openxmlformats.org/officeDocument/2006/relationships" xmlns:p="http://schemas.openxmlformats.org/presentationml/2006/main" preserve="1" userDrawn="1">
-  <p:cSld name="Blank">
-    <p:spTree>
-      <p:nvGrpSpPr>
-        <p:cNvPr id="1" name=""/>
-        <p:cNvGrpSpPr/>
-        <p:nvPr/>
-      </p:nvGrpSpPr>
-      <p:grpSpPr>
-        <a:xfrm>
-          <a:off x="0" y="0"/>
-          <a:ext cx="0" cy="0"/>
-          <a:chOff x="0" y="0"/>
-          <a:chExt cx="0" cy="0"/>
-        </a:xfrm>
-      </p:grpSpPr>
-      <p:sp>
-        <p:nvSpPr>
-          <p:cNvPr id="2" name="Title 1">
-            <a:extLst>
-              <a:ext uri="{FF2B5EF4-FFF2-40B4-BE49-F238E27FC236}">
-                <a16:creationId xmlns:a16="http://schemas.microsoft.com/office/drawing/2014/main" id="{6BC17464-26F0-F70E-03FB-7D458DC13FC5}"/>
-              </a:ext>
-            </a:extLst>
-          </p:cNvPr>
-          <p:cNvSpPr>
-            <a:spLocks noGrp="1"/>
-          </p:cNvSpPr>
-          <p:nvPr>
-            <p:ph type="title"/>
-          </p:nvPr>
-        </p:nvSpPr>
-        <p:spPr/>
-        <p:txBody>
-          <a:bodyPr/>
-          <a:lstStyle/>
-          <a:p>
-            <a:r>
-              <a:rPr lang="en-US"/>
-              <a:t>Click to edit Master title style</a:t>
-            </a:r>
-            <a:endParaRPr lang="en-AU"/>
-          </a:p>
-        </p:txBody>
-      </p:sp>
-    </p:spTree>
-    <p:extLst>
-      <p:ext uri="{BB962C8B-B14F-4D97-AF65-F5344CB8AC3E}">
-        <p14:creationId xmlns:p14="http://schemas.microsoft.com/office/powerpoint/2010/main" val="972569541"/>
-      </p:ext>
-    </p:extLst>
-  </p:cSld>
-  <p:clrMapOvr>
-    <a:masterClrMapping/>
-  </p:clrMapOvr>
-</p:sldLayout>
-</file>
-
-<file path=ppt/slideLayouts/slideLayout7.xml><?xml version="1.0" encoding="utf-8"?>
-<p:sldLayout xmlns:a="http://schemas.openxmlformats.org/drawingml/2006/main" xmlns:r="http://schemas.openxmlformats.org/officeDocument/2006/relationships" xmlns:p="http://schemas.openxmlformats.org/presentationml/2006/main" preserve="1" userDrawn="1">
-  <p:cSld name="Comparison">
-    <p:spTree>
-      <p:nvGrpSpPr>
-        <p:cNvPr id="1" name=""/>
-        <p:cNvGrpSpPr/>
-        <p:nvPr/>
-      </p:nvGrpSpPr>
-      <p:grpSpPr>
-        <a:xfrm>
-          <a:off x="0" y="0"/>
-          <a:ext cx="0" cy="0"/>
-          <a:chOff x="0" y="0"/>
-          <a:chExt cx="0" cy="0"/>
-        </a:xfrm>
-      </p:grpSpPr>
-      <p:sp>
-        <p:nvSpPr>
-          <p:cNvPr id="2" name="Title 1">
-            <a:extLst>
-              <a:ext uri="{FF2B5EF4-FFF2-40B4-BE49-F238E27FC236}">
-                <a16:creationId xmlns:a16="http://schemas.microsoft.com/office/drawing/2014/main" id="{598E868C-2161-3F70-9E5A-5C38113B1CCD}"/>
-              </a:ext>
-            </a:extLst>
-          </p:cNvPr>
-          <p:cNvSpPr>
-            <a:spLocks noGrp="1"/>
-          </p:cNvSpPr>
-          <p:nvPr>
-            <p:ph type="title"/>
-          </p:nvPr>
-        </p:nvSpPr>
-        <p:spPr/>
-        <p:txBody>
-          <a:bodyPr/>
-          <a:lstStyle/>
-          <a:p>
-            <a:r>
-              <a:rPr lang="en-US"/>
-              <a:t>Click to edit Master title style</a:t>
-            </a:r>
-            <a:endParaRPr lang="en-AU"/>
-          </a:p>
-        </p:txBody>
-      </p:sp>
-    </p:spTree>
-    <p:extLst>
-      <p:ext uri="{BB962C8B-B14F-4D97-AF65-F5344CB8AC3E}">
-        <p14:creationId xmlns:p14="http://schemas.microsoft.com/office/powerpoint/2010/main" val="3810044697"/>
-      </p:ext>
-    </p:extLst>
-  </p:cSld>
-  <p:clrMapOvr>
-    <a:masterClrMapping/>
-  </p:clrMapOvr>
-</p:sldLayout>
-</file>
-
-<file path=ppt/slideLayouts/slideLayout8.xml><?xml version="1.0" encoding="utf-8"?>
-<p:sldLayout xmlns:a="http://schemas.openxmlformats.org/drawingml/2006/main" xmlns:r="http://schemas.openxmlformats.org/officeDocument/2006/relationships" xmlns:p="http://schemas.openxmlformats.org/presentationml/2006/main" preserve="1" userDrawn="1">
-  <p:cSld name="Content with Caption">
-    <p:spTree>
-      <p:nvGrpSpPr>
-        <p:cNvPr id="1" name=""/>
-        <p:cNvGrpSpPr/>
-        <p:nvPr/>
-      </p:nvGrpSpPr>
-      <p:grpSpPr>
-        <a:xfrm>
-          <a:off x="0" y="0"/>
-          <a:ext cx="0" cy="0"/>
-          <a:chOff x="0" y="0"/>
-          <a:chExt cx="0" cy="0"/>
-        </a:xfrm>
-      </p:grpSpPr>
-      <p:sp>
-        <p:nvSpPr>
-          <p:cNvPr id="2" name="Title 1">
-            <a:extLst>
-              <a:ext uri="{FF2B5EF4-FFF2-40B4-BE49-F238E27FC236}">
-                <a16:creationId xmlns:a16="http://schemas.microsoft.com/office/drawing/2014/main" id="{27AED932-2FE5-9703-B8AE-C45091E0F0E2}"/>
-              </a:ext>
-            </a:extLst>
-          </p:cNvPr>
-          <p:cNvSpPr>
-            <a:spLocks noGrp="1"/>
-          </p:cNvSpPr>
-          <p:nvPr>
-            <p:ph type="title"/>
-          </p:nvPr>
-        </p:nvSpPr>
-        <p:spPr/>
-        <p:txBody>
-          <a:bodyPr/>
-          <a:lstStyle/>
-          <a:p>
-            <a:r>
-              <a:rPr lang="en-US"/>
-              <a:t>Click to edit Master title style</a:t>
-            </a:r>
-            <a:endParaRPr lang="en-AU"/>
-          </a:p>
-        </p:txBody>
-      </p:sp>
-    </p:spTree>
-    <p:extLst>
-      <p:ext uri="{BB962C8B-B14F-4D97-AF65-F5344CB8AC3E}">
-        <p14:creationId xmlns:p14="http://schemas.microsoft.com/office/powerpoint/2010/main" val="1484287047"/>
-      </p:ext>
-    </p:extLst>
-  </p:cSld>
-  <p:clrMapOvr>
-    <a:masterClrMapping/>
-  </p:clrMapOvr>
-</p:sldLayout>
-</file>
-
-<file path=ppt/slideMasters/slideMaster1.xml><?xml version="1.0" encoding="utf-8"?>
-<p:sldMaster xmlns:a="http://schemas.openxmlformats.org/drawingml/2006/main" xmlns:r="http://schemas.openxmlformats.org/officeDocument/2006/relationships" xmlns:p="http://schemas.openxmlformats.org/presentationml/2006/main">
-  <p:cSld>
-    <p:bg>
-      <p:bgPr>
-        <a:solidFill>
-          <a:schemeClr val="bg1"/>
-        </a:solidFill>
-        <a:effectLst/>
-      </p:bgPr>
-    </p:bg>
-    <p:spTree>
-      <p:nvGrpSpPr>
-        <p:cNvPr id="1" name=""/>
-        <p:cNvGrpSpPr/>
-        <p:nvPr/>
-      </p:nvGrpSpPr>
-      <p:grpSpPr>
-        <a:xfrm>
-          <a:off x="0" y="0"/>
-          <a:ext cx="0" cy="0"/>
-          <a:chOff x="0" y="0"/>
-          <a:chExt cx="0" cy="0"/>
-        </a:xfrm>
-      </p:grpSpPr>
-      <p:sp>
-        <p:nvSpPr>
-          <p:cNvPr id="1026" name="Rectangle 2"/>
-          <p:cNvSpPr>
-            <a:spLocks noGrp="1" noChangeArrowheads="1"/>
-          </p:cNvSpPr>
-          <p:nvPr>
-            <p:ph type="title"/>
-          </p:nvPr>
-        </p:nvSpPr>
-        <p:spPr bwMode="auto">
-          <a:xfrm>
-            <a:off x="864000" y="518122"/>
-            <a:ext cx="8509000" cy="276999"/>
-          </a:xfrm>
-          <a:prstGeom prst="rect">
-            <a:avLst/>
-          </a:prstGeom>
-          <a:noFill/>
-          <a:ln w="9525">
-            <a:noFill/>
-            <a:miter lim="800000"/>
-            <a:headEnd/>
-            <a:tailEnd/>
-          </a:ln>
-        </p:spPr>
-        <p:txBody>
-          <a:bodyPr vert="horz" wrap="square" lIns="0" tIns="0" rIns="0" bIns="0" numCol="1" anchor="b" anchorCtr="0" compatLnSpc="1">
-            <a:prstTxWarp prst="textNoShape">
-              <a:avLst/>
-            </a:prstTxWarp>
-            <a:spAutoFit/>
-          </a:bodyPr>
-          <a:lstStyle/>
-          <a:p>
-            <a:pPr lvl="0"/>
-            <a:r>
-              <a:rPr lang="en-US" dirty="0"/>
-              <a:t>Click to edit Master title style</a:t>
-            </a:r>
-          </a:p>
-        </p:txBody>
-      </p:sp>
-      <p:sp>
-        <p:nvSpPr>
-          <p:cNvPr id="1027" name="Rectangle 3"/>
-          <p:cNvSpPr>
-            <a:spLocks noGrp="1" noChangeArrowheads="1"/>
           </p:cNvSpPr>
           <p:nvPr>
             <p:ph type="body" idx="1"/>
           </p:nvPr>
         </p:nvSpPr>
-        <p:spPr bwMode="auto">
+        <p:spPr>
           <a:xfrm>
-            <a:off x="864001" y="884228"/>
-            <a:ext cx="10636739" cy="1231106"/>
+            <a:off x="385481" y="1315299"/>
+            <a:ext cx="11398531" cy="4836263"/>
           </a:xfrm>
           <a:prstGeom prst="rect">
             <a:avLst/>
           </a:prstGeom>
-          <a:noFill/>
-          <a:ln w="9525">
-            <a:noFill/>
-            <a:miter lim="800000"/>
-            <a:headEnd/>
-            <a:tailEnd/>
-          </a:ln>
         </p:spPr>
         <p:txBody>
-          <a:bodyPr vert="horz" wrap="square" lIns="0" tIns="0" rIns="0" bIns="0" numCol="1" anchor="t" anchorCtr="0" compatLnSpc="1">
-            <a:prstTxWarp prst="textNoShape">
-              <a:avLst/>
-            </a:prstTxWarp>
-            <a:spAutoFit/>
+          <a:bodyPr vert="horz" lIns="91440" tIns="45720" rIns="91440" bIns="45720" rtlCol="0">
+            <a:normAutofit/>
           </a:bodyPr>
           <a:lstStyle/>
           <a:p>
             <a:pPr lvl="0"/>
             <a:r>
-              <a:rPr lang="en-AU" dirty="0"/>
-              <a:t>Heading </a:t>
+              <a:rPr lang="en-GB" dirty="0"/>
+              <a:t>Click to edit Master text styles</a:t>
+            </a:r>
+          </a:p>
+          <a:p>
+            <a:pPr lvl="1"/>
+            <a:r>
+              <a:rPr lang="en-GB" dirty="0"/>
+              <a:t>Second level</a:t>
+            </a:r>
+          </a:p>
+          <a:p>
+            <a:pPr lvl="2"/>
+            <a:r>
+              <a:rPr lang="en-GB" dirty="0"/>
+              <a:t>Third level</a:t>
+            </a:r>
+          </a:p>
+          <a:p>
+            <a:pPr lvl="3"/>
+            <a:r>
+              <a:rPr lang="en-GB" dirty="0"/>
+              <a:t>Fourth level</a:t>
+            </a:r>
+          </a:p>
+          <a:p>
+            <a:pPr lvl="4"/>
+            <a:r>
+              <a:rPr lang="en-GB" dirty="0"/>
+              <a:t>Fifth level</a:t>
             </a:r>
             <a:endParaRPr lang="en-US" dirty="0"/>
-          </a:p>
-          <a:p>
-            <a:pPr lvl="1"/>
-            <a:r>
-              <a:rPr lang="en-US" dirty="0"/>
-              <a:t>First bullet</a:t>
-            </a:r>
-          </a:p>
-          <a:p>
-            <a:pPr lvl="2"/>
-            <a:r>
-              <a:rPr lang="en-US" dirty="0"/>
-              <a:t>Second level</a:t>
-            </a:r>
-          </a:p>
-          <a:p>
-            <a:pPr lvl="3"/>
-            <a:r>
-              <a:rPr lang="en-US" dirty="0"/>
-              <a:t>Third level</a:t>
-            </a:r>
-          </a:p>
-          <a:p>
-            <a:pPr lvl="4"/>
-            <a:r>
-              <a:rPr lang="en-US" dirty="0"/>
-              <a:t>Fourth level</a:t>
-            </a:r>
           </a:p>
         </p:txBody>
       </p:sp>
       <p:sp>
         <p:nvSpPr>
-          <p:cNvPr id="1031" name="Line 7"/>
-          <p:cNvSpPr>
-            <a:spLocks noChangeShapeType="1"/>
-          </p:cNvSpPr>
-          <p:nvPr/>
-        </p:nvSpPr>
-        <p:spPr bwMode="auto">
-          <a:xfrm>
-            <a:off x="864001" y="844876"/>
-            <a:ext cx="10636739" cy="0"/>
-          </a:xfrm>
-          <a:prstGeom prst="line">
-            <a:avLst/>
-          </a:prstGeom>
-          <a:noFill/>
-          <a:ln w="19050">
-            <a:solidFill>
-              <a:schemeClr val="accent5"/>
-            </a:solidFill>
-            <a:round/>
-            <a:headEnd/>
-            <a:tailEnd/>
-          </a:ln>
-          <a:effectLst/>
-        </p:spPr>
-        <p:txBody>
-          <a:bodyPr/>
-          <a:lstStyle/>
-          <a:p>
-            <a:endParaRPr lang="en-AU" sz="2215"/>
-          </a:p>
-        </p:txBody>
-      </p:sp>
-      <p:sp>
-        <p:nvSpPr>
-          <p:cNvPr id="8" name="TextBox 7"/>
-          <p:cNvSpPr txBox="1"/>
-          <p:nvPr/>
-        </p:nvSpPr>
-        <p:spPr>
-          <a:xfrm>
-            <a:off x="11342042" y="6544783"/>
-            <a:ext cx="158698" cy="156197"/>
-          </a:xfrm>
-          <a:prstGeom prst="rect">
-            <a:avLst/>
-          </a:prstGeom>
-          <a:noFill/>
-        </p:spPr>
-        <p:txBody>
-          <a:bodyPr wrap="none" lIns="0" tIns="0" rIns="0" bIns="0" rtlCol="0">
-            <a:spAutoFit/>
-          </a:bodyPr>
-          <a:lstStyle/>
-          <a:p>
-            <a:pPr algn="r"/>
-            <a:fld id="{E232749A-1F16-48E7-8C9C-B29AF4C40EC4}" type="slidenum">
-              <a:rPr lang="en-US" sz="1015" i="0" smtClean="0"/>
-              <a:pPr algn="r"/>
-              <a:t>‹#›</a:t>
-            </a:fld>
-            <a:endParaRPr lang="en-US" sz="1015" i="0" dirty="0"/>
-          </a:p>
-        </p:txBody>
-      </p:sp>
-      <p:pic>
-        <p:nvPicPr>
-          <p:cNvPr id="9" name="Picture 8" descr="GrattanLogo"/>
-          <p:cNvPicPr>
-            <a:picLocks noChangeAspect="1" noChangeArrowheads="1"/>
-          </p:cNvPicPr>
-          <p:nvPr userDrawn="1"/>
-        </p:nvPicPr>
-        <p:blipFill>
-          <a:blip r:embed="rId10" cstate="print"/>
-          <a:srcRect/>
-          <a:stretch>
-            <a:fillRect/>
-          </a:stretch>
-        </p:blipFill>
-        <p:spPr bwMode="auto">
-          <a:xfrm>
-            <a:off x="10061732" y="333382"/>
-            <a:ext cx="1439008" cy="396875"/>
-          </a:xfrm>
-          <a:prstGeom prst="rect">
-            <a:avLst/>
-          </a:prstGeom>
-          <a:noFill/>
-        </p:spPr>
-      </p:pic>
-      <p:sp>
-        <p:nvSpPr>
-          <p:cNvPr id="7" name="Date Placeholder 3">
-            <a:extLst>
-              <a:ext uri="{FF2B5EF4-FFF2-40B4-BE49-F238E27FC236}">
-                <a16:creationId xmlns:a16="http://schemas.microsoft.com/office/drawing/2014/main" id="{D82B5B2A-44D5-2241-947A-42171C9782CC}"/>
-              </a:ext>
-            </a:extLst>
-          </p:cNvPr>
+          <p:cNvPr id="4" name="Date Placeholder 3"/>
           <p:cNvSpPr>
             <a:spLocks noGrp="1"/>
           </p:cNvSpPr>
@@ -2346,8 +2928,8 @@
         </p:nvSpPr>
         <p:spPr>
           <a:xfrm>
-            <a:off x="628650" y="6356351"/>
-            <a:ext cx="2057400" cy="365125"/>
+            <a:off x="385482" y="6356350"/>
+            <a:ext cx="3195918" cy="365125"/>
           </a:xfrm>
           <a:prstGeom prst="rect">
             <a:avLst/>
@@ -2367,23 +2949,17 @@
             </a:lvl1pPr>
           </a:lstStyle>
           <a:p>
-            <a:fld id="{862C827D-FC0C-184A-B855-165F1307D257}" type="datetimeFigureOut">
-              <a:rPr lang="en-US" smtClean="0"/>
-              <a:t>12/29/22</a:t>
+            <a:fld id="{184C34C6-D93D-964F-98F1-8B05274CB5BF}" type="datetimeFigureOut">
+              <a:rPr lang="en-AU" noProof="0" smtClean="0"/>
+              <a:t>26/5/2023</a:t>
             </a:fld>
-            <a:endParaRPr lang="en-US"/>
+            <a:endParaRPr lang="en-AU" noProof="0"/>
           </a:p>
         </p:txBody>
       </p:sp>
       <p:sp>
         <p:nvSpPr>
-          <p:cNvPr id="10" name="Footer Placeholder 4">
-            <a:extLst>
-              <a:ext uri="{FF2B5EF4-FFF2-40B4-BE49-F238E27FC236}">
-                <a16:creationId xmlns:a16="http://schemas.microsoft.com/office/drawing/2014/main" id="{45B49969-376C-DA4E-A5B7-9B50622393F3}"/>
-              </a:ext>
-            </a:extLst>
-          </p:cNvPr>
+          <p:cNvPr id="5" name="Footer Placeholder 4"/>
           <p:cNvSpPr>
             <a:spLocks noGrp="1"/>
           </p:cNvSpPr>
@@ -2393,8 +2969,8 @@
         </p:nvSpPr>
         <p:spPr>
           <a:xfrm>
-            <a:off x="3028950" y="6356351"/>
-            <a:ext cx="3086100" cy="365125"/>
+            <a:off x="4038600" y="6356350"/>
+            <a:ext cx="4114800" cy="365125"/>
           </a:xfrm>
           <a:prstGeom prst="rect">
             <a:avLst/>
@@ -2420,13 +2996,7 @@
       </p:sp>
       <p:sp>
         <p:nvSpPr>
-          <p:cNvPr id="11" name="Slide Number Placeholder 5">
-            <a:extLst>
-              <a:ext uri="{FF2B5EF4-FFF2-40B4-BE49-F238E27FC236}">
-                <a16:creationId xmlns:a16="http://schemas.microsoft.com/office/drawing/2014/main" id="{FA1B93B5-409C-9F43-A349-014549D5C887}"/>
-              </a:ext>
-            </a:extLst>
-          </p:cNvPr>
+          <p:cNvPr id="6" name="Slide Number Placeholder 5"/>
           <p:cNvSpPr>
             <a:spLocks noGrp="1"/>
           </p:cNvSpPr>
@@ -2436,8 +3006,8 @@
         </p:nvSpPr>
         <p:spPr>
           <a:xfrm>
-            <a:off x="6457950" y="6356351"/>
-            <a:ext cx="2057400" cy="365125"/>
+            <a:off x="8646320" y="6356350"/>
+            <a:ext cx="3142128" cy="365125"/>
           </a:xfrm>
           <a:prstGeom prst="rect">
             <a:avLst/>
@@ -2457,176 +3027,61 @@
             </a:lvl1pPr>
           </a:lstStyle>
           <a:p>
-            <a:fld id="{E428D261-E467-CB42-92CE-56E038D4601A}" type="slidenum">
+            <a:fld id="{0D1C777A-97BF-664C-98A5-2907D09321D1}" type="slidenum">
               <a:rPr lang="en-US" smtClean="0"/>
               <a:t>‹#›</a:t>
             </a:fld>
-            <a:endParaRPr lang="en-US"/>
+            <a:endParaRPr lang="en-US" dirty="0"/>
           </a:p>
         </p:txBody>
       </p:sp>
     </p:spTree>
+    <p:extLst>
+      <p:ext uri="{BB962C8B-B14F-4D97-AF65-F5344CB8AC3E}">
+        <p14:creationId xmlns:p14="http://schemas.microsoft.com/office/powerpoint/2010/main" val="2448263484"/>
+      </p:ext>
+    </p:extLst>
   </p:cSld>
   <p:clrMap bg1="lt1" tx1="dk1" bg2="lt2" tx2="dk2" accent1="accent1" accent2="accent2" accent3="accent3" accent4="accent4" accent5="accent5" accent6="accent6" hlink="hlink" folHlink="folHlink"/>
   <p:sldLayoutIdLst>
-    <p:sldLayoutId id="2147483661" r:id="rId1"/>
-    <p:sldLayoutId id="2147483662" r:id="rId2"/>
-    <p:sldLayoutId id="2147483663" r:id="rId3"/>
-    <p:sldLayoutId id="2147483664" r:id="rId4"/>
-    <p:sldLayoutId id="2147483655" r:id="rId5"/>
-    <p:sldLayoutId id="2147483665" r:id="rId6"/>
-    <p:sldLayoutId id="2147483666" r:id="rId7"/>
-    <p:sldLayoutId id="2147483667" r:id="rId8"/>
+    <p:sldLayoutId id="2147483832" r:id="rId1"/>
+    <p:sldLayoutId id="2147483834" r:id="rId2"/>
+    <p:sldLayoutId id="2147483833" r:id="rId3"/>
+    <p:sldLayoutId id="2147483844" r:id="rId4"/>
+    <p:sldLayoutId id="2147483837" r:id="rId5"/>
+    <p:sldLayoutId id="2147483856" r:id="rId6"/>
   </p:sldLayoutIdLst>
-  <p:hf hdr="0" ftr="0" dt="0"/>
   <p:txStyles>
     <p:titleStyle>
-      <a:lvl1pPr algn="l" rtl="0" eaLnBrk="1" fontAlgn="base" hangingPunct="1">
+      <a:lvl1pPr algn="l" defTabSz="914400" rtl="0" eaLnBrk="1" latinLnBrk="0" hangingPunct="1">
+        <a:lnSpc>
+          <a:spcPct val="90000"/>
+        </a:lnSpc>
         <a:spcBef>
           <a:spcPct val="0"/>
         </a:spcBef>
-        <a:spcAft>
-          <a:spcPct val="0"/>
-        </a:spcAft>
-        <a:defRPr sz="1800" b="1">
+        <a:buNone/>
+        <a:defRPr sz="3200" kern="1200">
           <a:solidFill>
             <a:schemeClr val="tx1"/>
           </a:solidFill>
-          <a:latin typeface="+mj-lt"/>
+          <a:latin typeface="DM Serif Display" pitchFamily="2" charset="0"/>
           <a:ea typeface="+mj-ea"/>
           <a:cs typeface="+mj-cs"/>
         </a:defRPr>
       </a:lvl1pPr>
-      <a:lvl2pPr algn="l" rtl="0" eaLnBrk="1" fontAlgn="base" hangingPunct="1">
-        <a:spcBef>
-          <a:spcPct val="0"/>
-        </a:spcBef>
-        <a:spcAft>
-          <a:spcPct val="0"/>
-        </a:spcAft>
-        <a:defRPr b="1">
-          <a:solidFill>
-            <a:schemeClr val="tx1"/>
-          </a:solidFill>
-          <a:latin typeface="Arial" charset="0"/>
-          <a:ea typeface="ＭＳ Ｐゴシック" pitchFamily="34" charset="-128"/>
-        </a:defRPr>
-      </a:lvl2pPr>
-      <a:lvl3pPr algn="l" rtl="0" eaLnBrk="1" fontAlgn="base" hangingPunct="1">
-        <a:spcBef>
-          <a:spcPct val="0"/>
-        </a:spcBef>
-        <a:spcAft>
-          <a:spcPct val="0"/>
-        </a:spcAft>
-        <a:defRPr b="1">
-          <a:solidFill>
-            <a:schemeClr val="tx1"/>
-          </a:solidFill>
-          <a:latin typeface="Arial" charset="0"/>
-          <a:ea typeface="ＭＳ Ｐゴシック" pitchFamily="34" charset="-128"/>
-        </a:defRPr>
-      </a:lvl3pPr>
-      <a:lvl4pPr algn="l" rtl="0" eaLnBrk="1" fontAlgn="base" hangingPunct="1">
-        <a:spcBef>
-          <a:spcPct val="0"/>
-        </a:spcBef>
-        <a:spcAft>
-          <a:spcPct val="0"/>
-        </a:spcAft>
-        <a:defRPr b="1">
-          <a:solidFill>
-            <a:schemeClr val="tx1"/>
-          </a:solidFill>
-          <a:latin typeface="Arial" charset="0"/>
-          <a:ea typeface="ＭＳ Ｐゴシック" pitchFamily="34" charset="-128"/>
-        </a:defRPr>
-      </a:lvl4pPr>
-      <a:lvl5pPr algn="l" rtl="0" eaLnBrk="1" fontAlgn="base" hangingPunct="1">
-        <a:spcBef>
-          <a:spcPct val="0"/>
-        </a:spcBef>
-        <a:spcAft>
-          <a:spcPct val="0"/>
-        </a:spcAft>
-        <a:defRPr b="1">
-          <a:solidFill>
-            <a:schemeClr val="tx1"/>
-          </a:solidFill>
-          <a:latin typeface="Arial" charset="0"/>
-          <a:ea typeface="ＭＳ Ｐゴシック" pitchFamily="34" charset="-128"/>
-        </a:defRPr>
-      </a:lvl5pPr>
-      <a:lvl6pPr marL="422031" algn="l" rtl="0" eaLnBrk="1" fontAlgn="base" hangingPunct="1">
-        <a:spcBef>
-          <a:spcPct val="0"/>
-        </a:spcBef>
-        <a:spcAft>
-          <a:spcPct val="0"/>
-        </a:spcAft>
-        <a:defRPr b="1">
-          <a:solidFill>
-            <a:schemeClr val="tx1"/>
-          </a:solidFill>
-          <a:latin typeface="Arial" charset="0"/>
-          <a:ea typeface="ＭＳ Ｐゴシック" pitchFamily="34" charset="-128"/>
-        </a:defRPr>
-      </a:lvl6pPr>
-      <a:lvl7pPr marL="844062" algn="l" rtl="0" eaLnBrk="1" fontAlgn="base" hangingPunct="1">
-        <a:spcBef>
-          <a:spcPct val="0"/>
-        </a:spcBef>
-        <a:spcAft>
-          <a:spcPct val="0"/>
-        </a:spcAft>
-        <a:defRPr b="1">
-          <a:solidFill>
-            <a:schemeClr val="tx1"/>
-          </a:solidFill>
-          <a:latin typeface="Arial" charset="0"/>
-          <a:ea typeface="ＭＳ Ｐゴシック" pitchFamily="34" charset="-128"/>
-        </a:defRPr>
-      </a:lvl7pPr>
-      <a:lvl8pPr marL="1266092" algn="l" rtl="0" eaLnBrk="1" fontAlgn="base" hangingPunct="1">
-        <a:spcBef>
-          <a:spcPct val="0"/>
-        </a:spcBef>
-        <a:spcAft>
-          <a:spcPct val="0"/>
-        </a:spcAft>
-        <a:defRPr b="1">
-          <a:solidFill>
-            <a:schemeClr val="tx1"/>
-          </a:solidFill>
-          <a:latin typeface="Arial" charset="0"/>
-          <a:ea typeface="ＭＳ Ｐゴシック" pitchFamily="34" charset="-128"/>
-        </a:defRPr>
-      </a:lvl8pPr>
-      <a:lvl9pPr marL="1688123" algn="l" rtl="0" eaLnBrk="1" fontAlgn="base" hangingPunct="1">
-        <a:spcBef>
-          <a:spcPct val="0"/>
-        </a:spcBef>
-        <a:spcAft>
-          <a:spcPct val="0"/>
-        </a:spcAft>
-        <a:defRPr b="1">
-          <a:solidFill>
-            <a:schemeClr val="tx1"/>
-          </a:solidFill>
-          <a:latin typeface="Arial" charset="0"/>
-          <a:ea typeface="ＭＳ Ｐゴシック" pitchFamily="34" charset="-128"/>
-        </a:defRPr>
-      </a:lvl9pPr>
     </p:titleStyle>
     <p:bodyStyle>
-      <a:lvl1pPr algn="l" rtl="0" eaLnBrk="1" fontAlgn="base" hangingPunct="1">
+      <a:lvl1pPr marL="228600" indent="-228600" algn="l" defTabSz="914400" rtl="0" eaLnBrk="1" latinLnBrk="0" hangingPunct="1">
+        <a:lnSpc>
+          <a:spcPct val="90000"/>
+        </a:lnSpc>
         <a:spcBef>
-          <a:spcPct val="0"/>
+          <a:spcPts val="1000"/>
         </a:spcBef>
-        <a:spcAft>
-          <a:spcPct val="0"/>
-        </a:spcAft>
-        <a:defRPr sz="1800" b="0">
+        <a:buFont typeface="Arial" panose="020B0604020202020204" pitchFamily="34" charset="0"/>
+        <a:buChar char="•"/>
+        <a:defRPr sz="2800" kern="1200">
           <a:solidFill>
             <a:schemeClr val="tx1"/>
           </a:solidFill>
@@ -2635,140 +3090,148 @@
           <a:cs typeface="+mn-cs"/>
         </a:defRPr>
       </a:lvl1pPr>
-      <a:lvl2pPr marL="165589" indent="-164123" algn="l" rtl="0" eaLnBrk="1" fontAlgn="base" hangingPunct="1">
+      <a:lvl2pPr marL="685800" indent="-228600" algn="l" defTabSz="914400" rtl="0" eaLnBrk="1" latinLnBrk="0" hangingPunct="1">
+        <a:lnSpc>
+          <a:spcPct val="90000"/>
+        </a:lnSpc>
         <a:spcBef>
-          <a:spcPct val="0"/>
+          <a:spcPts val="500"/>
         </a:spcBef>
-        <a:spcAft>
-          <a:spcPct val="0"/>
-        </a:spcAft>
-        <a:buSzPct val="130000"/>
+        <a:buFont typeface="Arial" panose="020B0604020202020204" pitchFamily="34" charset="0"/>
         <a:buChar char="•"/>
-        <a:defRPr sz="1700">
+        <a:defRPr sz="2400" kern="1200">
           <a:solidFill>
             <a:schemeClr val="tx1"/>
           </a:solidFill>
           <a:latin typeface="+mn-lt"/>
           <a:ea typeface="+mn-ea"/>
+          <a:cs typeface="+mn-cs"/>
         </a:defRPr>
       </a:lvl2pPr>
-      <a:lvl3pPr marL="372208" indent="-205154" algn="l" rtl="0" eaLnBrk="1" fontAlgn="base" hangingPunct="1">
+      <a:lvl3pPr marL="1143000" indent="-228600" algn="l" defTabSz="914400" rtl="0" eaLnBrk="1" latinLnBrk="0" hangingPunct="1">
+        <a:lnSpc>
+          <a:spcPct val="90000"/>
+        </a:lnSpc>
         <a:spcBef>
-          <a:spcPct val="0"/>
+          <a:spcPts val="500"/>
         </a:spcBef>
-        <a:spcAft>
-          <a:spcPct val="0"/>
-        </a:spcAft>
-        <a:buFont typeface="Arial" charset="0"/>
-        <a:buChar char="–"/>
-        <a:defRPr sz="1600">
+        <a:buFont typeface="Arial" panose="020B0604020202020204" pitchFamily="34" charset="0"/>
+        <a:buChar char="•"/>
+        <a:defRPr sz="2000" kern="1200">
           <a:solidFill>
             <a:schemeClr val="tx1"/>
           </a:solidFill>
           <a:latin typeface="+mn-lt"/>
           <a:ea typeface="+mn-ea"/>
+          <a:cs typeface="+mn-cs"/>
         </a:defRPr>
       </a:lvl3pPr>
-      <a:lvl4pPr marL="517282" indent="-131885" algn="l" rtl="0" eaLnBrk="1" fontAlgn="base" hangingPunct="1">
+      <a:lvl4pPr marL="1600200" indent="-228600" algn="l" defTabSz="914400" rtl="0" eaLnBrk="1" latinLnBrk="0" hangingPunct="1">
+        <a:lnSpc>
+          <a:spcPct val="90000"/>
+        </a:lnSpc>
         <a:spcBef>
-          <a:spcPct val="0"/>
+          <a:spcPts val="500"/>
         </a:spcBef>
-        <a:spcAft>
-          <a:spcPct val="0"/>
-        </a:spcAft>
-        <a:buFont typeface="Arial" charset="0"/>
-        <a:buChar char="-"/>
-        <a:defRPr sz="1500">
+        <a:buFont typeface="Arial" panose="020B0604020202020204" pitchFamily="34" charset="0"/>
+        <a:buChar char="•"/>
+        <a:defRPr sz="1800" kern="1200">
           <a:solidFill>
             <a:schemeClr val="tx1"/>
           </a:solidFill>
           <a:latin typeface="+mn-lt"/>
           <a:ea typeface="+mn-ea"/>
+          <a:cs typeface="+mn-cs"/>
         </a:defRPr>
       </a:lvl4pPr>
-      <a:lvl5pPr marL="728296" indent="-193431" algn="l" rtl="0" eaLnBrk="1" fontAlgn="base" hangingPunct="1">
+      <a:lvl5pPr marL="2057400" indent="-228600" algn="l" defTabSz="914400" rtl="0" eaLnBrk="1" latinLnBrk="0" hangingPunct="1">
+        <a:lnSpc>
+          <a:spcPct val="90000"/>
+        </a:lnSpc>
         <a:spcBef>
-          <a:spcPct val="0"/>
+          <a:spcPts val="500"/>
         </a:spcBef>
-        <a:spcAft>
-          <a:spcPct val="0"/>
-        </a:spcAft>
-        <a:buFont typeface="Arial" charset="0"/>
-        <a:buChar char="&gt;"/>
-        <a:defRPr sz="1400">
+        <a:buFont typeface="Arial" panose="020B0604020202020204" pitchFamily="34" charset="0"/>
+        <a:buChar char="•"/>
+        <a:defRPr sz="1800" kern="1200">
           <a:solidFill>
             <a:schemeClr val="tx1"/>
           </a:solidFill>
           <a:latin typeface="+mn-lt"/>
           <a:ea typeface="+mn-ea"/>
+          <a:cs typeface="+mn-cs"/>
         </a:defRPr>
       </a:lvl5pPr>
-      <a:lvl6pPr marL="1150327" indent="-193431" algn="l" rtl="0" eaLnBrk="1" fontAlgn="base" hangingPunct="1">
+      <a:lvl6pPr marL="2514600" indent="-228600" algn="l" defTabSz="914400" rtl="0" eaLnBrk="1" latinLnBrk="0" hangingPunct="1">
+        <a:lnSpc>
+          <a:spcPct val="90000"/>
+        </a:lnSpc>
         <a:spcBef>
-          <a:spcPct val="0"/>
+          <a:spcPts val="500"/>
         </a:spcBef>
-        <a:spcAft>
-          <a:spcPct val="0"/>
-        </a:spcAft>
-        <a:buFont typeface="Arial" charset="0"/>
-        <a:buChar char="&gt;"/>
-        <a:defRPr sz="1108">
+        <a:buFont typeface="Arial" panose="020B0604020202020204" pitchFamily="34" charset="0"/>
+        <a:buChar char="•"/>
+        <a:defRPr sz="1800" kern="1200">
           <a:solidFill>
             <a:schemeClr val="tx1"/>
           </a:solidFill>
           <a:latin typeface="+mn-lt"/>
           <a:ea typeface="+mn-ea"/>
+          <a:cs typeface="+mn-cs"/>
         </a:defRPr>
       </a:lvl6pPr>
-      <a:lvl7pPr marL="1572358" indent="-193431" algn="l" rtl="0" eaLnBrk="1" fontAlgn="base" hangingPunct="1">
+      <a:lvl7pPr marL="2971800" indent="-228600" algn="l" defTabSz="914400" rtl="0" eaLnBrk="1" latinLnBrk="0" hangingPunct="1">
+        <a:lnSpc>
+          <a:spcPct val="90000"/>
+        </a:lnSpc>
         <a:spcBef>
-          <a:spcPct val="0"/>
+          <a:spcPts val="500"/>
         </a:spcBef>
-        <a:spcAft>
-          <a:spcPct val="0"/>
-        </a:spcAft>
-        <a:buFont typeface="Arial" charset="0"/>
-        <a:buChar char="&gt;"/>
-        <a:defRPr sz="1108">
+        <a:buFont typeface="Arial" panose="020B0604020202020204" pitchFamily="34" charset="0"/>
+        <a:buChar char="•"/>
+        <a:defRPr sz="1800" kern="1200">
           <a:solidFill>
             <a:schemeClr val="tx1"/>
           </a:solidFill>
           <a:latin typeface="+mn-lt"/>
           <a:ea typeface="+mn-ea"/>
+          <a:cs typeface="+mn-cs"/>
         </a:defRPr>
       </a:lvl7pPr>
-      <a:lvl8pPr marL="1994389" indent="-193431" algn="l" rtl="0" eaLnBrk="1" fontAlgn="base" hangingPunct="1">
+      <a:lvl8pPr marL="3429000" indent="-228600" algn="l" defTabSz="914400" rtl="0" eaLnBrk="1" latinLnBrk="0" hangingPunct="1">
+        <a:lnSpc>
+          <a:spcPct val="90000"/>
+        </a:lnSpc>
         <a:spcBef>
-          <a:spcPct val="0"/>
+          <a:spcPts val="500"/>
         </a:spcBef>
-        <a:spcAft>
-          <a:spcPct val="0"/>
-        </a:spcAft>
-        <a:buFont typeface="Arial" charset="0"/>
-        <a:buChar char="&gt;"/>
-        <a:defRPr sz="1108">
+        <a:buFont typeface="Arial" panose="020B0604020202020204" pitchFamily="34" charset="0"/>
+        <a:buChar char="•"/>
+        <a:defRPr sz="1800" kern="1200">
           <a:solidFill>
             <a:schemeClr val="tx1"/>
           </a:solidFill>
           <a:latin typeface="+mn-lt"/>
           <a:ea typeface="+mn-ea"/>
+          <a:cs typeface="+mn-cs"/>
         </a:defRPr>
       </a:lvl8pPr>
-      <a:lvl9pPr marL="2416420" indent="-193431" algn="l" rtl="0" eaLnBrk="1" fontAlgn="base" hangingPunct="1">
+      <a:lvl9pPr marL="3886200" indent="-228600" algn="l" defTabSz="914400" rtl="0" eaLnBrk="1" latinLnBrk="0" hangingPunct="1">
+        <a:lnSpc>
+          <a:spcPct val="90000"/>
+        </a:lnSpc>
         <a:spcBef>
-          <a:spcPct val="0"/>
+          <a:spcPts val="500"/>
         </a:spcBef>
-        <a:spcAft>
-          <a:spcPct val="0"/>
-        </a:spcAft>
-        <a:buFont typeface="Arial" charset="0"/>
-        <a:buChar char="&gt;"/>
-        <a:defRPr sz="1108">
+        <a:buFont typeface="Arial" panose="020B0604020202020204" pitchFamily="34" charset="0"/>
+        <a:buChar char="•"/>
+        <a:defRPr sz="1800" kern="1200">
           <a:solidFill>
             <a:schemeClr val="tx1"/>
           </a:solidFill>
           <a:latin typeface="+mn-lt"/>
           <a:ea typeface="+mn-ea"/>
+          <a:cs typeface="+mn-cs"/>
         </a:defRPr>
       </a:lvl9pPr>
     </p:bodyStyle>
@@ -2776,8 +3239,8 @@
       <a:defPPr>
         <a:defRPr lang="en-US"/>
       </a:defPPr>
-      <a:lvl1pPr marL="0" algn="l" defTabSz="844062" rtl="0" eaLnBrk="1" latinLnBrk="0" hangingPunct="1">
-        <a:defRPr sz="1663" kern="1200">
+      <a:lvl1pPr marL="0" algn="l" defTabSz="914400" rtl="0" eaLnBrk="1" latinLnBrk="0" hangingPunct="1">
+        <a:defRPr sz="1800" kern="1200">
           <a:solidFill>
             <a:schemeClr val="tx1"/>
           </a:solidFill>
@@ -2786,8 +3249,8 @@
           <a:cs typeface="+mn-cs"/>
         </a:defRPr>
       </a:lvl1pPr>
-      <a:lvl2pPr marL="422031" algn="l" defTabSz="844062" rtl="0" eaLnBrk="1" latinLnBrk="0" hangingPunct="1">
-        <a:defRPr sz="1663" kern="1200">
+      <a:lvl2pPr marL="457200" algn="l" defTabSz="914400" rtl="0" eaLnBrk="1" latinLnBrk="0" hangingPunct="1">
+        <a:defRPr sz="1800" kern="1200">
           <a:solidFill>
             <a:schemeClr val="tx1"/>
           </a:solidFill>
@@ -2796,8 +3259,8 @@
           <a:cs typeface="+mn-cs"/>
         </a:defRPr>
       </a:lvl2pPr>
-      <a:lvl3pPr marL="844062" algn="l" defTabSz="844062" rtl="0" eaLnBrk="1" latinLnBrk="0" hangingPunct="1">
-        <a:defRPr sz="1663" kern="1200">
+      <a:lvl3pPr marL="914400" algn="l" defTabSz="914400" rtl="0" eaLnBrk="1" latinLnBrk="0" hangingPunct="1">
+        <a:defRPr sz="1800" kern="1200">
           <a:solidFill>
             <a:schemeClr val="tx1"/>
           </a:solidFill>
@@ -2806,8 +3269,8 @@
           <a:cs typeface="+mn-cs"/>
         </a:defRPr>
       </a:lvl3pPr>
-      <a:lvl4pPr marL="1266092" algn="l" defTabSz="844062" rtl="0" eaLnBrk="1" latinLnBrk="0" hangingPunct="1">
-        <a:defRPr sz="1663" kern="1200">
+      <a:lvl4pPr marL="1371600" algn="l" defTabSz="914400" rtl="0" eaLnBrk="1" latinLnBrk="0" hangingPunct="1">
+        <a:defRPr sz="1800" kern="1200">
           <a:solidFill>
             <a:schemeClr val="tx1"/>
           </a:solidFill>
@@ -2816,8 +3279,8 @@
           <a:cs typeface="+mn-cs"/>
         </a:defRPr>
       </a:lvl4pPr>
-      <a:lvl5pPr marL="1688123" algn="l" defTabSz="844062" rtl="0" eaLnBrk="1" latinLnBrk="0" hangingPunct="1">
-        <a:defRPr sz="1663" kern="1200">
+      <a:lvl5pPr marL="1828800" algn="l" defTabSz="914400" rtl="0" eaLnBrk="1" latinLnBrk="0" hangingPunct="1">
+        <a:defRPr sz="1800" kern="1200">
           <a:solidFill>
             <a:schemeClr val="tx1"/>
           </a:solidFill>
@@ -2826,8 +3289,8 @@
           <a:cs typeface="+mn-cs"/>
         </a:defRPr>
       </a:lvl5pPr>
-      <a:lvl6pPr marL="2110154" algn="l" defTabSz="844062" rtl="0" eaLnBrk="1" latinLnBrk="0" hangingPunct="1">
-        <a:defRPr sz="1663" kern="1200">
+      <a:lvl6pPr marL="2286000" algn="l" defTabSz="914400" rtl="0" eaLnBrk="1" latinLnBrk="0" hangingPunct="1">
+        <a:defRPr sz="1800" kern="1200">
           <a:solidFill>
             <a:schemeClr val="tx1"/>
           </a:solidFill>
@@ -2836,8 +3299,8 @@
           <a:cs typeface="+mn-cs"/>
         </a:defRPr>
       </a:lvl6pPr>
-      <a:lvl7pPr marL="2532185" algn="l" defTabSz="844062" rtl="0" eaLnBrk="1" latinLnBrk="0" hangingPunct="1">
-        <a:defRPr sz="1663" kern="1200">
+      <a:lvl7pPr marL="2743200" algn="l" defTabSz="914400" rtl="0" eaLnBrk="1" latinLnBrk="0" hangingPunct="1">
+        <a:defRPr sz="1800" kern="1200">
           <a:solidFill>
             <a:schemeClr val="tx1"/>
           </a:solidFill>
@@ -2846,8 +3309,8 @@
           <a:cs typeface="+mn-cs"/>
         </a:defRPr>
       </a:lvl7pPr>
-      <a:lvl8pPr marL="2954215" algn="l" defTabSz="844062" rtl="0" eaLnBrk="1" latinLnBrk="0" hangingPunct="1">
-        <a:defRPr sz="1663" kern="1200">
+      <a:lvl8pPr marL="3200400" algn="l" defTabSz="914400" rtl="0" eaLnBrk="1" latinLnBrk="0" hangingPunct="1">
+        <a:defRPr sz="1800" kern="1200">
           <a:solidFill>
             <a:schemeClr val="tx1"/>
           </a:solidFill>
@@ -2856,8 +3319,8 @@
           <a:cs typeface="+mn-cs"/>
         </a:defRPr>
       </a:lvl8pPr>
-      <a:lvl9pPr marL="3376246" algn="l" defTabSz="844062" rtl="0" eaLnBrk="1" latinLnBrk="0" hangingPunct="1">
-        <a:defRPr sz="1663" kern="1200">
+      <a:lvl9pPr marL="3657600" algn="l" defTabSz="914400" rtl="0" eaLnBrk="1" latinLnBrk="0" hangingPunct="1">
+        <a:defRPr sz="1800" kern="1200">
           <a:solidFill>
             <a:schemeClr val="tx1"/>
           </a:solidFill>
@@ -2868,6 +3331,37 @@
       </a:lvl9pPr>
     </p:otherStyle>
   </p:txStyles>
+  <p:extLst>
+    <p:ext uri="{27BBF7A9-308A-43DC-89C8-2F10F3537804}">
+      <p15:sldGuideLst xmlns:p15="http://schemas.microsoft.com/office/powerpoint/2012/main">
+        <p15:guide id="1" pos="234" userDrawn="1">
+          <p15:clr>
+            <a:srgbClr val="F26B43"/>
+          </p15:clr>
+        </p15:guide>
+        <p15:guide id="2" pos="7423" userDrawn="1">
+          <p15:clr>
+            <a:srgbClr val="F26B43"/>
+          </p15:clr>
+        </p15:guide>
+        <p15:guide id="3" orient="horz" pos="210" userDrawn="1">
+          <p15:clr>
+            <a:srgbClr val="F26B43"/>
+          </p15:clr>
+        </p15:guide>
+        <p15:guide id="4" orient="horz" pos="572" userDrawn="1">
+          <p15:clr>
+            <a:srgbClr val="F26B43"/>
+          </p15:clr>
+        </p15:guide>
+        <p15:guide id="5" orient="horz" pos="822" userDrawn="1">
+          <p15:clr>
+            <a:srgbClr val="F26B43"/>
+          </p15:clr>
+        </p15:guide>
+      </p15:sldGuideLst>
+    </p:ext>
+  </p:extLst>
 </p:sldMaster>
 </file>
 
@@ -2900,8 +3394,8 @@
         </p:nvSpPr>
         <p:spPr>
           <a:xfrm>
-            <a:off x="864000" y="188640"/>
-            <a:ext cx="9035374" cy="606481"/>
+            <a:off x="385482" y="367368"/>
+            <a:ext cx="9637060" cy="540145"/>
           </a:xfrm>
         </p:spPr>
         <p:txBody>
@@ -2922,13 +3416,13 @@
             <a:spLocks noGrp="1"/>
           </p:cNvSpPr>
           <p:nvPr>
-            <p:ph sz="half" idx="1" hasCustomPrompt="1"/>
+            <p:ph type="body" sz="quarter" idx="10" hasCustomPrompt="1"/>
           </p:nvPr>
         </p:nvSpPr>
         <p:spPr>
           <a:xfrm>
-            <a:off x="851790" y="908720"/>
-            <a:ext cx="10656000" cy="249299"/>
+            <a:off x="378478" y="1192801"/>
+            <a:ext cx="11398531" cy="306710"/>
           </a:xfrm>
         </p:spPr>
         <p:txBody>
@@ -2949,13 +3443,13 @@
             <a:spLocks noGrp="1"/>
           </p:cNvSpPr>
           <p:nvPr>
-            <p:ph type="body" sz="quarter" idx="13"/>
+            <p:ph type="body" sz="quarter" idx="11" hasCustomPrompt="1"/>
           </p:nvPr>
         </p:nvSpPr>
         <p:spPr>
           <a:xfrm>
-            <a:off x="851791" y="6519769"/>
-            <a:ext cx="10800000" cy="153888"/>
+            <a:off x="371475" y="6609900"/>
+            <a:ext cx="10662320" cy="204762"/>
           </a:xfrm>
         </p:spPr>
         <p:txBody>
@@ -2978,10 +3472,10 @@
         </p:nvGrpSpPr>
         <p:grpSpPr>
           <a:xfrm>
-            <a:off x="851790" y="1158019"/>
-            <a:ext cx="10800000" cy="5313931"/>
-            <a:chOff x="851790" y="1158019"/>
-            <a:chExt cx="10800000" cy="5313931"/>
+            <a:off x="536713" y="1517569"/>
+            <a:ext cx="11002617" cy="5068887"/>
+            <a:chOff x="536713" y="1517569"/>
+            <a:chExt cx="11002617" cy="5068887"/>
           </a:xfrm>
         </p:grpSpPr>
         <p:sp>
@@ -2992,8 +3486,8 @@
           </p:nvSpPr>
           <p:spPr>
             <a:xfrm>
-              <a:off x="851790" y="1158019"/>
-              <a:ext cx="10800000" cy="5313931"/>
+              <a:off x="536713" y="1517569"/>
+              <a:ext cx="11002617" cy="5068887"/>
             </a:xfrm>
             <a:prstGeom prst="rect">
               <a:avLst/>
@@ -3027,8 +3521,8 @@
           </p:nvSpPr>
           <p:spPr>
             <a:xfrm>
-              <a:off x="851790" y="1158019"/>
-              <a:ext cx="10799999" cy="5313931"/>
+              <a:off x="536713" y="1517569"/>
+              <a:ext cx="11002616" cy="5068887"/>
             </a:xfrm>
             <a:prstGeom prst="rect">
               <a:avLst/>
@@ -3062,8 +3556,8 @@
           </p:nvSpPr>
           <p:spPr>
             <a:xfrm>
-              <a:off x="1274220" y="1227608"/>
-              <a:ext cx="10307980" cy="4841338"/>
+              <a:off x="959143" y="1587158"/>
+              <a:ext cx="10510597" cy="4596294"/>
             </a:xfrm>
             <a:prstGeom prst="rect">
               <a:avLst/>
@@ -3088,21 +3582,21 @@
           </p:nvSpPr>
           <p:spPr>
             <a:xfrm>
-              <a:off x="1274220" y="5455585"/>
-              <a:ext cx="10307980" cy="0"/>
+              <a:off x="959143" y="5601137"/>
+              <a:ext cx="10510597" cy="0"/>
             </a:xfrm>
             <a:custGeom>
               <a:avLst/>
               <a:pathLst>
-                <a:path w="10307980" h="0">
+                <a:path w="10510597" h="0">
                   <a:moveTo>
                     <a:pt x="0" y="0"/>
                   </a:moveTo>
                   <a:lnTo>
-                    <a:pt x="10307980" y="0"/>
+                    <a:pt x="10510597" y="0"/>
                   </a:lnTo>
                   <a:lnTo>
-                    <a:pt x="10307980" y="0"/>
+                    <a:pt x="10510597" y="0"/>
                   </a:lnTo>
                 </a:path>
               </a:pathLst>
@@ -3131,21 +3625,21 @@
           </p:nvSpPr>
           <p:spPr>
             <a:xfrm>
-              <a:off x="1274220" y="4519156"/>
-              <a:ext cx="10307980" cy="0"/>
+              <a:off x="959143" y="4712105"/>
+              <a:ext cx="10510597" cy="0"/>
             </a:xfrm>
             <a:custGeom>
               <a:avLst/>
               <a:pathLst>
-                <a:path w="10307980" h="0">
+                <a:path w="10510597" h="0">
                   <a:moveTo>
                     <a:pt x="0" y="0"/>
                   </a:moveTo>
                   <a:lnTo>
-                    <a:pt x="10307980" y="0"/>
+                    <a:pt x="10510597" y="0"/>
                   </a:lnTo>
                   <a:lnTo>
-                    <a:pt x="10307980" y="0"/>
+                    <a:pt x="10510597" y="0"/>
                   </a:lnTo>
                 </a:path>
               </a:pathLst>
@@ -3174,21 +3668,21 @@
           </p:nvSpPr>
           <p:spPr>
             <a:xfrm>
-              <a:off x="1274220" y="3582727"/>
-              <a:ext cx="10307980" cy="0"/>
+              <a:off x="959143" y="3823073"/>
+              <a:ext cx="10510597" cy="0"/>
             </a:xfrm>
             <a:custGeom>
               <a:avLst/>
               <a:pathLst>
-                <a:path w="10307980" h="0">
+                <a:path w="10510597" h="0">
                   <a:moveTo>
                     <a:pt x="0" y="0"/>
                   </a:moveTo>
                   <a:lnTo>
-                    <a:pt x="10307980" y="0"/>
+                    <a:pt x="10510597" y="0"/>
                   </a:lnTo>
                   <a:lnTo>
-                    <a:pt x="10307980" y="0"/>
+                    <a:pt x="10510597" y="0"/>
                   </a:lnTo>
                 </a:path>
               </a:pathLst>
@@ -3217,21 +3711,21 @@
           </p:nvSpPr>
           <p:spPr>
             <a:xfrm>
-              <a:off x="1274220" y="2646298"/>
-              <a:ext cx="10307980" cy="0"/>
+              <a:off x="959143" y="2934041"/>
+              <a:ext cx="10510597" cy="0"/>
             </a:xfrm>
             <a:custGeom>
               <a:avLst/>
               <a:pathLst>
-                <a:path w="10307980" h="0">
+                <a:path w="10510597" h="0">
                   <a:moveTo>
                     <a:pt x="0" y="0"/>
                   </a:moveTo>
                   <a:lnTo>
-                    <a:pt x="10307980" y="0"/>
+                    <a:pt x="10510597" y="0"/>
                   </a:lnTo>
                   <a:lnTo>
-                    <a:pt x="10307980" y="0"/>
+                    <a:pt x="10510597" y="0"/>
                   </a:lnTo>
                 </a:path>
               </a:pathLst>
@@ -3260,21 +3754,21 @@
           </p:nvSpPr>
           <p:spPr>
             <a:xfrm>
-              <a:off x="1274220" y="1709869"/>
-              <a:ext cx="10307980" cy="0"/>
+              <a:off x="959143" y="2045009"/>
+              <a:ext cx="10510597" cy="0"/>
             </a:xfrm>
             <a:custGeom>
               <a:avLst/>
               <a:pathLst>
-                <a:path w="10307980" h="0">
+                <a:path w="10510597" h="0">
                   <a:moveTo>
                     <a:pt x="0" y="0"/>
                   </a:moveTo>
                   <a:lnTo>
-                    <a:pt x="10307980" y="0"/>
+                    <a:pt x="10510597" y="0"/>
                   </a:lnTo>
                   <a:lnTo>
-                    <a:pt x="10307980" y="0"/>
+                    <a:pt x="10510597" y="0"/>
                   </a:lnTo>
                 </a:path>
               </a:pathLst>
@@ -3303,15 +3797,15 @@
           </p:nvSpPr>
           <p:spPr>
             <a:xfrm>
-              <a:off x="1711616" y="1227608"/>
-              <a:ext cx="0" cy="4841338"/>
+              <a:off x="1405136" y="1587158"/>
+              <a:ext cx="0" cy="4596294"/>
             </a:xfrm>
             <a:custGeom>
               <a:avLst/>
               <a:pathLst>
-                <a:path w="0" h="4841338">
+                <a:path w="0" h="4596294">
                   <a:moveTo>
-                    <a:pt x="0" y="4841338"/>
+                    <a:pt x="0" y="4596294"/>
                   </a:moveTo>
                   <a:lnTo>
                     <a:pt x="0" y="0"/>
@@ -3346,15 +3840,15 @@
           </p:nvSpPr>
           <p:spPr>
             <a:xfrm>
-              <a:off x="4107650" y="1227608"/>
-              <a:ext cx="0" cy="4841338"/>
+              <a:off x="3848268" y="1587158"/>
+              <a:ext cx="0" cy="4596294"/>
             </a:xfrm>
             <a:custGeom>
               <a:avLst/>
               <a:pathLst>
-                <a:path w="0" h="4841338">
+                <a:path w="0" h="4596294">
                   <a:moveTo>
-                    <a:pt x="0" y="4841338"/>
+                    <a:pt x="0" y="4596294"/>
                   </a:moveTo>
                   <a:lnTo>
                     <a:pt x="0" y="0"/>
@@ -3389,15 +3883,15 @@
           </p:nvSpPr>
           <p:spPr>
             <a:xfrm>
-              <a:off x="6503685" y="1227608"/>
-              <a:ext cx="0" cy="4841338"/>
+              <a:off x="6291400" y="1587158"/>
+              <a:ext cx="0" cy="4596294"/>
             </a:xfrm>
             <a:custGeom>
               <a:avLst/>
               <a:pathLst>
-                <a:path w="0" h="4841338">
+                <a:path w="0" h="4596294">
                   <a:moveTo>
-                    <a:pt x="0" y="4841338"/>
+                    <a:pt x="0" y="4596294"/>
                   </a:moveTo>
                   <a:lnTo>
                     <a:pt x="0" y="0"/>
@@ -3432,15 +3926,15 @@
           </p:nvSpPr>
           <p:spPr>
             <a:xfrm>
-              <a:off x="8899720" y="1227608"/>
-              <a:ext cx="0" cy="4841338"/>
+              <a:off x="8734532" y="1587158"/>
+              <a:ext cx="0" cy="4596294"/>
             </a:xfrm>
             <a:custGeom>
               <a:avLst/>
               <a:pathLst>
-                <a:path w="0" h="4841338">
+                <a:path w="0" h="4596294">
                   <a:moveTo>
-                    <a:pt x="0" y="4841338"/>
+                    <a:pt x="0" y="4596294"/>
                   </a:moveTo>
                   <a:lnTo>
                     <a:pt x="0" y="0"/>
@@ -3475,15 +3969,15 @@
           </p:nvSpPr>
           <p:spPr>
             <a:xfrm>
-              <a:off x="11295755" y="1227608"/>
-              <a:ext cx="0" cy="4841338"/>
+              <a:off x="11177664" y="1587158"/>
+              <a:ext cx="0" cy="4596294"/>
             </a:xfrm>
             <a:custGeom>
               <a:avLst/>
               <a:pathLst>
-                <a:path w="0" h="4841338">
+                <a:path w="0" h="4596294">
                   <a:moveTo>
-                    <a:pt x="0" y="4841338"/>
+                    <a:pt x="0" y="4596294"/>
                   </a:moveTo>
                   <a:lnTo>
                     <a:pt x="0" y="0"/>
@@ -3518,21 +4012,21 @@
           </p:nvSpPr>
           <p:spPr>
             <a:xfrm>
-              <a:off x="1274220" y="5923800"/>
-              <a:ext cx="10307980" cy="0"/>
+              <a:off x="959143" y="6045653"/>
+              <a:ext cx="10510597" cy="0"/>
             </a:xfrm>
             <a:custGeom>
               <a:avLst/>
               <a:pathLst>
-                <a:path w="10307980" h="0">
+                <a:path w="10510597" h="0">
                   <a:moveTo>
                     <a:pt x="0" y="0"/>
                   </a:moveTo>
                   <a:lnTo>
-                    <a:pt x="10307980" y="0"/>
+                    <a:pt x="10510597" y="0"/>
                   </a:lnTo>
                   <a:lnTo>
-                    <a:pt x="10307980" y="0"/>
+                    <a:pt x="10510597" y="0"/>
                   </a:lnTo>
                 </a:path>
               </a:pathLst>
@@ -3561,21 +4055,21 @@
           </p:nvSpPr>
           <p:spPr>
             <a:xfrm>
-              <a:off x="1274220" y="4987371"/>
-              <a:ext cx="10307980" cy="0"/>
+              <a:off x="959143" y="5156621"/>
+              <a:ext cx="10510597" cy="0"/>
             </a:xfrm>
             <a:custGeom>
               <a:avLst/>
               <a:pathLst>
-                <a:path w="10307980" h="0">
+                <a:path w="10510597" h="0">
                   <a:moveTo>
                     <a:pt x="0" y="0"/>
                   </a:moveTo>
                   <a:lnTo>
-                    <a:pt x="10307980" y="0"/>
+                    <a:pt x="10510597" y="0"/>
                   </a:lnTo>
                   <a:lnTo>
-                    <a:pt x="10307980" y="0"/>
+                    <a:pt x="10510597" y="0"/>
                   </a:lnTo>
                 </a:path>
               </a:pathLst>
@@ -3604,21 +4098,21 @@
           </p:nvSpPr>
           <p:spPr>
             <a:xfrm>
-              <a:off x="1274220" y="4050942"/>
-              <a:ext cx="10307980" cy="0"/>
+              <a:off x="959143" y="4267589"/>
+              <a:ext cx="10510597" cy="0"/>
             </a:xfrm>
             <a:custGeom>
               <a:avLst/>
               <a:pathLst>
-                <a:path w="10307980" h="0">
+                <a:path w="10510597" h="0">
                   <a:moveTo>
                     <a:pt x="0" y="0"/>
                   </a:moveTo>
                   <a:lnTo>
-                    <a:pt x="10307980" y="0"/>
+                    <a:pt x="10510597" y="0"/>
                   </a:lnTo>
                   <a:lnTo>
-                    <a:pt x="10307980" y="0"/>
+                    <a:pt x="10510597" y="0"/>
                   </a:lnTo>
                 </a:path>
               </a:pathLst>
@@ -3647,21 +4141,21 @@
           </p:nvSpPr>
           <p:spPr>
             <a:xfrm>
-              <a:off x="1274220" y="3114512"/>
-              <a:ext cx="10307980" cy="0"/>
+              <a:off x="959143" y="3378557"/>
+              <a:ext cx="10510597" cy="0"/>
             </a:xfrm>
             <a:custGeom>
               <a:avLst/>
               <a:pathLst>
-                <a:path w="10307980" h="0">
+                <a:path w="10510597" h="0">
                   <a:moveTo>
                     <a:pt x="0" y="0"/>
                   </a:moveTo>
                   <a:lnTo>
-                    <a:pt x="10307980" y="0"/>
+                    <a:pt x="10510597" y="0"/>
                   </a:lnTo>
                   <a:lnTo>
-                    <a:pt x="10307980" y="0"/>
+                    <a:pt x="10510597" y="0"/>
                   </a:lnTo>
                 </a:path>
               </a:pathLst>
@@ -3690,21 +4184,21 @@
           </p:nvSpPr>
           <p:spPr>
             <a:xfrm>
-              <a:off x="1274220" y="2178083"/>
-              <a:ext cx="10307980" cy="0"/>
+              <a:off x="959143" y="2489525"/>
+              <a:ext cx="10510597" cy="0"/>
             </a:xfrm>
             <a:custGeom>
               <a:avLst/>
               <a:pathLst>
-                <a:path w="10307980" h="0">
+                <a:path w="10510597" h="0">
                   <a:moveTo>
                     <a:pt x="0" y="0"/>
                   </a:moveTo>
                   <a:lnTo>
-                    <a:pt x="10307980" y="0"/>
+                    <a:pt x="10510597" y="0"/>
                   </a:lnTo>
                   <a:lnTo>
-                    <a:pt x="10307980" y="0"/>
+                    <a:pt x="10510597" y="0"/>
                   </a:lnTo>
                 </a:path>
               </a:pathLst>
@@ -3733,21 +4227,21 @@
           </p:nvSpPr>
           <p:spPr>
             <a:xfrm>
-              <a:off x="1274220" y="1241654"/>
-              <a:ext cx="10307980" cy="0"/>
+              <a:off x="959143" y="1600493"/>
+              <a:ext cx="10510597" cy="0"/>
             </a:xfrm>
             <a:custGeom>
               <a:avLst/>
               <a:pathLst>
-                <a:path w="10307980" h="0">
+                <a:path w="10510597" h="0">
                   <a:moveTo>
                     <a:pt x="0" y="0"/>
                   </a:moveTo>
                   <a:lnTo>
-                    <a:pt x="10307980" y="0"/>
+                    <a:pt x="10510597" y="0"/>
                   </a:lnTo>
                   <a:lnTo>
-                    <a:pt x="10307980" y="0"/>
+                    <a:pt x="10510597" y="0"/>
                   </a:lnTo>
                 </a:path>
               </a:pathLst>
@@ -3776,15 +4270,15 @@
           </p:nvSpPr>
           <p:spPr>
             <a:xfrm>
-              <a:off x="2909633" y="1227608"/>
-              <a:ext cx="0" cy="4841338"/>
+              <a:off x="2626702" y="1587158"/>
+              <a:ext cx="0" cy="4596294"/>
             </a:xfrm>
             <a:custGeom>
               <a:avLst/>
               <a:pathLst>
-                <a:path w="0" h="4841338">
+                <a:path w="0" h="4596294">
                   <a:moveTo>
-                    <a:pt x="0" y="4841338"/>
+                    <a:pt x="0" y="4596294"/>
                   </a:moveTo>
                   <a:lnTo>
                     <a:pt x="0" y="0"/>
@@ -3819,15 +4313,15 @@
           </p:nvSpPr>
           <p:spPr>
             <a:xfrm>
-              <a:off x="5305668" y="1227608"/>
-              <a:ext cx="0" cy="4841338"/>
+              <a:off x="5069834" y="1587158"/>
+              <a:ext cx="0" cy="4596294"/>
             </a:xfrm>
             <a:custGeom>
               <a:avLst/>
               <a:pathLst>
-                <a:path w="0" h="4841338">
+                <a:path w="0" h="4596294">
                   <a:moveTo>
-                    <a:pt x="0" y="4841338"/>
+                    <a:pt x="0" y="4596294"/>
                   </a:moveTo>
                   <a:lnTo>
                     <a:pt x="0" y="0"/>
@@ -3862,15 +4356,15 @@
           </p:nvSpPr>
           <p:spPr>
             <a:xfrm>
-              <a:off x="7701702" y="1227608"/>
-              <a:ext cx="0" cy="4841338"/>
+              <a:off x="7512966" y="1587158"/>
+              <a:ext cx="0" cy="4596294"/>
             </a:xfrm>
             <a:custGeom>
               <a:avLst/>
               <a:pathLst>
-                <a:path w="0" h="4841338">
+                <a:path w="0" h="4596294">
                   <a:moveTo>
-                    <a:pt x="0" y="4841338"/>
+                    <a:pt x="0" y="4596294"/>
                   </a:moveTo>
                   <a:lnTo>
                     <a:pt x="0" y="0"/>
@@ -3905,15 +4399,15 @@
           </p:nvSpPr>
           <p:spPr>
             <a:xfrm>
-              <a:off x="10097737" y="1227608"/>
-              <a:ext cx="0" cy="4841338"/>
+              <a:off x="9956098" y="1587158"/>
+              <a:ext cx="0" cy="4596294"/>
             </a:xfrm>
             <a:custGeom>
               <a:avLst/>
               <a:pathLst>
-                <a:path w="0" h="4841338">
+                <a:path w="0" h="4596294">
                   <a:moveTo>
-                    <a:pt x="0" y="4841338"/>
+                    <a:pt x="0" y="4596294"/>
                   </a:moveTo>
                   <a:lnTo>
                     <a:pt x="0" y="0"/>
@@ -3948,7 +4442,7 @@
           </p:nvSpPr>
           <p:spPr>
             <a:xfrm>
-              <a:off x="4362100" y="3830581"/>
+              <a:off x="4108369" y="4056707"/>
               <a:ext cx="66150" cy="66150"/>
             </a:xfrm>
             <a:prstGeom prst="ellipse">
@@ -3983,7 +4477,7 @@
           </p:nvSpPr>
           <p:spPr>
             <a:xfrm>
-              <a:off x="4973088" y="3830581"/>
+              <a:off x="4731368" y="4056707"/>
               <a:ext cx="66150" cy="66150"/>
             </a:xfrm>
             <a:prstGeom prst="ellipse">
@@ -4018,7 +4512,7 @@
           </p:nvSpPr>
           <p:spPr>
             <a:xfrm>
-              <a:off x="3643289" y="3493466"/>
+              <a:off x="3375429" y="3736656"/>
               <a:ext cx="66150" cy="66150"/>
             </a:xfrm>
             <a:prstGeom prst="ellipse">
@@ -4053,7 +4547,7 @@
           </p:nvSpPr>
           <p:spPr>
             <a:xfrm>
-              <a:off x="5787740" y="3755666"/>
+              <a:off x="5562033" y="3985585"/>
               <a:ext cx="66150" cy="66150"/>
             </a:xfrm>
             <a:prstGeom prst="ellipse">
@@ -4088,7 +4582,7 @@
           </p:nvSpPr>
           <p:spPr>
             <a:xfrm>
-              <a:off x="6326848" y="4261338"/>
+              <a:off x="6111737" y="4465662"/>
               <a:ext cx="66150" cy="66150"/>
             </a:xfrm>
             <a:prstGeom prst="ellipse">
@@ -4123,7 +4617,7 @@
           </p:nvSpPr>
           <p:spPr>
             <a:xfrm>
-              <a:off x="6374769" y="4373710"/>
+              <a:off x="6160600" y="4572346"/>
               <a:ext cx="66150" cy="66150"/>
             </a:xfrm>
             <a:prstGeom prst="ellipse">
@@ -4158,7 +4652,7 @@
           </p:nvSpPr>
           <p:spPr>
             <a:xfrm>
-              <a:off x="6638333" y="5085396"/>
+              <a:off x="6429344" y="5248010"/>
               <a:ext cx="66150" cy="66150"/>
             </a:xfrm>
             <a:prstGeom prst="ellipse">
@@ -4193,7 +4687,7 @@
           </p:nvSpPr>
           <p:spPr>
             <a:xfrm>
-              <a:off x="5727839" y="3193809"/>
+              <a:off x="5500954" y="3452166"/>
               <a:ext cx="66150" cy="66150"/>
             </a:xfrm>
             <a:prstGeom prst="ellipse">
@@ -4228,7 +4722,7 @@
           </p:nvSpPr>
           <p:spPr>
             <a:xfrm>
-              <a:off x="5631998" y="3493466"/>
+              <a:off x="5403229" y="3736656"/>
               <a:ext cx="66150" cy="66150"/>
             </a:xfrm>
             <a:prstGeom prst="ellipse">
@@ -4263,7 +4757,7 @@
           </p:nvSpPr>
           <p:spPr>
             <a:xfrm>
-              <a:off x="6326848" y="4167695"/>
+              <a:off x="6111737" y="4376759"/>
               <a:ext cx="66150" cy="66150"/>
             </a:xfrm>
             <a:prstGeom prst="ellipse">
@@ -4298,7 +4792,7 @@
           </p:nvSpPr>
           <p:spPr>
             <a:xfrm>
-              <a:off x="6326848" y="4429895"/>
+              <a:off x="6111737" y="4625688"/>
               <a:ext cx="66150" cy="66150"/>
             </a:xfrm>
             <a:prstGeom prst="ellipse">
@@ -4333,7 +4827,7 @@
           </p:nvSpPr>
           <p:spPr>
             <a:xfrm>
-              <a:off x="7836350" y="4692096"/>
+              <a:off x="7650910" y="4874617"/>
               <a:ext cx="66150" cy="66150"/>
             </a:xfrm>
             <a:prstGeom prst="ellipse">
@@ -4368,7 +4862,7 @@
           </p:nvSpPr>
           <p:spPr>
             <a:xfrm>
-              <a:off x="7021698" y="4523538"/>
+              <a:off x="6820246" y="4714591"/>
               <a:ext cx="66150" cy="66150"/>
             </a:xfrm>
             <a:prstGeom prst="ellipse">
@@ -4403,7 +4897,7 @@
           </p:nvSpPr>
           <p:spPr>
             <a:xfrm>
-              <a:off x="7141500" y="4916839"/>
+              <a:off x="6942402" y="5087984"/>
               <a:ext cx="66150" cy="66150"/>
             </a:xfrm>
             <a:prstGeom prst="ellipse">
@@ -4438,7 +4932,7 @@
           </p:nvSpPr>
           <p:spPr>
             <a:xfrm>
-              <a:off x="10663671" y="5815811"/>
+              <a:off x="10533806" y="5941455"/>
               <a:ext cx="66150" cy="66150"/>
             </a:xfrm>
             <a:prstGeom prst="ellipse">
@@ -4473,7 +4967,7 @@
           </p:nvSpPr>
           <p:spPr>
             <a:xfrm>
-              <a:off x="11080581" y="5815811"/>
+              <a:off x="10958911" y="5941455"/>
               <a:ext cx="66150" cy="66150"/>
             </a:xfrm>
             <a:prstGeom prst="ellipse">
@@ -4508,7 +5002,7 @@
           </p:nvSpPr>
           <p:spPr>
             <a:xfrm>
-              <a:off x="10891294" y="5010482"/>
+              <a:off x="10765904" y="5176888"/>
               <a:ext cx="66150" cy="66150"/>
             </a:xfrm>
             <a:prstGeom prst="ellipse">
@@ -4543,7 +5037,7 @@
           </p:nvSpPr>
           <p:spPr>
             <a:xfrm>
-              <a:off x="3355765" y="1695522"/>
+              <a:off x="3082254" y="2029715"/>
               <a:ext cx="66150" cy="66150"/>
             </a:xfrm>
             <a:prstGeom prst="ellipse">
@@ -4578,7 +5072,7 @@
           </p:nvSpPr>
           <p:spPr>
             <a:xfrm>
-              <a:off x="1954085" y="2070094"/>
+              <a:off x="1653021" y="2385327"/>
               <a:ext cx="66150" cy="66150"/>
             </a:xfrm>
             <a:prstGeom prst="ellipse">
@@ -4613,7 +5107,7 @@
           </p:nvSpPr>
           <p:spPr>
             <a:xfrm>
-              <a:off x="2481212" y="1414593"/>
+              <a:off x="2190510" y="1763005"/>
               <a:ext cx="66150" cy="66150"/>
             </a:xfrm>
             <a:prstGeom prst="ellipse">
@@ -4648,7 +5142,7 @@
           </p:nvSpPr>
           <p:spPr>
             <a:xfrm>
-              <a:off x="3990714" y="3736938"/>
+              <a:off x="3729684" y="3967804"/>
               <a:ext cx="66150" cy="66150"/>
             </a:xfrm>
             <a:prstGeom prst="ellipse">
@@ -4683,7 +5177,7 @@
           </p:nvSpPr>
           <p:spPr>
             <a:xfrm>
-              <a:off x="6518531" y="4860653"/>
+              <a:off x="6307188" y="5034642"/>
               <a:ext cx="66150" cy="66150"/>
             </a:xfrm>
             <a:prstGeom prst="ellipse">
@@ -4718,7 +5212,7 @@
           </p:nvSpPr>
           <p:spPr>
             <a:xfrm>
-              <a:off x="6314868" y="4916839"/>
+              <a:off x="6099522" y="5087984"/>
               <a:ext cx="66150" cy="66150"/>
             </a:xfrm>
             <a:prstGeom prst="ellipse">
@@ -4753,7 +5247,7 @@
           </p:nvSpPr>
           <p:spPr>
             <a:xfrm>
-              <a:off x="7285262" y="5272682"/>
+              <a:off x="7088990" y="5425816"/>
               <a:ext cx="66150" cy="66150"/>
             </a:xfrm>
             <a:prstGeom prst="ellipse">
@@ -4788,7 +5282,7 @@
           </p:nvSpPr>
           <p:spPr>
             <a:xfrm>
-              <a:off x="7297242" y="4167695"/>
+              <a:off x="7101206" y="4376759"/>
               <a:ext cx="66150" cy="66150"/>
             </a:xfrm>
             <a:prstGeom prst="ellipse">
@@ -4823,7 +5317,7 @@
           </p:nvSpPr>
           <p:spPr>
             <a:xfrm>
-              <a:off x="2720816" y="2650680"/>
+              <a:off x="2434824" y="2936527"/>
               <a:ext cx="66150" cy="66150"/>
             </a:xfrm>
             <a:prstGeom prst="ellipse">
@@ -4858,7 +5352,7 @@
           </p:nvSpPr>
           <p:spPr>
             <a:xfrm>
-              <a:off x="3212003" y="2894152"/>
+              <a:off x="2935666" y="3167675"/>
               <a:ext cx="66150" cy="66150"/>
             </a:xfrm>
             <a:prstGeom prst="ellipse">
@@ -4893,7 +5387,7 @@
           </p:nvSpPr>
           <p:spPr>
             <a:xfrm>
-              <a:off x="1709689" y="2070094"/>
+              <a:off x="1403822" y="2385327"/>
               <a:ext cx="66150" cy="66150"/>
             </a:xfrm>
             <a:prstGeom prst="ellipse">
@@ -4928,7 +5422,7 @@
           </p:nvSpPr>
           <p:spPr>
             <a:xfrm>
-              <a:off x="5679919" y="4804467"/>
+              <a:off x="5452092" y="4981301"/>
               <a:ext cx="66150" cy="66150"/>
             </a:xfrm>
             <a:prstGeom prst="ellipse">
@@ -4963,7 +5457,7 @@
           </p:nvSpPr>
           <p:spPr>
             <a:xfrm>
-              <a:off x="4721505" y="4074052"/>
+              <a:off x="4474839" y="4287856"/>
               <a:ext cx="66150" cy="66150"/>
             </a:xfrm>
             <a:prstGeom prst="ellipse">
@@ -4998,7 +5492,7 @@
           </p:nvSpPr>
           <p:spPr>
             <a:xfrm>
-              <a:off x="6638333" y="4954296"/>
+              <a:off x="6429344" y="5123546"/>
               <a:ext cx="66150" cy="66150"/>
             </a:xfrm>
             <a:prstGeom prst="ellipse">
@@ -5033,7 +5527,7 @@
           </p:nvSpPr>
           <p:spPr>
             <a:xfrm>
-              <a:off x="4745465" y="3755666"/>
+              <a:off x="4499270" y="3985585"/>
               <a:ext cx="66150" cy="66150"/>
             </a:xfrm>
             <a:prstGeom prst="ellipse">
@@ -5068,7 +5562,7 @@
           </p:nvSpPr>
           <p:spPr>
             <a:xfrm>
-              <a:off x="1087278" y="5883609"/>
+              <a:off x="772201" y="6005462"/>
               <a:ext cx="124311" cy="80272"/>
             </a:xfrm>
             <a:prstGeom prst="rect">
@@ -5114,7 +5608,7 @@
           </p:nvSpPr>
           <p:spPr>
             <a:xfrm>
-              <a:off x="1087278" y="4947671"/>
+              <a:off x="772201" y="5116921"/>
               <a:ext cx="124311" cy="79781"/>
             </a:xfrm>
             <a:prstGeom prst="rect">
@@ -5160,7 +5654,7 @@
           </p:nvSpPr>
           <p:spPr>
             <a:xfrm>
-              <a:off x="1087278" y="4010478"/>
+              <a:off x="772201" y="4227125"/>
               <a:ext cx="124311" cy="80545"/>
             </a:xfrm>
             <a:prstGeom prst="rect">
@@ -5206,7 +5700,7 @@
           </p:nvSpPr>
           <p:spPr>
             <a:xfrm>
-              <a:off x="1087278" y="3074212"/>
+              <a:off x="772201" y="3338257"/>
               <a:ext cx="124311" cy="80382"/>
             </a:xfrm>
             <a:prstGeom prst="rect">
@@ -5252,7 +5746,7 @@
           </p:nvSpPr>
           <p:spPr>
             <a:xfrm>
-              <a:off x="1087278" y="2137783"/>
+              <a:off x="772201" y="2449225"/>
               <a:ext cx="124311" cy="80382"/>
             </a:xfrm>
             <a:prstGeom prst="rect">
@@ -5298,7 +5792,7 @@
           </p:nvSpPr>
           <p:spPr>
             <a:xfrm>
-              <a:off x="1087278" y="1201354"/>
+              <a:off x="772201" y="1560193"/>
               <a:ext cx="124311" cy="80382"/>
             </a:xfrm>
             <a:prstGeom prst="rect">
@@ -5344,7 +5838,7 @@
           </p:nvSpPr>
           <p:spPr>
             <a:xfrm>
-              <a:off x="1239425" y="5923800"/>
+              <a:off x="924348" y="6045653"/>
               <a:ext cx="34794" cy="0"/>
             </a:xfrm>
             <a:custGeom>
@@ -5384,7 +5878,7 @@
           </p:nvSpPr>
           <p:spPr>
             <a:xfrm>
-              <a:off x="1239425" y="4987371"/>
+              <a:off x="924348" y="5156621"/>
               <a:ext cx="34794" cy="0"/>
             </a:xfrm>
             <a:custGeom>
@@ -5424,7 +5918,7 @@
           </p:nvSpPr>
           <p:spPr>
             <a:xfrm>
-              <a:off x="1239425" y="4050942"/>
+              <a:off x="924348" y="4267589"/>
               <a:ext cx="34794" cy="0"/>
             </a:xfrm>
             <a:custGeom>
@@ -5464,7 +5958,7 @@
           </p:nvSpPr>
           <p:spPr>
             <a:xfrm>
-              <a:off x="1239425" y="3114512"/>
+              <a:off x="924348" y="3378557"/>
               <a:ext cx="34794" cy="0"/>
             </a:xfrm>
             <a:custGeom>
@@ -5504,7 +5998,7 @@
           </p:nvSpPr>
           <p:spPr>
             <a:xfrm>
-              <a:off x="1239425" y="2178083"/>
+              <a:off x="924348" y="2489525"/>
               <a:ext cx="34794" cy="0"/>
             </a:xfrm>
             <a:custGeom>
@@ -5544,7 +6038,7 @@
           </p:nvSpPr>
           <p:spPr>
             <a:xfrm>
-              <a:off x="1239425" y="1241654"/>
+              <a:off x="924348" y="1600493"/>
               <a:ext cx="34794" cy="0"/>
             </a:xfrm>
             <a:custGeom>
@@ -5584,7 +6078,7 @@
           </p:nvSpPr>
           <p:spPr>
             <a:xfrm>
-              <a:off x="2909633" y="6068946"/>
+              <a:off x="2626702" y="6183452"/>
               <a:ext cx="0" cy="34794"/>
             </a:xfrm>
             <a:custGeom>
@@ -5624,7 +6118,7 @@
           </p:nvSpPr>
           <p:spPr>
             <a:xfrm>
-              <a:off x="5305668" y="6068946"/>
+              <a:off x="5069834" y="6183452"/>
               <a:ext cx="0" cy="34794"/>
             </a:xfrm>
             <a:custGeom>
@@ -5664,7 +6158,7 @@
           </p:nvSpPr>
           <p:spPr>
             <a:xfrm>
-              <a:off x="7701702" y="6068946"/>
+              <a:off x="7512966" y="6183452"/>
               <a:ext cx="0" cy="34794"/>
             </a:xfrm>
             <a:custGeom>
@@ -5704,7 +6198,7 @@
           </p:nvSpPr>
           <p:spPr>
             <a:xfrm>
-              <a:off x="10097737" y="6068946"/>
+              <a:off x="9956098" y="6183452"/>
               <a:ext cx="0" cy="34794"/>
             </a:xfrm>
             <a:custGeom>
@@ -5744,7 +6238,7 @@
           </p:nvSpPr>
           <p:spPr>
             <a:xfrm>
-              <a:off x="2878555" y="6133323"/>
+              <a:off x="2595624" y="6247829"/>
               <a:ext cx="62155" cy="78417"/>
             </a:xfrm>
             <a:prstGeom prst="rect">
@@ -5790,7 +6284,7 @@
           </p:nvSpPr>
           <p:spPr>
             <a:xfrm>
-              <a:off x="5274590" y="6131358"/>
+              <a:off x="5038756" y="6245864"/>
               <a:ext cx="62155" cy="80382"/>
             </a:xfrm>
             <a:prstGeom prst="rect">
@@ -5836,7 +6330,7 @@
           </p:nvSpPr>
           <p:spPr>
             <a:xfrm>
-              <a:off x="7670625" y="6133377"/>
+              <a:off x="7481888" y="6247883"/>
               <a:ext cx="62155" cy="78362"/>
             </a:xfrm>
             <a:prstGeom prst="rect">
@@ -5882,7 +6376,7 @@
           </p:nvSpPr>
           <p:spPr>
             <a:xfrm>
-              <a:off x="10066659" y="6132941"/>
+              <a:off x="9925020" y="6247447"/>
               <a:ext cx="62155" cy="78799"/>
             </a:xfrm>
             <a:prstGeom prst="rect">
@@ -5928,7 +6422,7 @@
           </p:nvSpPr>
           <p:spPr>
             <a:xfrm>
-              <a:off x="6358360" y="6276849"/>
+              <a:off x="6144592" y="6391355"/>
               <a:ext cx="139700" cy="94611"/>
             </a:xfrm>
             <a:prstGeom prst="rect">
@@ -5974,7 +6468,7 @@
           </p:nvSpPr>
           <p:spPr>
             <a:xfrm rot="-5400000">
-              <a:off x="832838" y="3595412"/>
+              <a:off x="517761" y="3832440"/>
               <a:ext cx="271760" cy="105729"/>
             </a:xfrm>
             <a:prstGeom prst="rect">
@@ -6022,9 +6516,9 @@
 </file>
 
 <file path=ppt/theme/theme1.xml><?xml version="1.0" encoding="utf-8"?>
-<a:theme xmlns:a="http://schemas.openxmlformats.org/drawingml/2006/main" name="Charts for overheads">
+<a:theme xmlns:a="http://schemas.openxmlformats.org/drawingml/2006/main" name="Office Theme">
   <a:themeElements>
-    <a:clrScheme name="Grattan">
+    <a:clrScheme name="2022 Grattan PPT Colour Theme - FINAL">
       <a:dk1>
         <a:srgbClr val="000000"/>
       </a:dk1>
@@ -6032,49 +6526,49 @@
         <a:srgbClr val="FFFFFF"/>
       </a:lt1>
       <a:dk2>
-        <a:srgbClr val="A02226"/>
+        <a:srgbClr val="D4582A"/>
       </a:dk2>
       <a:lt2>
-        <a:srgbClr val="621214"/>
+        <a:srgbClr val="FFF3E6"/>
       </a:lt2>
       <a:accent1>
-        <a:srgbClr val="D4582A"/>
+        <a:srgbClr val="EF7900"/>
       </a:accent1>
       <a:accent2>
-        <a:srgbClr val="F68B33"/>
+        <a:srgbClr val="A1253E"/>
       </a:accent2>
       <a:accent3>
-        <a:srgbClr val="FFC35A"/>
+        <a:srgbClr val="611633"/>
       </a:accent3>
       <a:accent4>
-        <a:srgbClr val="FFE07F"/>
+        <a:srgbClr val="F5B50C"/>
       </a:accent4>
       <a:accent5>
-        <a:srgbClr val="F3901D"/>
+        <a:srgbClr val="6A99C4"/>
       </a:accent5>
       <a:accent6>
-        <a:srgbClr val="6A737B"/>
+        <a:srgbClr val="4371A1"/>
       </a:accent6>
       <a:hlink>
-        <a:srgbClr val="757575"/>
+        <a:srgbClr val="EF7900"/>
       </a:hlink>
       <a:folHlink>
-        <a:srgbClr val="AEAEAE"/>
+        <a:srgbClr val="D4582A"/>
       </a:folHlink>
     </a:clrScheme>
-    <a:fontScheme name="Blank Presentation">
+    <a:fontScheme name="Grattan Web Fonts">
       <a:majorFont>
-        <a:latin typeface="Arial"/>
-        <a:ea typeface="ＭＳ Ｐゴシック"/>
+        <a:latin typeface="DM Serif Display"/>
+        <a:ea typeface=""/>
         <a:cs typeface=""/>
       </a:majorFont>
       <a:minorFont>
-        <a:latin typeface="Arial"/>
-        <a:ea typeface="ＭＳ Ｐゴシック"/>
+        <a:latin typeface="Avenir Next LT Pro"/>
+        <a:ea typeface=""/>
         <a:cs typeface=""/>
       </a:minorFont>
     </a:fontScheme>
-    <a:fmtScheme name="Office">
+    <a:fmtScheme name="Office Theme">
       <a:fillStyleLst>
         <a:solidFill>
           <a:schemeClr val="phClr"/>
@@ -6083,354 +6577,157 @@
           <a:gsLst>
             <a:gs pos="0">
               <a:schemeClr val="phClr">
-                <a:tint val="50000"/>
-                <a:satMod val="300000"/>
+                <a:lumMod val="110000"/>
+                <a:satMod val="105000"/>
+                <a:tint val="67000"/>
               </a:schemeClr>
             </a:gs>
-            <a:gs pos="35000">
+            <a:gs pos="50000">
               <a:schemeClr val="phClr">
-                <a:tint val="37000"/>
-                <a:satMod val="300000"/>
+                <a:lumMod val="105000"/>
+                <a:satMod val="103000"/>
+                <a:tint val="73000"/>
               </a:schemeClr>
             </a:gs>
             <a:gs pos="100000">
               <a:schemeClr val="phClr">
-                <a:tint val="15000"/>
-                <a:satMod val="350000"/>
+                <a:lumMod val="105000"/>
+                <a:satMod val="109000"/>
+                <a:tint val="81000"/>
               </a:schemeClr>
             </a:gs>
           </a:gsLst>
-          <a:lin ang="16200000" scaled="1"/>
+          <a:lin ang="5400000" scaled="0"/>
         </a:gradFill>
         <a:gradFill rotWithShape="1">
           <a:gsLst>
             <a:gs pos="0">
               <a:schemeClr val="phClr">
-                <a:shade val="51000"/>
-                <a:satMod val="130000"/>
+                <a:satMod val="103000"/>
+                <a:lumMod val="102000"/>
+                <a:tint val="94000"/>
               </a:schemeClr>
             </a:gs>
-            <a:gs pos="80000">
+            <a:gs pos="50000">
               <a:schemeClr val="phClr">
-                <a:shade val="93000"/>
-                <a:satMod val="130000"/>
+                <a:satMod val="110000"/>
+                <a:lumMod val="100000"/>
+                <a:shade val="100000"/>
               </a:schemeClr>
             </a:gs>
             <a:gs pos="100000">
               <a:schemeClr val="phClr">
-                <a:shade val="94000"/>
-                <a:satMod val="135000"/>
+                <a:lumMod val="99000"/>
+                <a:satMod val="120000"/>
+                <a:shade val="78000"/>
               </a:schemeClr>
             </a:gs>
           </a:gsLst>
-          <a:lin ang="16200000" scaled="0"/>
+          <a:lin ang="5400000" scaled="0"/>
         </a:gradFill>
       </a:fillStyleLst>
       <a:lnStyleLst>
-        <a:ln w="9525" cap="flat" cmpd="sng" algn="ctr">
-          <a:solidFill>
-            <a:schemeClr val="phClr">
-              <a:shade val="95000"/>
-              <a:satMod val="105000"/>
-            </a:schemeClr>
-          </a:solidFill>
-          <a:prstDash val="solid"/>
-        </a:ln>
-        <a:ln w="25400" cap="flat" cmpd="sng" algn="ctr">
+        <a:ln w="6350" cap="flat" cmpd="sng" algn="ctr">
           <a:solidFill>
             <a:schemeClr val="phClr"/>
           </a:solidFill>
           <a:prstDash val="solid"/>
+          <a:miter lim="800000"/>
         </a:ln>
-        <a:ln w="38100" cap="flat" cmpd="sng" algn="ctr">
+        <a:ln w="12700" cap="flat" cmpd="sng" algn="ctr">
           <a:solidFill>
             <a:schemeClr val="phClr"/>
           </a:solidFill>
           <a:prstDash val="solid"/>
+          <a:miter lim="800000"/>
+        </a:ln>
+        <a:ln w="19050" cap="flat" cmpd="sng" algn="ctr">
+          <a:solidFill>
+            <a:schemeClr val="phClr"/>
+          </a:solidFill>
+          <a:prstDash val="solid"/>
+          <a:miter lim="800000"/>
         </a:ln>
       </a:lnStyleLst>
       <a:effectStyleLst>
         <a:effectStyle>
+          <a:effectLst/>
+        </a:effectStyle>
+        <a:effectStyle>
+          <a:effectLst/>
+        </a:effectStyle>
+        <a:effectStyle>
           <a:effectLst>
-            <a:outerShdw blurRad="40000" dist="20000" dir="5400000" rotWithShape="0">
+            <a:outerShdw blurRad="57150" dist="19050" dir="5400000" algn="ctr" rotWithShape="0">
               <a:srgbClr val="000000">
-                <a:alpha val="38000"/>
+                <a:alpha val="63000"/>
               </a:srgbClr>
             </a:outerShdw>
           </a:effectLst>
-        </a:effectStyle>
-        <a:effectStyle>
-          <a:effectLst>
-            <a:outerShdw blurRad="40000" dist="23000" dir="5400000" rotWithShape="0">
-              <a:srgbClr val="000000">
-                <a:alpha val="35000"/>
-              </a:srgbClr>
-            </a:outerShdw>
-          </a:effectLst>
-        </a:effectStyle>
-        <a:effectStyle>
-          <a:effectLst>
-            <a:outerShdw blurRad="40000" dist="23000" dir="5400000" rotWithShape="0">
-              <a:srgbClr val="000000">
-                <a:alpha val="35000"/>
-              </a:srgbClr>
-            </a:outerShdw>
-          </a:effectLst>
-          <a:scene3d>
-            <a:camera prst="orthographicFront">
-              <a:rot lat="0" lon="0" rev="0"/>
-            </a:camera>
-            <a:lightRig rig="threePt" dir="t">
-              <a:rot lat="0" lon="0" rev="1200000"/>
-            </a:lightRig>
-          </a:scene3d>
-          <a:sp3d>
-            <a:bevelT w="63500" h="25400"/>
-          </a:sp3d>
         </a:effectStyle>
       </a:effectStyleLst>
       <a:bgFillStyleLst>
         <a:solidFill>
           <a:schemeClr val="phClr"/>
         </a:solidFill>
+        <a:solidFill>
+          <a:schemeClr val="phClr">
+            <a:tint val="95000"/>
+            <a:satMod val="170000"/>
+          </a:schemeClr>
+        </a:solidFill>
         <a:gradFill rotWithShape="1">
           <a:gsLst>
             <a:gs pos="0">
               <a:schemeClr val="phClr">
-                <a:tint val="40000"/>
-                <a:satMod val="350000"/>
+                <a:tint val="93000"/>
+                <a:satMod val="150000"/>
+                <a:shade val="98000"/>
+                <a:lumMod val="102000"/>
               </a:schemeClr>
             </a:gs>
-            <a:gs pos="40000">
+            <a:gs pos="50000">
               <a:schemeClr val="phClr">
-                <a:tint val="45000"/>
-                <a:shade val="99000"/>
-                <a:satMod val="350000"/>
+                <a:tint val="98000"/>
+                <a:satMod val="130000"/>
+                <a:shade val="90000"/>
+                <a:lumMod val="103000"/>
               </a:schemeClr>
             </a:gs>
             <a:gs pos="100000">
               <a:schemeClr val="phClr">
-                <a:shade val="20000"/>
-                <a:satMod val="255000"/>
+                <a:shade val="63000"/>
+                <a:satMod val="120000"/>
               </a:schemeClr>
             </a:gs>
           </a:gsLst>
-          <a:path path="circle">
-            <a:fillToRect l="50000" t="-80000" r="50000" b="180000"/>
-          </a:path>
-        </a:gradFill>
-        <a:gradFill rotWithShape="1">
-          <a:gsLst>
-            <a:gs pos="0">
-              <a:schemeClr val="phClr">
-                <a:tint val="80000"/>
-                <a:satMod val="300000"/>
-              </a:schemeClr>
-            </a:gs>
-            <a:gs pos="100000">
-              <a:schemeClr val="phClr">
-                <a:shade val="30000"/>
-                <a:satMod val="200000"/>
-              </a:schemeClr>
-            </a:gs>
-          </a:gsLst>
-          <a:path path="circle">
-            <a:fillToRect l="50000" t="50000" r="50000" b="50000"/>
-          </a:path>
+          <a:lin ang="5400000" scaled="0"/>
         </a:gradFill>
       </a:bgFillStyleLst>
     </a:fmtScheme>
   </a:themeElements>
   <a:objectDefaults>
-    <a:spDef>
-      <a:spPr bwMode="auto">
-        <a:xfrm>
-          <a:off x="0" y="0"/>
-          <a:ext cx="1" cy="1"/>
-        </a:xfrm>
-        <a:custGeom>
-          <a:avLst/>
-          <a:gdLst/>
-          <a:ahLst/>
-          <a:cxnLst/>
-          <a:rect l="0" t="0" r="0" b="0"/>
-          <a:pathLst/>
-        </a:custGeom>
-        <a:solidFill>
-          <a:schemeClr val="accent1"/>
-        </a:solidFill>
-        <a:ln w="9525" cap="flat" cmpd="sng" algn="ctr">
-          <a:solidFill>
-            <a:schemeClr val="tx1"/>
-          </a:solidFill>
-          <a:prstDash val="solid"/>
-          <a:round/>
-          <a:headEnd type="none" w="med" len="med"/>
-          <a:tailEnd type="none" w="med" len="med"/>
-        </a:ln>
-        <a:effectLst/>
-      </a:spPr>
-      <a:bodyPr vert="horz" wrap="square" lIns="91440" tIns="45720" rIns="91440" bIns="45720" numCol="1" anchor="t" anchorCtr="0" compatLnSpc="1">
-        <a:prstTxWarp prst="textNoShape">
-          <a:avLst/>
-        </a:prstTxWarp>
-      </a:bodyPr>
-      <a:lstStyle>
-        <a:defPPr marL="0" marR="0" indent="0" algn="l" defTabSz="914400" rtl="0" eaLnBrk="0" fontAlgn="base" latinLnBrk="0" hangingPunct="0">
-          <a:lnSpc>
-            <a:spcPct val="100000"/>
-          </a:lnSpc>
-          <a:spcBef>
-            <a:spcPct val="0"/>
-          </a:spcBef>
-          <a:spcAft>
-            <a:spcPct val="0"/>
-          </a:spcAft>
-          <a:buClrTx/>
-          <a:buSzTx/>
-          <a:buFontTx/>
-          <a:buNone/>
-          <a:tabLst/>
-          <a:defRPr kumimoji="0" lang="en-US" sz="2400" b="0" i="0" u="none" strike="noStrike" cap="none" normalizeH="0" baseline="0" smtClean="0">
-            <a:ln>
-              <a:noFill/>
-            </a:ln>
-            <a:solidFill>
-              <a:schemeClr val="tx1"/>
-            </a:solidFill>
-            <a:effectLst/>
-            <a:latin typeface="Arial" charset="0"/>
-            <a:ea typeface="ＭＳ Ｐゴシック" pitchFamily="34" charset="-128"/>
-          </a:defRPr>
-        </a:defPPr>
-      </a:lstStyle>
-    </a:spDef>
-    <a:lnDef>
-      <a:spPr bwMode="auto">
-        <a:xfrm>
-          <a:off x="0" y="0"/>
-          <a:ext cx="1" cy="1"/>
-        </a:xfrm>
-        <a:custGeom>
-          <a:avLst/>
-          <a:gdLst/>
-          <a:ahLst/>
-          <a:cxnLst/>
-          <a:rect l="0" t="0" r="0" b="0"/>
-          <a:pathLst/>
-        </a:custGeom>
-        <a:solidFill>
-          <a:schemeClr val="accent1"/>
-        </a:solidFill>
-        <a:ln w="9525" cap="flat" cmpd="sng" algn="ctr">
-          <a:solidFill>
-            <a:schemeClr val="tx1"/>
-          </a:solidFill>
-          <a:prstDash val="solid"/>
-          <a:round/>
-          <a:headEnd type="none" w="med" len="med"/>
-          <a:tailEnd type="none" w="med" len="med"/>
-        </a:ln>
-        <a:effectLst/>
-      </a:spPr>
-      <a:bodyPr vert="horz" wrap="square" lIns="91440" tIns="45720" rIns="91440" bIns="45720" numCol="1" anchor="t" anchorCtr="0" compatLnSpc="1">
-        <a:prstTxWarp prst="textNoShape">
-          <a:avLst/>
-        </a:prstTxWarp>
-      </a:bodyPr>
-      <a:lstStyle>
-        <a:defPPr marL="0" marR="0" indent="0" algn="l" defTabSz="914400" rtl="0" eaLnBrk="0" fontAlgn="base" latinLnBrk="0" hangingPunct="0">
-          <a:lnSpc>
-            <a:spcPct val="100000"/>
-          </a:lnSpc>
-          <a:spcBef>
-            <a:spcPct val="0"/>
-          </a:spcBef>
-          <a:spcAft>
-            <a:spcPct val="0"/>
-          </a:spcAft>
-          <a:buClrTx/>
-          <a:buSzTx/>
-          <a:buFontTx/>
-          <a:buNone/>
-          <a:tabLst/>
-          <a:defRPr kumimoji="0" lang="en-US" sz="2400" b="0" i="0" u="none" strike="noStrike" cap="none" normalizeH="0" baseline="0" smtClean="0">
-            <a:ln>
-              <a:noFill/>
-            </a:ln>
-            <a:solidFill>
-              <a:schemeClr val="tx1"/>
-            </a:solidFill>
-            <a:effectLst/>
-            <a:latin typeface="Arial" charset="0"/>
-            <a:ea typeface="ＭＳ Ｐゴシック" pitchFamily="34" charset="-128"/>
-          </a:defRPr>
-        </a:defPPr>
-      </a:lstStyle>
-    </a:lnDef>
     <a:txDef>
-      <a:spPr>
-        <a:noFill/>
-      </a:spPr>
-      <a:bodyPr wrap="square" lIns="0" tIns="0" rIns="0" bIns="0" rtlCol="0" anchor="b" anchorCtr="1">
-        <a:spAutoFit/>
+      <a:spPr/>
+      <a:bodyPr vert="horz" lIns="91440" tIns="45720" rIns="91440" bIns="45720" rtlCol="0" anchor="ctr">
+        <a:normAutofit/>
       </a:bodyPr>
       <a:lstStyle>
         <a:defPPr algn="l">
-          <a:lnSpc>
-            <a:spcPct val="90000"/>
-          </a:lnSpc>
-          <a:defRPr sz="1800" dirty="0" smtClean="0"/>
+          <a:defRPr sz="1600" dirty="0">
+            <a:solidFill>
+              <a:schemeClr val="accent1"/>
+            </a:solidFill>
+            <a:latin typeface="+mn-lt"/>
+          </a:defRPr>
         </a:defPPr>
       </a:lstStyle>
     </a:txDef>
   </a:objectDefaults>
-  <a:extraClrSchemeLst>
-    <a:extraClrScheme>
-      <a:clrScheme name="Blank Presentation 1">
-        <a:dk1>
-          <a:srgbClr val="000000"/>
-        </a:dk1>
-        <a:lt1>
-          <a:srgbClr val="FFFFFF"/>
-        </a:lt1>
-        <a:dk2>
-          <a:srgbClr val="621214"/>
-        </a:dk2>
-        <a:lt2>
-          <a:srgbClr val="A02226"/>
-        </a:lt2>
-        <a:accent1>
-          <a:srgbClr val="FFE07F"/>
-        </a:accent1>
-        <a:accent2>
-          <a:srgbClr val="FFC35A"/>
-        </a:accent2>
-        <a:accent3>
-          <a:srgbClr val="FFFFFF"/>
-        </a:accent3>
-        <a:accent4>
-          <a:srgbClr val="000000"/>
-        </a:accent4>
-        <a:accent5>
-          <a:srgbClr val="FFEDC0"/>
-        </a:accent5>
-        <a:accent6>
-          <a:srgbClr val="E7B051"/>
-        </a:accent6>
-        <a:hlink>
-          <a:srgbClr val="F68B33"/>
-        </a:hlink>
-        <a:folHlink>
-          <a:srgbClr val="D4582A"/>
-        </a:folHlink>
-      </a:clrScheme>
-      <a:clrMap bg1="lt1" tx1="dk1" bg2="lt2" tx2="dk2" accent1="accent1" accent2="accent2" accent3="accent3" accent4="accent4" accent5="accent5" accent6="accent6" hlink="hlink" folHlink="folHlink"/>
-    </a:extraClrScheme>
-  </a:extraClrSchemeLst>
+  <a:extraClrSchemeLst/>
   <a:extLst>
     <a:ext uri="{05A4C25C-085E-4340-85A3-A5531E510DB2}">
-      <thm15:themeFamily xmlns:thm15="http://schemas.microsoft.com/office/thememl/2012/main" name="Charts for presentations 16-9 (widescreen).potx" id="{3907B810-4E75-4FF9-BAEE-78342F027408}" vid="{51C3108B-BACB-46D1-94C6-3692CA4C3247}"/>
+      <thm15:themeFamily xmlns:thm15="http://schemas.microsoft.com/office/thememl/2012/main" name="Office Theme" id="{62F939B6-93AF-4DB8-9C6B-D6C7DFDC589F}" vid="{AE6F2518-B084-4896-AF52-66CC2144AA26}"/>
     </a:ext>
   </a:extLst>
 </a:theme>
@@ -6439,52 +6736,52 @@
 <file path=ppt/theme/theme2.xml><?xml version="1.0" encoding="utf-8"?>
 <a:theme xmlns:a="http://schemas.openxmlformats.org/drawingml/2006/main" name="Office Theme">
   <a:themeElements>
-    <a:clrScheme name="">
+    <a:clrScheme name="Office">
       <a:dk1>
-        <a:srgbClr val="000000"/>
+        <a:sysClr val="windowText" lastClr="000000"/>
       </a:dk1>
       <a:lt1>
-        <a:srgbClr val="FFFFFF"/>
+        <a:sysClr val="window" lastClr="FFFFFF"/>
       </a:lt1>
       <a:dk2>
-        <a:srgbClr val="000000"/>
+        <a:srgbClr val="44546A"/>
       </a:dk2>
       <a:lt2>
-        <a:srgbClr val="808080"/>
+        <a:srgbClr val="E7E6E6"/>
       </a:lt2>
       <a:accent1>
-        <a:srgbClr val="BBE0E3"/>
+        <a:srgbClr val="4472C4"/>
       </a:accent1>
       <a:accent2>
-        <a:srgbClr val="333399"/>
+        <a:srgbClr val="ED7D31"/>
       </a:accent2>
       <a:accent3>
-        <a:srgbClr val="FFFFFF"/>
+        <a:srgbClr val="A5A5A5"/>
       </a:accent3>
       <a:accent4>
-        <a:srgbClr val="000000"/>
+        <a:srgbClr val="FFC000"/>
       </a:accent4>
       <a:accent5>
-        <a:srgbClr val="DAEDEF"/>
+        <a:srgbClr val="5B9BD5"/>
       </a:accent5>
       <a:accent6>
-        <a:srgbClr val="2D2D8A"/>
+        <a:srgbClr val="70AD47"/>
       </a:accent6>
       <a:hlink>
-        <a:srgbClr val="009999"/>
+        <a:srgbClr val="0563C1"/>
       </a:hlink>
       <a:folHlink>
-        <a:srgbClr val="99CC00"/>
+        <a:srgbClr val="954F72"/>
       </a:folHlink>
     </a:clrScheme>
     <a:fontScheme name="Office">
       <a:majorFont>
-        <a:latin typeface="Calibri"/>
+        <a:latin typeface="Calibri Light" panose="020F0302020204030204"/>
         <a:ea typeface=""/>
         <a:cs typeface=""/>
-        <a:font script="Jpan" typeface="ＭＳ Ｐゴシック"/>
+        <a:font script="Jpan" typeface="游ゴシック Light"/>
         <a:font script="Hang" typeface="맑은 고딕"/>
-        <a:font script="Hans" typeface="宋体"/>
+        <a:font script="Hans" typeface="等线 Light"/>
         <a:font script="Hant" typeface="新細明體"/>
         <a:font script="Arab" typeface="Times New Roman"/>
         <a:font script="Hebr" typeface="Times New Roman"/>
@@ -6511,14 +6808,32 @@
         <a:font script="Mong" typeface="Mongolian Baiti"/>
         <a:font script="Viet" typeface="Times New Roman"/>
         <a:font script="Uigh" typeface="Microsoft Uighur"/>
+        <a:font script="Geor" typeface="Sylfaen"/>
+        <a:font script="Armn" typeface="Arial"/>
+        <a:font script="Bugi" typeface="Leelawadee UI"/>
+        <a:font script="Bopo" typeface="Microsoft JhengHei"/>
+        <a:font script="Java" typeface="Javanese Text"/>
+        <a:font script="Lisu" typeface="Segoe UI"/>
+        <a:font script="Mymr" typeface="Myanmar Text"/>
+        <a:font script="Nkoo" typeface="Ebrima"/>
+        <a:font script="Olck" typeface="Nirmala UI"/>
+        <a:font script="Osma" typeface="Ebrima"/>
+        <a:font script="Phag" typeface="Phagspa"/>
+        <a:font script="Syrn" typeface="Estrangelo Edessa"/>
+        <a:font script="Syrj" typeface="Estrangelo Edessa"/>
+        <a:font script="Syre" typeface="Estrangelo Edessa"/>
+        <a:font script="Sora" typeface="Nirmala UI"/>
+        <a:font script="Tale" typeface="Microsoft Tai Le"/>
+        <a:font script="Talu" typeface="Microsoft New Tai Lue"/>
+        <a:font script="Tfng" typeface="Ebrima"/>
       </a:majorFont>
       <a:minorFont>
-        <a:latin typeface="Calibri"/>
+        <a:latin typeface="Calibri" panose="020F0502020204030204"/>
         <a:ea typeface=""/>
         <a:cs typeface=""/>
-        <a:font script="Jpan" typeface="ＭＳ Ｐゴシック"/>
+        <a:font script="Jpan" typeface="游ゴシック"/>
         <a:font script="Hang" typeface="맑은 고딕"/>
-        <a:font script="Hans" typeface="宋体"/>
+        <a:font script="Hans" typeface="等线"/>
         <a:font script="Hant" typeface="新細明體"/>
         <a:font script="Arab" typeface="Arial"/>
         <a:font script="Hebr" typeface="Arial"/>
@@ -6545,6 +6860,24 @@
         <a:font script="Mong" typeface="Mongolian Baiti"/>
         <a:font script="Viet" typeface="Arial"/>
         <a:font script="Uigh" typeface="Microsoft Uighur"/>
+        <a:font script="Geor" typeface="Sylfaen"/>
+        <a:font script="Armn" typeface="Arial"/>
+        <a:font script="Bugi" typeface="Leelawadee UI"/>
+        <a:font script="Bopo" typeface="Microsoft JhengHei"/>
+        <a:font script="Java" typeface="Javanese Text"/>
+        <a:font script="Lisu" typeface="Segoe UI"/>
+        <a:font script="Mymr" typeface="Myanmar Text"/>
+        <a:font script="Nkoo" typeface="Ebrima"/>
+        <a:font script="Olck" typeface="Nirmala UI"/>
+        <a:font script="Osma" typeface="Ebrima"/>
+        <a:font script="Phag" typeface="Phagspa"/>
+        <a:font script="Syrn" typeface="Estrangelo Edessa"/>
+        <a:font script="Syrj" typeface="Estrangelo Edessa"/>
+        <a:font script="Syre" typeface="Estrangelo Edessa"/>
+        <a:font script="Sora" typeface="Nirmala UI"/>
+        <a:font script="Tale" typeface="Microsoft Tai Le"/>
+        <a:font script="Talu" typeface="Microsoft New Tai Lue"/>
+        <a:font script="Tfng" typeface="Ebrima"/>
       </a:minorFont>
     </a:fontScheme>
     <a:fmtScheme name="Office">
@@ -6556,165 +6889,141 @@
           <a:gsLst>
             <a:gs pos="0">
               <a:schemeClr val="phClr">
-                <a:tint val="50000"/>
-                <a:satMod val="300000"/>
+                <a:lumMod val="110000"/>
+                <a:satMod val="105000"/>
+                <a:tint val="67000"/>
               </a:schemeClr>
             </a:gs>
-            <a:gs pos="35000">
+            <a:gs pos="50000">
               <a:schemeClr val="phClr">
-                <a:tint val="37000"/>
-                <a:satMod val="300000"/>
+                <a:lumMod val="105000"/>
+                <a:satMod val="103000"/>
+                <a:tint val="73000"/>
               </a:schemeClr>
             </a:gs>
             <a:gs pos="100000">
               <a:schemeClr val="phClr">
-                <a:tint val="15000"/>
-                <a:satMod val="350000"/>
+                <a:lumMod val="105000"/>
+                <a:satMod val="109000"/>
+                <a:tint val="81000"/>
               </a:schemeClr>
             </a:gs>
           </a:gsLst>
-          <a:lin ang="16200000" scaled="1"/>
+          <a:lin ang="5400000" scaled="0"/>
         </a:gradFill>
         <a:gradFill rotWithShape="1">
           <a:gsLst>
             <a:gs pos="0">
               <a:schemeClr val="phClr">
-                <a:shade val="51000"/>
-                <a:satMod val="130000"/>
+                <a:satMod val="103000"/>
+                <a:lumMod val="102000"/>
+                <a:tint val="94000"/>
               </a:schemeClr>
             </a:gs>
-            <a:gs pos="80000">
+            <a:gs pos="50000">
               <a:schemeClr val="phClr">
-                <a:shade val="93000"/>
-                <a:satMod val="130000"/>
+                <a:satMod val="110000"/>
+                <a:lumMod val="100000"/>
+                <a:shade val="100000"/>
               </a:schemeClr>
             </a:gs>
             <a:gs pos="100000">
               <a:schemeClr val="phClr">
-                <a:shade val="94000"/>
-                <a:satMod val="135000"/>
+                <a:lumMod val="99000"/>
+                <a:satMod val="120000"/>
+                <a:shade val="78000"/>
               </a:schemeClr>
             </a:gs>
           </a:gsLst>
-          <a:lin ang="16200000" scaled="0"/>
+          <a:lin ang="5400000" scaled="0"/>
         </a:gradFill>
       </a:fillStyleLst>
       <a:lnStyleLst>
-        <a:ln w="9525" cap="flat" cmpd="sng" algn="ctr">
-          <a:solidFill>
-            <a:schemeClr val="phClr">
-              <a:shade val="95000"/>
-              <a:satMod val="105000"/>
-            </a:schemeClr>
-          </a:solidFill>
-          <a:prstDash val="solid"/>
-        </a:ln>
-        <a:ln w="25400" cap="flat" cmpd="sng" algn="ctr">
+        <a:ln w="6350" cap="flat" cmpd="sng" algn="ctr">
           <a:solidFill>
             <a:schemeClr val="phClr"/>
           </a:solidFill>
           <a:prstDash val="solid"/>
+          <a:miter lim="800000"/>
         </a:ln>
-        <a:ln w="38100" cap="flat" cmpd="sng" algn="ctr">
+        <a:ln w="12700" cap="flat" cmpd="sng" algn="ctr">
           <a:solidFill>
             <a:schemeClr val="phClr"/>
           </a:solidFill>
           <a:prstDash val="solid"/>
+          <a:miter lim="800000"/>
+        </a:ln>
+        <a:ln w="19050" cap="flat" cmpd="sng" algn="ctr">
+          <a:solidFill>
+            <a:schemeClr val="phClr"/>
+          </a:solidFill>
+          <a:prstDash val="solid"/>
+          <a:miter lim="800000"/>
         </a:ln>
       </a:lnStyleLst>
       <a:effectStyleLst>
         <a:effectStyle>
+          <a:effectLst/>
+        </a:effectStyle>
+        <a:effectStyle>
+          <a:effectLst/>
+        </a:effectStyle>
+        <a:effectStyle>
           <a:effectLst>
-            <a:outerShdw blurRad="40000" dist="20000" dir="5400000" rotWithShape="0">
+            <a:outerShdw blurRad="57150" dist="19050" dir="5400000" algn="ctr" rotWithShape="0">
               <a:srgbClr val="000000">
-                <a:alpha val="38000"/>
+                <a:alpha val="63000"/>
               </a:srgbClr>
             </a:outerShdw>
           </a:effectLst>
-        </a:effectStyle>
-        <a:effectStyle>
-          <a:effectLst>
-            <a:outerShdw blurRad="40000" dist="23000" dir="5400000" rotWithShape="0">
-              <a:srgbClr val="000000">
-                <a:alpha val="35000"/>
-              </a:srgbClr>
-            </a:outerShdw>
-          </a:effectLst>
-        </a:effectStyle>
-        <a:effectStyle>
-          <a:effectLst>
-            <a:outerShdw blurRad="40000" dist="23000" dir="5400000" rotWithShape="0">
-              <a:srgbClr val="000000">
-                <a:alpha val="35000"/>
-              </a:srgbClr>
-            </a:outerShdw>
-          </a:effectLst>
-          <a:scene3d>
-            <a:camera prst="orthographicFront">
-              <a:rot lat="0" lon="0" rev="0"/>
-            </a:camera>
-            <a:lightRig rig="threePt" dir="t">
-              <a:rot lat="0" lon="0" rev="1200000"/>
-            </a:lightRig>
-          </a:scene3d>
-          <a:sp3d>
-            <a:bevelT w="63500" h="25400"/>
-          </a:sp3d>
         </a:effectStyle>
       </a:effectStyleLst>
       <a:bgFillStyleLst>
         <a:solidFill>
           <a:schemeClr val="phClr"/>
         </a:solidFill>
+        <a:solidFill>
+          <a:schemeClr val="phClr">
+            <a:tint val="95000"/>
+            <a:satMod val="170000"/>
+          </a:schemeClr>
+        </a:solidFill>
         <a:gradFill rotWithShape="1">
           <a:gsLst>
             <a:gs pos="0">
               <a:schemeClr val="phClr">
-                <a:tint val="40000"/>
-                <a:satMod val="350000"/>
+                <a:tint val="93000"/>
+                <a:satMod val="150000"/>
+                <a:shade val="98000"/>
+                <a:lumMod val="102000"/>
               </a:schemeClr>
             </a:gs>
-            <a:gs pos="40000">
+            <a:gs pos="50000">
               <a:schemeClr val="phClr">
-                <a:tint val="45000"/>
-                <a:shade val="99000"/>
-                <a:satMod val="350000"/>
+                <a:tint val="98000"/>
+                <a:satMod val="130000"/>
+                <a:shade val="90000"/>
+                <a:lumMod val="103000"/>
               </a:schemeClr>
             </a:gs>
             <a:gs pos="100000">
               <a:schemeClr val="phClr">
-                <a:shade val="20000"/>
-                <a:satMod val="255000"/>
+                <a:shade val="63000"/>
+                <a:satMod val="120000"/>
               </a:schemeClr>
             </a:gs>
           </a:gsLst>
-          <a:path path="circle">
-            <a:fillToRect l="50000" t="-80000" r="50000" b="180000"/>
-          </a:path>
-        </a:gradFill>
-        <a:gradFill rotWithShape="1">
-          <a:gsLst>
-            <a:gs pos="0">
-              <a:schemeClr val="phClr">
-                <a:tint val="80000"/>
-                <a:satMod val="300000"/>
-              </a:schemeClr>
-            </a:gs>
-            <a:gs pos="100000">
-              <a:schemeClr val="phClr">
-                <a:shade val="30000"/>
-                <a:satMod val="200000"/>
-              </a:schemeClr>
-            </a:gs>
-          </a:gsLst>
-          <a:path path="circle">
-            <a:fillToRect l="50000" t="50000" r="50000" b="50000"/>
-          </a:path>
+          <a:lin ang="5400000" scaled="0"/>
         </a:gradFill>
       </a:bgFillStyleLst>
     </a:fmtScheme>
   </a:themeElements>
   <a:objectDefaults/>
   <a:extraClrSchemeLst/>
+  <a:extLst>
+    <a:ext uri="{05A4C25C-085E-4340-85A3-A5531E510DB2}">
+      <thm15:themeFamily xmlns:thm15="http://schemas.microsoft.com/office/thememl/2012/main" name="Office Theme" id="{62F939B6-93AF-4DB8-9C6B-D6C7DFDC589F}" vid="{4A3C46E8-61CC-4603-A589-7422A47A8E4A}"/>
+    </a:ext>
+  </a:extLst>
 </a:theme>
 </file>
--- a/tests/testthat/temp.pptx
+++ b/tests/testthat/temp.pptx
@@ -206,7 +206,7 @@
           <a:p>
             <a:fld id="{E6375376-077A-8F42-9E71-155E70FB596E}" type="datetimeFigureOut">
               <a:rPr lang="en-US" smtClean="0"/>
-              <a:t>5/26/23</a:t>
+              <a:t>3/3/25</a:t>
             </a:fld>
             <a:endParaRPr lang="en-US"/>
           </a:p>
@@ -508,8 +508,8 @@
           <a:p>
             <a:r>
               <a:rPr/>
-              <a:t>R script location: ~/Desktop/grattantheme/data-raw/create sysdata.R
-Powerpoint file location: /Users/reysenbacht/Desktop/grattantheme/tests/testthat/temp.pptx</a:t>
+              <a:t>
+Powerpoint file location: /Users/mbbowes/Documents/GitHub/grattantheme/tests/testthat/temp.pptx</a:t>
             </a:r>
           </a:p>
         </p:txBody>
@@ -1204,7 +1204,7 @@
           <a:p>
             <a:fld id="{184C34C6-D93D-964F-98F1-8B05274CB5BF}" type="datetimeFigureOut">
               <a:rPr lang="en-US" smtClean="0"/>
-              <a:t>5/26/23</a:t>
+              <a:t>3/3/25</a:t>
             </a:fld>
             <a:endParaRPr lang="en-US"/>
           </a:p>
@@ -1425,7 +1425,7 @@
           <a:p>
             <a:fld id="{184C34C6-D93D-964F-98F1-8B05274CB5BF}" type="datetimeFigureOut">
               <a:rPr lang="en-US" smtClean="0"/>
-              <a:t>5/26/23</a:t>
+              <a:t>3/3/25</a:t>
             </a:fld>
             <a:endParaRPr lang="en-US" dirty="0"/>
           </a:p>
@@ -1749,7 +1749,7 @@
           <a:p>
             <a:fld id="{184C34C6-D93D-964F-98F1-8B05274CB5BF}" type="datetimeFigureOut">
               <a:rPr lang="en-US" smtClean="0"/>
-              <a:t>5/26/23</a:t>
+              <a:t>3/3/25</a:t>
             </a:fld>
             <a:endParaRPr lang="en-US" dirty="0"/>
           </a:p>
@@ -2266,7 +2266,7 @@
           <a:p>
             <a:fld id="{184C34C6-D93D-964F-98F1-8B05274CB5BF}" type="datetimeFigureOut">
               <a:rPr lang="en-US" smtClean="0"/>
-              <a:t>5/26/23</a:t>
+              <a:t>3/3/25</a:t>
             </a:fld>
             <a:endParaRPr lang="en-US" dirty="0"/>
           </a:p>
@@ -2605,6 +2605,69 @@
       </p:sp>
       <p:sp>
         <p:nvSpPr>
+          <p:cNvPr id="3" name="Content Placeholder 3">
+            <a:extLst>
+              <a:ext uri="{FF2B5EF4-FFF2-40B4-BE49-F238E27FC236}">
+                <a16:creationId xmlns:a16="http://schemas.microsoft.com/office/drawing/2014/main" id="{308335A6-FEDB-3236-69EC-4D55F9E69E71}"/>
+              </a:ext>
+            </a:extLst>
+          </p:cNvPr>
+          <p:cNvSpPr>
+            <a:spLocks noGrp="1"/>
+          </p:cNvSpPr>
+          <p:nvPr>
+            <p:ph sz="quarter" idx="13"/>
+          </p:nvPr>
+        </p:nvSpPr>
+        <p:spPr>
+          <a:xfrm>
+            <a:off x="536713" y="1517569"/>
+            <a:ext cx="11002617" cy="5068800"/>
+          </a:xfrm>
+        </p:spPr>
+        <p:txBody>
+          <a:bodyPr/>
+          <a:lstStyle/>
+          <a:p>
+            <a:pPr lvl="0"/>
+            <a:r>
+              <a:rPr lang="en-GB"/>
+              <a:t>Click to edit Master text styles</a:t>
+            </a:r>
+          </a:p>
+          <a:p>
+            <a:pPr lvl="1"/>
+            <a:r>
+              <a:rPr lang="en-GB"/>
+              <a:t>Second level</a:t>
+            </a:r>
+          </a:p>
+          <a:p>
+            <a:pPr lvl="2"/>
+            <a:r>
+              <a:rPr lang="en-GB"/>
+              <a:t>Third level</a:t>
+            </a:r>
+          </a:p>
+          <a:p>
+            <a:pPr lvl="3"/>
+            <a:r>
+              <a:rPr lang="en-GB"/>
+              <a:t>Fourth level</a:t>
+            </a:r>
+          </a:p>
+          <a:p>
+            <a:pPr lvl="4"/>
+            <a:r>
+              <a:rPr lang="en-GB"/>
+              <a:t>Fifth level</a:t>
+            </a:r>
+            <a:endParaRPr lang="en-AU"/>
+          </a:p>
+        </p:txBody>
+      </p:sp>
+      <p:sp>
+        <p:nvSpPr>
           <p:cNvPr id="46" name="Content Placeholder 2">
             <a:extLst>
               <a:ext uri="{FF2B5EF4-FFF2-40B4-BE49-F238E27FC236}">
@@ -2627,7 +2690,7 @@
         </p:spPr>
         <p:txBody>
           <a:bodyPr>
-            <a:noAutofit/>
+            <a:normAutofit/>
           </a:bodyPr>
           <a:lstStyle>
             <a:lvl1pPr marL="0" indent="0">
@@ -2663,16 +2726,22 @@
         </p:nvSpPr>
         <p:spPr>
           <a:xfrm>
-            <a:off x="371475" y="6609900"/>
-            <a:ext cx="10662320" cy="204762"/>
+            <a:off x="371474" y="6586456"/>
+            <a:ext cx="11412539" cy="228206"/>
           </a:xfrm>
         </p:spPr>
         <p:txBody>
-          <a:bodyPr>
+          <a:bodyPr anchor="b" anchorCtr="0">
             <a:noAutofit/>
           </a:bodyPr>
           <a:lstStyle>
             <a:lvl1pPr marL="0" indent="0">
+              <a:lnSpc>
+                <a:spcPct val="100000"/>
+              </a:lnSpc>
+              <a:spcBef>
+                <a:spcPts val="0"/>
+              </a:spcBef>
               <a:buNone/>
               <a:defRPr sz="800"/>
             </a:lvl1pPr>
@@ -2684,69 +2753,6 @@
               <a:t>Insert source and notes here</a:t>
             </a:r>
             <a:endParaRPr lang="en-AU" dirty="0"/>
-          </a:p>
-        </p:txBody>
-      </p:sp>
-      <p:sp>
-        <p:nvSpPr>
-          <p:cNvPr id="3" name="Content Placeholder 3">
-            <a:extLst>
-              <a:ext uri="{FF2B5EF4-FFF2-40B4-BE49-F238E27FC236}">
-                <a16:creationId xmlns:a16="http://schemas.microsoft.com/office/drawing/2014/main" id="{308335A6-FEDB-3236-69EC-4D55F9E69E71}"/>
-              </a:ext>
-            </a:extLst>
-          </p:cNvPr>
-          <p:cNvSpPr>
-            <a:spLocks noGrp="1"/>
-          </p:cNvSpPr>
-          <p:nvPr>
-            <p:ph sz="quarter" idx="13"/>
-          </p:nvPr>
-        </p:nvSpPr>
-        <p:spPr>
-          <a:xfrm>
-            <a:off x="536713" y="1517569"/>
-            <a:ext cx="11002617" cy="5068887"/>
-          </a:xfrm>
-        </p:spPr>
-        <p:txBody>
-          <a:bodyPr/>
-          <a:lstStyle/>
-          <a:p>
-            <a:pPr lvl="0"/>
-            <a:r>
-              <a:rPr lang="en-GB"/>
-              <a:t>Click to edit Master text styles</a:t>
-            </a:r>
-          </a:p>
-          <a:p>
-            <a:pPr lvl="1"/>
-            <a:r>
-              <a:rPr lang="en-GB"/>
-              <a:t>Second level</a:t>
-            </a:r>
-          </a:p>
-          <a:p>
-            <a:pPr lvl="2"/>
-            <a:r>
-              <a:rPr lang="en-GB"/>
-              <a:t>Third level</a:t>
-            </a:r>
-          </a:p>
-          <a:p>
-            <a:pPr lvl="3"/>
-            <a:r>
-              <a:rPr lang="en-GB"/>
-              <a:t>Fourth level</a:t>
-            </a:r>
-          </a:p>
-          <a:p>
-            <a:pPr lvl="4"/>
-            <a:r>
-              <a:rPr lang="en-GB"/>
-              <a:t>Fifth level</a:t>
-            </a:r>
-            <a:endParaRPr lang="en-AU"/>
           </a:p>
         </p:txBody>
       </p:sp>
@@ -2951,7 +2957,7 @@
           <a:p>
             <a:fld id="{184C34C6-D93D-964F-98F1-8B05274CB5BF}" type="datetimeFigureOut">
               <a:rPr lang="en-AU" noProof="0" smtClean="0"/>
-              <a:t>26/5/2023</a:t>
+              <a:t>3/3/2025</a:t>
             </a:fld>
             <a:endParaRPr lang="en-AU" noProof="0"/>
           </a:p>
@@ -3384,34 +3390,7 @@
       </p:grpSpPr>
       <p:sp>
         <p:nvSpPr>
-          <p:cNvPr id="2" name="Title 1"/>
-          <p:cNvSpPr>
-            <a:spLocks noGrp="1"/>
-          </p:cNvSpPr>
-          <p:nvPr>
-            <p:ph type="title" hasCustomPrompt="1"/>
-          </p:nvPr>
-        </p:nvSpPr>
-        <p:spPr>
-          <a:xfrm>
-            <a:off x="385482" y="367368"/>
-            <a:ext cx="9637060" cy="540145"/>
-          </a:xfrm>
-        </p:spPr>
-        <p:txBody>
-          <a:bodyPr/>
-          <a:lstStyle/>
-          <a:p>
-            <a:r>
-              <a:rPr/>
-              <a:t>My title</a:t>
-            </a:r>
-          </a:p>
-        </p:txBody>
-      </p:sp>
-      <p:sp>
-        <p:nvSpPr>
-          <p:cNvPr id="3" name="Content Placeholder 2"/>
+          <p:cNvPr id="2" name="Content Placeholder 2"/>
           <p:cNvSpPr>
             <a:spLocks noGrp="1"/>
           </p:cNvSpPr>
@@ -3436,93 +3415,30 @@
           </a:p>
         </p:txBody>
       </p:sp>
-      <p:sp>
-        <p:nvSpPr>
-          <p:cNvPr id="4" name="Caption Placeholder 1"/>
-          <p:cNvSpPr>
-            <a:spLocks noGrp="1"/>
-          </p:cNvSpPr>
-          <p:nvPr>
-            <p:ph type="body" sz="quarter" idx="11" hasCustomPrompt="1"/>
-          </p:nvPr>
-        </p:nvSpPr>
-        <p:spPr>
-          <a:xfrm>
-            <a:off x="371475" y="6609900"/>
-            <a:ext cx="10662320" cy="204762"/>
-          </a:xfrm>
-        </p:spPr>
-        <p:txBody>
-          <a:bodyPr/>
-          <a:lstStyle/>
-          <a:p>
-            <a:r>
-              <a:rPr/>
-              <a:t>Notes: notes.
-Source: source</a:t>
-            </a:r>
-          </a:p>
-        </p:txBody>
-      </p:sp>
       <p:grpSp xmlns:pic="http://schemas.openxmlformats.org/drawingml/2006/picture">
         <p:nvGrpSpPr>
-          <p:cNvPr id="5" name="Content Placeholder 3"/>
+          <p:cNvPr id="3" name="Content Placeholder 3"/>
           <p:cNvGrpSpPr/>
           <p:nvPr/>
         </p:nvGrpSpPr>
         <p:grpSpPr>
           <a:xfrm>
             <a:off x="536713" y="1517569"/>
-            <a:ext cx="11002617" cy="5068887"/>
+            <a:ext cx="11002617" cy="5068800"/>
             <a:chOff x="536713" y="1517569"/>
-            <a:chExt cx="11002617" cy="5068887"/>
+            <a:chExt cx="11002617" cy="5068800"/>
           </a:xfrm>
         </p:grpSpPr>
         <p:sp>
           <p:nvSpPr>
-            <p:cNvPr id="6" name="rc3"/>
+            <p:cNvPr id="4" name="rc3"/>
             <p:cNvSpPr/>
             <p:nvPr/>
           </p:nvSpPr>
           <p:spPr>
             <a:xfrm>
               <a:off x="536713" y="1517569"/>
-              <a:ext cx="11002617" cy="5068887"/>
-            </a:xfrm>
-            <a:prstGeom prst="rect">
-              <a:avLst/>
-            </a:prstGeom>
-            <a:solidFill>
-              <a:srgbClr val="FFFFFF">
-                <a:alpha val="100000"/>
-              </a:srgbClr>
-            </a:solidFill>
-            <a:ln w="9525" cap="rnd">
-              <a:solidFill>
-                <a:srgbClr val="FFFFFF">
-                  <a:alpha val="100000"/>
-                </a:srgbClr>
-              </a:solidFill>
-              <a:prstDash val="solid"/>
-              <a:round/>
-            </a:ln>
-          </p:spPr>
-          <p:txBody>
-            <a:bodyPr/>
-            <a:lstStyle/>
-            <a:p/>
-          </p:txBody>
-        </p:sp>
-        <p:sp>
-          <p:nvSpPr>
-            <p:cNvPr id="7" name="rc4"/>
-            <p:cNvSpPr/>
-            <p:nvPr/>
-          </p:nvSpPr>
-          <p:spPr>
-            <a:xfrm>
-              <a:off x="536713" y="1517569"/>
-              <a:ext cx="11002616" cy="5068887"/>
+              <a:ext cx="11002617" cy="5068800"/>
             </a:xfrm>
             <a:prstGeom prst="rect">
               <a:avLst/>
@@ -3550,14 +3466,14 @@
         </p:sp>
         <p:sp>
           <p:nvSpPr>
-            <p:cNvPr id="8" name="rc5"/>
+            <p:cNvPr id="5" name="rc4"/>
             <p:cNvSpPr/>
             <p:nvPr/>
           </p:nvSpPr>
           <p:spPr>
             <a:xfrm>
               <a:off x="959143" y="1587158"/>
-              <a:ext cx="10510597" cy="4596294"/>
+              <a:ext cx="10510597" cy="4596207"/>
             </a:xfrm>
             <a:prstGeom prst="rect">
               <a:avLst/>
@@ -3576,13 +3492,13 @@
         </p:sp>
         <p:sp>
           <p:nvSpPr>
-            <p:cNvPr id="9" name="pl6"/>
-            <p:cNvSpPr/>
-            <p:nvPr/>
-          </p:nvSpPr>
-          <p:spPr>
-            <a:xfrm>
-              <a:off x="959143" y="5601137"/>
+            <p:cNvPr id="6" name="pl5"/>
+            <p:cNvSpPr/>
+            <p:nvPr/>
+          </p:nvSpPr>
+          <p:spPr>
+            <a:xfrm>
+              <a:off x="959143" y="5601061"/>
               <a:ext cx="10510597" cy="0"/>
             </a:xfrm>
             <a:custGeom>
@@ -3619,13 +3535,13 @@
         </p:sp>
         <p:sp>
           <p:nvSpPr>
-            <p:cNvPr id="10" name="pl7"/>
-            <p:cNvSpPr/>
-            <p:nvPr/>
-          </p:nvSpPr>
-          <p:spPr>
-            <a:xfrm>
-              <a:off x="959143" y="4712105"/>
+            <p:cNvPr id="7" name="pl6"/>
+            <p:cNvSpPr/>
+            <p:nvPr/>
+          </p:nvSpPr>
+          <p:spPr>
+            <a:xfrm>
+              <a:off x="959143" y="4712046"/>
               <a:ext cx="10510597" cy="0"/>
             </a:xfrm>
             <a:custGeom>
@@ -3662,13 +3578,13 @@
         </p:sp>
         <p:sp>
           <p:nvSpPr>
-            <p:cNvPr id="11" name="pl8"/>
-            <p:cNvSpPr/>
-            <p:nvPr/>
-          </p:nvSpPr>
-          <p:spPr>
-            <a:xfrm>
-              <a:off x="959143" y="3823073"/>
+            <p:cNvPr id="8" name="pl7"/>
+            <p:cNvSpPr/>
+            <p:nvPr/>
+          </p:nvSpPr>
+          <p:spPr>
+            <a:xfrm>
+              <a:off x="959143" y="3823030"/>
               <a:ext cx="10510597" cy="0"/>
             </a:xfrm>
             <a:custGeom>
@@ -3705,13 +3621,13 @@
         </p:sp>
         <p:sp>
           <p:nvSpPr>
-            <p:cNvPr id="12" name="pl9"/>
-            <p:cNvSpPr/>
-            <p:nvPr/>
-          </p:nvSpPr>
-          <p:spPr>
-            <a:xfrm>
-              <a:off x="959143" y="2934041"/>
+            <p:cNvPr id="9" name="pl8"/>
+            <p:cNvSpPr/>
+            <p:nvPr/>
+          </p:nvSpPr>
+          <p:spPr>
+            <a:xfrm>
+              <a:off x="959143" y="2934015"/>
               <a:ext cx="10510597" cy="0"/>
             </a:xfrm>
             <a:custGeom>
@@ -3748,13 +3664,13 @@
         </p:sp>
         <p:sp>
           <p:nvSpPr>
-            <p:cNvPr id="13" name="pl10"/>
-            <p:cNvSpPr/>
-            <p:nvPr/>
-          </p:nvSpPr>
-          <p:spPr>
-            <a:xfrm>
-              <a:off x="959143" y="2045009"/>
+            <p:cNvPr id="10" name="pl9"/>
+            <p:cNvSpPr/>
+            <p:nvPr/>
+          </p:nvSpPr>
+          <p:spPr>
+            <a:xfrm>
+              <a:off x="959143" y="2045000"/>
               <a:ext cx="10510597" cy="0"/>
             </a:xfrm>
             <a:custGeom>
@@ -3791,21 +3707,21 @@
         </p:sp>
         <p:sp>
           <p:nvSpPr>
-            <p:cNvPr id="14" name="pl11"/>
+            <p:cNvPr id="11" name="pl10"/>
             <p:cNvSpPr/>
             <p:nvPr/>
           </p:nvSpPr>
           <p:spPr>
             <a:xfrm>
               <a:off x="1405136" y="1587158"/>
-              <a:ext cx="0" cy="4596294"/>
+              <a:ext cx="0" cy="4596207"/>
             </a:xfrm>
             <a:custGeom>
               <a:avLst/>
               <a:pathLst>
-                <a:path w="0" h="4596294">
+                <a:path w="0" h="4596207">
                   <a:moveTo>
-                    <a:pt x="0" y="4596294"/>
+                    <a:pt x="0" y="4596207"/>
                   </a:moveTo>
                   <a:lnTo>
                     <a:pt x="0" y="0"/>
@@ -3834,21 +3750,21 @@
         </p:sp>
         <p:sp>
           <p:nvSpPr>
-            <p:cNvPr id="15" name="pl12"/>
+            <p:cNvPr id="12" name="pl11"/>
             <p:cNvSpPr/>
             <p:nvPr/>
           </p:nvSpPr>
           <p:spPr>
             <a:xfrm>
               <a:off x="3848268" y="1587158"/>
-              <a:ext cx="0" cy="4596294"/>
+              <a:ext cx="0" cy="4596207"/>
             </a:xfrm>
             <a:custGeom>
               <a:avLst/>
               <a:pathLst>
-                <a:path w="0" h="4596294">
+                <a:path w="0" h="4596207">
                   <a:moveTo>
-                    <a:pt x="0" y="4596294"/>
+                    <a:pt x="0" y="4596207"/>
                   </a:moveTo>
                   <a:lnTo>
                     <a:pt x="0" y="0"/>
@@ -3877,21 +3793,21 @@
         </p:sp>
         <p:sp>
           <p:nvSpPr>
-            <p:cNvPr id="16" name="pl13"/>
+            <p:cNvPr id="13" name="pl12"/>
             <p:cNvSpPr/>
             <p:nvPr/>
           </p:nvSpPr>
           <p:spPr>
             <a:xfrm>
               <a:off x="6291400" y="1587158"/>
-              <a:ext cx="0" cy="4596294"/>
+              <a:ext cx="0" cy="4596207"/>
             </a:xfrm>
             <a:custGeom>
               <a:avLst/>
               <a:pathLst>
-                <a:path w="0" h="4596294">
+                <a:path w="0" h="4596207">
                   <a:moveTo>
-                    <a:pt x="0" y="4596294"/>
+                    <a:pt x="0" y="4596207"/>
                   </a:moveTo>
                   <a:lnTo>
                     <a:pt x="0" y="0"/>
@@ -3920,21 +3836,21 @@
         </p:sp>
         <p:sp>
           <p:nvSpPr>
-            <p:cNvPr id="17" name="pl14"/>
+            <p:cNvPr id="14" name="pl13"/>
             <p:cNvSpPr/>
             <p:nvPr/>
           </p:nvSpPr>
           <p:spPr>
             <a:xfrm>
               <a:off x="8734532" y="1587158"/>
-              <a:ext cx="0" cy="4596294"/>
+              <a:ext cx="0" cy="4596207"/>
             </a:xfrm>
             <a:custGeom>
               <a:avLst/>
               <a:pathLst>
-                <a:path w="0" h="4596294">
+                <a:path w="0" h="4596207">
                   <a:moveTo>
-                    <a:pt x="0" y="4596294"/>
+                    <a:pt x="0" y="4596207"/>
                   </a:moveTo>
                   <a:lnTo>
                     <a:pt x="0" y="0"/>
@@ -3963,21 +3879,21 @@
         </p:sp>
         <p:sp>
           <p:nvSpPr>
-            <p:cNvPr id="18" name="pl15"/>
+            <p:cNvPr id="15" name="pl14"/>
             <p:cNvSpPr/>
             <p:nvPr/>
           </p:nvSpPr>
           <p:spPr>
             <a:xfrm>
               <a:off x="11177664" y="1587158"/>
-              <a:ext cx="0" cy="4596294"/>
+              <a:ext cx="0" cy="4596207"/>
             </a:xfrm>
             <a:custGeom>
               <a:avLst/>
               <a:pathLst>
-                <a:path w="0" h="4596294">
+                <a:path w="0" h="4596207">
                   <a:moveTo>
-                    <a:pt x="0" y="4596294"/>
+                    <a:pt x="0" y="4596207"/>
                   </a:moveTo>
                   <a:lnTo>
                     <a:pt x="0" y="0"/>
@@ -4006,13 +3922,13 @@
         </p:sp>
         <p:sp>
           <p:nvSpPr>
-            <p:cNvPr id="19" name="pl16"/>
-            <p:cNvSpPr/>
-            <p:nvPr/>
-          </p:nvSpPr>
-          <p:spPr>
-            <a:xfrm>
-              <a:off x="959143" y="6045653"/>
+            <p:cNvPr id="16" name="pl15"/>
+            <p:cNvSpPr/>
+            <p:nvPr/>
+          </p:nvSpPr>
+          <p:spPr>
+            <a:xfrm>
+              <a:off x="959143" y="6045568"/>
               <a:ext cx="10510597" cy="0"/>
             </a:xfrm>
             <a:custGeom>
@@ -4049,13 +3965,13 @@
         </p:sp>
         <p:sp>
           <p:nvSpPr>
-            <p:cNvPr id="20" name="pl17"/>
-            <p:cNvSpPr/>
-            <p:nvPr/>
-          </p:nvSpPr>
-          <p:spPr>
-            <a:xfrm>
-              <a:off x="959143" y="5156621"/>
+            <p:cNvPr id="17" name="pl16"/>
+            <p:cNvSpPr/>
+            <p:nvPr/>
+          </p:nvSpPr>
+          <p:spPr>
+            <a:xfrm>
+              <a:off x="959143" y="5156553"/>
               <a:ext cx="10510597" cy="0"/>
             </a:xfrm>
             <a:custGeom>
@@ -4092,13 +4008,13 @@
         </p:sp>
         <p:sp>
           <p:nvSpPr>
-            <p:cNvPr id="21" name="pl18"/>
-            <p:cNvSpPr/>
-            <p:nvPr/>
-          </p:nvSpPr>
-          <p:spPr>
-            <a:xfrm>
-              <a:off x="959143" y="4267589"/>
+            <p:cNvPr id="18" name="pl17"/>
+            <p:cNvSpPr/>
+            <p:nvPr/>
+          </p:nvSpPr>
+          <p:spPr>
+            <a:xfrm>
+              <a:off x="959143" y="4267538"/>
               <a:ext cx="10510597" cy="0"/>
             </a:xfrm>
             <a:custGeom>
@@ -4135,13 +4051,13 @@
         </p:sp>
         <p:sp>
           <p:nvSpPr>
-            <p:cNvPr id="22" name="pl19"/>
-            <p:cNvSpPr/>
-            <p:nvPr/>
-          </p:nvSpPr>
-          <p:spPr>
-            <a:xfrm>
-              <a:off x="959143" y="3378557"/>
+            <p:cNvPr id="19" name="pl18"/>
+            <p:cNvSpPr/>
+            <p:nvPr/>
+          </p:nvSpPr>
+          <p:spPr>
+            <a:xfrm>
+              <a:off x="959143" y="3378523"/>
               <a:ext cx="10510597" cy="0"/>
             </a:xfrm>
             <a:custGeom>
@@ -4178,13 +4094,13 @@
         </p:sp>
         <p:sp>
           <p:nvSpPr>
-            <p:cNvPr id="23" name="pl20"/>
-            <p:cNvSpPr/>
-            <p:nvPr/>
-          </p:nvSpPr>
-          <p:spPr>
-            <a:xfrm>
-              <a:off x="959143" y="2489525"/>
+            <p:cNvPr id="20" name="pl19"/>
+            <p:cNvSpPr/>
+            <p:nvPr/>
+          </p:nvSpPr>
+          <p:spPr>
+            <a:xfrm>
+              <a:off x="959143" y="2489508"/>
               <a:ext cx="10510597" cy="0"/>
             </a:xfrm>
             <a:custGeom>
@@ -4221,7 +4137,7 @@
         </p:sp>
         <p:sp>
           <p:nvSpPr>
-            <p:cNvPr id="24" name="pl21"/>
+            <p:cNvPr id="21" name="pl20"/>
             <p:cNvSpPr/>
             <p:nvPr/>
           </p:nvSpPr>
@@ -4264,21 +4180,21 @@
         </p:sp>
         <p:sp>
           <p:nvSpPr>
-            <p:cNvPr id="25" name="pl22"/>
+            <p:cNvPr id="22" name="pl21"/>
             <p:cNvSpPr/>
             <p:nvPr/>
           </p:nvSpPr>
           <p:spPr>
             <a:xfrm>
               <a:off x="2626702" y="1587158"/>
-              <a:ext cx="0" cy="4596294"/>
+              <a:ext cx="0" cy="4596207"/>
             </a:xfrm>
             <a:custGeom>
               <a:avLst/>
               <a:pathLst>
-                <a:path w="0" h="4596294">
+                <a:path w="0" h="4596207">
                   <a:moveTo>
-                    <a:pt x="0" y="4596294"/>
+                    <a:pt x="0" y="4596207"/>
                   </a:moveTo>
                   <a:lnTo>
                     <a:pt x="0" y="0"/>
@@ -4307,21 +4223,21 @@
         </p:sp>
         <p:sp>
           <p:nvSpPr>
-            <p:cNvPr id="26" name="pl23"/>
+            <p:cNvPr id="23" name="pl22"/>
             <p:cNvSpPr/>
             <p:nvPr/>
           </p:nvSpPr>
           <p:spPr>
             <a:xfrm>
               <a:off x="5069834" y="1587158"/>
-              <a:ext cx="0" cy="4596294"/>
+              <a:ext cx="0" cy="4596207"/>
             </a:xfrm>
             <a:custGeom>
               <a:avLst/>
               <a:pathLst>
-                <a:path w="0" h="4596294">
+                <a:path w="0" h="4596207">
                   <a:moveTo>
-                    <a:pt x="0" y="4596294"/>
+                    <a:pt x="0" y="4596207"/>
                   </a:moveTo>
                   <a:lnTo>
                     <a:pt x="0" y="0"/>
@@ -4350,21 +4266,21 @@
         </p:sp>
         <p:sp>
           <p:nvSpPr>
-            <p:cNvPr id="27" name="pl24"/>
+            <p:cNvPr id="24" name="pl23"/>
             <p:cNvSpPr/>
             <p:nvPr/>
           </p:nvSpPr>
           <p:spPr>
             <a:xfrm>
               <a:off x="7512966" y="1587158"/>
-              <a:ext cx="0" cy="4596294"/>
+              <a:ext cx="0" cy="4596207"/>
             </a:xfrm>
             <a:custGeom>
               <a:avLst/>
               <a:pathLst>
-                <a:path w="0" h="4596294">
+                <a:path w="0" h="4596207">
                   <a:moveTo>
-                    <a:pt x="0" y="4596294"/>
+                    <a:pt x="0" y="4596207"/>
                   </a:moveTo>
                   <a:lnTo>
                     <a:pt x="0" y="0"/>
@@ -4393,21 +4309,21 @@
         </p:sp>
         <p:sp>
           <p:nvSpPr>
-            <p:cNvPr id="28" name="pl25"/>
+            <p:cNvPr id="25" name="pl24"/>
             <p:cNvSpPr/>
             <p:nvPr/>
           </p:nvSpPr>
           <p:spPr>
             <a:xfrm>
               <a:off x="9956098" y="1587158"/>
-              <a:ext cx="0" cy="4596294"/>
+              <a:ext cx="0" cy="4596207"/>
             </a:xfrm>
             <a:custGeom>
               <a:avLst/>
               <a:pathLst>
-                <a:path w="0" h="4596294">
+                <a:path w="0" h="4596207">
                   <a:moveTo>
-                    <a:pt x="0" y="4596294"/>
+                    <a:pt x="0" y="4596207"/>
                   </a:moveTo>
                   <a:lnTo>
                     <a:pt x="0" y="0"/>
@@ -4436,13 +4352,13 @@
         </p:sp>
         <p:sp>
           <p:nvSpPr>
-            <p:cNvPr id="29" name="pt26"/>
-            <p:cNvSpPr/>
-            <p:nvPr/>
-          </p:nvSpPr>
-          <p:spPr>
-            <a:xfrm>
-              <a:off x="4108369" y="4056707"/>
+            <p:cNvPr id="26" name="pt25"/>
+            <p:cNvSpPr/>
+            <p:nvPr/>
+          </p:nvSpPr>
+          <p:spPr>
+            <a:xfrm>
+              <a:off x="4108369" y="4056660"/>
               <a:ext cx="66150" cy="66150"/>
             </a:xfrm>
             <a:prstGeom prst="ellipse">
@@ -4471,13 +4387,13 @@
         </p:sp>
         <p:sp>
           <p:nvSpPr>
-            <p:cNvPr id="30" name="pt27"/>
-            <p:cNvSpPr/>
-            <p:nvPr/>
-          </p:nvSpPr>
-          <p:spPr>
-            <a:xfrm>
-              <a:off x="4731368" y="4056707"/>
+            <p:cNvPr id="27" name="pt26"/>
+            <p:cNvSpPr/>
+            <p:nvPr/>
+          </p:nvSpPr>
+          <p:spPr>
+            <a:xfrm>
+              <a:off x="4731368" y="4056660"/>
               <a:ext cx="66150" cy="66150"/>
             </a:xfrm>
             <a:prstGeom prst="ellipse">
@@ -4506,13 +4422,13 @@
         </p:sp>
         <p:sp>
           <p:nvSpPr>
-            <p:cNvPr id="31" name="pt28"/>
-            <p:cNvSpPr/>
-            <p:nvPr/>
-          </p:nvSpPr>
-          <p:spPr>
-            <a:xfrm>
-              <a:off x="3375429" y="3736656"/>
+            <p:cNvPr id="28" name="pt27"/>
+            <p:cNvSpPr/>
+            <p:nvPr/>
+          </p:nvSpPr>
+          <p:spPr>
+            <a:xfrm>
+              <a:off x="3375429" y="3736615"/>
               <a:ext cx="66150" cy="66150"/>
             </a:xfrm>
             <a:prstGeom prst="ellipse">
@@ -4541,13 +4457,13 @@
         </p:sp>
         <p:sp>
           <p:nvSpPr>
-            <p:cNvPr id="32" name="pt29"/>
-            <p:cNvSpPr/>
-            <p:nvPr/>
-          </p:nvSpPr>
-          <p:spPr>
-            <a:xfrm>
-              <a:off x="5562033" y="3985585"/>
+            <p:cNvPr id="29" name="pt28"/>
+            <p:cNvSpPr/>
+            <p:nvPr/>
+          </p:nvSpPr>
+          <p:spPr>
+            <a:xfrm>
+              <a:off x="5562033" y="3985539"/>
               <a:ext cx="66150" cy="66150"/>
             </a:xfrm>
             <a:prstGeom prst="ellipse">
@@ -4576,13 +4492,13 @@
         </p:sp>
         <p:sp>
           <p:nvSpPr>
-            <p:cNvPr id="33" name="pt30"/>
-            <p:cNvSpPr/>
-            <p:nvPr/>
-          </p:nvSpPr>
-          <p:spPr>
-            <a:xfrm>
-              <a:off x="6111737" y="4465662"/>
+            <p:cNvPr id="30" name="pt29"/>
+            <p:cNvSpPr/>
+            <p:nvPr/>
+          </p:nvSpPr>
+          <p:spPr>
+            <a:xfrm>
+              <a:off x="6111737" y="4465607"/>
               <a:ext cx="66150" cy="66150"/>
             </a:xfrm>
             <a:prstGeom prst="ellipse">
@@ -4611,13 +4527,13 @@
         </p:sp>
         <p:sp>
           <p:nvSpPr>
-            <p:cNvPr id="34" name="pt31"/>
-            <p:cNvSpPr/>
-            <p:nvPr/>
-          </p:nvSpPr>
-          <p:spPr>
-            <a:xfrm>
-              <a:off x="6160600" y="4572346"/>
+            <p:cNvPr id="31" name="pt30"/>
+            <p:cNvSpPr/>
+            <p:nvPr/>
+          </p:nvSpPr>
+          <p:spPr>
+            <a:xfrm>
+              <a:off x="6160600" y="4572289"/>
               <a:ext cx="66150" cy="66150"/>
             </a:xfrm>
             <a:prstGeom prst="ellipse">
@@ -4646,13 +4562,13 @@
         </p:sp>
         <p:sp>
           <p:nvSpPr>
-            <p:cNvPr id="35" name="pt32"/>
-            <p:cNvSpPr/>
-            <p:nvPr/>
-          </p:nvSpPr>
-          <p:spPr>
-            <a:xfrm>
-              <a:off x="6429344" y="5248010"/>
+            <p:cNvPr id="32" name="pt31"/>
+            <p:cNvSpPr/>
+            <p:nvPr/>
+          </p:nvSpPr>
+          <p:spPr>
+            <a:xfrm>
+              <a:off x="6429344" y="5247940"/>
               <a:ext cx="66150" cy="66150"/>
             </a:xfrm>
             <a:prstGeom prst="ellipse">
@@ -4681,13 +4597,13 @@
         </p:sp>
         <p:sp>
           <p:nvSpPr>
-            <p:cNvPr id="36" name="pt33"/>
-            <p:cNvSpPr/>
-            <p:nvPr/>
-          </p:nvSpPr>
-          <p:spPr>
-            <a:xfrm>
-              <a:off x="5500954" y="3452166"/>
+            <p:cNvPr id="33" name="pt32"/>
+            <p:cNvSpPr/>
+            <p:nvPr/>
+          </p:nvSpPr>
+          <p:spPr>
+            <a:xfrm>
+              <a:off x="5500954" y="3452130"/>
               <a:ext cx="66150" cy="66150"/>
             </a:xfrm>
             <a:prstGeom prst="ellipse">
@@ -4716,13 +4632,13 @@
         </p:sp>
         <p:sp>
           <p:nvSpPr>
-            <p:cNvPr id="37" name="pt34"/>
-            <p:cNvSpPr/>
-            <p:nvPr/>
-          </p:nvSpPr>
-          <p:spPr>
-            <a:xfrm>
-              <a:off x="5403229" y="3736656"/>
+            <p:cNvPr id="34" name="pt33"/>
+            <p:cNvSpPr/>
+            <p:nvPr/>
+          </p:nvSpPr>
+          <p:spPr>
+            <a:xfrm>
+              <a:off x="5403229" y="3736615"/>
               <a:ext cx="66150" cy="66150"/>
             </a:xfrm>
             <a:prstGeom prst="ellipse">
@@ -4751,13 +4667,13 @@
         </p:sp>
         <p:sp>
           <p:nvSpPr>
-            <p:cNvPr id="38" name="pt35"/>
-            <p:cNvSpPr/>
-            <p:nvPr/>
-          </p:nvSpPr>
-          <p:spPr>
-            <a:xfrm>
-              <a:off x="6111737" y="4376759"/>
+            <p:cNvPr id="35" name="pt34"/>
+            <p:cNvSpPr/>
+            <p:nvPr/>
+          </p:nvSpPr>
+          <p:spPr>
+            <a:xfrm>
+              <a:off x="6111737" y="4376705"/>
               <a:ext cx="66150" cy="66150"/>
             </a:xfrm>
             <a:prstGeom prst="ellipse">
@@ -4786,13 +4702,13 @@
         </p:sp>
         <p:sp>
           <p:nvSpPr>
-            <p:cNvPr id="39" name="pt36"/>
-            <p:cNvSpPr/>
-            <p:nvPr/>
-          </p:nvSpPr>
-          <p:spPr>
-            <a:xfrm>
-              <a:off x="6111737" y="4625688"/>
+            <p:cNvPr id="36" name="pt35"/>
+            <p:cNvSpPr/>
+            <p:nvPr/>
+          </p:nvSpPr>
+          <p:spPr>
+            <a:xfrm>
+              <a:off x="6111737" y="4625630"/>
               <a:ext cx="66150" cy="66150"/>
             </a:xfrm>
             <a:prstGeom prst="ellipse">
@@ -4821,13 +4737,13 @@
         </p:sp>
         <p:sp>
           <p:nvSpPr>
-            <p:cNvPr id="40" name="pt37"/>
-            <p:cNvSpPr/>
-            <p:nvPr/>
-          </p:nvSpPr>
-          <p:spPr>
-            <a:xfrm>
-              <a:off x="7650910" y="4874617"/>
+            <p:cNvPr id="37" name="pt36"/>
+            <p:cNvSpPr/>
+            <p:nvPr/>
+          </p:nvSpPr>
+          <p:spPr>
+            <a:xfrm>
+              <a:off x="7650910" y="4874554"/>
               <a:ext cx="66150" cy="66150"/>
             </a:xfrm>
             <a:prstGeom prst="ellipse">
@@ -4856,13 +4772,13 @@
         </p:sp>
         <p:sp>
           <p:nvSpPr>
-            <p:cNvPr id="41" name="pt38"/>
-            <p:cNvSpPr/>
-            <p:nvPr/>
-          </p:nvSpPr>
-          <p:spPr>
-            <a:xfrm>
-              <a:off x="6820246" y="4714591"/>
+            <p:cNvPr id="38" name="pt37"/>
+            <p:cNvSpPr/>
+            <p:nvPr/>
+          </p:nvSpPr>
+          <p:spPr>
+            <a:xfrm>
+              <a:off x="6820246" y="4714531"/>
               <a:ext cx="66150" cy="66150"/>
             </a:xfrm>
             <a:prstGeom prst="ellipse">
@@ -4891,13 +4807,13 @@
         </p:sp>
         <p:sp>
           <p:nvSpPr>
-            <p:cNvPr id="42" name="pt39"/>
-            <p:cNvSpPr/>
-            <p:nvPr/>
-          </p:nvSpPr>
-          <p:spPr>
-            <a:xfrm>
-              <a:off x="6942402" y="5087984"/>
+            <p:cNvPr id="39" name="pt38"/>
+            <p:cNvSpPr/>
+            <p:nvPr/>
+          </p:nvSpPr>
+          <p:spPr>
+            <a:xfrm>
+              <a:off x="6942402" y="5087917"/>
               <a:ext cx="66150" cy="66150"/>
             </a:xfrm>
             <a:prstGeom prst="ellipse">
@@ -4926,13 +4842,13 @@
         </p:sp>
         <p:sp>
           <p:nvSpPr>
-            <p:cNvPr id="43" name="pt40"/>
-            <p:cNvSpPr/>
-            <p:nvPr/>
-          </p:nvSpPr>
-          <p:spPr>
-            <a:xfrm>
-              <a:off x="10533806" y="5941455"/>
+            <p:cNvPr id="40" name="pt39"/>
+            <p:cNvSpPr/>
+            <p:nvPr/>
+          </p:nvSpPr>
+          <p:spPr>
+            <a:xfrm>
+              <a:off x="10533806" y="5941372"/>
               <a:ext cx="66150" cy="66150"/>
             </a:xfrm>
             <a:prstGeom prst="ellipse">
@@ -4961,13 +4877,13 @@
         </p:sp>
         <p:sp>
           <p:nvSpPr>
-            <p:cNvPr id="44" name="pt41"/>
-            <p:cNvSpPr/>
-            <p:nvPr/>
-          </p:nvSpPr>
-          <p:spPr>
-            <a:xfrm>
-              <a:off x="10958911" y="5941455"/>
+            <p:cNvPr id="41" name="pt40"/>
+            <p:cNvSpPr/>
+            <p:nvPr/>
+          </p:nvSpPr>
+          <p:spPr>
+            <a:xfrm>
+              <a:off x="10958911" y="5941372"/>
               <a:ext cx="66150" cy="66150"/>
             </a:xfrm>
             <a:prstGeom prst="ellipse">
@@ -4996,13 +4912,13 @@
         </p:sp>
         <p:sp>
           <p:nvSpPr>
-            <p:cNvPr id="45" name="pt42"/>
-            <p:cNvSpPr/>
-            <p:nvPr/>
-          </p:nvSpPr>
-          <p:spPr>
-            <a:xfrm>
-              <a:off x="10765904" y="5176888"/>
+            <p:cNvPr id="42" name="pt41"/>
+            <p:cNvSpPr/>
+            <p:nvPr/>
+          </p:nvSpPr>
+          <p:spPr>
+            <a:xfrm>
+              <a:off x="10765904" y="5176819"/>
               <a:ext cx="66150" cy="66150"/>
             </a:xfrm>
             <a:prstGeom prst="ellipse">
@@ -5031,13 +4947,13 @@
         </p:sp>
         <p:sp>
           <p:nvSpPr>
-            <p:cNvPr id="46" name="pt43"/>
-            <p:cNvSpPr/>
-            <p:nvPr/>
-          </p:nvSpPr>
-          <p:spPr>
-            <a:xfrm>
-              <a:off x="3082254" y="2029715"/>
+            <p:cNvPr id="43" name="pt42"/>
+            <p:cNvSpPr/>
+            <p:nvPr/>
+          </p:nvSpPr>
+          <p:spPr>
+            <a:xfrm>
+              <a:off x="3082254" y="2029706"/>
               <a:ext cx="66150" cy="66150"/>
             </a:xfrm>
             <a:prstGeom prst="ellipse">
@@ -5066,13 +4982,13 @@
         </p:sp>
         <p:sp>
           <p:nvSpPr>
-            <p:cNvPr id="47" name="pt44"/>
-            <p:cNvSpPr/>
-            <p:nvPr/>
-          </p:nvSpPr>
-          <p:spPr>
-            <a:xfrm>
-              <a:off x="1653021" y="2385327"/>
+            <p:cNvPr id="44" name="pt43"/>
+            <p:cNvSpPr/>
+            <p:nvPr/>
+          </p:nvSpPr>
+          <p:spPr>
+            <a:xfrm>
+              <a:off x="1653021" y="2385312"/>
               <a:ext cx="66150" cy="66150"/>
             </a:xfrm>
             <a:prstGeom prst="ellipse">
@@ -5101,13 +5017,13 @@
         </p:sp>
         <p:sp>
           <p:nvSpPr>
-            <p:cNvPr id="48" name="pt45"/>
-            <p:cNvSpPr/>
-            <p:nvPr/>
-          </p:nvSpPr>
-          <p:spPr>
-            <a:xfrm>
-              <a:off x="2190510" y="1763005"/>
+            <p:cNvPr id="45" name="pt44"/>
+            <p:cNvSpPr/>
+            <p:nvPr/>
+          </p:nvSpPr>
+          <p:spPr>
+            <a:xfrm>
+              <a:off x="2190510" y="1763001"/>
               <a:ext cx="66150" cy="66150"/>
             </a:xfrm>
             <a:prstGeom prst="ellipse">
@@ -5136,13 +5052,13 @@
         </p:sp>
         <p:sp>
           <p:nvSpPr>
-            <p:cNvPr id="49" name="pt46"/>
-            <p:cNvSpPr/>
-            <p:nvPr/>
-          </p:nvSpPr>
-          <p:spPr>
-            <a:xfrm>
-              <a:off x="3729684" y="3967804"/>
+            <p:cNvPr id="46" name="pt45"/>
+            <p:cNvSpPr/>
+            <p:nvPr/>
+          </p:nvSpPr>
+          <p:spPr>
+            <a:xfrm>
+              <a:off x="3729684" y="3967758"/>
               <a:ext cx="66150" cy="66150"/>
             </a:xfrm>
             <a:prstGeom prst="ellipse">
@@ -5171,13 +5087,13 @@
         </p:sp>
         <p:sp>
           <p:nvSpPr>
-            <p:cNvPr id="50" name="pt47"/>
-            <p:cNvSpPr/>
-            <p:nvPr/>
-          </p:nvSpPr>
-          <p:spPr>
-            <a:xfrm>
-              <a:off x="6307188" y="5034642"/>
+            <p:cNvPr id="47" name="pt46"/>
+            <p:cNvSpPr/>
+            <p:nvPr/>
+          </p:nvSpPr>
+          <p:spPr>
+            <a:xfrm>
+              <a:off x="6307188" y="5034577"/>
               <a:ext cx="66150" cy="66150"/>
             </a:xfrm>
             <a:prstGeom prst="ellipse">
@@ -5206,13 +5122,13 @@
         </p:sp>
         <p:sp>
           <p:nvSpPr>
-            <p:cNvPr id="51" name="pt48"/>
-            <p:cNvSpPr/>
-            <p:nvPr/>
-          </p:nvSpPr>
-          <p:spPr>
-            <a:xfrm>
-              <a:off x="6099522" y="5087984"/>
+            <p:cNvPr id="48" name="pt47"/>
+            <p:cNvSpPr/>
+            <p:nvPr/>
+          </p:nvSpPr>
+          <p:spPr>
+            <a:xfrm>
+              <a:off x="6099522" y="5087917"/>
               <a:ext cx="66150" cy="66150"/>
             </a:xfrm>
             <a:prstGeom prst="ellipse">
@@ -5241,13 +5157,13 @@
         </p:sp>
         <p:sp>
           <p:nvSpPr>
-            <p:cNvPr id="52" name="pt49"/>
-            <p:cNvSpPr/>
-            <p:nvPr/>
-          </p:nvSpPr>
-          <p:spPr>
-            <a:xfrm>
-              <a:off x="7088990" y="5425816"/>
+            <p:cNvPr id="49" name="pt48"/>
+            <p:cNvSpPr/>
+            <p:nvPr/>
+          </p:nvSpPr>
+          <p:spPr>
+            <a:xfrm>
+              <a:off x="7088990" y="5425743"/>
               <a:ext cx="66150" cy="66150"/>
             </a:xfrm>
             <a:prstGeom prst="ellipse">
@@ -5276,13 +5192,13 @@
         </p:sp>
         <p:sp>
           <p:nvSpPr>
-            <p:cNvPr id="53" name="pt50"/>
-            <p:cNvSpPr/>
-            <p:nvPr/>
-          </p:nvSpPr>
-          <p:spPr>
-            <a:xfrm>
-              <a:off x="7101206" y="4376759"/>
+            <p:cNvPr id="50" name="pt49"/>
+            <p:cNvSpPr/>
+            <p:nvPr/>
+          </p:nvSpPr>
+          <p:spPr>
+            <a:xfrm>
+              <a:off x="7101206" y="4376705"/>
               <a:ext cx="66150" cy="66150"/>
             </a:xfrm>
             <a:prstGeom prst="ellipse">
@@ -5311,13 +5227,13 @@
         </p:sp>
         <p:sp>
           <p:nvSpPr>
-            <p:cNvPr id="54" name="pt51"/>
-            <p:cNvSpPr/>
-            <p:nvPr/>
-          </p:nvSpPr>
-          <p:spPr>
-            <a:xfrm>
-              <a:off x="2434824" y="2936527"/>
+            <p:cNvPr id="51" name="pt50"/>
+            <p:cNvSpPr/>
+            <p:nvPr/>
+          </p:nvSpPr>
+          <p:spPr>
+            <a:xfrm>
+              <a:off x="2434824" y="2936501"/>
               <a:ext cx="66150" cy="66150"/>
             </a:xfrm>
             <a:prstGeom prst="ellipse">
@@ -5346,13 +5262,13 @@
         </p:sp>
         <p:sp>
           <p:nvSpPr>
-            <p:cNvPr id="55" name="pt52"/>
-            <p:cNvSpPr/>
-            <p:nvPr/>
-          </p:nvSpPr>
-          <p:spPr>
-            <a:xfrm>
-              <a:off x="2935666" y="3167675"/>
+            <p:cNvPr id="52" name="pt51"/>
+            <p:cNvSpPr/>
+            <p:nvPr/>
+          </p:nvSpPr>
+          <p:spPr>
+            <a:xfrm>
+              <a:off x="2935666" y="3167645"/>
               <a:ext cx="66150" cy="66150"/>
             </a:xfrm>
             <a:prstGeom prst="ellipse">
@@ -5381,13 +5297,13 @@
         </p:sp>
         <p:sp>
           <p:nvSpPr>
-            <p:cNvPr id="56" name="pt53"/>
-            <p:cNvSpPr/>
-            <p:nvPr/>
-          </p:nvSpPr>
-          <p:spPr>
-            <a:xfrm>
-              <a:off x="1403822" y="2385327"/>
+            <p:cNvPr id="53" name="pt52"/>
+            <p:cNvSpPr/>
+            <p:nvPr/>
+          </p:nvSpPr>
+          <p:spPr>
+            <a:xfrm>
+              <a:off x="1403822" y="2385312"/>
               <a:ext cx="66150" cy="66150"/>
             </a:xfrm>
             <a:prstGeom prst="ellipse">
@@ -5416,13 +5332,13 @@
         </p:sp>
         <p:sp>
           <p:nvSpPr>
-            <p:cNvPr id="57" name="pt54"/>
-            <p:cNvSpPr/>
-            <p:nvPr/>
-          </p:nvSpPr>
-          <p:spPr>
-            <a:xfrm>
-              <a:off x="5452092" y="4981301"/>
+            <p:cNvPr id="54" name="pt53"/>
+            <p:cNvSpPr/>
+            <p:nvPr/>
+          </p:nvSpPr>
+          <p:spPr>
+            <a:xfrm>
+              <a:off x="5452092" y="4981236"/>
               <a:ext cx="66150" cy="66150"/>
             </a:xfrm>
             <a:prstGeom prst="ellipse">
@@ -5451,13 +5367,13 @@
         </p:sp>
         <p:sp>
           <p:nvSpPr>
-            <p:cNvPr id="58" name="pt55"/>
-            <p:cNvSpPr/>
-            <p:nvPr/>
-          </p:nvSpPr>
-          <p:spPr>
-            <a:xfrm>
-              <a:off x="4474839" y="4287856"/>
+            <p:cNvPr id="55" name="pt54"/>
+            <p:cNvSpPr/>
+            <p:nvPr/>
+          </p:nvSpPr>
+          <p:spPr>
+            <a:xfrm>
+              <a:off x="4474839" y="4287804"/>
               <a:ext cx="66150" cy="66150"/>
             </a:xfrm>
             <a:prstGeom prst="ellipse">
@@ -5486,13 +5402,13 @@
         </p:sp>
         <p:sp>
           <p:nvSpPr>
-            <p:cNvPr id="59" name="pt56"/>
-            <p:cNvSpPr/>
-            <p:nvPr/>
-          </p:nvSpPr>
-          <p:spPr>
-            <a:xfrm>
-              <a:off x="6429344" y="5123546"/>
+            <p:cNvPr id="56" name="pt55"/>
+            <p:cNvSpPr/>
+            <p:nvPr/>
+          </p:nvSpPr>
+          <p:spPr>
+            <a:xfrm>
+              <a:off x="6429344" y="5123478"/>
               <a:ext cx="66150" cy="66150"/>
             </a:xfrm>
             <a:prstGeom prst="ellipse">
@@ -5521,13 +5437,13 @@
         </p:sp>
         <p:sp>
           <p:nvSpPr>
-            <p:cNvPr id="60" name="pt57"/>
-            <p:cNvSpPr/>
-            <p:nvPr/>
-          </p:nvSpPr>
-          <p:spPr>
-            <a:xfrm>
-              <a:off x="4499270" y="3985585"/>
+            <p:cNvPr id="57" name="pt56"/>
+            <p:cNvSpPr/>
+            <p:nvPr/>
+          </p:nvSpPr>
+          <p:spPr>
+            <a:xfrm>
+              <a:off x="4499270" y="3985539"/>
               <a:ext cx="66150" cy="66150"/>
             </a:xfrm>
             <a:prstGeom prst="ellipse">
@@ -5556,13 +5472,13 @@
         </p:sp>
         <p:sp>
           <p:nvSpPr>
-            <p:cNvPr id="61" name="tx58"/>
-            <p:cNvSpPr/>
-            <p:nvPr/>
-          </p:nvSpPr>
-          <p:spPr>
-            <a:xfrm>
-              <a:off x="772201" y="6005462"/>
+            <p:cNvPr id="58" name="tx57"/>
+            <p:cNvSpPr/>
+            <p:nvPr/>
+          </p:nvSpPr>
+          <p:spPr>
+            <a:xfrm>
+              <a:off x="772201" y="6005377"/>
               <a:ext cx="124311" cy="80272"/>
             </a:xfrm>
             <a:prstGeom prst="rect">
@@ -5602,13 +5518,13 @@
         </p:sp>
         <p:sp>
           <p:nvSpPr>
-            <p:cNvPr id="62" name="tx59"/>
-            <p:cNvSpPr/>
-            <p:nvPr/>
-          </p:nvSpPr>
-          <p:spPr>
-            <a:xfrm>
-              <a:off x="772201" y="5116921"/>
+            <p:cNvPr id="59" name="tx58"/>
+            <p:cNvSpPr/>
+            <p:nvPr/>
+          </p:nvSpPr>
+          <p:spPr>
+            <a:xfrm>
+              <a:off x="772201" y="5116853"/>
               <a:ext cx="124311" cy="79781"/>
             </a:xfrm>
             <a:prstGeom prst="rect">
@@ -5648,13 +5564,13 @@
         </p:sp>
         <p:sp>
           <p:nvSpPr>
-            <p:cNvPr id="63" name="tx60"/>
-            <p:cNvSpPr/>
-            <p:nvPr/>
-          </p:nvSpPr>
-          <p:spPr>
-            <a:xfrm>
-              <a:off x="772201" y="4227125"/>
+            <p:cNvPr id="60" name="tx59"/>
+            <p:cNvSpPr/>
+            <p:nvPr/>
+          </p:nvSpPr>
+          <p:spPr>
+            <a:xfrm>
+              <a:off x="772201" y="4227074"/>
               <a:ext cx="124311" cy="80545"/>
             </a:xfrm>
             <a:prstGeom prst="rect">
@@ -5694,13 +5610,13 @@
         </p:sp>
         <p:sp>
           <p:nvSpPr>
-            <p:cNvPr id="64" name="tx61"/>
-            <p:cNvSpPr/>
-            <p:nvPr/>
-          </p:nvSpPr>
-          <p:spPr>
-            <a:xfrm>
-              <a:off x="772201" y="3338257"/>
+            <p:cNvPr id="61" name="tx60"/>
+            <p:cNvSpPr/>
+            <p:nvPr/>
+          </p:nvSpPr>
+          <p:spPr>
+            <a:xfrm>
+              <a:off x="772201" y="3338223"/>
               <a:ext cx="124311" cy="80382"/>
             </a:xfrm>
             <a:prstGeom prst="rect">
@@ -5740,13 +5656,13 @@
         </p:sp>
         <p:sp>
           <p:nvSpPr>
-            <p:cNvPr id="65" name="tx62"/>
-            <p:cNvSpPr/>
-            <p:nvPr/>
-          </p:nvSpPr>
-          <p:spPr>
-            <a:xfrm>
-              <a:off x="772201" y="2449225"/>
+            <p:cNvPr id="62" name="tx61"/>
+            <p:cNvSpPr/>
+            <p:nvPr/>
+          </p:nvSpPr>
+          <p:spPr>
+            <a:xfrm>
+              <a:off x="772201" y="2449208"/>
               <a:ext cx="124311" cy="80382"/>
             </a:xfrm>
             <a:prstGeom prst="rect">
@@ -5786,7 +5702,7 @@
         </p:sp>
         <p:sp>
           <p:nvSpPr>
-            <p:cNvPr id="66" name="tx63"/>
+            <p:cNvPr id="63" name="tx62"/>
             <p:cNvSpPr/>
             <p:nvPr/>
           </p:nvSpPr>
@@ -5832,13 +5748,13 @@
         </p:sp>
         <p:sp>
           <p:nvSpPr>
-            <p:cNvPr id="67" name="pl64"/>
-            <p:cNvSpPr/>
-            <p:nvPr/>
-          </p:nvSpPr>
-          <p:spPr>
-            <a:xfrm>
-              <a:off x="924348" y="6045653"/>
+            <p:cNvPr id="64" name="pl63"/>
+            <p:cNvSpPr/>
+            <p:nvPr/>
+          </p:nvSpPr>
+          <p:spPr>
+            <a:xfrm>
+              <a:off x="924348" y="6045568"/>
               <a:ext cx="34794" cy="0"/>
             </a:xfrm>
             <a:custGeom>
@@ -5872,13 +5788,13 @@
         </p:sp>
         <p:sp>
           <p:nvSpPr>
-            <p:cNvPr id="68" name="pl65"/>
-            <p:cNvSpPr/>
-            <p:nvPr/>
-          </p:nvSpPr>
-          <p:spPr>
-            <a:xfrm>
-              <a:off x="924348" y="5156621"/>
+            <p:cNvPr id="65" name="pl64"/>
+            <p:cNvSpPr/>
+            <p:nvPr/>
+          </p:nvSpPr>
+          <p:spPr>
+            <a:xfrm>
+              <a:off x="924348" y="5156553"/>
               <a:ext cx="34794" cy="0"/>
             </a:xfrm>
             <a:custGeom>
@@ -5912,13 +5828,13 @@
         </p:sp>
         <p:sp>
           <p:nvSpPr>
-            <p:cNvPr id="69" name="pl66"/>
-            <p:cNvSpPr/>
-            <p:nvPr/>
-          </p:nvSpPr>
-          <p:spPr>
-            <a:xfrm>
-              <a:off x="924348" y="4267589"/>
+            <p:cNvPr id="66" name="pl65"/>
+            <p:cNvSpPr/>
+            <p:nvPr/>
+          </p:nvSpPr>
+          <p:spPr>
+            <a:xfrm>
+              <a:off x="924348" y="4267538"/>
               <a:ext cx="34794" cy="0"/>
             </a:xfrm>
             <a:custGeom>
@@ -5952,13 +5868,13 @@
         </p:sp>
         <p:sp>
           <p:nvSpPr>
-            <p:cNvPr id="70" name="pl67"/>
-            <p:cNvSpPr/>
-            <p:nvPr/>
-          </p:nvSpPr>
-          <p:spPr>
-            <a:xfrm>
-              <a:off x="924348" y="3378557"/>
+            <p:cNvPr id="67" name="pl66"/>
+            <p:cNvSpPr/>
+            <p:nvPr/>
+          </p:nvSpPr>
+          <p:spPr>
+            <a:xfrm>
+              <a:off x="924348" y="3378523"/>
               <a:ext cx="34794" cy="0"/>
             </a:xfrm>
             <a:custGeom>
@@ -5992,13 +5908,13 @@
         </p:sp>
         <p:sp>
           <p:nvSpPr>
-            <p:cNvPr id="71" name="pl68"/>
-            <p:cNvSpPr/>
-            <p:nvPr/>
-          </p:nvSpPr>
-          <p:spPr>
-            <a:xfrm>
-              <a:off x="924348" y="2489525"/>
+            <p:cNvPr id="68" name="pl67"/>
+            <p:cNvSpPr/>
+            <p:nvPr/>
+          </p:nvSpPr>
+          <p:spPr>
+            <a:xfrm>
+              <a:off x="924348" y="2489508"/>
               <a:ext cx="34794" cy="0"/>
             </a:xfrm>
             <a:custGeom>
@@ -6032,7 +5948,7 @@
         </p:sp>
         <p:sp>
           <p:nvSpPr>
-            <p:cNvPr id="72" name="pl69"/>
+            <p:cNvPr id="69" name="pl68"/>
             <p:cNvSpPr/>
             <p:nvPr/>
           </p:nvSpPr>
@@ -6072,13 +5988,13 @@
         </p:sp>
         <p:sp>
           <p:nvSpPr>
-            <p:cNvPr id="73" name="pl70"/>
-            <p:cNvSpPr/>
-            <p:nvPr/>
-          </p:nvSpPr>
-          <p:spPr>
-            <a:xfrm>
-              <a:off x="2626702" y="6183452"/>
+            <p:cNvPr id="70" name="pl69"/>
+            <p:cNvSpPr/>
+            <p:nvPr/>
+          </p:nvSpPr>
+          <p:spPr>
+            <a:xfrm>
+              <a:off x="2626702" y="6183365"/>
               <a:ext cx="0" cy="34794"/>
             </a:xfrm>
             <a:custGeom>
@@ -6112,13 +6028,13 @@
         </p:sp>
         <p:sp>
           <p:nvSpPr>
-            <p:cNvPr id="74" name="pl71"/>
-            <p:cNvSpPr/>
-            <p:nvPr/>
-          </p:nvSpPr>
-          <p:spPr>
-            <a:xfrm>
-              <a:off x="5069834" y="6183452"/>
+            <p:cNvPr id="71" name="pl70"/>
+            <p:cNvSpPr/>
+            <p:nvPr/>
+          </p:nvSpPr>
+          <p:spPr>
+            <a:xfrm>
+              <a:off x="5069834" y="6183365"/>
               <a:ext cx="0" cy="34794"/>
             </a:xfrm>
             <a:custGeom>
@@ -6152,13 +6068,13 @@
         </p:sp>
         <p:sp>
           <p:nvSpPr>
-            <p:cNvPr id="75" name="pl72"/>
-            <p:cNvSpPr/>
-            <p:nvPr/>
-          </p:nvSpPr>
-          <p:spPr>
-            <a:xfrm>
-              <a:off x="7512966" y="6183452"/>
+            <p:cNvPr id="72" name="pl71"/>
+            <p:cNvSpPr/>
+            <p:nvPr/>
+          </p:nvSpPr>
+          <p:spPr>
+            <a:xfrm>
+              <a:off x="7512966" y="6183365"/>
               <a:ext cx="0" cy="34794"/>
             </a:xfrm>
             <a:custGeom>
@@ -6192,13 +6108,13 @@
         </p:sp>
         <p:sp>
           <p:nvSpPr>
-            <p:cNvPr id="76" name="pl73"/>
-            <p:cNvSpPr/>
-            <p:nvPr/>
-          </p:nvSpPr>
-          <p:spPr>
-            <a:xfrm>
-              <a:off x="9956098" y="6183452"/>
+            <p:cNvPr id="73" name="pl72"/>
+            <p:cNvSpPr/>
+            <p:nvPr/>
+          </p:nvSpPr>
+          <p:spPr>
+            <a:xfrm>
+              <a:off x="9956098" y="6183365"/>
               <a:ext cx="0" cy="34794"/>
             </a:xfrm>
             <a:custGeom>
@@ -6232,13 +6148,13 @@
         </p:sp>
         <p:sp>
           <p:nvSpPr>
-            <p:cNvPr id="77" name="tx74"/>
-            <p:cNvSpPr/>
-            <p:nvPr/>
-          </p:nvSpPr>
-          <p:spPr>
-            <a:xfrm>
-              <a:off x="2595624" y="6247829"/>
+            <p:cNvPr id="74" name="tx73"/>
+            <p:cNvSpPr/>
+            <p:nvPr/>
+          </p:nvSpPr>
+          <p:spPr>
+            <a:xfrm>
+              <a:off x="2595624" y="6247742"/>
               <a:ext cx="62155" cy="78417"/>
             </a:xfrm>
             <a:prstGeom prst="rect">
@@ -6278,13 +6194,13 @@
         </p:sp>
         <p:sp>
           <p:nvSpPr>
-            <p:cNvPr id="78" name="tx75"/>
-            <p:cNvSpPr/>
-            <p:nvPr/>
-          </p:nvSpPr>
-          <p:spPr>
-            <a:xfrm>
-              <a:off x="5038756" y="6245864"/>
+            <p:cNvPr id="75" name="tx74"/>
+            <p:cNvSpPr/>
+            <p:nvPr/>
+          </p:nvSpPr>
+          <p:spPr>
+            <a:xfrm>
+              <a:off x="5038756" y="6245777"/>
               <a:ext cx="62155" cy="80382"/>
             </a:xfrm>
             <a:prstGeom prst="rect">
@@ -6324,13 +6240,13 @@
         </p:sp>
         <p:sp>
           <p:nvSpPr>
-            <p:cNvPr id="79" name="tx76"/>
-            <p:cNvSpPr/>
-            <p:nvPr/>
-          </p:nvSpPr>
-          <p:spPr>
-            <a:xfrm>
-              <a:off x="7481888" y="6247883"/>
+            <p:cNvPr id="76" name="tx75"/>
+            <p:cNvSpPr/>
+            <p:nvPr/>
+          </p:nvSpPr>
+          <p:spPr>
+            <a:xfrm>
+              <a:off x="7481888" y="6247796"/>
               <a:ext cx="62155" cy="78362"/>
             </a:xfrm>
             <a:prstGeom prst="rect">
@@ -6370,13 +6286,13 @@
         </p:sp>
         <p:sp>
           <p:nvSpPr>
-            <p:cNvPr id="80" name="tx77"/>
-            <p:cNvSpPr/>
-            <p:nvPr/>
-          </p:nvSpPr>
-          <p:spPr>
-            <a:xfrm>
-              <a:off x="9925020" y="6247447"/>
+            <p:cNvPr id="77" name="tx76"/>
+            <p:cNvSpPr/>
+            <p:nvPr/>
+          </p:nvSpPr>
+          <p:spPr>
+            <a:xfrm>
+              <a:off x="9925020" y="6247360"/>
               <a:ext cx="62155" cy="78799"/>
             </a:xfrm>
             <a:prstGeom prst="rect">
@@ -6416,13 +6332,13 @@
         </p:sp>
         <p:sp>
           <p:nvSpPr>
-            <p:cNvPr id="81" name="tx78"/>
-            <p:cNvSpPr/>
-            <p:nvPr/>
-          </p:nvSpPr>
-          <p:spPr>
-            <a:xfrm>
-              <a:off x="6144592" y="6391355"/>
+            <p:cNvPr id="78" name="tx77"/>
+            <p:cNvSpPr/>
+            <p:nvPr/>
+          </p:nvSpPr>
+          <p:spPr>
+            <a:xfrm>
+              <a:off x="6144592" y="6391268"/>
               <a:ext cx="139700" cy="94611"/>
             </a:xfrm>
             <a:prstGeom prst="rect">
@@ -6462,13 +6378,13 @@
         </p:sp>
         <p:sp>
           <p:nvSpPr>
-            <p:cNvPr id="82" name="tx79"/>
+            <p:cNvPr id="79" name="tx78"/>
             <p:cNvSpPr/>
             <p:nvPr/>
           </p:nvSpPr>
           <p:spPr>
             <a:xfrm rot="-5400000">
-              <a:off x="517761" y="3832440"/>
+              <a:off x="517761" y="3832397"/>
               <a:ext cx="271760" cy="105729"/>
             </a:xfrm>
             <a:prstGeom prst="rect">
@@ -6507,6 +6423,61 @@
           </p:txBody>
         </p:sp>
       </p:grpSp>
+      <p:sp>
+        <p:nvSpPr>
+          <p:cNvPr id="80" name="Title 1"/>
+          <p:cNvSpPr>
+            <a:spLocks noGrp="1"/>
+          </p:cNvSpPr>
+          <p:nvPr>
+            <p:ph type="title" hasCustomPrompt="1"/>
+          </p:nvPr>
+        </p:nvSpPr>
+        <p:spPr>
+          <a:xfrm>
+            <a:off x="385482" y="367368"/>
+            <a:ext cx="9637060" cy="540145"/>
+          </a:xfrm>
+        </p:spPr>
+        <p:txBody>
+          <a:bodyPr/>
+          <a:lstStyle/>
+          <a:p>
+            <a:r>
+              <a:rPr/>
+              <a:t>My title</a:t>
+            </a:r>
+          </a:p>
+        </p:txBody>
+      </p:sp>
+      <p:sp>
+        <p:nvSpPr>
+          <p:cNvPr id="81" name="Caption Placeholder 1"/>
+          <p:cNvSpPr>
+            <a:spLocks noGrp="1"/>
+          </p:cNvSpPr>
+          <p:nvPr>
+            <p:ph type="body" sz="quarter" idx="11" hasCustomPrompt="1"/>
+          </p:nvPr>
+        </p:nvSpPr>
+        <p:spPr>
+          <a:xfrm>
+            <a:off x="371474" y="6586456"/>
+            <a:ext cx="11412539" cy="228206"/>
+          </a:xfrm>
+        </p:spPr>
+        <p:txBody>
+          <a:bodyPr/>
+          <a:lstStyle/>
+          <a:p>
+            <a:r>
+              <a:rPr/>
+              <a:t>Notes: notes. 
+Source: source</a:t>
+            </a:r>
+          </a:p>
+        </p:txBody>
+      </p:sp>
     </p:spTree>
   </p:cSld>
   <p:clrMapOvr>

--- a/tests/testthat/temp.pptx
+++ b/tests/testthat/temp.pptx
@@ -206,7 +206,7 @@
           <a:p>
             <a:fld id="{E6375376-077A-8F42-9E71-155E70FB596E}" type="datetimeFigureOut">
               <a:rPr lang="en-US" smtClean="0"/>
-              <a:t>3/3/25</a:t>
+              <a:t>4/3/25</a:t>
             </a:fld>
             <a:endParaRPr lang="en-US"/>
           </a:p>
@@ -1204,7 +1204,7 @@
           <a:p>
             <a:fld id="{184C34C6-D93D-964F-98F1-8B05274CB5BF}" type="datetimeFigureOut">
               <a:rPr lang="en-US" smtClean="0"/>
-              <a:t>3/3/25</a:t>
+              <a:t>4/3/25</a:t>
             </a:fld>
             <a:endParaRPr lang="en-US"/>
           </a:p>
@@ -1425,7 +1425,7 @@
           <a:p>
             <a:fld id="{184C34C6-D93D-964F-98F1-8B05274CB5BF}" type="datetimeFigureOut">
               <a:rPr lang="en-US" smtClean="0"/>
-              <a:t>3/3/25</a:t>
+              <a:t>4/3/25</a:t>
             </a:fld>
             <a:endParaRPr lang="en-US" dirty="0"/>
           </a:p>
@@ -1749,7 +1749,7 @@
           <a:p>
             <a:fld id="{184C34C6-D93D-964F-98F1-8B05274CB5BF}" type="datetimeFigureOut">
               <a:rPr lang="en-US" smtClean="0"/>
-              <a:t>3/3/25</a:t>
+              <a:t>4/3/25</a:t>
             </a:fld>
             <a:endParaRPr lang="en-US" dirty="0"/>
           </a:p>
@@ -2266,7 +2266,7 @@
           <a:p>
             <a:fld id="{184C34C6-D93D-964F-98F1-8B05274CB5BF}" type="datetimeFigureOut">
               <a:rPr lang="en-US" smtClean="0"/>
-              <a:t>3/3/25</a:t>
+              <a:t>4/3/25</a:t>
             </a:fld>
             <a:endParaRPr lang="en-US" dirty="0"/>
           </a:p>
@@ -2605,10 +2605,10 @@
       </p:sp>
       <p:sp>
         <p:nvSpPr>
-          <p:cNvPr id="3" name="Content Placeholder 3">
+          <p:cNvPr id="5" name="Content Placeholder 3">
             <a:extLst>
               <a:ext uri="{FF2B5EF4-FFF2-40B4-BE49-F238E27FC236}">
-                <a16:creationId xmlns:a16="http://schemas.microsoft.com/office/drawing/2014/main" id="{308335A6-FEDB-3236-69EC-4D55F9E69E71}"/>
+                <a16:creationId xmlns:a16="http://schemas.microsoft.com/office/drawing/2014/main" id="{65DDA1B1-E990-1373-D6AB-EF6EEB4045CA}"/>
               </a:ext>
             </a:extLst>
           </p:cNvPr>
@@ -2616,51 +2616,22 @@
             <a:spLocks noGrp="1"/>
           </p:cNvSpPr>
           <p:nvPr>
-            <p:ph sz="quarter" idx="13"/>
+            <p:ph type="chart" sz="quarter" idx="12"/>
           </p:nvPr>
         </p:nvSpPr>
         <p:spPr>
           <a:xfrm>
-            <a:off x="536713" y="1517569"/>
-            <a:ext cx="11002617" cy="5068800"/>
+            <a:off x="371475" y="1808163"/>
+            <a:ext cx="11412538" cy="4284662"/>
           </a:xfrm>
         </p:spPr>
         <p:txBody>
           <a:bodyPr/>
           <a:lstStyle/>
           <a:p>
-            <a:pPr lvl="0"/>
             <a:r>
               <a:rPr lang="en-GB"/>
-              <a:t>Click to edit Master text styles</a:t>
-            </a:r>
-          </a:p>
-          <a:p>
-            <a:pPr lvl="1"/>
-            <a:r>
-              <a:rPr lang="en-GB"/>
-              <a:t>Second level</a:t>
-            </a:r>
-          </a:p>
-          <a:p>
-            <a:pPr lvl="2"/>
-            <a:r>
-              <a:rPr lang="en-GB"/>
-              <a:t>Third level</a:t>
-            </a:r>
-          </a:p>
-          <a:p>
-            <a:pPr lvl="3"/>
-            <a:r>
-              <a:rPr lang="en-GB"/>
-              <a:t>Fourth level</a:t>
-            </a:r>
-          </a:p>
-          <a:p>
-            <a:pPr lvl="4"/>
-            <a:r>
-              <a:rPr lang="en-GB"/>
-              <a:t>Fifth level</a:t>
+              <a:t>Click icon to add chart</a:t>
             </a:r>
             <a:endParaRPr lang="en-AU"/>
           </a:p>
@@ -2668,10 +2639,55 @@
       </p:sp>
       <p:sp>
         <p:nvSpPr>
-          <p:cNvPr id="46" name="Content Placeholder 2">
+          <p:cNvPr id="7" name="Caption Placeholder 1">
             <a:extLst>
               <a:ext uri="{FF2B5EF4-FFF2-40B4-BE49-F238E27FC236}">
-                <a16:creationId xmlns:a16="http://schemas.microsoft.com/office/drawing/2014/main" id="{48F4585A-2D72-19E2-7B40-41FEB45DABA5}"/>
+                <a16:creationId xmlns:a16="http://schemas.microsoft.com/office/drawing/2014/main" id="{0B68B2F7-35DA-8DD2-1D07-9D280795C281}"/>
+              </a:ext>
+            </a:extLst>
+          </p:cNvPr>
+          <p:cNvSpPr>
+            <a:spLocks noGrp="1"/>
+          </p:cNvSpPr>
+          <p:nvPr>
+            <p:ph type="body" sz="quarter" idx="11" hasCustomPrompt="1"/>
+          </p:nvPr>
+        </p:nvSpPr>
+        <p:spPr>
+          <a:xfrm>
+            <a:off x="371475" y="6239781"/>
+            <a:ext cx="10662320" cy="455613"/>
+          </a:xfrm>
+        </p:spPr>
+        <p:txBody>
+          <a:bodyPr anchor="t">
+            <a:normAutofit/>
+          </a:bodyPr>
+          <a:lstStyle>
+            <a:lvl1pPr marL="0" indent="0">
+              <a:spcBef>
+                <a:spcPts val="200"/>
+              </a:spcBef>
+              <a:buNone/>
+              <a:defRPr sz="800"/>
+            </a:lvl1pPr>
+          </a:lstStyle>
+          <a:p>
+            <a:pPr lvl="0"/>
+            <a:r>
+              <a:rPr lang="en-GB" dirty="0"/>
+              <a:t>Insert source and notes here</a:t>
+            </a:r>
+            <a:endParaRPr lang="en-AU" dirty="0"/>
+          </a:p>
+        </p:txBody>
+      </p:sp>
+      <p:sp>
+        <p:nvSpPr>
+          <p:cNvPr id="8" name="Content Placeholder 2">
+            <a:extLst>
+              <a:ext uri="{FF2B5EF4-FFF2-40B4-BE49-F238E27FC236}">
+                <a16:creationId xmlns:a16="http://schemas.microsoft.com/office/drawing/2014/main" id="{1B2EC199-2580-9D84-9E72-CE7324DB7A05}"/>
               </a:ext>
             </a:extLst>
           </p:cNvPr>
@@ -2684,13 +2700,13 @@
         </p:nvSpPr>
         <p:spPr>
           <a:xfrm>
-            <a:off x="378478" y="1192801"/>
-            <a:ext cx="11398531" cy="306710"/>
+            <a:off x="378478" y="1312069"/>
+            <a:ext cx="11398531" cy="335156"/>
           </a:xfrm>
         </p:spPr>
         <p:txBody>
           <a:bodyPr>
-            <a:normAutofit/>
+            <a:noAutofit/>
           </a:bodyPr>
           <a:lstStyle>
             <a:lvl1pPr marL="0" indent="0">
@@ -2703,54 +2719,6 @@
             <a:r>
               <a:rPr lang="en-GB" dirty="0"/>
               <a:t>Insert unit title</a:t>
-            </a:r>
-            <a:endParaRPr lang="en-AU" dirty="0"/>
-          </a:p>
-        </p:txBody>
-      </p:sp>
-      <p:sp>
-        <p:nvSpPr>
-          <p:cNvPr id="48" name="Caption Placeholder 1">
-            <a:extLst>
-              <a:ext uri="{FF2B5EF4-FFF2-40B4-BE49-F238E27FC236}">
-                <a16:creationId xmlns:a16="http://schemas.microsoft.com/office/drawing/2014/main" id="{69F7CE92-E1D5-B5FE-FFCF-4017AEF4DBAA}"/>
-              </a:ext>
-            </a:extLst>
-          </p:cNvPr>
-          <p:cNvSpPr>
-            <a:spLocks noGrp="1"/>
-          </p:cNvSpPr>
-          <p:nvPr>
-            <p:ph type="body" sz="quarter" idx="11" hasCustomPrompt="1"/>
-          </p:nvPr>
-        </p:nvSpPr>
-        <p:spPr>
-          <a:xfrm>
-            <a:off x="371474" y="6586456"/>
-            <a:ext cx="11412539" cy="228206"/>
-          </a:xfrm>
-        </p:spPr>
-        <p:txBody>
-          <a:bodyPr anchor="b" anchorCtr="0">
-            <a:noAutofit/>
-          </a:bodyPr>
-          <a:lstStyle>
-            <a:lvl1pPr marL="0" indent="0">
-              <a:lnSpc>
-                <a:spcPct val="100000"/>
-              </a:lnSpc>
-              <a:spcBef>
-                <a:spcPts val="0"/>
-              </a:spcBef>
-              <a:buNone/>
-              <a:defRPr sz="800"/>
-            </a:lvl1pPr>
-          </a:lstStyle>
-          <a:p>
-            <a:pPr lvl="0"/>
-            <a:r>
-              <a:rPr lang="en-GB" dirty="0"/>
-              <a:t>Insert source and notes here</a:t>
             </a:r>
             <a:endParaRPr lang="en-AU" dirty="0"/>
           </a:p>
@@ -2957,7 +2925,7 @@
           <a:p>
             <a:fld id="{184C34C6-D93D-964F-98F1-8B05274CB5BF}" type="datetimeFigureOut">
               <a:rPr lang="en-AU" noProof="0" smtClean="0"/>
-              <a:t>3/3/2025</a:t>
+              <a:t>3/4/2025</a:t>
             </a:fld>
             <a:endParaRPr lang="en-AU" noProof="0"/>
           </a:p>
@@ -3400,8 +3368,8 @@
         </p:nvSpPr>
         <p:spPr>
           <a:xfrm>
-            <a:off x="378478" y="1192801"/>
-            <a:ext cx="11398531" cy="306710"/>
+            <a:off x="378478" y="1312069"/>
+            <a:ext cx="11398531" cy="335156"/>
           </a:xfrm>
         </p:spPr>
         <p:txBody>
@@ -3423,10 +3391,10 @@
         </p:nvGrpSpPr>
         <p:grpSpPr>
           <a:xfrm>
-            <a:off x="536713" y="1517569"/>
-            <a:ext cx="11002617" cy="5068800"/>
-            <a:chOff x="536713" y="1517569"/>
-            <a:chExt cx="11002617" cy="5068800"/>
+            <a:off x="371475" y="1808163"/>
+            <a:ext cx="11412538" cy="4284662"/>
+            <a:chOff x="371475" y="1808163"/>
+            <a:chExt cx="11412538" cy="4284662"/>
           </a:xfrm>
         </p:grpSpPr>
         <p:sp>
@@ -3437,8 +3405,8 @@
           </p:nvSpPr>
           <p:spPr>
             <a:xfrm>
-              <a:off x="536713" y="1517569"/>
-              <a:ext cx="11002617" cy="5068800"/>
+              <a:off x="371475" y="1808162"/>
+              <a:ext cx="11412538" cy="4284662"/>
             </a:xfrm>
             <a:prstGeom prst="rect">
               <a:avLst/>
@@ -3472,8 +3440,8 @@
           </p:nvSpPr>
           <p:spPr>
             <a:xfrm>
-              <a:off x="959143" y="1587158"/>
-              <a:ext cx="10510597" cy="4596207"/>
+              <a:off x="793905" y="1877752"/>
+              <a:ext cx="10920518" cy="3812069"/>
             </a:xfrm>
             <a:prstGeom prst="rect">
               <a:avLst/>
@@ -3498,21 +3466,21 @@
           </p:nvSpPr>
           <p:spPr>
             <a:xfrm>
-              <a:off x="959143" y="5601061"/>
-              <a:ext cx="10510597" cy="0"/>
+              <a:off x="793905" y="5206861"/>
+              <a:ext cx="10920518" cy="0"/>
             </a:xfrm>
             <a:custGeom>
               <a:avLst/>
               <a:pathLst>
-                <a:path w="10510597" h="0">
+                <a:path w="10920518" h="0">
                   <a:moveTo>
                     <a:pt x="0" y="0"/>
                   </a:moveTo>
                   <a:lnTo>
-                    <a:pt x="10510597" y="0"/>
+                    <a:pt x="10920518" y="0"/>
                   </a:lnTo>
                   <a:lnTo>
-                    <a:pt x="10510597" y="0"/>
+                    <a:pt x="10920518" y="0"/>
                   </a:lnTo>
                 </a:path>
               </a:pathLst>
@@ -3541,21 +3509,21 @@
           </p:nvSpPr>
           <p:spPr>
             <a:xfrm>
-              <a:off x="959143" y="4712046"/>
-              <a:ext cx="10510597" cy="0"/>
+              <a:off x="793905" y="4469517"/>
+              <a:ext cx="10920518" cy="0"/>
             </a:xfrm>
             <a:custGeom>
               <a:avLst/>
               <a:pathLst>
-                <a:path w="10510597" h="0">
+                <a:path w="10920518" h="0">
                   <a:moveTo>
                     <a:pt x="0" y="0"/>
                   </a:moveTo>
                   <a:lnTo>
-                    <a:pt x="10510597" y="0"/>
+                    <a:pt x="10920518" y="0"/>
                   </a:lnTo>
                   <a:lnTo>
-                    <a:pt x="10510597" y="0"/>
+                    <a:pt x="10920518" y="0"/>
                   </a:lnTo>
                 </a:path>
               </a:pathLst>
@@ -3584,21 +3552,21 @@
           </p:nvSpPr>
           <p:spPr>
             <a:xfrm>
-              <a:off x="959143" y="3823030"/>
-              <a:ext cx="10510597" cy="0"/>
+              <a:off x="793905" y="3732172"/>
+              <a:ext cx="10920518" cy="0"/>
             </a:xfrm>
             <a:custGeom>
               <a:avLst/>
               <a:pathLst>
-                <a:path w="10510597" h="0">
+                <a:path w="10920518" h="0">
                   <a:moveTo>
                     <a:pt x="0" y="0"/>
                   </a:moveTo>
                   <a:lnTo>
-                    <a:pt x="10510597" y="0"/>
+                    <a:pt x="10920518" y="0"/>
                   </a:lnTo>
                   <a:lnTo>
-                    <a:pt x="10510597" y="0"/>
+                    <a:pt x="10920518" y="0"/>
                   </a:lnTo>
                 </a:path>
               </a:pathLst>
@@ -3627,21 +3595,21 @@
           </p:nvSpPr>
           <p:spPr>
             <a:xfrm>
-              <a:off x="959143" y="2934015"/>
-              <a:ext cx="10510597" cy="0"/>
+              <a:off x="793905" y="2994828"/>
+              <a:ext cx="10920518" cy="0"/>
             </a:xfrm>
             <a:custGeom>
               <a:avLst/>
               <a:pathLst>
-                <a:path w="10510597" h="0">
+                <a:path w="10920518" h="0">
                   <a:moveTo>
                     <a:pt x="0" y="0"/>
                   </a:moveTo>
                   <a:lnTo>
-                    <a:pt x="10510597" y="0"/>
+                    <a:pt x="10920518" y="0"/>
                   </a:lnTo>
                   <a:lnTo>
-                    <a:pt x="10510597" y="0"/>
+                    <a:pt x="10920518" y="0"/>
                   </a:lnTo>
                 </a:path>
               </a:pathLst>
@@ -3670,21 +3638,21 @@
           </p:nvSpPr>
           <p:spPr>
             <a:xfrm>
-              <a:off x="959143" y="2045000"/>
-              <a:ext cx="10510597" cy="0"/>
+              <a:off x="793905" y="2257484"/>
+              <a:ext cx="10920518" cy="0"/>
             </a:xfrm>
             <a:custGeom>
               <a:avLst/>
               <a:pathLst>
-                <a:path w="10510597" h="0">
+                <a:path w="10920518" h="0">
                   <a:moveTo>
                     <a:pt x="0" y="0"/>
                   </a:moveTo>
                   <a:lnTo>
-                    <a:pt x="10510597" y="0"/>
+                    <a:pt x="10920518" y="0"/>
                   </a:lnTo>
                   <a:lnTo>
-                    <a:pt x="10510597" y="0"/>
+                    <a:pt x="10920518" y="0"/>
                   </a:lnTo>
                 </a:path>
               </a:pathLst>
@@ -3713,15 +3681,15 @@
           </p:nvSpPr>
           <p:spPr>
             <a:xfrm>
-              <a:off x="1405136" y="1587158"/>
-              <a:ext cx="0" cy="4596207"/>
+              <a:off x="1257292" y="1877752"/>
+              <a:ext cx="0" cy="3812069"/>
             </a:xfrm>
             <a:custGeom>
               <a:avLst/>
               <a:pathLst>
-                <a:path w="0" h="4596207">
+                <a:path w="0" h="3812069">
                   <a:moveTo>
-                    <a:pt x="0" y="4596207"/>
+                    <a:pt x="0" y="3812069"/>
                   </a:moveTo>
                   <a:lnTo>
                     <a:pt x="0" y="0"/>
@@ -3756,15 +3724,15 @@
           </p:nvSpPr>
           <p:spPr>
             <a:xfrm>
-              <a:off x="3848268" y="1587158"/>
-              <a:ext cx="0" cy="4596207"/>
+              <a:off x="3795708" y="1877752"/>
+              <a:ext cx="0" cy="3812069"/>
             </a:xfrm>
             <a:custGeom>
               <a:avLst/>
               <a:pathLst>
-                <a:path w="0" h="4596207">
+                <a:path w="0" h="3812069">
                   <a:moveTo>
-                    <a:pt x="0" y="4596207"/>
+                    <a:pt x="0" y="3812069"/>
                   </a:moveTo>
                   <a:lnTo>
                     <a:pt x="0" y="0"/>
@@ -3799,15 +3767,15 @@
           </p:nvSpPr>
           <p:spPr>
             <a:xfrm>
-              <a:off x="6291400" y="1587158"/>
-              <a:ext cx="0" cy="4596207"/>
+              <a:off x="6334124" y="1877752"/>
+              <a:ext cx="0" cy="3812069"/>
             </a:xfrm>
             <a:custGeom>
               <a:avLst/>
               <a:pathLst>
-                <a:path w="0" h="4596207">
+                <a:path w="0" h="3812069">
                   <a:moveTo>
-                    <a:pt x="0" y="4596207"/>
+                    <a:pt x="0" y="3812069"/>
                   </a:moveTo>
                   <a:lnTo>
                     <a:pt x="0" y="0"/>
@@ -3842,15 +3810,15 @@
           </p:nvSpPr>
           <p:spPr>
             <a:xfrm>
-              <a:off x="8734532" y="1587158"/>
-              <a:ext cx="0" cy="4596207"/>
+              <a:off x="8872540" y="1877752"/>
+              <a:ext cx="0" cy="3812069"/>
             </a:xfrm>
             <a:custGeom>
               <a:avLst/>
               <a:pathLst>
-                <a:path w="0" h="4596207">
+                <a:path w="0" h="3812069">
                   <a:moveTo>
-                    <a:pt x="0" y="4596207"/>
+                    <a:pt x="0" y="3812069"/>
                   </a:moveTo>
                   <a:lnTo>
                     <a:pt x="0" y="0"/>
@@ -3885,15 +3853,15 @@
           </p:nvSpPr>
           <p:spPr>
             <a:xfrm>
-              <a:off x="11177664" y="1587158"/>
-              <a:ext cx="0" cy="4596207"/>
+              <a:off x="11410956" y="1877752"/>
+              <a:ext cx="0" cy="3812069"/>
             </a:xfrm>
             <a:custGeom>
               <a:avLst/>
               <a:pathLst>
-                <a:path w="0" h="4596207">
+                <a:path w="0" h="3812069">
                   <a:moveTo>
-                    <a:pt x="0" y="4596207"/>
+                    <a:pt x="0" y="3812069"/>
                   </a:moveTo>
                   <a:lnTo>
                     <a:pt x="0" y="0"/>
@@ -3928,21 +3896,21 @@
           </p:nvSpPr>
           <p:spPr>
             <a:xfrm>
-              <a:off x="959143" y="6045568"/>
-              <a:ext cx="10510597" cy="0"/>
+              <a:off x="793905" y="5575533"/>
+              <a:ext cx="10920518" cy="0"/>
             </a:xfrm>
             <a:custGeom>
               <a:avLst/>
               <a:pathLst>
-                <a:path w="10510597" h="0">
+                <a:path w="10920518" h="0">
                   <a:moveTo>
                     <a:pt x="0" y="0"/>
                   </a:moveTo>
                   <a:lnTo>
-                    <a:pt x="10510597" y="0"/>
+                    <a:pt x="10920518" y="0"/>
                   </a:lnTo>
                   <a:lnTo>
-                    <a:pt x="10510597" y="0"/>
+                    <a:pt x="10920518" y="0"/>
                   </a:lnTo>
                 </a:path>
               </a:pathLst>
@@ -3971,21 +3939,21 @@
           </p:nvSpPr>
           <p:spPr>
             <a:xfrm>
-              <a:off x="959143" y="5156553"/>
-              <a:ext cx="10510597" cy="0"/>
+              <a:off x="793905" y="4838189"/>
+              <a:ext cx="10920518" cy="0"/>
             </a:xfrm>
             <a:custGeom>
               <a:avLst/>
               <a:pathLst>
-                <a:path w="10510597" h="0">
+                <a:path w="10920518" h="0">
                   <a:moveTo>
                     <a:pt x="0" y="0"/>
                   </a:moveTo>
                   <a:lnTo>
-                    <a:pt x="10510597" y="0"/>
+                    <a:pt x="10920518" y="0"/>
                   </a:lnTo>
                   <a:lnTo>
-                    <a:pt x="10510597" y="0"/>
+                    <a:pt x="10920518" y="0"/>
                   </a:lnTo>
                 </a:path>
               </a:pathLst>
@@ -4014,21 +3982,21 @@
           </p:nvSpPr>
           <p:spPr>
             <a:xfrm>
-              <a:off x="959143" y="4267538"/>
-              <a:ext cx="10510597" cy="0"/>
+              <a:off x="793905" y="4100845"/>
+              <a:ext cx="10920518" cy="0"/>
             </a:xfrm>
             <a:custGeom>
               <a:avLst/>
               <a:pathLst>
-                <a:path w="10510597" h="0">
+                <a:path w="10920518" h="0">
                   <a:moveTo>
                     <a:pt x="0" y="0"/>
                   </a:moveTo>
                   <a:lnTo>
-                    <a:pt x="10510597" y="0"/>
+                    <a:pt x="10920518" y="0"/>
                   </a:lnTo>
                   <a:lnTo>
-                    <a:pt x="10510597" y="0"/>
+                    <a:pt x="10920518" y="0"/>
                   </a:lnTo>
                 </a:path>
               </a:pathLst>
@@ -4057,21 +4025,21 @@
           </p:nvSpPr>
           <p:spPr>
             <a:xfrm>
-              <a:off x="959143" y="3378523"/>
-              <a:ext cx="10510597" cy="0"/>
+              <a:off x="793905" y="3363500"/>
+              <a:ext cx="10920518" cy="0"/>
             </a:xfrm>
             <a:custGeom>
               <a:avLst/>
               <a:pathLst>
-                <a:path w="10510597" h="0">
+                <a:path w="10920518" h="0">
                   <a:moveTo>
                     <a:pt x="0" y="0"/>
                   </a:moveTo>
                   <a:lnTo>
-                    <a:pt x="10510597" y="0"/>
+                    <a:pt x="10920518" y="0"/>
                   </a:lnTo>
                   <a:lnTo>
-                    <a:pt x="10510597" y="0"/>
+                    <a:pt x="10920518" y="0"/>
                   </a:lnTo>
                 </a:path>
               </a:pathLst>
@@ -4100,21 +4068,21 @@
           </p:nvSpPr>
           <p:spPr>
             <a:xfrm>
-              <a:off x="959143" y="2489508"/>
-              <a:ext cx="10510597" cy="0"/>
+              <a:off x="793905" y="2626156"/>
+              <a:ext cx="10920518" cy="0"/>
             </a:xfrm>
             <a:custGeom>
               <a:avLst/>
               <a:pathLst>
-                <a:path w="10510597" h="0">
+                <a:path w="10920518" h="0">
                   <a:moveTo>
                     <a:pt x="0" y="0"/>
                   </a:moveTo>
                   <a:lnTo>
-                    <a:pt x="10510597" y="0"/>
+                    <a:pt x="10920518" y="0"/>
                   </a:lnTo>
                   <a:lnTo>
-                    <a:pt x="10510597" y="0"/>
+                    <a:pt x="10920518" y="0"/>
                   </a:lnTo>
                 </a:path>
               </a:pathLst>
@@ -4143,21 +4111,21 @@
           </p:nvSpPr>
           <p:spPr>
             <a:xfrm>
-              <a:off x="959143" y="1600493"/>
-              <a:ext cx="10510597" cy="0"/>
+              <a:off x="793905" y="1888812"/>
+              <a:ext cx="10920518" cy="0"/>
             </a:xfrm>
             <a:custGeom>
               <a:avLst/>
               <a:pathLst>
-                <a:path w="10510597" h="0">
+                <a:path w="10920518" h="0">
                   <a:moveTo>
                     <a:pt x="0" y="0"/>
                   </a:moveTo>
                   <a:lnTo>
-                    <a:pt x="10510597" y="0"/>
+                    <a:pt x="10920518" y="0"/>
                   </a:lnTo>
                   <a:lnTo>
-                    <a:pt x="10510597" y="0"/>
+                    <a:pt x="10920518" y="0"/>
                   </a:lnTo>
                 </a:path>
               </a:pathLst>
@@ -4186,15 +4154,15 @@
           </p:nvSpPr>
           <p:spPr>
             <a:xfrm>
-              <a:off x="2626702" y="1587158"/>
-              <a:ext cx="0" cy="4596207"/>
+              <a:off x="2526500" y="1877752"/>
+              <a:ext cx="0" cy="3812069"/>
             </a:xfrm>
             <a:custGeom>
               <a:avLst/>
               <a:pathLst>
-                <a:path w="0" h="4596207">
+                <a:path w="0" h="3812069">
                   <a:moveTo>
-                    <a:pt x="0" y="4596207"/>
+                    <a:pt x="0" y="3812069"/>
                   </a:moveTo>
                   <a:lnTo>
                     <a:pt x="0" y="0"/>
@@ -4229,15 +4197,15 @@
           </p:nvSpPr>
           <p:spPr>
             <a:xfrm>
-              <a:off x="5069834" y="1587158"/>
-              <a:ext cx="0" cy="4596207"/>
+              <a:off x="5064916" y="1877752"/>
+              <a:ext cx="0" cy="3812069"/>
             </a:xfrm>
             <a:custGeom>
               <a:avLst/>
               <a:pathLst>
-                <a:path w="0" h="4596207">
+                <a:path w="0" h="3812069">
                   <a:moveTo>
-                    <a:pt x="0" y="4596207"/>
+                    <a:pt x="0" y="3812069"/>
                   </a:moveTo>
                   <a:lnTo>
                     <a:pt x="0" y="0"/>
@@ -4272,15 +4240,15 @@
           </p:nvSpPr>
           <p:spPr>
             <a:xfrm>
-              <a:off x="7512966" y="1587158"/>
-              <a:ext cx="0" cy="4596207"/>
+              <a:off x="7603332" y="1877752"/>
+              <a:ext cx="0" cy="3812069"/>
             </a:xfrm>
             <a:custGeom>
               <a:avLst/>
               <a:pathLst>
-                <a:path w="0" h="4596207">
+                <a:path w="0" h="3812069">
                   <a:moveTo>
-                    <a:pt x="0" y="4596207"/>
+                    <a:pt x="0" y="3812069"/>
                   </a:moveTo>
                   <a:lnTo>
                     <a:pt x="0" y="0"/>
@@ -4315,15 +4283,15 @@
           </p:nvSpPr>
           <p:spPr>
             <a:xfrm>
-              <a:off x="9956098" y="1587158"/>
-              <a:ext cx="0" cy="4596207"/>
+              <a:off x="10141748" y="1877752"/>
+              <a:ext cx="0" cy="3812069"/>
             </a:xfrm>
             <a:custGeom>
               <a:avLst/>
               <a:pathLst>
-                <a:path w="0" h="4596207">
+                <a:path w="0" h="3812069">
                   <a:moveTo>
-                    <a:pt x="0" y="4596207"/>
+                    <a:pt x="0" y="3812069"/>
                   </a:moveTo>
                   <a:lnTo>
                     <a:pt x="0" y="0"/>
@@ -4358,7 +4326,7 @@
           </p:nvSpPr>
           <p:spPr>
             <a:xfrm>
-              <a:off x="4108369" y="4056660"/>
+              <a:off x="4067243" y="3920301"/>
               <a:ext cx="66150" cy="66150"/>
             </a:xfrm>
             <a:prstGeom prst="ellipse">
@@ -4393,7 +4361,7 @@
           </p:nvSpPr>
           <p:spPr>
             <a:xfrm>
-              <a:off x="4731368" y="4056660"/>
+              <a:off x="4714539" y="3920301"/>
               <a:ext cx="66150" cy="66150"/>
             </a:xfrm>
             <a:prstGeom prst="ellipse">
@@ -4428,7 +4396,7 @@
           </p:nvSpPr>
           <p:spPr>
             <a:xfrm>
-              <a:off x="3375429" y="3736615"/>
+              <a:off x="3305718" y="3654857"/>
               <a:ext cx="66150" cy="66150"/>
             </a:xfrm>
             <a:prstGeom prst="ellipse">
@@ -4463,7 +4431,7 @@
           </p:nvSpPr>
           <p:spPr>
             <a:xfrm>
-              <a:off x="5562033" y="3985539"/>
+              <a:off x="5577601" y="3861313"/>
               <a:ext cx="66150" cy="66150"/>
             </a:xfrm>
             <a:prstGeom prst="ellipse">
@@ -4498,7 +4466,7 @@
           </p:nvSpPr>
           <p:spPr>
             <a:xfrm>
-              <a:off x="6111737" y="4465607"/>
+              <a:off x="6148744" y="4259479"/>
               <a:ext cx="66150" cy="66150"/>
             </a:xfrm>
             <a:prstGeom prst="ellipse">
@@ -4533,7 +4501,7 @@
           </p:nvSpPr>
           <p:spPr>
             <a:xfrm>
-              <a:off x="6160600" y="4572289"/>
+              <a:off x="6199512" y="4347960"/>
               <a:ext cx="66150" cy="66150"/>
             </a:xfrm>
             <a:prstGeom prst="ellipse">
@@ -4568,7 +4536,7 @@
           </p:nvSpPr>
           <p:spPr>
             <a:xfrm>
-              <a:off x="6429344" y="5247940"/>
+              <a:off x="6478738" y="4908342"/>
               <a:ext cx="66150" cy="66150"/>
             </a:xfrm>
             <a:prstGeom prst="ellipse">
@@ -4603,7 +4571,7 @@
           </p:nvSpPr>
           <p:spPr>
             <a:xfrm>
-              <a:off x="5500954" y="3452130"/>
+              <a:off x="5514140" y="3418907"/>
               <a:ext cx="66150" cy="66150"/>
             </a:xfrm>
             <a:prstGeom prst="ellipse">
@@ -4638,7 +4606,7 @@
           </p:nvSpPr>
           <p:spPr>
             <a:xfrm>
-              <a:off x="5403229" y="3736615"/>
+              <a:off x="5412604" y="3654857"/>
               <a:ext cx="66150" cy="66150"/>
             </a:xfrm>
             <a:prstGeom prst="ellipse">
@@ -4673,7 +4641,7 @@
           </p:nvSpPr>
           <p:spPr>
             <a:xfrm>
-              <a:off x="6111737" y="4376705"/>
+              <a:off x="6148744" y="4185745"/>
               <a:ext cx="66150" cy="66150"/>
             </a:xfrm>
             <a:prstGeom prst="ellipse">
@@ -4708,7 +4676,7 @@
           </p:nvSpPr>
           <p:spPr>
             <a:xfrm>
-              <a:off x="6111737" y="4625630"/>
+              <a:off x="6148744" y="4392201"/>
               <a:ext cx="66150" cy="66150"/>
             </a:xfrm>
             <a:prstGeom prst="ellipse">
@@ -4743,7 +4711,7 @@
           </p:nvSpPr>
           <p:spPr>
             <a:xfrm>
-              <a:off x="7650910" y="4874554"/>
+              <a:off x="7747946" y="4598657"/>
               <a:ext cx="66150" cy="66150"/>
             </a:xfrm>
             <a:prstGeom prst="ellipse">
@@ -4778,7 +4746,7 @@
           </p:nvSpPr>
           <p:spPr>
             <a:xfrm>
-              <a:off x="6820246" y="4714531"/>
+              <a:off x="6884885" y="4465935"/>
               <a:ext cx="66150" cy="66150"/>
             </a:xfrm>
             <a:prstGeom prst="ellipse">
@@ -4813,7 +4781,7 @@
           </p:nvSpPr>
           <p:spPr>
             <a:xfrm>
-              <a:off x="6942402" y="5087917"/>
+              <a:off x="7011806" y="4775620"/>
               <a:ext cx="66150" cy="66150"/>
             </a:xfrm>
             <a:prstGeom prst="ellipse">
@@ -4848,7 +4816,7 @@
           </p:nvSpPr>
           <p:spPr>
             <a:xfrm>
-              <a:off x="10533806" y="5941372"/>
+              <a:off x="10743277" y="5483471"/>
               <a:ext cx="66150" cy="66150"/>
             </a:xfrm>
             <a:prstGeom prst="ellipse">
@@ -4883,7 +4851,7 @@
           </p:nvSpPr>
           <p:spPr>
             <a:xfrm>
-              <a:off x="10958911" y="5941372"/>
+              <a:off x="11184961" y="5483471"/>
               <a:ext cx="66150" cy="66150"/>
             </a:xfrm>
             <a:prstGeom prst="ellipse">
@@ -4918,7 +4886,7 @@
           </p:nvSpPr>
           <p:spPr>
             <a:xfrm>
-              <a:off x="10765904" y="5176819"/>
+              <a:off x="10984426" y="4849354"/>
               <a:ext cx="66150" cy="66150"/>
             </a:xfrm>
             <a:prstGeom prst="ellipse">
@@ -4953,7 +4921,7 @@
           </p:nvSpPr>
           <p:spPr>
             <a:xfrm>
-              <a:off x="3082254" y="2029706"/>
+              <a:off x="3001108" y="2239156"/>
               <a:ext cx="66150" cy="66150"/>
             </a:xfrm>
             <a:prstGeom prst="ellipse">
@@ -4988,7 +4956,7 @@
           </p:nvSpPr>
           <p:spPr>
             <a:xfrm>
-              <a:off x="1653021" y="2385312"/>
+              <a:off x="1516135" y="2534093"/>
               <a:ext cx="66150" cy="66150"/>
             </a:xfrm>
             <a:prstGeom prst="ellipse">
@@ -5023,7 +4991,7 @@
           </p:nvSpPr>
           <p:spPr>
             <a:xfrm>
-              <a:off x="2190510" y="1763001"/>
+              <a:off x="2074587" y="2017952"/>
               <a:ext cx="66150" cy="66150"/>
             </a:xfrm>
             <a:prstGeom prst="ellipse">
@@ -5058,7 +5026,7 @@
           </p:nvSpPr>
           <p:spPr>
             <a:xfrm>
-              <a:off x="3729684" y="3967758"/>
+              <a:off x="3673789" y="3846566"/>
               <a:ext cx="66150" cy="66150"/>
             </a:xfrm>
             <a:prstGeom prst="ellipse">
@@ -5093,7 +5061,7 @@
           </p:nvSpPr>
           <p:spPr>
             <a:xfrm>
-              <a:off x="6307188" y="5034577"/>
+              <a:off x="6351817" y="4731379"/>
               <a:ext cx="66150" cy="66150"/>
             </a:xfrm>
             <a:prstGeom prst="ellipse">
@@ -5128,7 +5096,7 @@
           </p:nvSpPr>
           <p:spPr>
             <a:xfrm>
-              <a:off x="6099522" y="5087917"/>
+              <a:off x="6136052" y="4775620"/>
               <a:ext cx="66150" cy="66150"/>
             </a:xfrm>
             <a:prstGeom prst="ellipse">
@@ -5163,7 +5131,7 @@
           </p:nvSpPr>
           <p:spPr>
             <a:xfrm>
-              <a:off x="7088990" y="5425743"/>
+              <a:off x="7164110" y="5055811"/>
               <a:ext cx="66150" cy="66150"/>
             </a:xfrm>
             <a:prstGeom prst="ellipse">
@@ -5198,7 +5166,7 @@
           </p:nvSpPr>
           <p:spPr>
             <a:xfrm>
-              <a:off x="7101206" y="4376705"/>
+              <a:off x="7176803" y="4185745"/>
               <a:ext cx="66150" cy="66150"/>
             </a:xfrm>
             <a:prstGeom prst="ellipse">
@@ -5233,7 +5201,7 @@
           </p:nvSpPr>
           <p:spPr>
             <a:xfrm>
-              <a:off x="2434824" y="2936501"/>
+              <a:off x="2328428" y="2991247"/>
               <a:ext cx="66150" cy="66150"/>
             </a:xfrm>
             <a:prstGeom prst="ellipse">
@@ -5268,7 +5236,7 @@
           </p:nvSpPr>
           <p:spPr>
             <a:xfrm>
-              <a:off x="2935666" y="3167645"/>
+              <a:off x="2848804" y="3182956"/>
               <a:ext cx="66150" cy="66150"/>
             </a:xfrm>
             <a:prstGeom prst="ellipse">
@@ -5303,7 +5271,7 @@
           </p:nvSpPr>
           <p:spPr>
             <a:xfrm>
-              <a:off x="1403822" y="2385312"/>
+              <a:off x="1257217" y="2534093"/>
               <a:ext cx="66150" cy="66150"/>
             </a:xfrm>
             <a:prstGeom prst="ellipse">
@@ -5338,7 +5306,7 @@
           </p:nvSpPr>
           <p:spPr>
             <a:xfrm>
-              <a:off x="5452092" y="4981236"/>
+              <a:off x="5463372" y="4687139"/>
               <a:ext cx="66150" cy="66150"/>
             </a:xfrm>
             <a:prstGeom prst="ellipse">
@@ -5373,7 +5341,7 @@
           </p:nvSpPr>
           <p:spPr>
             <a:xfrm>
-              <a:off x="4474839" y="4287804"/>
+              <a:off x="4448006" y="4112010"/>
               <a:ext cx="66150" cy="66150"/>
             </a:xfrm>
             <a:prstGeom prst="ellipse">
@@ -5408,7 +5376,7 @@
           </p:nvSpPr>
           <p:spPr>
             <a:xfrm>
-              <a:off x="6429344" y="5123478"/>
+              <a:off x="6478738" y="4805114"/>
               <a:ext cx="66150" cy="66150"/>
             </a:xfrm>
             <a:prstGeom prst="ellipse">
@@ -5443,7 +5411,7 @@
           </p:nvSpPr>
           <p:spPr>
             <a:xfrm>
-              <a:off x="4499270" y="3985539"/>
+              <a:off x="4473390" y="3861313"/>
               <a:ext cx="66150" cy="66150"/>
             </a:xfrm>
             <a:prstGeom prst="ellipse">
@@ -5478,7 +5446,7 @@
           </p:nvSpPr>
           <p:spPr>
             <a:xfrm>
-              <a:off x="772201" y="6005377"/>
+              <a:off x="606963" y="5535342"/>
               <a:ext cx="124311" cy="80272"/>
             </a:xfrm>
             <a:prstGeom prst="rect">
@@ -5524,7 +5492,7 @@
           </p:nvSpPr>
           <p:spPr>
             <a:xfrm>
-              <a:off x="772201" y="5116853"/>
+              <a:off x="606963" y="4798489"/>
               <a:ext cx="124311" cy="79781"/>
             </a:xfrm>
             <a:prstGeom prst="rect">
@@ -5570,7 +5538,7 @@
           </p:nvSpPr>
           <p:spPr>
             <a:xfrm>
-              <a:off x="772201" y="4227074"/>
+              <a:off x="606963" y="4060381"/>
               <a:ext cx="124311" cy="80545"/>
             </a:xfrm>
             <a:prstGeom prst="rect">
@@ -5616,7 +5584,7 @@
           </p:nvSpPr>
           <p:spPr>
             <a:xfrm>
-              <a:off x="772201" y="3338223"/>
+              <a:off x="606963" y="3323200"/>
               <a:ext cx="124311" cy="80382"/>
             </a:xfrm>
             <a:prstGeom prst="rect">
@@ -5662,7 +5630,7 @@
           </p:nvSpPr>
           <p:spPr>
             <a:xfrm>
-              <a:off x="772201" y="2449208"/>
+              <a:off x="606963" y="2585856"/>
               <a:ext cx="124311" cy="80382"/>
             </a:xfrm>
             <a:prstGeom prst="rect">
@@ -5708,7 +5676,7 @@
           </p:nvSpPr>
           <p:spPr>
             <a:xfrm>
-              <a:off x="772201" y="1560193"/>
+              <a:off x="606963" y="1848512"/>
               <a:ext cx="124311" cy="80382"/>
             </a:xfrm>
             <a:prstGeom prst="rect">
@@ -5754,7 +5722,7 @@
           </p:nvSpPr>
           <p:spPr>
             <a:xfrm>
-              <a:off x="924348" y="6045568"/>
+              <a:off x="759110" y="5575533"/>
               <a:ext cx="34794" cy="0"/>
             </a:xfrm>
             <a:custGeom>
@@ -5794,7 +5762,7 @@
           </p:nvSpPr>
           <p:spPr>
             <a:xfrm>
-              <a:off x="924348" y="5156553"/>
+              <a:off x="759110" y="4838189"/>
               <a:ext cx="34794" cy="0"/>
             </a:xfrm>
             <a:custGeom>
@@ -5834,7 +5802,7 @@
           </p:nvSpPr>
           <p:spPr>
             <a:xfrm>
-              <a:off x="924348" y="4267538"/>
+              <a:off x="759110" y="4100845"/>
               <a:ext cx="34794" cy="0"/>
             </a:xfrm>
             <a:custGeom>
@@ -5874,7 +5842,7 @@
           </p:nvSpPr>
           <p:spPr>
             <a:xfrm>
-              <a:off x="924348" y="3378523"/>
+              <a:off x="759110" y="3363500"/>
               <a:ext cx="34794" cy="0"/>
             </a:xfrm>
             <a:custGeom>
@@ -5914,7 +5882,7 @@
           </p:nvSpPr>
           <p:spPr>
             <a:xfrm>
-              <a:off x="924348" y="2489508"/>
+              <a:off x="759110" y="2626156"/>
               <a:ext cx="34794" cy="0"/>
             </a:xfrm>
             <a:custGeom>
@@ -5954,7 +5922,7 @@
           </p:nvSpPr>
           <p:spPr>
             <a:xfrm>
-              <a:off x="924348" y="1600493"/>
+              <a:off x="759110" y="1888812"/>
               <a:ext cx="34794" cy="0"/>
             </a:xfrm>
             <a:custGeom>
@@ -5994,7 +5962,7 @@
           </p:nvSpPr>
           <p:spPr>
             <a:xfrm>
-              <a:off x="2626702" y="6183365"/>
+              <a:off x="2526500" y="5689821"/>
               <a:ext cx="0" cy="34794"/>
             </a:xfrm>
             <a:custGeom>
@@ -6034,7 +6002,7 @@
           </p:nvSpPr>
           <p:spPr>
             <a:xfrm>
-              <a:off x="5069834" y="6183365"/>
+              <a:off x="5064916" y="5689821"/>
               <a:ext cx="0" cy="34794"/>
             </a:xfrm>
             <a:custGeom>
@@ -6074,7 +6042,7 @@
           </p:nvSpPr>
           <p:spPr>
             <a:xfrm>
-              <a:off x="7512966" y="6183365"/>
+              <a:off x="7603332" y="5689821"/>
               <a:ext cx="0" cy="34794"/>
             </a:xfrm>
             <a:custGeom>
@@ -6114,7 +6082,7 @@
           </p:nvSpPr>
           <p:spPr>
             <a:xfrm>
-              <a:off x="9956098" y="6183365"/>
+              <a:off x="10141748" y="5689821"/>
               <a:ext cx="0" cy="34794"/>
             </a:xfrm>
             <a:custGeom>
@@ -6154,7 +6122,7 @@
           </p:nvSpPr>
           <p:spPr>
             <a:xfrm>
-              <a:off x="2595624" y="6247742"/>
+              <a:off x="2495423" y="5754198"/>
               <a:ext cx="62155" cy="78417"/>
             </a:xfrm>
             <a:prstGeom prst="rect">
@@ -6200,7 +6168,7 @@
           </p:nvSpPr>
           <p:spPr>
             <a:xfrm>
-              <a:off x="5038756" y="6245777"/>
+              <a:off x="5033838" y="5752233"/>
               <a:ext cx="62155" cy="80382"/>
             </a:xfrm>
             <a:prstGeom prst="rect">
@@ -6246,7 +6214,7 @@
           </p:nvSpPr>
           <p:spPr>
             <a:xfrm>
-              <a:off x="7481888" y="6247796"/>
+              <a:off x="7572254" y="5754252"/>
               <a:ext cx="62155" cy="78362"/>
             </a:xfrm>
             <a:prstGeom prst="rect">
@@ -6292,7 +6260,7 @@
           </p:nvSpPr>
           <p:spPr>
             <a:xfrm>
-              <a:off x="9925020" y="6247360"/>
+              <a:off x="10110670" y="5753816"/>
               <a:ext cx="62155" cy="78799"/>
             </a:xfrm>
             <a:prstGeom prst="rect">
@@ -6338,7 +6306,7 @@
           </p:nvSpPr>
           <p:spPr>
             <a:xfrm>
-              <a:off x="6144592" y="6391268"/>
+              <a:off x="6184314" y="5897724"/>
               <a:ext cx="139700" cy="94611"/>
             </a:xfrm>
             <a:prstGeom prst="rect">
@@ -6384,7 +6352,7 @@
           </p:nvSpPr>
           <p:spPr>
             <a:xfrm rot="-5400000">
-              <a:off x="517761" y="3832397"/>
+              <a:off x="352523" y="3730922"/>
               <a:ext cx="271760" cy="105729"/>
             </a:xfrm>
             <a:prstGeom prst="rect">
@@ -6462,8 +6430,8 @@
         </p:nvSpPr>
         <p:spPr>
           <a:xfrm>
-            <a:off x="371474" y="6586456"/>
-            <a:ext cx="11412539" cy="228206"/>
+            <a:off x="371475" y="6239781"/>
+            <a:ext cx="10662320" cy="455613"/>
           </a:xfrm>
         </p:spPr>
         <p:txBody>

--- a/tests/testthat/temp.pptx
+++ b/tests/testthat/temp.pptx
@@ -509,7 +509,7 @@
             <a:r>
               <a:rPr/>
               <a:t>
-Powerpoint file location: /Users/mbbowes/Documents/GitHub/grattantheme/tests/testthat/temp.pptx</a:t>
+Powerpoint file location: C:\Users\parkinsonn\Documents\grattantheme\tests\testthat\temp.pptx</a:t>
             </a:r>
           </a:p>
         </p:txBody>
@@ -3440,8 +3440,8 @@
           </p:nvSpPr>
           <p:spPr>
             <a:xfrm>
-              <a:off x="793905" y="1877752"/>
-              <a:ext cx="10920518" cy="3812069"/>
+              <a:off x="792199" y="1877752"/>
+              <a:ext cx="10922224" cy="3815139"/>
             </a:xfrm>
             <a:prstGeom prst="rect">
               <a:avLst/>
@@ -3466,21 +3466,21 @@
           </p:nvSpPr>
           <p:spPr>
             <a:xfrm>
-              <a:off x="793905" y="5206861"/>
-              <a:ext cx="10920518" cy="0"/>
+              <a:off x="792199" y="5209542"/>
+              <a:ext cx="10922224" cy="0"/>
             </a:xfrm>
             <a:custGeom>
               <a:avLst/>
               <a:pathLst>
-                <a:path w="10920518" h="0">
+                <a:path w="10922224" h="0">
                   <a:moveTo>
                     <a:pt x="0" y="0"/>
                   </a:moveTo>
                   <a:lnTo>
-                    <a:pt x="10920518" y="0"/>
+                    <a:pt x="10922224" y="0"/>
                   </a:lnTo>
                   <a:lnTo>
-                    <a:pt x="10920518" y="0"/>
+                    <a:pt x="10922224" y="0"/>
                   </a:lnTo>
                 </a:path>
               </a:pathLst>
@@ -3509,21 +3509,21 @@
           </p:nvSpPr>
           <p:spPr>
             <a:xfrm>
-              <a:off x="793905" y="4469517"/>
-              <a:ext cx="10920518" cy="0"/>
+              <a:off x="792199" y="4471604"/>
+              <a:ext cx="10922224" cy="0"/>
             </a:xfrm>
             <a:custGeom>
               <a:avLst/>
               <a:pathLst>
-                <a:path w="10920518" h="0">
+                <a:path w="10922224" h="0">
                   <a:moveTo>
                     <a:pt x="0" y="0"/>
                   </a:moveTo>
                   <a:lnTo>
-                    <a:pt x="10920518" y="0"/>
+                    <a:pt x="10922224" y="0"/>
                   </a:lnTo>
                   <a:lnTo>
-                    <a:pt x="10920518" y="0"/>
+                    <a:pt x="10922224" y="0"/>
                   </a:lnTo>
                 </a:path>
               </a:pathLst>
@@ -3552,21 +3552,21 @@
           </p:nvSpPr>
           <p:spPr>
             <a:xfrm>
-              <a:off x="793905" y="3732172"/>
-              <a:ext cx="10920518" cy="0"/>
+              <a:off x="792199" y="3733666"/>
+              <a:ext cx="10922224" cy="0"/>
             </a:xfrm>
             <a:custGeom>
               <a:avLst/>
               <a:pathLst>
-                <a:path w="10920518" h="0">
+                <a:path w="10922224" h="0">
                   <a:moveTo>
                     <a:pt x="0" y="0"/>
                   </a:moveTo>
                   <a:lnTo>
-                    <a:pt x="10920518" y="0"/>
+                    <a:pt x="10922224" y="0"/>
                   </a:lnTo>
                   <a:lnTo>
-                    <a:pt x="10920518" y="0"/>
+                    <a:pt x="10922224" y="0"/>
                   </a:lnTo>
                 </a:path>
               </a:pathLst>
@@ -3595,21 +3595,21 @@
           </p:nvSpPr>
           <p:spPr>
             <a:xfrm>
-              <a:off x="793905" y="2994828"/>
-              <a:ext cx="10920518" cy="0"/>
+              <a:off x="792199" y="2995728"/>
+              <a:ext cx="10922224" cy="0"/>
             </a:xfrm>
             <a:custGeom>
               <a:avLst/>
               <a:pathLst>
-                <a:path w="10920518" h="0">
+                <a:path w="10922224" h="0">
                   <a:moveTo>
                     <a:pt x="0" y="0"/>
                   </a:moveTo>
                   <a:lnTo>
-                    <a:pt x="10920518" y="0"/>
+                    <a:pt x="10922224" y="0"/>
                   </a:lnTo>
                   <a:lnTo>
-                    <a:pt x="10920518" y="0"/>
+                    <a:pt x="10922224" y="0"/>
                   </a:lnTo>
                 </a:path>
               </a:pathLst>
@@ -3638,21 +3638,21 @@
           </p:nvSpPr>
           <p:spPr>
             <a:xfrm>
-              <a:off x="793905" y="2257484"/>
-              <a:ext cx="10920518" cy="0"/>
+              <a:off x="792199" y="2257790"/>
+              <a:ext cx="10922224" cy="0"/>
             </a:xfrm>
             <a:custGeom>
               <a:avLst/>
               <a:pathLst>
-                <a:path w="10920518" h="0">
+                <a:path w="10922224" h="0">
                   <a:moveTo>
                     <a:pt x="0" y="0"/>
                   </a:moveTo>
                   <a:lnTo>
-                    <a:pt x="10920518" y="0"/>
+                    <a:pt x="10922224" y="0"/>
                   </a:lnTo>
                   <a:lnTo>
-                    <a:pt x="10920518" y="0"/>
+                    <a:pt x="10922224" y="0"/>
                   </a:lnTo>
                 </a:path>
               </a:pathLst>
@@ -3681,15 +3681,15 @@
           </p:nvSpPr>
           <p:spPr>
             <a:xfrm>
-              <a:off x="1257292" y="1877752"/>
-              <a:ext cx="0" cy="3812069"/>
+              <a:off x="1255659" y="1877752"/>
+              <a:ext cx="0" cy="3815139"/>
             </a:xfrm>
             <a:custGeom>
               <a:avLst/>
               <a:pathLst>
-                <a:path w="0" h="3812069">
+                <a:path w="0" h="3815139">
                   <a:moveTo>
-                    <a:pt x="0" y="3812069"/>
+                    <a:pt x="0" y="3815139"/>
                   </a:moveTo>
                   <a:lnTo>
                     <a:pt x="0" y="0"/>
@@ -3724,15 +3724,15 @@
           </p:nvSpPr>
           <p:spPr>
             <a:xfrm>
-              <a:off x="3795708" y="1877752"/>
-              <a:ext cx="0" cy="3812069"/>
+              <a:off x="3794472" y="1877752"/>
+              <a:ext cx="0" cy="3815139"/>
             </a:xfrm>
             <a:custGeom>
               <a:avLst/>
               <a:pathLst>
-                <a:path w="0" h="3812069">
+                <a:path w="0" h="3815139">
                   <a:moveTo>
-                    <a:pt x="0" y="3812069"/>
+                    <a:pt x="0" y="3815139"/>
                   </a:moveTo>
                   <a:lnTo>
                     <a:pt x="0" y="0"/>
@@ -3767,15 +3767,15 @@
           </p:nvSpPr>
           <p:spPr>
             <a:xfrm>
-              <a:off x="6334124" y="1877752"/>
-              <a:ext cx="0" cy="3812069"/>
+              <a:off x="6333284" y="1877752"/>
+              <a:ext cx="0" cy="3815139"/>
             </a:xfrm>
             <a:custGeom>
               <a:avLst/>
               <a:pathLst>
-                <a:path w="0" h="3812069">
+                <a:path w="0" h="3815139">
                   <a:moveTo>
-                    <a:pt x="0" y="3812069"/>
+                    <a:pt x="0" y="3815139"/>
                   </a:moveTo>
                   <a:lnTo>
                     <a:pt x="0" y="0"/>
@@ -3810,15 +3810,15 @@
           </p:nvSpPr>
           <p:spPr>
             <a:xfrm>
-              <a:off x="8872540" y="1877752"/>
-              <a:ext cx="0" cy="3812069"/>
+              <a:off x="8872096" y="1877752"/>
+              <a:ext cx="0" cy="3815139"/>
             </a:xfrm>
             <a:custGeom>
               <a:avLst/>
               <a:pathLst>
-                <a:path w="0" h="3812069">
+                <a:path w="0" h="3815139">
                   <a:moveTo>
-                    <a:pt x="0" y="3812069"/>
+                    <a:pt x="0" y="3815139"/>
                   </a:moveTo>
                   <a:lnTo>
                     <a:pt x="0" y="0"/>
@@ -3853,15 +3853,15 @@
           </p:nvSpPr>
           <p:spPr>
             <a:xfrm>
-              <a:off x="11410956" y="1877752"/>
-              <a:ext cx="0" cy="3812069"/>
+              <a:off x="11410908" y="1877752"/>
+              <a:ext cx="0" cy="3815139"/>
             </a:xfrm>
             <a:custGeom>
               <a:avLst/>
               <a:pathLst>
-                <a:path w="0" h="3812069">
+                <a:path w="0" h="3815139">
                   <a:moveTo>
-                    <a:pt x="0" y="3812069"/>
+                    <a:pt x="0" y="3815139"/>
                   </a:moveTo>
                   <a:lnTo>
                     <a:pt x="0" y="0"/>
@@ -3896,21 +3896,21 @@
           </p:nvSpPr>
           <p:spPr>
             <a:xfrm>
-              <a:off x="793905" y="5575533"/>
-              <a:ext cx="10920518" cy="0"/>
+              <a:off x="792199" y="5578511"/>
+              <a:ext cx="10922224" cy="0"/>
             </a:xfrm>
             <a:custGeom>
               <a:avLst/>
               <a:pathLst>
-                <a:path w="10920518" h="0">
+                <a:path w="10922224" h="0">
                   <a:moveTo>
                     <a:pt x="0" y="0"/>
                   </a:moveTo>
                   <a:lnTo>
-                    <a:pt x="10920518" y="0"/>
+                    <a:pt x="10922224" y="0"/>
                   </a:lnTo>
                   <a:lnTo>
-                    <a:pt x="10920518" y="0"/>
+                    <a:pt x="10922224" y="0"/>
                   </a:lnTo>
                 </a:path>
               </a:pathLst>
@@ -3939,21 +3939,21 @@
           </p:nvSpPr>
           <p:spPr>
             <a:xfrm>
-              <a:off x="793905" y="4838189"/>
-              <a:ext cx="10920518" cy="0"/>
+              <a:off x="792199" y="4840573"/>
+              <a:ext cx="10922224" cy="0"/>
             </a:xfrm>
             <a:custGeom>
               <a:avLst/>
               <a:pathLst>
-                <a:path w="10920518" h="0">
+                <a:path w="10922224" h="0">
                   <a:moveTo>
                     <a:pt x="0" y="0"/>
                   </a:moveTo>
                   <a:lnTo>
-                    <a:pt x="10920518" y="0"/>
+                    <a:pt x="10922224" y="0"/>
                   </a:lnTo>
                   <a:lnTo>
-                    <a:pt x="10920518" y="0"/>
+                    <a:pt x="10922224" y="0"/>
                   </a:lnTo>
                 </a:path>
               </a:pathLst>
@@ -3982,21 +3982,21 @@
           </p:nvSpPr>
           <p:spPr>
             <a:xfrm>
-              <a:off x="793905" y="4100845"/>
-              <a:ext cx="10920518" cy="0"/>
+              <a:off x="792199" y="4102635"/>
+              <a:ext cx="10922224" cy="0"/>
             </a:xfrm>
             <a:custGeom>
               <a:avLst/>
               <a:pathLst>
-                <a:path w="10920518" h="0">
+                <a:path w="10922224" h="0">
                   <a:moveTo>
                     <a:pt x="0" y="0"/>
                   </a:moveTo>
                   <a:lnTo>
-                    <a:pt x="10920518" y="0"/>
+                    <a:pt x="10922224" y="0"/>
                   </a:lnTo>
                   <a:lnTo>
-                    <a:pt x="10920518" y="0"/>
+                    <a:pt x="10922224" y="0"/>
                   </a:lnTo>
                 </a:path>
               </a:pathLst>
@@ -4025,21 +4025,21 @@
           </p:nvSpPr>
           <p:spPr>
             <a:xfrm>
-              <a:off x="793905" y="3363500"/>
-              <a:ext cx="10920518" cy="0"/>
+              <a:off x="792199" y="3364697"/>
+              <a:ext cx="10922224" cy="0"/>
             </a:xfrm>
             <a:custGeom>
               <a:avLst/>
               <a:pathLst>
-                <a:path w="10920518" h="0">
+                <a:path w="10922224" h="0">
                   <a:moveTo>
                     <a:pt x="0" y="0"/>
                   </a:moveTo>
                   <a:lnTo>
-                    <a:pt x="10920518" y="0"/>
+                    <a:pt x="10922224" y="0"/>
                   </a:lnTo>
                   <a:lnTo>
-                    <a:pt x="10920518" y="0"/>
+                    <a:pt x="10922224" y="0"/>
                   </a:lnTo>
                 </a:path>
               </a:pathLst>
@@ -4068,21 +4068,21 @@
           </p:nvSpPr>
           <p:spPr>
             <a:xfrm>
-              <a:off x="793905" y="2626156"/>
-              <a:ext cx="10920518" cy="0"/>
+              <a:off x="792199" y="2626759"/>
+              <a:ext cx="10922224" cy="0"/>
             </a:xfrm>
             <a:custGeom>
               <a:avLst/>
               <a:pathLst>
-                <a:path w="10920518" h="0">
+                <a:path w="10922224" h="0">
                   <a:moveTo>
                     <a:pt x="0" y="0"/>
                   </a:moveTo>
                   <a:lnTo>
-                    <a:pt x="10920518" y="0"/>
+                    <a:pt x="10922224" y="0"/>
                   </a:lnTo>
                   <a:lnTo>
-                    <a:pt x="10920518" y="0"/>
+                    <a:pt x="10922224" y="0"/>
                   </a:lnTo>
                 </a:path>
               </a:pathLst>
@@ -4111,21 +4111,21 @@
           </p:nvSpPr>
           <p:spPr>
             <a:xfrm>
-              <a:off x="793905" y="1888812"/>
-              <a:ext cx="10920518" cy="0"/>
+              <a:off x="792199" y="1888821"/>
+              <a:ext cx="10922224" cy="0"/>
             </a:xfrm>
             <a:custGeom>
               <a:avLst/>
               <a:pathLst>
-                <a:path w="10920518" h="0">
+                <a:path w="10922224" h="0">
                   <a:moveTo>
                     <a:pt x="0" y="0"/>
                   </a:moveTo>
                   <a:lnTo>
-                    <a:pt x="10920518" y="0"/>
+                    <a:pt x="10922224" y="0"/>
                   </a:lnTo>
                   <a:lnTo>
-                    <a:pt x="10920518" y="0"/>
+                    <a:pt x="10922224" y="0"/>
                   </a:lnTo>
                 </a:path>
               </a:pathLst>
@@ -4154,15 +4154,15 @@
           </p:nvSpPr>
           <p:spPr>
             <a:xfrm>
-              <a:off x="2526500" y="1877752"/>
-              <a:ext cx="0" cy="3812069"/>
+              <a:off x="2525066" y="1877752"/>
+              <a:ext cx="0" cy="3815139"/>
             </a:xfrm>
             <a:custGeom>
               <a:avLst/>
               <a:pathLst>
-                <a:path w="0" h="3812069">
+                <a:path w="0" h="3815139">
                   <a:moveTo>
-                    <a:pt x="0" y="3812069"/>
+                    <a:pt x="0" y="3815139"/>
                   </a:moveTo>
                   <a:lnTo>
                     <a:pt x="0" y="0"/>
@@ -4197,15 +4197,15 @@
           </p:nvSpPr>
           <p:spPr>
             <a:xfrm>
-              <a:off x="5064916" y="1877752"/>
-              <a:ext cx="0" cy="3812069"/>
+              <a:off x="5063878" y="1877752"/>
+              <a:ext cx="0" cy="3815139"/>
             </a:xfrm>
             <a:custGeom>
               <a:avLst/>
               <a:pathLst>
-                <a:path w="0" h="3812069">
+                <a:path w="0" h="3815139">
                   <a:moveTo>
-                    <a:pt x="0" y="3812069"/>
+                    <a:pt x="0" y="3815139"/>
                   </a:moveTo>
                   <a:lnTo>
                     <a:pt x="0" y="0"/>
@@ -4240,15 +4240,15 @@
           </p:nvSpPr>
           <p:spPr>
             <a:xfrm>
-              <a:off x="7603332" y="1877752"/>
-              <a:ext cx="0" cy="3812069"/>
+              <a:off x="7602690" y="1877752"/>
+              <a:ext cx="0" cy="3815139"/>
             </a:xfrm>
             <a:custGeom>
               <a:avLst/>
               <a:pathLst>
-                <a:path w="0" h="3812069">
+                <a:path w="0" h="3815139">
                   <a:moveTo>
-                    <a:pt x="0" y="3812069"/>
+                    <a:pt x="0" y="3815139"/>
                   </a:moveTo>
                   <a:lnTo>
                     <a:pt x="0" y="0"/>
@@ -4283,15 +4283,15 @@
           </p:nvSpPr>
           <p:spPr>
             <a:xfrm>
-              <a:off x="10141748" y="1877752"/>
-              <a:ext cx="0" cy="3812069"/>
+              <a:off x="10141502" y="1877752"/>
+              <a:ext cx="0" cy="3815139"/>
             </a:xfrm>
             <a:custGeom>
               <a:avLst/>
               <a:pathLst>
-                <a:path w="0" h="3812069">
+                <a:path w="0" h="3815139">
                   <a:moveTo>
-                    <a:pt x="0" y="3812069"/>
+                    <a:pt x="0" y="3815139"/>
                   </a:moveTo>
                   <a:lnTo>
                     <a:pt x="0" y="0"/>
@@ -4326,7 +4326,7 @@
           </p:nvSpPr>
           <p:spPr>
             <a:xfrm>
-              <a:off x="4067243" y="3920301"/>
+              <a:off x="4066054" y="3921972"/>
               <a:ext cx="66150" cy="66150"/>
             </a:xfrm>
             <a:prstGeom prst="ellipse">
@@ -4361,7 +4361,7 @@
           </p:nvSpPr>
           <p:spPr>
             <a:xfrm>
-              <a:off x="4714539" y="3920301"/>
+              <a:off x="4713451" y="3921972"/>
               <a:ext cx="66150" cy="66150"/>
             </a:xfrm>
             <a:prstGeom prst="ellipse">
@@ -4396,7 +4396,7 @@
           </p:nvSpPr>
           <p:spPr>
             <a:xfrm>
-              <a:off x="3305718" y="3654857"/>
+              <a:off x="3304410" y="3656314"/>
               <a:ext cx="66150" cy="66150"/>
             </a:xfrm>
             <a:prstGeom prst="ellipse">
@@ -4431,7 +4431,7 @@
           </p:nvSpPr>
           <p:spPr>
             <a:xfrm>
-              <a:off x="5577601" y="3861313"/>
+              <a:off x="5576647" y="3862937"/>
               <a:ext cx="66150" cy="66150"/>
             </a:xfrm>
             <a:prstGeom prst="ellipse">
@@ -4466,7 +4466,7 @@
           </p:nvSpPr>
           <p:spPr>
             <a:xfrm>
-              <a:off x="6148744" y="4259479"/>
+              <a:off x="6147880" y="4261424"/>
               <a:ext cx="66150" cy="66150"/>
             </a:xfrm>
             <a:prstGeom prst="ellipse">
@@ -4501,7 +4501,7 @@
           </p:nvSpPr>
           <p:spPr>
             <a:xfrm>
-              <a:off x="6199512" y="4347960"/>
+              <a:off x="6198656" y="4349976"/>
               <a:ext cx="66150" cy="66150"/>
             </a:xfrm>
             <a:prstGeom prst="ellipse">
@@ -4536,7 +4536,7 @@
           </p:nvSpPr>
           <p:spPr>
             <a:xfrm>
-              <a:off x="6478738" y="4908342"/>
+              <a:off x="6477926" y="4910809"/>
               <a:ext cx="66150" cy="66150"/>
             </a:xfrm>
             <a:prstGeom prst="ellipse">
@@ -4571,7 +4571,7 @@
           </p:nvSpPr>
           <p:spPr>
             <a:xfrm>
-              <a:off x="5514140" y="3418907"/>
+              <a:off x="5513177" y="3420174"/>
               <a:ext cx="66150" cy="66150"/>
             </a:xfrm>
             <a:prstGeom prst="ellipse">
@@ -4606,7 +4606,7 @@
           </p:nvSpPr>
           <p:spPr>
             <a:xfrm>
-              <a:off x="5412604" y="3654857"/>
+              <a:off x="5411625" y="3656314"/>
               <a:ext cx="66150" cy="66150"/>
             </a:xfrm>
             <a:prstGeom prst="ellipse">
@@ -4641,7 +4641,7 @@
           </p:nvSpPr>
           <p:spPr>
             <a:xfrm>
-              <a:off x="6148744" y="4185745"/>
+              <a:off x="6147880" y="4187630"/>
               <a:ext cx="66150" cy="66150"/>
             </a:xfrm>
             <a:prstGeom prst="ellipse">
@@ -4676,7 +4676,7 @@
           </p:nvSpPr>
           <p:spPr>
             <a:xfrm>
-              <a:off x="6148744" y="4392201"/>
+              <a:off x="6147880" y="4394252"/>
               <a:ext cx="66150" cy="66150"/>
             </a:xfrm>
             <a:prstGeom prst="ellipse">
@@ -4711,7 +4711,7 @@
           </p:nvSpPr>
           <p:spPr>
             <a:xfrm>
-              <a:off x="7747946" y="4598657"/>
+              <a:off x="7747332" y="4600875"/>
               <a:ext cx="66150" cy="66150"/>
             </a:xfrm>
             <a:prstGeom prst="ellipse">
@@ -4746,7 +4746,7 @@
           </p:nvSpPr>
           <p:spPr>
             <a:xfrm>
-              <a:off x="6884885" y="4465935"/>
+              <a:off x="6884136" y="4468046"/>
               <a:ext cx="66150" cy="66150"/>
             </a:xfrm>
             <a:prstGeom prst="ellipse">
@@ -4781,7 +4781,7 @@
           </p:nvSpPr>
           <p:spPr>
             <a:xfrm>
-              <a:off x="7011806" y="4775620"/>
+              <a:off x="7011076" y="4777980"/>
               <a:ext cx="66150" cy="66150"/>
             </a:xfrm>
             <a:prstGeom prst="ellipse">
@@ -4816,7 +4816,7 @@
           </p:nvSpPr>
           <p:spPr>
             <a:xfrm>
-              <a:off x="10743277" y="5483471"/>
+              <a:off x="10743130" y="5486401"/>
               <a:ext cx="66150" cy="66150"/>
             </a:xfrm>
             <a:prstGeom prst="ellipse">
@@ -4851,7 +4851,7 @@
           </p:nvSpPr>
           <p:spPr>
             <a:xfrm>
-              <a:off x="11184961" y="5483471"/>
+              <a:off x="11184884" y="5486401"/>
               <a:ext cx="66150" cy="66150"/>
             </a:xfrm>
             <a:prstGeom prst="ellipse">
@@ -4886,7 +4886,7 @@
           </p:nvSpPr>
           <p:spPr>
             <a:xfrm>
-              <a:off x="10984426" y="4849354"/>
+              <a:off x="10984318" y="4851774"/>
               <a:ext cx="66150" cy="66150"/>
             </a:xfrm>
             <a:prstGeom prst="ellipse">
@@ -4921,7 +4921,7 @@
           </p:nvSpPr>
           <p:spPr>
             <a:xfrm>
-              <a:off x="3001108" y="2239156"/>
+              <a:off x="2999753" y="2239473"/>
               <a:ext cx="66150" cy="66150"/>
             </a:xfrm>
             <a:prstGeom prst="ellipse">
@@ -4956,7 +4956,7 @@
           </p:nvSpPr>
           <p:spPr>
             <a:xfrm>
-              <a:off x="1516135" y="2534093"/>
+              <a:off x="1514548" y="2534649"/>
               <a:ext cx="66150" cy="66150"/>
             </a:xfrm>
             <a:prstGeom prst="ellipse">
@@ -4991,7 +4991,7 @@
           </p:nvSpPr>
           <p:spPr>
             <a:xfrm>
-              <a:off x="2074587" y="2017952"/>
+              <a:off x="2073087" y="2018092"/>
               <a:ext cx="66150" cy="66150"/>
             </a:xfrm>
             <a:prstGeom prst="ellipse">
@@ -5026,7 +5026,7 @@
           </p:nvSpPr>
           <p:spPr>
             <a:xfrm>
-              <a:off x="3673789" y="3846566"/>
+              <a:off x="3672538" y="3848178"/>
               <a:ext cx="66150" cy="66150"/>
             </a:xfrm>
             <a:prstGeom prst="ellipse">
@@ -5061,7 +5061,7 @@
           </p:nvSpPr>
           <p:spPr>
             <a:xfrm>
-              <a:off x="6351817" y="4731379"/>
+              <a:off x="6350985" y="4733704"/>
               <a:ext cx="66150" cy="66150"/>
             </a:xfrm>
             <a:prstGeom prst="ellipse">
@@ -5096,7 +5096,7 @@
           </p:nvSpPr>
           <p:spPr>
             <a:xfrm>
-              <a:off x="6136052" y="4775620"/>
+              <a:off x="6135186" y="4777980"/>
               <a:ext cx="66150" cy="66150"/>
             </a:xfrm>
             <a:prstGeom prst="ellipse">
@@ -5131,7 +5131,7 @@
           </p:nvSpPr>
           <p:spPr>
             <a:xfrm>
-              <a:off x="7164110" y="5055811"/>
+              <a:off x="7163405" y="5058397"/>
               <a:ext cx="66150" cy="66150"/>
             </a:xfrm>
             <a:prstGeom prst="ellipse">
@@ -5166,7 +5166,7 @@
           </p:nvSpPr>
           <p:spPr>
             <a:xfrm>
-              <a:off x="7176803" y="4185745"/>
+              <a:off x="7176099" y="4187630"/>
               <a:ext cx="66150" cy="66150"/>
             </a:xfrm>
             <a:prstGeom prst="ellipse">
@@ -5201,7 +5201,7 @@
           </p:nvSpPr>
           <p:spPr>
             <a:xfrm>
-              <a:off x="2328428" y="2991247"/>
+              <a:off x="2326968" y="2992170"/>
               <a:ext cx="66150" cy="66150"/>
             </a:xfrm>
             <a:prstGeom prst="ellipse">
@@ -5236,7 +5236,7 @@
           </p:nvSpPr>
           <p:spPr>
             <a:xfrm>
-              <a:off x="2848804" y="3182956"/>
+              <a:off x="2847424" y="3184034"/>
               <a:ext cx="66150" cy="66150"/>
             </a:xfrm>
             <a:prstGeom prst="ellipse">
@@ -5271,7 +5271,7 @@
           </p:nvSpPr>
           <p:spPr>
             <a:xfrm>
-              <a:off x="1257217" y="2534093"/>
+              <a:off x="1255589" y="2534649"/>
               <a:ext cx="66150" cy="66150"/>
             </a:xfrm>
             <a:prstGeom prst="ellipse">
@@ -5306,7 +5306,7 @@
           </p:nvSpPr>
           <p:spPr>
             <a:xfrm>
-              <a:off x="5463372" y="4687139"/>
+              <a:off x="5462401" y="4689428"/>
               <a:ext cx="66150" cy="66150"/>
             </a:xfrm>
             <a:prstGeom prst="ellipse">
@@ -5341,7 +5341,7 @@
           </p:nvSpPr>
           <p:spPr>
             <a:xfrm>
-              <a:off x="4448006" y="4112010"/>
+              <a:off x="4446876" y="4113836"/>
               <a:ext cx="66150" cy="66150"/>
             </a:xfrm>
             <a:prstGeom prst="ellipse">
@@ -5376,7 +5376,7 @@
           </p:nvSpPr>
           <p:spPr>
             <a:xfrm>
-              <a:off x="6478738" y="4805114"/>
+              <a:off x="6477926" y="4807498"/>
               <a:ext cx="66150" cy="66150"/>
             </a:xfrm>
             <a:prstGeom prst="ellipse">
@@ -5411,7 +5411,7 @@
           </p:nvSpPr>
           <p:spPr>
             <a:xfrm>
-              <a:off x="4473390" y="3861313"/>
+              <a:off x="4472264" y="3862937"/>
               <a:ext cx="66150" cy="66150"/>
             </a:xfrm>
             <a:prstGeom prst="ellipse">
@@ -5446,8 +5446,8 @@
           </p:nvSpPr>
           <p:spPr>
             <a:xfrm>
-              <a:off x="606963" y="5535342"/>
-              <a:ext cx="124311" cy="80272"/>
+              <a:off x="605258" y="5536819"/>
+              <a:ext cx="124311" cy="81691"/>
             </a:xfrm>
             <a:prstGeom prst="rect">
               <a:avLst/>
@@ -5476,8 +5476,8 @@
                       <a:alpha val="100000"/>
                     </a:srgbClr>
                   </a:solidFill>
-                  <a:latin typeface="Helvetica"/>
-                  <a:cs typeface="Helvetica"/>
+                  <a:latin typeface="Arial"/>
+                  <a:cs typeface="Arial"/>
                 </a:rPr>
                 <a:t>10</a:t>
               </a:r>
@@ -5492,8 +5492,8 @@
           </p:nvSpPr>
           <p:spPr>
             <a:xfrm>
-              <a:off x="606963" y="4798489"/>
-              <a:ext cx="124311" cy="79781"/>
+              <a:off x="605258" y="4798881"/>
+              <a:ext cx="124311" cy="81691"/>
             </a:xfrm>
             <a:prstGeom prst="rect">
               <a:avLst/>
@@ -5522,8 +5522,8 @@
                       <a:alpha val="100000"/>
                     </a:srgbClr>
                   </a:solidFill>
-                  <a:latin typeface="Helvetica"/>
-                  <a:cs typeface="Helvetica"/>
+                  <a:latin typeface="Arial"/>
+                  <a:cs typeface="Arial"/>
                 </a:rPr>
                 <a:t>15</a:t>
               </a:r>
@@ -5538,8 +5538,8 @@
           </p:nvSpPr>
           <p:spPr>
             <a:xfrm>
-              <a:off x="606963" y="4060381"/>
-              <a:ext cx="124311" cy="80545"/>
+              <a:off x="605258" y="4060943"/>
+              <a:ext cx="124311" cy="81691"/>
             </a:xfrm>
             <a:prstGeom prst="rect">
               <a:avLst/>
@@ -5568,8 +5568,8 @@
                       <a:alpha val="100000"/>
                     </a:srgbClr>
                   </a:solidFill>
-                  <a:latin typeface="Helvetica"/>
-                  <a:cs typeface="Helvetica"/>
+                  <a:latin typeface="Arial"/>
+                  <a:cs typeface="Arial"/>
                 </a:rPr>
                 <a:t>20</a:t>
               </a:r>
@@ -5584,8 +5584,8 @@
           </p:nvSpPr>
           <p:spPr>
             <a:xfrm>
-              <a:off x="606963" y="3323200"/>
-              <a:ext cx="124311" cy="80382"/>
+              <a:off x="605258" y="3323005"/>
+              <a:ext cx="124311" cy="81691"/>
             </a:xfrm>
             <a:prstGeom prst="rect">
               <a:avLst/>
@@ -5614,8 +5614,8 @@
                       <a:alpha val="100000"/>
                     </a:srgbClr>
                   </a:solidFill>
-                  <a:latin typeface="Helvetica"/>
-                  <a:cs typeface="Helvetica"/>
+                  <a:latin typeface="Arial"/>
+                  <a:cs typeface="Arial"/>
                 </a:rPr>
                 <a:t>25</a:t>
               </a:r>
@@ -5630,8 +5630,8 @@
           </p:nvSpPr>
           <p:spPr>
             <a:xfrm>
-              <a:off x="606963" y="2585856"/>
-              <a:ext cx="124311" cy="80382"/>
+              <a:off x="605258" y="2585012"/>
+              <a:ext cx="124311" cy="81746"/>
             </a:xfrm>
             <a:prstGeom prst="rect">
               <a:avLst/>
@@ -5660,8 +5660,8 @@
                       <a:alpha val="100000"/>
                     </a:srgbClr>
                   </a:solidFill>
-                  <a:latin typeface="Helvetica"/>
-                  <a:cs typeface="Helvetica"/>
+                  <a:latin typeface="Arial"/>
+                  <a:cs typeface="Arial"/>
                 </a:rPr>
                 <a:t>30</a:t>
               </a:r>
@@ -5676,8 +5676,8 @@
           </p:nvSpPr>
           <p:spPr>
             <a:xfrm>
-              <a:off x="606963" y="1848512"/>
-              <a:ext cx="124311" cy="80382"/>
+              <a:off x="605258" y="1847074"/>
+              <a:ext cx="124311" cy="81746"/>
             </a:xfrm>
             <a:prstGeom prst="rect">
               <a:avLst/>
@@ -5706,8 +5706,8 @@
                       <a:alpha val="100000"/>
                     </a:srgbClr>
                   </a:solidFill>
-                  <a:latin typeface="Helvetica"/>
-                  <a:cs typeface="Helvetica"/>
+                  <a:latin typeface="Arial"/>
+                  <a:cs typeface="Arial"/>
                 </a:rPr>
                 <a:t>35</a:t>
               </a:r>
@@ -5722,7 +5722,7 @@
           </p:nvSpPr>
           <p:spPr>
             <a:xfrm>
-              <a:off x="759110" y="5575533"/>
+              <a:off x="757405" y="5578511"/>
               <a:ext cx="34794" cy="0"/>
             </a:xfrm>
             <a:custGeom>
@@ -5762,7 +5762,7 @@
           </p:nvSpPr>
           <p:spPr>
             <a:xfrm>
-              <a:off x="759110" y="4838189"/>
+              <a:off x="757405" y="4840573"/>
               <a:ext cx="34794" cy="0"/>
             </a:xfrm>
             <a:custGeom>
@@ -5802,7 +5802,7 @@
           </p:nvSpPr>
           <p:spPr>
             <a:xfrm>
-              <a:off x="759110" y="4100845"/>
+              <a:off x="757405" y="4102635"/>
               <a:ext cx="34794" cy="0"/>
             </a:xfrm>
             <a:custGeom>
@@ -5842,7 +5842,7 @@
           </p:nvSpPr>
           <p:spPr>
             <a:xfrm>
-              <a:off x="759110" y="3363500"/>
+              <a:off x="757405" y="3364697"/>
               <a:ext cx="34794" cy="0"/>
             </a:xfrm>
             <a:custGeom>
@@ -5882,7 +5882,7 @@
           </p:nvSpPr>
           <p:spPr>
             <a:xfrm>
-              <a:off x="759110" y="2626156"/>
+              <a:off x="757405" y="2626759"/>
               <a:ext cx="34794" cy="0"/>
             </a:xfrm>
             <a:custGeom>
@@ -5922,7 +5922,7 @@
           </p:nvSpPr>
           <p:spPr>
             <a:xfrm>
-              <a:off x="759110" y="1888812"/>
+              <a:off x="757405" y="1888821"/>
               <a:ext cx="34794" cy="0"/>
             </a:xfrm>
             <a:custGeom>
@@ -5962,7 +5962,7 @@
           </p:nvSpPr>
           <p:spPr>
             <a:xfrm>
-              <a:off x="2526500" y="5689821"/>
+              <a:off x="2525066" y="5692891"/>
               <a:ext cx="0" cy="34794"/>
             </a:xfrm>
             <a:custGeom>
@@ -6002,7 +6002,7 @@
           </p:nvSpPr>
           <p:spPr>
             <a:xfrm>
-              <a:off x="5064916" y="5689821"/>
+              <a:off x="5063878" y="5692891"/>
               <a:ext cx="0" cy="34794"/>
             </a:xfrm>
             <a:custGeom>
@@ -6042,7 +6042,7 @@
           </p:nvSpPr>
           <p:spPr>
             <a:xfrm>
-              <a:off x="7603332" y="5689821"/>
+              <a:off x="7602690" y="5692891"/>
               <a:ext cx="0" cy="34794"/>
             </a:xfrm>
             <a:custGeom>
@@ -6082,7 +6082,7 @@
           </p:nvSpPr>
           <p:spPr>
             <a:xfrm>
-              <a:off x="10141748" y="5689821"/>
+              <a:off x="10141502" y="5692891"/>
               <a:ext cx="0" cy="34794"/>
             </a:xfrm>
             <a:custGeom>
@@ -6122,8 +6122,8 @@
           </p:nvSpPr>
           <p:spPr>
             <a:xfrm>
-              <a:off x="2495423" y="5754198"/>
-              <a:ext cx="62155" cy="78417"/>
+              <a:off x="2493988" y="5755194"/>
+              <a:ext cx="62155" cy="80327"/>
             </a:xfrm>
             <a:prstGeom prst="rect">
               <a:avLst/>
@@ -6152,8 +6152,8 @@
                       <a:alpha val="100000"/>
                     </a:srgbClr>
                   </a:solidFill>
-                  <a:latin typeface="Helvetica"/>
-                  <a:cs typeface="Helvetica"/>
+                  <a:latin typeface="Arial"/>
+                  <a:cs typeface="Arial"/>
                 </a:rPr>
                 <a:t>2</a:t>
               </a:r>
@@ -6168,8 +6168,8 @@
           </p:nvSpPr>
           <p:spPr>
             <a:xfrm>
-              <a:off x="5033838" y="5752233"/>
-              <a:ext cx="62155" cy="80382"/>
+              <a:off x="5032800" y="5753775"/>
+              <a:ext cx="62155" cy="81746"/>
             </a:xfrm>
             <a:prstGeom prst="rect">
               <a:avLst/>
@@ -6198,8 +6198,8 @@
                       <a:alpha val="100000"/>
                     </a:srgbClr>
                   </a:solidFill>
-                  <a:latin typeface="Helvetica"/>
-                  <a:cs typeface="Helvetica"/>
+                  <a:latin typeface="Arial"/>
+                  <a:cs typeface="Arial"/>
                 </a:rPr>
                 <a:t>3</a:t>
               </a:r>
@@ -6214,8 +6214,8 @@
           </p:nvSpPr>
           <p:spPr>
             <a:xfrm>
-              <a:off x="7572254" y="5754252"/>
-              <a:ext cx="62155" cy="78362"/>
+              <a:off x="7571612" y="5755521"/>
+              <a:ext cx="62155" cy="80000"/>
             </a:xfrm>
             <a:prstGeom prst="rect">
               <a:avLst/>
@@ -6244,8 +6244,8 @@
                       <a:alpha val="100000"/>
                     </a:srgbClr>
                   </a:solidFill>
-                  <a:latin typeface="Helvetica"/>
-                  <a:cs typeface="Helvetica"/>
+                  <a:latin typeface="Arial"/>
+                  <a:cs typeface="Arial"/>
                 </a:rPr>
                 <a:t>4</a:t>
               </a:r>
@@ -6260,8 +6260,8 @@
           </p:nvSpPr>
           <p:spPr>
             <a:xfrm>
-              <a:off x="10110670" y="5753816"/>
-              <a:ext cx="62155" cy="78799"/>
+              <a:off x="10110425" y="5755248"/>
+              <a:ext cx="62155" cy="80272"/>
             </a:xfrm>
             <a:prstGeom prst="rect">
               <a:avLst/>
@@ -6290,8 +6290,8 @@
                       <a:alpha val="100000"/>
                     </a:srgbClr>
                   </a:solidFill>
-                  <a:latin typeface="Helvetica"/>
-                  <a:cs typeface="Helvetica"/>
+                  <a:latin typeface="Arial"/>
+                  <a:cs typeface="Arial"/>
                 </a:rPr>
                 <a:t>5</a:t>
               </a:r>
@@ -6306,8 +6306,8 @@
           </p:nvSpPr>
           <p:spPr>
             <a:xfrm>
-              <a:off x="6184314" y="5897724"/>
-              <a:ext cx="139700" cy="94611"/>
+              <a:off x="6183461" y="5895132"/>
+              <a:ext cx="139700" cy="98704"/>
             </a:xfrm>
             <a:prstGeom prst="rect">
               <a:avLst/>
@@ -6336,8 +6336,8 @@
                       <a:alpha val="100000"/>
                     </a:srgbClr>
                   </a:solidFill>
-                  <a:latin typeface="Helvetica"/>
-                  <a:cs typeface="Helvetica"/>
+                  <a:latin typeface="Arial"/>
+                  <a:cs typeface="Arial"/>
                 </a:rPr>
                 <a:t>wt</a:t>
               </a:r>
@@ -6352,8 +6352,8 @@
           </p:nvSpPr>
           <p:spPr>
             <a:xfrm rot="-5400000">
-              <a:off x="352523" y="3730922"/>
-              <a:ext cx="271760" cy="105729"/>
+              <a:off x="353444" y="3733582"/>
+              <a:ext cx="271760" cy="103478"/>
             </a:xfrm>
             <a:prstGeom prst="rect">
               <a:avLst/>
@@ -6382,8 +6382,8 @@
                       <a:alpha val="100000"/>
                     </a:srgbClr>
                   </a:solidFill>
-                  <a:latin typeface="Helvetica"/>
-                  <a:cs typeface="Helvetica"/>
+                  <a:latin typeface="Arial"/>
+                  <a:cs typeface="Arial"/>
                 </a:rPr>
                 <a:t>mpg</a:t>
               </a:r>

--- a/tests/testthat/temp.pptx
+++ b/tests/testthat/temp.pptx
@@ -509,7 +509,7 @@
             <a:r>
               <a:rPr/>
               <a:t>
-Powerpoint file location: C:\Users\parkinsonn\Documents\grattantheme\tests\testthat\temp.pptx</a:t>
+Powerpoint file location: /Users/mbbowes/Documents/GitHub/grattantheme/tests/testthat/temp.pptx</a:t>
             </a:r>
           </a:p>
         </p:txBody>
@@ -3440,8 +3440,8 @@
           </p:nvSpPr>
           <p:spPr>
             <a:xfrm>
-              <a:off x="792199" y="1877752"/>
-              <a:ext cx="10922224" cy="3815139"/>
+              <a:off x="793905" y="1877752"/>
+              <a:ext cx="10920518" cy="3812069"/>
             </a:xfrm>
             <a:prstGeom prst="rect">
               <a:avLst/>
@@ -3466,21 +3466,21 @@
           </p:nvSpPr>
           <p:spPr>
             <a:xfrm>
-              <a:off x="792199" y="5209542"/>
-              <a:ext cx="10922224" cy="0"/>
+              <a:off x="793905" y="5206861"/>
+              <a:ext cx="10920518" cy="0"/>
             </a:xfrm>
             <a:custGeom>
               <a:avLst/>
               <a:pathLst>
-                <a:path w="10922224" h="0">
+                <a:path w="10920518" h="0">
                   <a:moveTo>
                     <a:pt x="0" y="0"/>
                   </a:moveTo>
                   <a:lnTo>
-                    <a:pt x="10922224" y="0"/>
+                    <a:pt x="10920518" y="0"/>
                   </a:lnTo>
                   <a:lnTo>
-                    <a:pt x="10922224" y="0"/>
+                    <a:pt x="10920518" y="0"/>
                   </a:lnTo>
                 </a:path>
               </a:pathLst>
@@ -3509,21 +3509,21 @@
           </p:nvSpPr>
           <p:spPr>
             <a:xfrm>
-              <a:off x="792199" y="4471604"/>
-              <a:ext cx="10922224" cy="0"/>
+              <a:off x="793905" y="4469517"/>
+              <a:ext cx="10920518" cy="0"/>
             </a:xfrm>
             <a:custGeom>
               <a:avLst/>
               <a:pathLst>
-                <a:path w="10922224" h="0">
+                <a:path w="10920518" h="0">
                   <a:moveTo>
                     <a:pt x="0" y="0"/>
                   </a:moveTo>
                   <a:lnTo>
-                    <a:pt x="10922224" y="0"/>
+                    <a:pt x="10920518" y="0"/>
                   </a:lnTo>
                   <a:lnTo>
-                    <a:pt x="10922224" y="0"/>
+                    <a:pt x="10920518" y="0"/>
                   </a:lnTo>
                 </a:path>
               </a:pathLst>
@@ -3552,21 +3552,21 @@
           </p:nvSpPr>
           <p:spPr>
             <a:xfrm>
-              <a:off x="792199" y="3733666"/>
-              <a:ext cx="10922224" cy="0"/>
+              <a:off x="793905" y="3732172"/>
+              <a:ext cx="10920518" cy="0"/>
             </a:xfrm>
             <a:custGeom>
               <a:avLst/>
               <a:pathLst>
-                <a:path w="10922224" h="0">
+                <a:path w="10920518" h="0">
                   <a:moveTo>
                     <a:pt x="0" y="0"/>
                   </a:moveTo>
                   <a:lnTo>
-                    <a:pt x="10922224" y="0"/>
+                    <a:pt x="10920518" y="0"/>
                   </a:lnTo>
                   <a:lnTo>
-                    <a:pt x="10922224" y="0"/>
+                    <a:pt x="10920518" y="0"/>
                   </a:lnTo>
                 </a:path>
               </a:pathLst>
@@ -3595,21 +3595,21 @@
           </p:nvSpPr>
           <p:spPr>
             <a:xfrm>
-              <a:off x="792199" y="2995728"/>
-              <a:ext cx="10922224" cy="0"/>
+              <a:off x="793905" y="2994828"/>
+              <a:ext cx="10920518" cy="0"/>
             </a:xfrm>
             <a:custGeom>
               <a:avLst/>
               <a:pathLst>
-                <a:path w="10922224" h="0">
+                <a:path w="10920518" h="0">
                   <a:moveTo>
                     <a:pt x="0" y="0"/>
                   </a:moveTo>
                   <a:lnTo>
-                    <a:pt x="10922224" y="0"/>
+                    <a:pt x="10920518" y="0"/>
                   </a:lnTo>
                   <a:lnTo>
-                    <a:pt x="10922224" y="0"/>
+                    <a:pt x="10920518" y="0"/>
                   </a:lnTo>
                 </a:path>
               </a:pathLst>
@@ -3638,21 +3638,21 @@
           </p:nvSpPr>
           <p:spPr>
             <a:xfrm>
-              <a:off x="792199" y="2257790"/>
-              <a:ext cx="10922224" cy="0"/>
+              <a:off x="793905" y="2257484"/>
+              <a:ext cx="10920518" cy="0"/>
             </a:xfrm>
             <a:custGeom>
               <a:avLst/>
               <a:pathLst>
-                <a:path w="10922224" h="0">
+                <a:path w="10920518" h="0">
                   <a:moveTo>
                     <a:pt x="0" y="0"/>
                   </a:moveTo>
                   <a:lnTo>
-                    <a:pt x="10922224" y="0"/>
+                    <a:pt x="10920518" y="0"/>
                   </a:lnTo>
                   <a:lnTo>
-                    <a:pt x="10922224" y="0"/>
+                    <a:pt x="10920518" y="0"/>
                   </a:lnTo>
                 </a:path>
               </a:pathLst>
@@ -3681,15 +3681,15 @@
           </p:nvSpPr>
           <p:spPr>
             <a:xfrm>
-              <a:off x="1255659" y="1877752"/>
-              <a:ext cx="0" cy="3815139"/>
+              <a:off x="1257292" y="1877752"/>
+              <a:ext cx="0" cy="3812069"/>
             </a:xfrm>
             <a:custGeom>
               <a:avLst/>
               <a:pathLst>
-                <a:path w="0" h="3815139">
+                <a:path w="0" h="3812069">
                   <a:moveTo>
-                    <a:pt x="0" y="3815139"/>
+                    <a:pt x="0" y="3812069"/>
                   </a:moveTo>
                   <a:lnTo>
                     <a:pt x="0" y="0"/>
@@ -3724,15 +3724,15 @@
           </p:nvSpPr>
           <p:spPr>
             <a:xfrm>
-              <a:off x="3794472" y="1877752"/>
-              <a:ext cx="0" cy="3815139"/>
+              <a:off x="3795708" y="1877752"/>
+              <a:ext cx="0" cy="3812069"/>
             </a:xfrm>
             <a:custGeom>
               <a:avLst/>
               <a:pathLst>
-                <a:path w="0" h="3815139">
+                <a:path w="0" h="3812069">
                   <a:moveTo>
-                    <a:pt x="0" y="3815139"/>
+                    <a:pt x="0" y="3812069"/>
                   </a:moveTo>
                   <a:lnTo>
                     <a:pt x="0" y="0"/>
@@ -3767,15 +3767,15 @@
           </p:nvSpPr>
           <p:spPr>
             <a:xfrm>
-              <a:off x="6333284" y="1877752"/>
-              <a:ext cx="0" cy="3815139"/>
+              <a:off x="6334124" y="1877752"/>
+              <a:ext cx="0" cy="3812069"/>
             </a:xfrm>
             <a:custGeom>
               <a:avLst/>
               <a:pathLst>
-                <a:path w="0" h="3815139">
+                <a:path w="0" h="3812069">
                   <a:moveTo>
-                    <a:pt x="0" y="3815139"/>
+                    <a:pt x="0" y="3812069"/>
                   </a:moveTo>
                   <a:lnTo>
                     <a:pt x="0" y="0"/>
@@ -3810,15 +3810,15 @@
           </p:nvSpPr>
           <p:spPr>
             <a:xfrm>
-              <a:off x="8872096" y="1877752"/>
-              <a:ext cx="0" cy="3815139"/>
+              <a:off x="8872540" y="1877752"/>
+              <a:ext cx="0" cy="3812069"/>
             </a:xfrm>
             <a:custGeom>
               <a:avLst/>
               <a:pathLst>
-                <a:path w="0" h="3815139">
+                <a:path w="0" h="3812069">
                   <a:moveTo>
-                    <a:pt x="0" y="3815139"/>
+                    <a:pt x="0" y="3812069"/>
                   </a:moveTo>
                   <a:lnTo>
                     <a:pt x="0" y="0"/>
@@ -3853,15 +3853,15 @@
           </p:nvSpPr>
           <p:spPr>
             <a:xfrm>
-              <a:off x="11410908" y="1877752"/>
-              <a:ext cx="0" cy="3815139"/>
+              <a:off x="11410956" y="1877752"/>
+              <a:ext cx="0" cy="3812069"/>
             </a:xfrm>
             <a:custGeom>
               <a:avLst/>
               <a:pathLst>
-                <a:path w="0" h="3815139">
+                <a:path w="0" h="3812069">
                   <a:moveTo>
-                    <a:pt x="0" y="3815139"/>
+                    <a:pt x="0" y="3812069"/>
                   </a:moveTo>
                   <a:lnTo>
                     <a:pt x="0" y="0"/>
@@ -3896,21 +3896,21 @@
           </p:nvSpPr>
           <p:spPr>
             <a:xfrm>
-              <a:off x="792199" y="5578511"/>
-              <a:ext cx="10922224" cy="0"/>
+              <a:off x="793905" y="5575533"/>
+              <a:ext cx="10920518" cy="0"/>
             </a:xfrm>
             <a:custGeom>
               <a:avLst/>
               <a:pathLst>
-                <a:path w="10922224" h="0">
+                <a:path w="10920518" h="0">
                   <a:moveTo>
                     <a:pt x="0" y="0"/>
                   </a:moveTo>
                   <a:lnTo>
-                    <a:pt x="10922224" y="0"/>
+                    <a:pt x="10920518" y="0"/>
                   </a:lnTo>
                   <a:lnTo>
-                    <a:pt x="10922224" y="0"/>
+                    <a:pt x="10920518" y="0"/>
                   </a:lnTo>
                 </a:path>
               </a:pathLst>
@@ -3939,21 +3939,21 @@
           </p:nvSpPr>
           <p:spPr>
             <a:xfrm>
-              <a:off x="792199" y="4840573"/>
-              <a:ext cx="10922224" cy="0"/>
+              <a:off x="793905" y="4838189"/>
+              <a:ext cx="10920518" cy="0"/>
             </a:xfrm>
             <a:custGeom>
               <a:avLst/>
               <a:pathLst>
-                <a:path w="10922224" h="0">
+                <a:path w="10920518" h="0">
                   <a:moveTo>
                     <a:pt x="0" y="0"/>
                   </a:moveTo>
                   <a:lnTo>
-                    <a:pt x="10922224" y="0"/>
+                    <a:pt x="10920518" y="0"/>
                   </a:lnTo>
                   <a:lnTo>
-                    <a:pt x="10922224" y="0"/>
+                    <a:pt x="10920518" y="0"/>
                   </a:lnTo>
                 </a:path>
               </a:pathLst>
@@ -3982,21 +3982,21 @@
           </p:nvSpPr>
           <p:spPr>
             <a:xfrm>
-              <a:off x="792199" y="4102635"/>
-              <a:ext cx="10922224" cy="0"/>
+              <a:off x="793905" y="4100845"/>
+              <a:ext cx="10920518" cy="0"/>
             </a:xfrm>
             <a:custGeom>
               <a:avLst/>
               <a:pathLst>
-                <a:path w="10922224" h="0">
+                <a:path w="10920518" h="0">
                   <a:moveTo>
                     <a:pt x="0" y="0"/>
                   </a:moveTo>
                   <a:lnTo>
-                    <a:pt x="10922224" y="0"/>
+                    <a:pt x="10920518" y="0"/>
                   </a:lnTo>
                   <a:lnTo>
-                    <a:pt x="10922224" y="0"/>
+                    <a:pt x="10920518" y="0"/>
                   </a:lnTo>
                 </a:path>
               </a:pathLst>
@@ -4025,21 +4025,21 @@
           </p:nvSpPr>
           <p:spPr>
             <a:xfrm>
-              <a:off x="792199" y="3364697"/>
-              <a:ext cx="10922224" cy="0"/>
+              <a:off x="793905" y="3363500"/>
+              <a:ext cx="10920518" cy="0"/>
             </a:xfrm>
             <a:custGeom>
               <a:avLst/>
               <a:pathLst>
-                <a:path w="10922224" h="0">
+                <a:path w="10920518" h="0">
                   <a:moveTo>
                     <a:pt x="0" y="0"/>
                   </a:moveTo>
                   <a:lnTo>
-                    <a:pt x="10922224" y="0"/>
+                    <a:pt x="10920518" y="0"/>
                   </a:lnTo>
                   <a:lnTo>
-                    <a:pt x="10922224" y="0"/>
+                    <a:pt x="10920518" y="0"/>
                   </a:lnTo>
                 </a:path>
               </a:pathLst>
@@ -4068,21 +4068,21 @@
           </p:nvSpPr>
           <p:spPr>
             <a:xfrm>
-              <a:off x="792199" y="2626759"/>
-              <a:ext cx="10922224" cy="0"/>
+              <a:off x="793905" y="2626156"/>
+              <a:ext cx="10920518" cy="0"/>
             </a:xfrm>
             <a:custGeom>
               <a:avLst/>
               <a:pathLst>
-                <a:path w="10922224" h="0">
+                <a:path w="10920518" h="0">
                   <a:moveTo>
                     <a:pt x="0" y="0"/>
                   </a:moveTo>
                   <a:lnTo>
-                    <a:pt x="10922224" y="0"/>
+                    <a:pt x="10920518" y="0"/>
                   </a:lnTo>
                   <a:lnTo>
-                    <a:pt x="10922224" y="0"/>
+                    <a:pt x="10920518" y="0"/>
                   </a:lnTo>
                 </a:path>
               </a:pathLst>
@@ -4111,21 +4111,21 @@
           </p:nvSpPr>
           <p:spPr>
             <a:xfrm>
-              <a:off x="792199" y="1888821"/>
-              <a:ext cx="10922224" cy="0"/>
+              <a:off x="793905" y="1888812"/>
+              <a:ext cx="10920518" cy="0"/>
             </a:xfrm>
             <a:custGeom>
               <a:avLst/>
               <a:pathLst>
-                <a:path w="10922224" h="0">
+                <a:path w="10920518" h="0">
                   <a:moveTo>
                     <a:pt x="0" y="0"/>
                   </a:moveTo>
                   <a:lnTo>
-                    <a:pt x="10922224" y="0"/>
+                    <a:pt x="10920518" y="0"/>
                   </a:lnTo>
                   <a:lnTo>
-                    <a:pt x="10922224" y="0"/>
+                    <a:pt x="10920518" y="0"/>
                   </a:lnTo>
                 </a:path>
               </a:pathLst>
@@ -4154,15 +4154,15 @@
           </p:nvSpPr>
           <p:spPr>
             <a:xfrm>
-              <a:off x="2525066" y="1877752"/>
-              <a:ext cx="0" cy="3815139"/>
+              <a:off x="2526500" y="1877752"/>
+              <a:ext cx="0" cy="3812069"/>
             </a:xfrm>
             <a:custGeom>
               <a:avLst/>
               <a:pathLst>
-                <a:path w="0" h="3815139">
+                <a:path w="0" h="3812069">
                   <a:moveTo>
-                    <a:pt x="0" y="3815139"/>
+                    <a:pt x="0" y="3812069"/>
                   </a:moveTo>
                   <a:lnTo>
                     <a:pt x="0" y="0"/>
@@ -4197,15 +4197,15 @@
           </p:nvSpPr>
           <p:spPr>
             <a:xfrm>
-              <a:off x="5063878" y="1877752"/>
-              <a:ext cx="0" cy="3815139"/>
+              <a:off x="5064916" y="1877752"/>
+              <a:ext cx="0" cy="3812069"/>
             </a:xfrm>
             <a:custGeom>
               <a:avLst/>
               <a:pathLst>
-                <a:path w="0" h="3815139">
+                <a:path w="0" h="3812069">
                   <a:moveTo>
-                    <a:pt x="0" y="3815139"/>
+                    <a:pt x="0" y="3812069"/>
                   </a:moveTo>
                   <a:lnTo>
                     <a:pt x="0" y="0"/>
@@ -4240,15 +4240,15 @@
           </p:nvSpPr>
           <p:spPr>
             <a:xfrm>
-              <a:off x="7602690" y="1877752"/>
-              <a:ext cx="0" cy="3815139"/>
+              <a:off x="7603332" y="1877752"/>
+              <a:ext cx="0" cy="3812069"/>
             </a:xfrm>
             <a:custGeom>
               <a:avLst/>
               <a:pathLst>
-                <a:path w="0" h="3815139">
+                <a:path w="0" h="3812069">
                   <a:moveTo>
-                    <a:pt x="0" y="3815139"/>
+                    <a:pt x="0" y="3812069"/>
                   </a:moveTo>
                   <a:lnTo>
                     <a:pt x="0" y="0"/>
@@ -4283,15 +4283,15 @@
           </p:nvSpPr>
           <p:spPr>
             <a:xfrm>
-              <a:off x="10141502" y="1877752"/>
-              <a:ext cx="0" cy="3815139"/>
+              <a:off x="10141748" y="1877752"/>
+              <a:ext cx="0" cy="3812069"/>
             </a:xfrm>
             <a:custGeom>
               <a:avLst/>
               <a:pathLst>
-                <a:path w="0" h="3815139">
+                <a:path w="0" h="3812069">
                   <a:moveTo>
-                    <a:pt x="0" y="3815139"/>
+                    <a:pt x="0" y="3812069"/>
                   </a:moveTo>
                   <a:lnTo>
                     <a:pt x="0" y="0"/>
@@ -4326,7 +4326,7 @@
           </p:nvSpPr>
           <p:spPr>
             <a:xfrm>
-              <a:off x="4066054" y="3921972"/>
+              <a:off x="4067243" y="3920301"/>
               <a:ext cx="66150" cy="66150"/>
             </a:xfrm>
             <a:prstGeom prst="ellipse">
@@ -4361,7 +4361,7 @@
           </p:nvSpPr>
           <p:spPr>
             <a:xfrm>
-              <a:off x="4713451" y="3921972"/>
+              <a:off x="4714539" y="3920301"/>
               <a:ext cx="66150" cy="66150"/>
             </a:xfrm>
             <a:prstGeom prst="ellipse">
@@ -4396,7 +4396,7 @@
           </p:nvSpPr>
           <p:spPr>
             <a:xfrm>
-              <a:off x="3304410" y="3656314"/>
+              <a:off x="3305718" y="3654857"/>
               <a:ext cx="66150" cy="66150"/>
             </a:xfrm>
             <a:prstGeom prst="ellipse">
@@ -4431,7 +4431,7 @@
           </p:nvSpPr>
           <p:spPr>
             <a:xfrm>
-              <a:off x="5576647" y="3862937"/>
+              <a:off x="5577601" y="3861313"/>
               <a:ext cx="66150" cy="66150"/>
             </a:xfrm>
             <a:prstGeom prst="ellipse">
@@ -4466,7 +4466,7 @@
           </p:nvSpPr>
           <p:spPr>
             <a:xfrm>
-              <a:off x="6147880" y="4261424"/>
+              <a:off x="6148744" y="4259479"/>
               <a:ext cx="66150" cy="66150"/>
             </a:xfrm>
             <a:prstGeom prst="ellipse">
@@ -4501,7 +4501,7 @@
           </p:nvSpPr>
           <p:spPr>
             <a:xfrm>
-              <a:off x="6198656" y="4349976"/>
+              <a:off x="6199512" y="4347960"/>
               <a:ext cx="66150" cy="66150"/>
             </a:xfrm>
             <a:prstGeom prst="ellipse">
@@ -4536,7 +4536,7 @@
           </p:nvSpPr>
           <p:spPr>
             <a:xfrm>
-              <a:off x="6477926" y="4910809"/>
+              <a:off x="6478738" y="4908342"/>
               <a:ext cx="66150" cy="66150"/>
             </a:xfrm>
             <a:prstGeom prst="ellipse">
@@ -4571,7 +4571,7 @@
           </p:nvSpPr>
           <p:spPr>
             <a:xfrm>
-              <a:off x="5513177" y="3420174"/>
+              <a:off x="5514140" y="3418907"/>
               <a:ext cx="66150" cy="66150"/>
             </a:xfrm>
             <a:prstGeom prst="ellipse">
@@ -4606,7 +4606,7 @@
           </p:nvSpPr>
           <p:spPr>
             <a:xfrm>
-              <a:off x="5411625" y="3656314"/>
+              <a:off x="5412604" y="3654857"/>
               <a:ext cx="66150" cy="66150"/>
             </a:xfrm>
             <a:prstGeom prst="ellipse">
@@ -4641,7 +4641,7 @@
           </p:nvSpPr>
           <p:spPr>
             <a:xfrm>
-              <a:off x="6147880" y="4187630"/>
+              <a:off x="6148744" y="4185745"/>
               <a:ext cx="66150" cy="66150"/>
             </a:xfrm>
             <a:prstGeom prst="ellipse">
@@ -4676,7 +4676,7 @@
           </p:nvSpPr>
           <p:spPr>
             <a:xfrm>
-              <a:off x="6147880" y="4394252"/>
+              <a:off x="6148744" y="4392201"/>
               <a:ext cx="66150" cy="66150"/>
             </a:xfrm>
             <a:prstGeom prst="ellipse">
@@ -4711,7 +4711,7 @@
           </p:nvSpPr>
           <p:spPr>
             <a:xfrm>
-              <a:off x="7747332" y="4600875"/>
+              <a:off x="7747946" y="4598657"/>
               <a:ext cx="66150" cy="66150"/>
             </a:xfrm>
             <a:prstGeom prst="ellipse">
@@ -4746,7 +4746,7 @@
           </p:nvSpPr>
           <p:spPr>
             <a:xfrm>
-              <a:off x="6884136" y="4468046"/>
+              <a:off x="6884885" y="4465935"/>
               <a:ext cx="66150" cy="66150"/>
             </a:xfrm>
             <a:prstGeom prst="ellipse">
@@ -4781,7 +4781,7 @@
           </p:nvSpPr>
           <p:spPr>
             <a:xfrm>
-              <a:off x="7011076" y="4777980"/>
+              <a:off x="7011806" y="4775620"/>
               <a:ext cx="66150" cy="66150"/>
             </a:xfrm>
             <a:prstGeom prst="ellipse">
@@ -4816,7 +4816,7 @@
           </p:nvSpPr>
           <p:spPr>
             <a:xfrm>
-              <a:off x="10743130" y="5486401"/>
+              <a:off x="10743277" y="5483471"/>
               <a:ext cx="66150" cy="66150"/>
             </a:xfrm>
             <a:prstGeom prst="ellipse">
@@ -4851,7 +4851,7 @@
           </p:nvSpPr>
           <p:spPr>
             <a:xfrm>
-              <a:off x="11184884" y="5486401"/>
+              <a:off x="11184961" y="5483471"/>
               <a:ext cx="66150" cy="66150"/>
             </a:xfrm>
             <a:prstGeom prst="ellipse">
@@ -4886,7 +4886,7 @@
           </p:nvSpPr>
           <p:spPr>
             <a:xfrm>
-              <a:off x="10984318" y="4851774"/>
+              <a:off x="10984426" y="4849354"/>
               <a:ext cx="66150" cy="66150"/>
             </a:xfrm>
             <a:prstGeom prst="ellipse">
@@ -4921,7 +4921,7 @@
           </p:nvSpPr>
           <p:spPr>
             <a:xfrm>
-              <a:off x="2999753" y="2239473"/>
+              <a:off x="3001108" y="2239156"/>
               <a:ext cx="66150" cy="66150"/>
             </a:xfrm>
             <a:prstGeom prst="ellipse">
@@ -4956,7 +4956,7 @@
           </p:nvSpPr>
           <p:spPr>
             <a:xfrm>
-              <a:off x="1514548" y="2534649"/>
+              <a:off x="1516135" y="2534093"/>
               <a:ext cx="66150" cy="66150"/>
             </a:xfrm>
             <a:prstGeom prst="ellipse">
@@ -4991,7 +4991,7 @@
           </p:nvSpPr>
           <p:spPr>
             <a:xfrm>
-              <a:off x="2073087" y="2018092"/>
+              <a:off x="2074587" y="2017952"/>
               <a:ext cx="66150" cy="66150"/>
             </a:xfrm>
             <a:prstGeom prst="ellipse">
@@ -5026,7 +5026,7 @@
           </p:nvSpPr>
           <p:spPr>
             <a:xfrm>
-              <a:off x="3672538" y="3848178"/>
+              <a:off x="3673789" y="3846566"/>
               <a:ext cx="66150" cy="66150"/>
             </a:xfrm>
             <a:prstGeom prst="ellipse">
@@ -5061,7 +5061,7 @@
           </p:nvSpPr>
           <p:spPr>
             <a:xfrm>
-              <a:off x="6350985" y="4733704"/>
+              <a:off x="6351817" y="4731379"/>
               <a:ext cx="66150" cy="66150"/>
             </a:xfrm>
             <a:prstGeom prst="ellipse">
@@ -5096,7 +5096,7 @@
           </p:nvSpPr>
           <p:spPr>
             <a:xfrm>
-              <a:off x="6135186" y="4777980"/>
+              <a:off x="6136052" y="4775620"/>
               <a:ext cx="66150" cy="66150"/>
             </a:xfrm>
             <a:prstGeom prst="ellipse">
@@ -5131,7 +5131,7 @@
           </p:nvSpPr>
           <p:spPr>
             <a:xfrm>
-              <a:off x="7163405" y="5058397"/>
+              <a:off x="7164110" y="5055811"/>
               <a:ext cx="66150" cy="66150"/>
             </a:xfrm>
             <a:prstGeom prst="ellipse">
@@ -5166,7 +5166,7 @@
           </p:nvSpPr>
           <p:spPr>
             <a:xfrm>
-              <a:off x="7176099" y="4187630"/>
+              <a:off x="7176803" y="4185745"/>
               <a:ext cx="66150" cy="66150"/>
             </a:xfrm>
             <a:prstGeom prst="ellipse">
@@ -5201,7 +5201,7 @@
           </p:nvSpPr>
           <p:spPr>
             <a:xfrm>
-              <a:off x="2326968" y="2992170"/>
+              <a:off x="2328428" y="2991247"/>
               <a:ext cx="66150" cy="66150"/>
             </a:xfrm>
             <a:prstGeom prst="ellipse">
@@ -5236,7 +5236,7 @@
           </p:nvSpPr>
           <p:spPr>
             <a:xfrm>
-              <a:off x="2847424" y="3184034"/>
+              <a:off x="2848804" y="3182956"/>
               <a:ext cx="66150" cy="66150"/>
             </a:xfrm>
             <a:prstGeom prst="ellipse">
@@ -5271,7 +5271,7 @@
           </p:nvSpPr>
           <p:spPr>
             <a:xfrm>
-              <a:off x="1255589" y="2534649"/>
+              <a:off x="1257217" y="2534093"/>
               <a:ext cx="66150" cy="66150"/>
             </a:xfrm>
             <a:prstGeom prst="ellipse">
@@ -5306,7 +5306,7 @@
           </p:nvSpPr>
           <p:spPr>
             <a:xfrm>
-              <a:off x="5462401" y="4689428"/>
+              <a:off x="5463372" y="4687139"/>
               <a:ext cx="66150" cy="66150"/>
             </a:xfrm>
             <a:prstGeom prst="ellipse">
@@ -5341,7 +5341,7 @@
           </p:nvSpPr>
           <p:spPr>
             <a:xfrm>
-              <a:off x="4446876" y="4113836"/>
+              <a:off x="4448006" y="4112010"/>
               <a:ext cx="66150" cy="66150"/>
             </a:xfrm>
             <a:prstGeom prst="ellipse">
@@ -5376,7 +5376,7 @@
           </p:nvSpPr>
           <p:spPr>
             <a:xfrm>
-              <a:off x="6477926" y="4807498"/>
+              <a:off x="6478738" y="4805114"/>
               <a:ext cx="66150" cy="66150"/>
             </a:xfrm>
             <a:prstGeom prst="ellipse">
@@ -5411,7 +5411,7 @@
           </p:nvSpPr>
           <p:spPr>
             <a:xfrm>
-              <a:off x="4472264" y="3862937"/>
+              <a:off x="4473390" y="3861313"/>
               <a:ext cx="66150" cy="66150"/>
             </a:xfrm>
             <a:prstGeom prst="ellipse">
@@ -5446,8 +5446,8 @@
           </p:nvSpPr>
           <p:spPr>
             <a:xfrm>
-              <a:off x="605258" y="5536819"/>
-              <a:ext cx="124311" cy="81691"/>
+              <a:off x="606963" y="5535342"/>
+              <a:ext cx="124311" cy="80272"/>
             </a:xfrm>
             <a:prstGeom prst="rect">
               <a:avLst/>
@@ -5476,8 +5476,8 @@
                       <a:alpha val="100000"/>
                     </a:srgbClr>
                   </a:solidFill>
-                  <a:latin typeface="Arial"/>
-                  <a:cs typeface="Arial"/>
+                  <a:latin typeface="Helvetica"/>
+                  <a:cs typeface="Helvetica"/>
                 </a:rPr>
                 <a:t>10</a:t>
               </a:r>
@@ -5492,8 +5492,8 @@
           </p:nvSpPr>
           <p:spPr>
             <a:xfrm>
-              <a:off x="605258" y="4798881"/>
-              <a:ext cx="124311" cy="81691"/>
+              <a:off x="606963" y="4798489"/>
+              <a:ext cx="124311" cy="79781"/>
             </a:xfrm>
             <a:prstGeom prst="rect">
               <a:avLst/>
@@ -5522,8 +5522,8 @@
                       <a:alpha val="100000"/>
                     </a:srgbClr>
                   </a:solidFill>
-                  <a:latin typeface="Arial"/>
-                  <a:cs typeface="Arial"/>
+                  <a:latin typeface="Helvetica"/>
+                  <a:cs typeface="Helvetica"/>
                 </a:rPr>
                 <a:t>15</a:t>
               </a:r>
@@ -5538,8 +5538,8 @@
           </p:nvSpPr>
           <p:spPr>
             <a:xfrm>
-              <a:off x="605258" y="4060943"/>
-              <a:ext cx="124311" cy="81691"/>
+              <a:off x="606963" y="4060381"/>
+              <a:ext cx="124311" cy="80545"/>
             </a:xfrm>
             <a:prstGeom prst="rect">
               <a:avLst/>
@@ -5568,8 +5568,8 @@
                       <a:alpha val="100000"/>
                     </a:srgbClr>
                   </a:solidFill>
-                  <a:latin typeface="Arial"/>
-                  <a:cs typeface="Arial"/>
+                  <a:latin typeface="Helvetica"/>
+                  <a:cs typeface="Helvetica"/>
                 </a:rPr>
                 <a:t>20</a:t>
               </a:r>
@@ -5584,8 +5584,8 @@
           </p:nvSpPr>
           <p:spPr>
             <a:xfrm>
-              <a:off x="605258" y="3323005"/>
-              <a:ext cx="124311" cy="81691"/>
+              <a:off x="606963" y="3323200"/>
+              <a:ext cx="124311" cy="80382"/>
             </a:xfrm>
             <a:prstGeom prst="rect">
               <a:avLst/>
@@ -5614,8 +5614,8 @@
                       <a:alpha val="100000"/>
                     </a:srgbClr>
                   </a:solidFill>
-                  <a:latin typeface="Arial"/>
-                  <a:cs typeface="Arial"/>
+                  <a:latin typeface="Helvetica"/>
+                  <a:cs typeface="Helvetica"/>
                 </a:rPr>
                 <a:t>25</a:t>
               </a:r>
@@ -5630,8 +5630,8 @@
           </p:nvSpPr>
           <p:spPr>
             <a:xfrm>
-              <a:off x="605258" y="2585012"/>
-              <a:ext cx="124311" cy="81746"/>
+              <a:off x="606963" y="2585856"/>
+              <a:ext cx="124311" cy="80382"/>
             </a:xfrm>
             <a:prstGeom prst="rect">
               <a:avLst/>
@@ -5660,8 +5660,8 @@
                       <a:alpha val="100000"/>
                     </a:srgbClr>
                   </a:solidFill>
-                  <a:latin typeface="Arial"/>
-                  <a:cs typeface="Arial"/>
+                  <a:latin typeface="Helvetica"/>
+                  <a:cs typeface="Helvetica"/>
                 </a:rPr>
                 <a:t>30</a:t>
               </a:r>
@@ -5676,8 +5676,8 @@
           </p:nvSpPr>
           <p:spPr>
             <a:xfrm>
-              <a:off x="605258" y="1847074"/>
-              <a:ext cx="124311" cy="81746"/>
+              <a:off x="606963" y="1848512"/>
+              <a:ext cx="124311" cy="80382"/>
             </a:xfrm>
             <a:prstGeom prst="rect">
               <a:avLst/>
@@ -5706,8 +5706,8 @@
                       <a:alpha val="100000"/>
                     </a:srgbClr>
                   </a:solidFill>
-                  <a:latin typeface="Arial"/>
-                  <a:cs typeface="Arial"/>
+                  <a:latin typeface="Helvetica"/>
+                  <a:cs typeface="Helvetica"/>
                 </a:rPr>
                 <a:t>35</a:t>
               </a:r>
@@ -5722,7 +5722,7 @@
           </p:nvSpPr>
           <p:spPr>
             <a:xfrm>
-              <a:off x="757405" y="5578511"/>
+              <a:off x="759110" y="5575533"/>
               <a:ext cx="34794" cy="0"/>
             </a:xfrm>
             <a:custGeom>
@@ -5762,7 +5762,7 @@
           </p:nvSpPr>
           <p:spPr>
             <a:xfrm>
-              <a:off x="757405" y="4840573"/>
+              <a:off x="759110" y="4838189"/>
               <a:ext cx="34794" cy="0"/>
             </a:xfrm>
             <a:custGeom>
@@ -5802,7 +5802,7 @@
           </p:nvSpPr>
           <p:spPr>
             <a:xfrm>
-              <a:off x="757405" y="4102635"/>
+              <a:off x="759110" y="4100845"/>
               <a:ext cx="34794" cy="0"/>
             </a:xfrm>
             <a:custGeom>
@@ -5842,7 +5842,7 @@
           </p:nvSpPr>
           <p:spPr>
             <a:xfrm>
-              <a:off x="757405" y="3364697"/>
+              <a:off x="759110" y="3363500"/>
               <a:ext cx="34794" cy="0"/>
             </a:xfrm>
             <a:custGeom>
@@ -5882,7 +5882,7 @@
           </p:nvSpPr>
           <p:spPr>
             <a:xfrm>
-              <a:off x="757405" y="2626759"/>
+              <a:off x="759110" y="2626156"/>
               <a:ext cx="34794" cy="0"/>
             </a:xfrm>
             <a:custGeom>
@@ -5922,7 +5922,7 @@
           </p:nvSpPr>
           <p:spPr>
             <a:xfrm>
-              <a:off x="757405" y="1888821"/>
+              <a:off x="759110" y="1888812"/>
               <a:ext cx="34794" cy="0"/>
             </a:xfrm>
             <a:custGeom>
@@ -5962,7 +5962,7 @@
           </p:nvSpPr>
           <p:spPr>
             <a:xfrm>
-              <a:off x="2525066" y="5692891"/>
+              <a:off x="2526500" y="5689821"/>
               <a:ext cx="0" cy="34794"/>
             </a:xfrm>
             <a:custGeom>
@@ -6002,7 +6002,7 @@
           </p:nvSpPr>
           <p:spPr>
             <a:xfrm>
-              <a:off x="5063878" y="5692891"/>
+              <a:off x="5064916" y="5689821"/>
               <a:ext cx="0" cy="34794"/>
             </a:xfrm>
             <a:custGeom>
@@ -6042,7 +6042,7 @@
           </p:nvSpPr>
           <p:spPr>
             <a:xfrm>
-              <a:off x="7602690" y="5692891"/>
+              <a:off x="7603332" y="5689821"/>
               <a:ext cx="0" cy="34794"/>
             </a:xfrm>
             <a:custGeom>
@@ -6082,7 +6082,7 @@
           </p:nvSpPr>
           <p:spPr>
             <a:xfrm>
-              <a:off x="10141502" y="5692891"/>
+              <a:off x="10141748" y="5689821"/>
               <a:ext cx="0" cy="34794"/>
             </a:xfrm>
             <a:custGeom>
@@ -6122,8 +6122,8 @@
           </p:nvSpPr>
           <p:spPr>
             <a:xfrm>
-              <a:off x="2493988" y="5755194"/>
-              <a:ext cx="62155" cy="80327"/>
+              <a:off x="2495423" y="5754198"/>
+              <a:ext cx="62155" cy="78417"/>
             </a:xfrm>
             <a:prstGeom prst="rect">
               <a:avLst/>
@@ -6152,8 +6152,8 @@
                       <a:alpha val="100000"/>
                     </a:srgbClr>
                   </a:solidFill>
-                  <a:latin typeface="Arial"/>
-                  <a:cs typeface="Arial"/>
+                  <a:latin typeface="Helvetica"/>
+                  <a:cs typeface="Helvetica"/>
                 </a:rPr>
                 <a:t>2</a:t>
               </a:r>
@@ -6168,8 +6168,8 @@
           </p:nvSpPr>
           <p:spPr>
             <a:xfrm>
-              <a:off x="5032800" y="5753775"/>
-              <a:ext cx="62155" cy="81746"/>
+              <a:off x="5033838" y="5752233"/>
+              <a:ext cx="62155" cy="80382"/>
             </a:xfrm>
             <a:prstGeom prst="rect">
               <a:avLst/>
@@ -6198,8 +6198,8 @@
                       <a:alpha val="100000"/>
                     </a:srgbClr>
                   </a:solidFill>
-                  <a:latin typeface="Arial"/>
-                  <a:cs typeface="Arial"/>
+                  <a:latin typeface="Helvetica"/>
+                  <a:cs typeface="Helvetica"/>
                 </a:rPr>
                 <a:t>3</a:t>
               </a:r>
@@ -6214,8 +6214,8 @@
           </p:nvSpPr>
           <p:spPr>
             <a:xfrm>
-              <a:off x="7571612" y="5755521"/>
-              <a:ext cx="62155" cy="80000"/>
+              <a:off x="7572254" y="5754252"/>
+              <a:ext cx="62155" cy="78362"/>
             </a:xfrm>
             <a:prstGeom prst="rect">
               <a:avLst/>
@@ -6244,8 +6244,8 @@
                       <a:alpha val="100000"/>
                     </a:srgbClr>
                   </a:solidFill>
-                  <a:latin typeface="Arial"/>
-                  <a:cs typeface="Arial"/>
+                  <a:latin typeface="Helvetica"/>
+                  <a:cs typeface="Helvetica"/>
                 </a:rPr>
                 <a:t>4</a:t>
               </a:r>
@@ -6260,8 +6260,8 @@
           </p:nvSpPr>
           <p:spPr>
             <a:xfrm>
-              <a:off x="10110425" y="5755248"/>
-              <a:ext cx="62155" cy="80272"/>
+              <a:off x="10110670" y="5753816"/>
+              <a:ext cx="62155" cy="78799"/>
             </a:xfrm>
             <a:prstGeom prst="rect">
               <a:avLst/>
@@ -6290,8 +6290,8 @@
                       <a:alpha val="100000"/>
                     </a:srgbClr>
                   </a:solidFill>
-                  <a:latin typeface="Arial"/>
-                  <a:cs typeface="Arial"/>
+                  <a:latin typeface="Helvetica"/>
+                  <a:cs typeface="Helvetica"/>
                 </a:rPr>
                 <a:t>5</a:t>
               </a:r>
@@ -6306,8 +6306,8 @@
           </p:nvSpPr>
           <p:spPr>
             <a:xfrm>
-              <a:off x="6183461" y="5895132"/>
-              <a:ext cx="139700" cy="98704"/>
+              <a:off x="6184314" y="5897724"/>
+              <a:ext cx="139700" cy="94611"/>
             </a:xfrm>
             <a:prstGeom prst="rect">
               <a:avLst/>
@@ -6336,8 +6336,8 @@
                       <a:alpha val="100000"/>
                     </a:srgbClr>
                   </a:solidFill>
-                  <a:latin typeface="Arial"/>
-                  <a:cs typeface="Arial"/>
+                  <a:latin typeface="Helvetica"/>
+                  <a:cs typeface="Helvetica"/>
                 </a:rPr>
                 <a:t>wt</a:t>
               </a:r>
@@ -6352,8 +6352,8 @@
           </p:nvSpPr>
           <p:spPr>
             <a:xfrm rot="-5400000">
-              <a:off x="353444" y="3733582"/>
-              <a:ext cx="271760" cy="103478"/>
+              <a:off x="352523" y="3730922"/>
+              <a:ext cx="271760" cy="105729"/>
             </a:xfrm>
             <a:prstGeom prst="rect">
               <a:avLst/>
@@ -6382,8 +6382,8 @@
                       <a:alpha val="100000"/>
                     </a:srgbClr>
                   </a:solidFill>
-                  <a:latin typeface="Arial"/>
-                  <a:cs typeface="Arial"/>
+                  <a:latin typeface="Helvetica"/>
+                  <a:cs typeface="Helvetica"/>
                 </a:rPr>
                 <a:t>mpg</a:t>
               </a:r>

--- a/tests/testthat/temp.pptx
+++ b/tests/testthat/temp.pptx
@@ -3440,8 +3440,8 @@
           </p:nvSpPr>
           <p:spPr>
             <a:xfrm>
-              <a:off x="793905" y="1877752"/>
-              <a:ext cx="10920518" cy="3812069"/>
+              <a:off x="793972" y="1877752"/>
+              <a:ext cx="10920451" cy="3812052"/>
             </a:xfrm>
             <a:prstGeom prst="rect">
               <a:avLst/>
@@ -3466,21 +3466,21 @@
           </p:nvSpPr>
           <p:spPr>
             <a:xfrm>
-              <a:off x="793905" y="5206861"/>
-              <a:ext cx="10920518" cy="0"/>
+              <a:off x="793972" y="5206846"/>
+              <a:ext cx="10920451" cy="0"/>
             </a:xfrm>
             <a:custGeom>
               <a:avLst/>
               <a:pathLst>
-                <a:path w="10920518" h="0">
+                <a:path w="10920451" h="0">
                   <a:moveTo>
                     <a:pt x="0" y="0"/>
                   </a:moveTo>
                   <a:lnTo>
-                    <a:pt x="10920518" y="0"/>
+                    <a:pt x="10920451" y="0"/>
                   </a:lnTo>
                   <a:lnTo>
-                    <a:pt x="10920518" y="0"/>
+                    <a:pt x="10920451" y="0"/>
                   </a:lnTo>
                 </a:path>
               </a:pathLst>
@@ -3509,21 +3509,21 @@
           </p:nvSpPr>
           <p:spPr>
             <a:xfrm>
-              <a:off x="793905" y="4469517"/>
-              <a:ext cx="10920518" cy="0"/>
+              <a:off x="793972" y="4469505"/>
+              <a:ext cx="10920451" cy="0"/>
             </a:xfrm>
             <a:custGeom>
               <a:avLst/>
               <a:pathLst>
-                <a:path w="10920518" h="0">
+                <a:path w="10920451" h="0">
                   <a:moveTo>
                     <a:pt x="0" y="0"/>
                   </a:moveTo>
                   <a:lnTo>
-                    <a:pt x="10920518" y="0"/>
+                    <a:pt x="10920451" y="0"/>
                   </a:lnTo>
                   <a:lnTo>
-                    <a:pt x="10920518" y="0"/>
+                    <a:pt x="10920451" y="0"/>
                   </a:lnTo>
                 </a:path>
               </a:pathLst>
@@ -3552,21 +3552,21 @@
           </p:nvSpPr>
           <p:spPr>
             <a:xfrm>
-              <a:off x="793905" y="3732172"/>
-              <a:ext cx="10920518" cy="0"/>
+              <a:off x="793972" y="3732164"/>
+              <a:ext cx="10920451" cy="0"/>
             </a:xfrm>
             <a:custGeom>
               <a:avLst/>
               <a:pathLst>
-                <a:path w="10920518" h="0">
+                <a:path w="10920451" h="0">
                   <a:moveTo>
                     <a:pt x="0" y="0"/>
                   </a:moveTo>
                   <a:lnTo>
-                    <a:pt x="10920518" y="0"/>
+                    <a:pt x="10920451" y="0"/>
                   </a:lnTo>
                   <a:lnTo>
-                    <a:pt x="10920518" y="0"/>
+                    <a:pt x="10920451" y="0"/>
                   </a:lnTo>
                 </a:path>
               </a:pathLst>
@@ -3595,21 +3595,21 @@
           </p:nvSpPr>
           <p:spPr>
             <a:xfrm>
-              <a:off x="793905" y="2994828"/>
-              <a:ext cx="10920518" cy="0"/>
+              <a:off x="793972" y="2994823"/>
+              <a:ext cx="10920451" cy="0"/>
             </a:xfrm>
             <a:custGeom>
               <a:avLst/>
               <a:pathLst>
-                <a:path w="10920518" h="0">
+                <a:path w="10920451" h="0">
                   <a:moveTo>
                     <a:pt x="0" y="0"/>
                   </a:moveTo>
                   <a:lnTo>
-                    <a:pt x="10920518" y="0"/>
+                    <a:pt x="10920451" y="0"/>
                   </a:lnTo>
                   <a:lnTo>
-                    <a:pt x="10920518" y="0"/>
+                    <a:pt x="10920451" y="0"/>
                   </a:lnTo>
                 </a:path>
               </a:pathLst>
@@ -3638,21 +3638,21 @@
           </p:nvSpPr>
           <p:spPr>
             <a:xfrm>
-              <a:off x="793905" y="2257484"/>
-              <a:ext cx="10920518" cy="0"/>
+              <a:off x="793972" y="2257482"/>
+              <a:ext cx="10920451" cy="0"/>
             </a:xfrm>
             <a:custGeom>
               <a:avLst/>
               <a:pathLst>
-                <a:path w="10920518" h="0">
+                <a:path w="10920451" h="0">
                   <a:moveTo>
                     <a:pt x="0" y="0"/>
                   </a:moveTo>
                   <a:lnTo>
-                    <a:pt x="10920518" y="0"/>
+                    <a:pt x="10920451" y="0"/>
                   </a:lnTo>
                   <a:lnTo>
-                    <a:pt x="10920518" y="0"/>
+                    <a:pt x="10920451" y="0"/>
                   </a:lnTo>
                 </a:path>
               </a:pathLst>
@@ -3681,15 +3681,15 @@
           </p:nvSpPr>
           <p:spPr>
             <a:xfrm>
-              <a:off x="1257292" y="1877752"/>
-              <a:ext cx="0" cy="3812069"/>
+              <a:off x="1257357" y="1877752"/>
+              <a:ext cx="0" cy="3812052"/>
             </a:xfrm>
             <a:custGeom>
               <a:avLst/>
               <a:pathLst>
-                <a:path w="0" h="3812069">
+                <a:path w="0" h="3812052">
                   <a:moveTo>
-                    <a:pt x="0" y="3812069"/>
+                    <a:pt x="0" y="3812052"/>
                   </a:moveTo>
                   <a:lnTo>
                     <a:pt x="0" y="0"/>
@@ -3724,15 +3724,15 @@
           </p:nvSpPr>
           <p:spPr>
             <a:xfrm>
-              <a:off x="3795708" y="1877752"/>
-              <a:ext cx="0" cy="3812069"/>
+              <a:off x="3795757" y="1877752"/>
+              <a:ext cx="0" cy="3812052"/>
             </a:xfrm>
             <a:custGeom>
               <a:avLst/>
               <a:pathLst>
-                <a:path w="0" h="3812069">
+                <a:path w="0" h="3812052">
                   <a:moveTo>
-                    <a:pt x="0" y="3812069"/>
+                    <a:pt x="0" y="3812052"/>
                   </a:moveTo>
                   <a:lnTo>
                     <a:pt x="0" y="0"/>
@@ -3767,15 +3767,15 @@
           </p:nvSpPr>
           <p:spPr>
             <a:xfrm>
-              <a:off x="6334124" y="1877752"/>
-              <a:ext cx="0" cy="3812069"/>
+              <a:off x="6334157" y="1877752"/>
+              <a:ext cx="0" cy="3812052"/>
             </a:xfrm>
             <a:custGeom>
               <a:avLst/>
               <a:pathLst>
-                <a:path w="0" h="3812069">
+                <a:path w="0" h="3812052">
                   <a:moveTo>
-                    <a:pt x="0" y="3812069"/>
+                    <a:pt x="0" y="3812052"/>
                   </a:moveTo>
                   <a:lnTo>
                     <a:pt x="0" y="0"/>
@@ -3810,15 +3810,15 @@
           </p:nvSpPr>
           <p:spPr>
             <a:xfrm>
-              <a:off x="8872540" y="1877752"/>
-              <a:ext cx="0" cy="3812069"/>
+              <a:off x="8872557" y="1877752"/>
+              <a:ext cx="0" cy="3812052"/>
             </a:xfrm>
             <a:custGeom>
               <a:avLst/>
               <a:pathLst>
-                <a:path w="0" h="3812069">
+                <a:path w="0" h="3812052">
                   <a:moveTo>
-                    <a:pt x="0" y="3812069"/>
+                    <a:pt x="0" y="3812052"/>
                   </a:moveTo>
                   <a:lnTo>
                     <a:pt x="0" y="0"/>
@@ -3853,15 +3853,15 @@
           </p:nvSpPr>
           <p:spPr>
             <a:xfrm>
-              <a:off x="11410956" y="1877752"/>
-              <a:ext cx="0" cy="3812069"/>
+              <a:off x="11410958" y="1877752"/>
+              <a:ext cx="0" cy="3812052"/>
             </a:xfrm>
             <a:custGeom>
               <a:avLst/>
               <a:pathLst>
-                <a:path w="0" h="3812069">
+                <a:path w="0" h="3812052">
                   <a:moveTo>
-                    <a:pt x="0" y="3812069"/>
+                    <a:pt x="0" y="3812052"/>
                   </a:moveTo>
                   <a:lnTo>
                     <a:pt x="0" y="0"/>
@@ -3896,21 +3896,21 @@
           </p:nvSpPr>
           <p:spPr>
             <a:xfrm>
-              <a:off x="793905" y="5575533"/>
-              <a:ext cx="10920518" cy="0"/>
+              <a:off x="793972" y="5575516"/>
+              <a:ext cx="10920451" cy="0"/>
             </a:xfrm>
             <a:custGeom>
               <a:avLst/>
               <a:pathLst>
-                <a:path w="10920518" h="0">
+                <a:path w="10920451" h="0">
                   <a:moveTo>
                     <a:pt x="0" y="0"/>
                   </a:moveTo>
                   <a:lnTo>
-                    <a:pt x="10920518" y="0"/>
+                    <a:pt x="10920451" y="0"/>
                   </a:lnTo>
                   <a:lnTo>
-                    <a:pt x="10920518" y="0"/>
+                    <a:pt x="10920451" y="0"/>
                   </a:lnTo>
                 </a:path>
               </a:pathLst>
@@ -3939,21 +3939,21 @@
           </p:nvSpPr>
           <p:spPr>
             <a:xfrm>
-              <a:off x="793905" y="4838189"/>
-              <a:ext cx="10920518" cy="0"/>
+              <a:off x="793972" y="4838175"/>
+              <a:ext cx="10920451" cy="0"/>
             </a:xfrm>
             <a:custGeom>
               <a:avLst/>
               <a:pathLst>
-                <a:path w="10920518" h="0">
+                <a:path w="10920451" h="0">
                   <a:moveTo>
                     <a:pt x="0" y="0"/>
                   </a:moveTo>
                   <a:lnTo>
-                    <a:pt x="10920518" y="0"/>
+                    <a:pt x="10920451" y="0"/>
                   </a:lnTo>
                   <a:lnTo>
-                    <a:pt x="10920518" y="0"/>
+                    <a:pt x="10920451" y="0"/>
                   </a:lnTo>
                 </a:path>
               </a:pathLst>
@@ -3982,21 +3982,21 @@
           </p:nvSpPr>
           <p:spPr>
             <a:xfrm>
-              <a:off x="793905" y="4100845"/>
-              <a:ext cx="10920518" cy="0"/>
+              <a:off x="793972" y="4100834"/>
+              <a:ext cx="10920451" cy="0"/>
             </a:xfrm>
             <a:custGeom>
               <a:avLst/>
               <a:pathLst>
-                <a:path w="10920518" h="0">
+                <a:path w="10920451" h="0">
                   <a:moveTo>
                     <a:pt x="0" y="0"/>
                   </a:moveTo>
                   <a:lnTo>
-                    <a:pt x="10920518" y="0"/>
+                    <a:pt x="10920451" y="0"/>
                   </a:lnTo>
                   <a:lnTo>
-                    <a:pt x="10920518" y="0"/>
+                    <a:pt x="10920451" y="0"/>
                   </a:lnTo>
                 </a:path>
               </a:pathLst>
@@ -4025,21 +4025,21 @@
           </p:nvSpPr>
           <p:spPr>
             <a:xfrm>
-              <a:off x="793905" y="3363500"/>
-              <a:ext cx="10920518" cy="0"/>
+              <a:off x="793972" y="3363494"/>
+              <a:ext cx="10920451" cy="0"/>
             </a:xfrm>
             <a:custGeom>
               <a:avLst/>
               <a:pathLst>
-                <a:path w="10920518" h="0">
+                <a:path w="10920451" h="0">
                   <a:moveTo>
                     <a:pt x="0" y="0"/>
                   </a:moveTo>
                   <a:lnTo>
-                    <a:pt x="10920518" y="0"/>
+                    <a:pt x="10920451" y="0"/>
                   </a:lnTo>
                   <a:lnTo>
-                    <a:pt x="10920518" y="0"/>
+                    <a:pt x="10920451" y="0"/>
                   </a:lnTo>
                 </a:path>
               </a:pathLst>
@@ -4068,21 +4068,21 @@
           </p:nvSpPr>
           <p:spPr>
             <a:xfrm>
-              <a:off x="793905" y="2626156"/>
-              <a:ext cx="10920518" cy="0"/>
+              <a:off x="793972" y="2626153"/>
+              <a:ext cx="10920451" cy="0"/>
             </a:xfrm>
             <a:custGeom>
               <a:avLst/>
               <a:pathLst>
-                <a:path w="10920518" h="0">
+                <a:path w="10920451" h="0">
                   <a:moveTo>
                     <a:pt x="0" y="0"/>
                   </a:moveTo>
                   <a:lnTo>
-                    <a:pt x="10920518" y="0"/>
+                    <a:pt x="10920451" y="0"/>
                   </a:lnTo>
                   <a:lnTo>
-                    <a:pt x="10920518" y="0"/>
+                    <a:pt x="10920451" y="0"/>
                   </a:lnTo>
                 </a:path>
               </a:pathLst>
@@ -4111,21 +4111,21 @@
           </p:nvSpPr>
           <p:spPr>
             <a:xfrm>
-              <a:off x="793905" y="1888812"/>
-              <a:ext cx="10920518" cy="0"/>
+              <a:off x="793972" y="1888812"/>
+              <a:ext cx="10920451" cy="0"/>
             </a:xfrm>
             <a:custGeom>
               <a:avLst/>
               <a:pathLst>
-                <a:path w="10920518" h="0">
+                <a:path w="10920451" h="0">
                   <a:moveTo>
                     <a:pt x="0" y="0"/>
                   </a:moveTo>
                   <a:lnTo>
-                    <a:pt x="10920518" y="0"/>
+                    <a:pt x="10920451" y="0"/>
                   </a:lnTo>
                   <a:lnTo>
-                    <a:pt x="10920518" y="0"/>
+                    <a:pt x="10920451" y="0"/>
                   </a:lnTo>
                 </a:path>
               </a:pathLst>
@@ -4154,15 +4154,15 @@
           </p:nvSpPr>
           <p:spPr>
             <a:xfrm>
-              <a:off x="2526500" y="1877752"/>
-              <a:ext cx="0" cy="3812069"/>
+              <a:off x="2526557" y="1877752"/>
+              <a:ext cx="0" cy="3812052"/>
             </a:xfrm>
             <a:custGeom>
               <a:avLst/>
               <a:pathLst>
-                <a:path w="0" h="3812069">
+                <a:path w="0" h="3812052">
                   <a:moveTo>
-                    <a:pt x="0" y="3812069"/>
+                    <a:pt x="0" y="3812052"/>
                   </a:moveTo>
                   <a:lnTo>
                     <a:pt x="0" y="0"/>
@@ -4197,15 +4197,15 @@
           </p:nvSpPr>
           <p:spPr>
             <a:xfrm>
-              <a:off x="5064916" y="1877752"/>
-              <a:ext cx="0" cy="3812069"/>
+              <a:off x="5064957" y="1877752"/>
+              <a:ext cx="0" cy="3812052"/>
             </a:xfrm>
             <a:custGeom>
               <a:avLst/>
               <a:pathLst>
-                <a:path w="0" h="3812069">
+                <a:path w="0" h="3812052">
                   <a:moveTo>
-                    <a:pt x="0" y="3812069"/>
+                    <a:pt x="0" y="3812052"/>
                   </a:moveTo>
                   <a:lnTo>
                     <a:pt x="0" y="0"/>
@@ -4240,15 +4240,15 @@
           </p:nvSpPr>
           <p:spPr>
             <a:xfrm>
-              <a:off x="7603332" y="1877752"/>
-              <a:ext cx="0" cy="3812069"/>
+              <a:off x="7603357" y="1877752"/>
+              <a:ext cx="0" cy="3812052"/>
             </a:xfrm>
             <a:custGeom>
               <a:avLst/>
               <a:pathLst>
-                <a:path w="0" h="3812069">
+                <a:path w="0" h="3812052">
                   <a:moveTo>
-                    <a:pt x="0" y="3812069"/>
+                    <a:pt x="0" y="3812052"/>
                   </a:moveTo>
                   <a:lnTo>
                     <a:pt x="0" y="0"/>
@@ -4283,15 +4283,15 @@
           </p:nvSpPr>
           <p:spPr>
             <a:xfrm>
-              <a:off x="10141748" y="1877752"/>
-              <a:ext cx="0" cy="3812069"/>
+              <a:off x="10141758" y="1877752"/>
+              <a:ext cx="0" cy="3812052"/>
             </a:xfrm>
             <a:custGeom>
               <a:avLst/>
               <a:pathLst>
-                <a:path w="0" h="3812069">
+                <a:path w="0" h="3812052">
                   <a:moveTo>
-                    <a:pt x="0" y="3812069"/>
+                    <a:pt x="0" y="3812052"/>
                   </a:moveTo>
                   <a:lnTo>
                     <a:pt x="0" y="0"/>
@@ -4326,7 +4326,7 @@
           </p:nvSpPr>
           <p:spPr>
             <a:xfrm>
-              <a:off x="4067243" y="3920301"/>
+              <a:off x="4067290" y="3920291"/>
               <a:ext cx="66150" cy="66150"/>
             </a:xfrm>
             <a:prstGeom prst="ellipse">
@@ -4361,7 +4361,7 @@
           </p:nvSpPr>
           <p:spPr>
             <a:xfrm>
-              <a:off x="4714539" y="3920301"/>
+              <a:off x="4714582" y="3920291"/>
               <a:ext cx="66150" cy="66150"/>
             </a:xfrm>
             <a:prstGeom prst="ellipse">
@@ -4396,7 +4396,7 @@
           </p:nvSpPr>
           <p:spPr>
             <a:xfrm>
-              <a:off x="3305718" y="3654857"/>
+              <a:off x="3305770" y="3654849"/>
               <a:ext cx="66150" cy="66150"/>
             </a:xfrm>
             <a:prstGeom prst="ellipse">
@@ -4431,7 +4431,7 @@
           </p:nvSpPr>
           <p:spPr>
             <a:xfrm>
-              <a:off x="5577601" y="3861313"/>
+              <a:off x="5577638" y="3861304"/>
               <a:ext cx="66150" cy="66150"/>
             </a:xfrm>
             <a:prstGeom prst="ellipse">
@@ -4466,7 +4466,7 @@
           </p:nvSpPr>
           <p:spPr>
             <a:xfrm>
-              <a:off x="6148744" y="4259479"/>
+              <a:off x="6148778" y="4259468"/>
               <a:ext cx="66150" cy="66150"/>
             </a:xfrm>
             <a:prstGeom prst="ellipse">
@@ -4501,7 +4501,7 @@
           </p:nvSpPr>
           <p:spPr>
             <a:xfrm>
-              <a:off x="6199512" y="4347960"/>
+              <a:off x="6199546" y="4347949"/>
               <a:ext cx="66150" cy="66150"/>
             </a:xfrm>
             <a:prstGeom prst="ellipse">
@@ -4536,7 +4536,7 @@
           </p:nvSpPr>
           <p:spPr>
             <a:xfrm>
-              <a:off x="6478738" y="4908342"/>
+              <a:off x="6478770" y="4908328"/>
               <a:ext cx="66150" cy="66150"/>
             </a:xfrm>
             <a:prstGeom prst="ellipse">
@@ -4571,7 +4571,7 @@
           </p:nvSpPr>
           <p:spPr>
             <a:xfrm>
-              <a:off x="5514140" y="3418907"/>
+              <a:off x="5514178" y="3418899"/>
               <a:ext cx="66150" cy="66150"/>
             </a:xfrm>
             <a:prstGeom prst="ellipse">
@@ -4606,7 +4606,7 @@
           </p:nvSpPr>
           <p:spPr>
             <a:xfrm>
-              <a:off x="5412604" y="3654857"/>
+              <a:off x="5412642" y="3654849"/>
               <a:ext cx="66150" cy="66150"/>
             </a:xfrm>
             <a:prstGeom prst="ellipse">
@@ -4641,7 +4641,7 @@
           </p:nvSpPr>
           <p:spPr>
             <a:xfrm>
-              <a:off x="6148744" y="4185745"/>
+              <a:off x="6148778" y="4185734"/>
               <a:ext cx="66150" cy="66150"/>
             </a:xfrm>
             <a:prstGeom prst="ellipse">
@@ -4676,7 +4676,7 @@
           </p:nvSpPr>
           <p:spPr>
             <a:xfrm>
-              <a:off x="6148744" y="4392201"/>
+              <a:off x="6148778" y="4392189"/>
               <a:ext cx="66150" cy="66150"/>
             </a:xfrm>
             <a:prstGeom prst="ellipse">
@@ -4711,7 +4711,7 @@
           </p:nvSpPr>
           <p:spPr>
             <a:xfrm>
-              <a:off x="7747946" y="4598657"/>
+              <a:off x="7747970" y="4598645"/>
               <a:ext cx="66150" cy="66150"/>
             </a:xfrm>
             <a:prstGeom prst="ellipse">
@@ -4746,7 +4746,7 @@
           </p:nvSpPr>
           <p:spPr>
             <a:xfrm>
-              <a:off x="6884885" y="4465935"/>
+              <a:off x="6884914" y="4465924"/>
               <a:ext cx="66150" cy="66150"/>
             </a:xfrm>
             <a:prstGeom prst="ellipse">
@@ -4781,7 +4781,7 @@
           </p:nvSpPr>
           <p:spPr>
             <a:xfrm>
-              <a:off x="7011806" y="4775620"/>
+              <a:off x="7011834" y="4775607"/>
               <a:ext cx="66150" cy="66150"/>
             </a:xfrm>
             <a:prstGeom prst="ellipse">
@@ -4816,7 +4816,7 @@
           </p:nvSpPr>
           <p:spPr>
             <a:xfrm>
-              <a:off x="10743277" y="5483471"/>
+              <a:off x="10743283" y="5483454"/>
               <a:ext cx="66150" cy="66150"/>
             </a:xfrm>
             <a:prstGeom prst="ellipse">
@@ -4851,7 +4851,7 @@
           </p:nvSpPr>
           <p:spPr>
             <a:xfrm>
-              <a:off x="11184961" y="5483471"/>
+              <a:off x="11184964" y="5483454"/>
               <a:ext cx="66150" cy="66150"/>
             </a:xfrm>
             <a:prstGeom prst="ellipse">
@@ -4886,7 +4886,7 @@
           </p:nvSpPr>
           <p:spPr>
             <a:xfrm>
-              <a:off x="10984426" y="4849354"/>
+              <a:off x="10984431" y="4849341"/>
               <a:ext cx="66150" cy="66150"/>
             </a:xfrm>
             <a:prstGeom prst="ellipse">
@@ -4921,7 +4921,7 @@
           </p:nvSpPr>
           <p:spPr>
             <a:xfrm>
-              <a:off x="3001108" y="2239156"/>
+              <a:off x="3001162" y="2239154"/>
               <a:ext cx="66150" cy="66150"/>
             </a:xfrm>
             <a:prstGeom prst="ellipse">
@@ -4956,7 +4956,7 @@
           </p:nvSpPr>
           <p:spPr>
             <a:xfrm>
-              <a:off x="1516135" y="2534093"/>
+              <a:off x="1516198" y="2534090"/>
               <a:ext cx="66150" cy="66150"/>
             </a:xfrm>
             <a:prstGeom prst="ellipse">
@@ -4991,7 +4991,7 @@
           </p:nvSpPr>
           <p:spPr>
             <a:xfrm>
-              <a:off x="2074587" y="2017952"/>
+              <a:off x="2074646" y="2017952"/>
               <a:ext cx="66150" cy="66150"/>
             </a:xfrm>
             <a:prstGeom prst="ellipse">
@@ -5026,7 +5026,7 @@
           </p:nvSpPr>
           <p:spPr>
             <a:xfrm>
-              <a:off x="3673789" y="3846566"/>
+              <a:off x="3673838" y="3846557"/>
               <a:ext cx="66150" cy="66150"/>
             </a:xfrm>
             <a:prstGeom prst="ellipse">
@@ -5061,7 +5061,7 @@
           </p:nvSpPr>
           <p:spPr>
             <a:xfrm>
-              <a:off x="6351817" y="4731379"/>
+              <a:off x="6351850" y="4731366"/>
               <a:ext cx="66150" cy="66150"/>
             </a:xfrm>
             <a:prstGeom prst="ellipse">
@@ -5096,7 +5096,7 @@
           </p:nvSpPr>
           <p:spPr>
             <a:xfrm>
-              <a:off x="6136052" y="4775620"/>
+              <a:off x="6136086" y="4775607"/>
               <a:ext cx="66150" cy="66150"/>
             </a:xfrm>
             <a:prstGeom prst="ellipse">
@@ -5131,7 +5131,7 @@
           </p:nvSpPr>
           <p:spPr>
             <a:xfrm>
-              <a:off x="7164110" y="5055811"/>
+              <a:off x="7164138" y="5055796"/>
               <a:ext cx="66150" cy="66150"/>
             </a:xfrm>
             <a:prstGeom prst="ellipse">
@@ -5166,7 +5166,7 @@
           </p:nvSpPr>
           <p:spPr>
             <a:xfrm>
-              <a:off x="7176803" y="4185745"/>
+              <a:off x="7176830" y="4185734"/>
               <a:ext cx="66150" cy="66150"/>
             </a:xfrm>
             <a:prstGeom prst="ellipse">
@@ -5201,7 +5201,7 @@
           </p:nvSpPr>
           <p:spPr>
             <a:xfrm>
-              <a:off x="2328428" y="2991247"/>
+              <a:off x="2328486" y="2991242"/>
               <a:ext cx="66150" cy="66150"/>
             </a:xfrm>
             <a:prstGeom prst="ellipse">
@@ -5236,7 +5236,7 @@
           </p:nvSpPr>
           <p:spPr>
             <a:xfrm>
-              <a:off x="2848804" y="3182956"/>
+              <a:off x="2848858" y="3182950"/>
               <a:ext cx="66150" cy="66150"/>
             </a:xfrm>
             <a:prstGeom prst="ellipse">
@@ -5271,7 +5271,7 @@
           </p:nvSpPr>
           <p:spPr>
             <a:xfrm>
-              <a:off x="1257217" y="2534093"/>
+              <a:off x="1257281" y="2534090"/>
               <a:ext cx="66150" cy="66150"/>
             </a:xfrm>
             <a:prstGeom prst="ellipse">
@@ -5306,7 +5306,7 @@
           </p:nvSpPr>
           <p:spPr>
             <a:xfrm>
-              <a:off x="5463372" y="4687139"/>
+              <a:off x="5463410" y="4687126"/>
               <a:ext cx="66150" cy="66150"/>
             </a:xfrm>
             <a:prstGeom prst="ellipse">
@@ -5341,7 +5341,7 @@
           </p:nvSpPr>
           <p:spPr>
             <a:xfrm>
-              <a:off x="4448006" y="4112010"/>
+              <a:off x="4448050" y="4112000"/>
               <a:ext cx="66150" cy="66150"/>
             </a:xfrm>
             <a:prstGeom prst="ellipse">
@@ -5376,7 +5376,7 @@
           </p:nvSpPr>
           <p:spPr>
             <a:xfrm>
-              <a:off x="6478738" y="4805114"/>
+              <a:off x="6478770" y="4805100"/>
               <a:ext cx="66150" cy="66150"/>
             </a:xfrm>
             <a:prstGeom prst="ellipse">
@@ -5411,7 +5411,7 @@
           </p:nvSpPr>
           <p:spPr>
             <a:xfrm>
-              <a:off x="4473390" y="3861313"/>
+              <a:off x="4473434" y="3861304"/>
               <a:ext cx="66150" cy="66150"/>
             </a:xfrm>
             <a:prstGeom prst="ellipse">
@@ -5446,8 +5446,8 @@
           </p:nvSpPr>
           <p:spPr>
             <a:xfrm>
-              <a:off x="606963" y="5535342"/>
-              <a:ext cx="124311" cy="80272"/>
+              <a:off x="606983" y="5535466"/>
+              <a:ext cx="124358" cy="80101"/>
             </a:xfrm>
             <a:prstGeom prst="rect">
               <a:avLst/>
@@ -5492,8 +5492,8 @@
           </p:nvSpPr>
           <p:spPr>
             <a:xfrm>
-              <a:off x="606963" y="4798489"/>
-              <a:ext cx="124311" cy="79781"/>
+              <a:off x="606983" y="4798125"/>
+              <a:ext cx="124358" cy="80101"/>
             </a:xfrm>
             <a:prstGeom prst="rect">
               <a:avLst/>
@@ -5538,8 +5538,8 @@
           </p:nvSpPr>
           <p:spPr>
             <a:xfrm>
-              <a:off x="606963" y="4060381"/>
-              <a:ext cx="124311" cy="80545"/>
+              <a:off x="606983" y="4060784"/>
+              <a:ext cx="124358" cy="80101"/>
             </a:xfrm>
             <a:prstGeom prst="rect">
               <a:avLst/>
@@ -5584,8 +5584,8 @@
           </p:nvSpPr>
           <p:spPr>
             <a:xfrm>
-              <a:off x="606963" y="3323200"/>
-              <a:ext cx="124311" cy="80382"/>
+              <a:off x="606983" y="3323443"/>
+              <a:ext cx="124358" cy="80101"/>
             </a:xfrm>
             <a:prstGeom prst="rect">
               <a:avLst/>
@@ -5630,8 +5630,8 @@
           </p:nvSpPr>
           <p:spPr>
             <a:xfrm>
-              <a:off x="606963" y="2585856"/>
-              <a:ext cx="124311" cy="80382"/>
+              <a:off x="606983" y="2586102"/>
+              <a:ext cx="124358" cy="80101"/>
             </a:xfrm>
             <a:prstGeom prst="rect">
               <a:avLst/>
@@ -5676,8 +5676,8 @@
           </p:nvSpPr>
           <p:spPr>
             <a:xfrm>
-              <a:off x="606963" y="1848512"/>
-              <a:ext cx="124311" cy="80382"/>
+              <a:off x="606983" y="1848761"/>
+              <a:ext cx="124358" cy="80101"/>
             </a:xfrm>
             <a:prstGeom prst="rect">
               <a:avLst/>
@@ -5722,7 +5722,7 @@
           </p:nvSpPr>
           <p:spPr>
             <a:xfrm>
-              <a:off x="759110" y="5575533"/>
+              <a:off x="759177" y="5575516"/>
               <a:ext cx="34794" cy="0"/>
             </a:xfrm>
             <a:custGeom>
@@ -5762,7 +5762,7 @@
           </p:nvSpPr>
           <p:spPr>
             <a:xfrm>
-              <a:off x="759110" y="4838189"/>
+              <a:off x="759177" y="4838175"/>
               <a:ext cx="34794" cy="0"/>
             </a:xfrm>
             <a:custGeom>
@@ -5802,7 +5802,7 @@
           </p:nvSpPr>
           <p:spPr>
             <a:xfrm>
-              <a:off x="759110" y="4100845"/>
+              <a:off x="759177" y="4100834"/>
               <a:ext cx="34794" cy="0"/>
             </a:xfrm>
             <a:custGeom>
@@ -5842,7 +5842,7 @@
           </p:nvSpPr>
           <p:spPr>
             <a:xfrm>
-              <a:off x="759110" y="3363500"/>
+              <a:off x="759177" y="3363494"/>
               <a:ext cx="34794" cy="0"/>
             </a:xfrm>
             <a:custGeom>
@@ -5882,7 +5882,7 @@
           </p:nvSpPr>
           <p:spPr>
             <a:xfrm>
-              <a:off x="759110" y="2626156"/>
+              <a:off x="759177" y="2626153"/>
               <a:ext cx="34794" cy="0"/>
             </a:xfrm>
             <a:custGeom>
@@ -5922,7 +5922,7 @@
           </p:nvSpPr>
           <p:spPr>
             <a:xfrm>
-              <a:off x="759110" y="1888812"/>
+              <a:off x="759177" y="1888812"/>
               <a:ext cx="34794" cy="0"/>
             </a:xfrm>
             <a:custGeom>
@@ -5962,7 +5962,7 @@
           </p:nvSpPr>
           <p:spPr>
             <a:xfrm>
-              <a:off x="2526500" y="5689821"/>
+              <a:off x="2526557" y="5689804"/>
               <a:ext cx="0" cy="34794"/>
             </a:xfrm>
             <a:custGeom>
@@ -6002,7 +6002,7 @@
           </p:nvSpPr>
           <p:spPr>
             <a:xfrm>
-              <a:off x="5064916" y="5689821"/>
+              <a:off x="5064957" y="5689804"/>
               <a:ext cx="0" cy="34794"/>
             </a:xfrm>
             <a:custGeom>
@@ -6042,7 +6042,7 @@
           </p:nvSpPr>
           <p:spPr>
             <a:xfrm>
-              <a:off x="7603332" y="5689821"/>
+              <a:off x="7603357" y="5689804"/>
               <a:ext cx="0" cy="34794"/>
             </a:xfrm>
             <a:custGeom>
@@ -6082,7 +6082,7 @@
           </p:nvSpPr>
           <p:spPr>
             <a:xfrm>
-              <a:off x="10141748" y="5689821"/>
+              <a:off x="10141758" y="5689804"/>
               <a:ext cx="0" cy="34794"/>
             </a:xfrm>
             <a:custGeom>
@@ -6122,8 +6122,8 @@
           </p:nvSpPr>
           <p:spPr>
             <a:xfrm>
-              <a:off x="2495423" y="5754198"/>
-              <a:ext cx="62155" cy="78417"/>
+              <a:off x="2495467" y="5752434"/>
+              <a:ext cx="62179" cy="80101"/>
             </a:xfrm>
             <a:prstGeom prst="rect">
               <a:avLst/>
@@ -6168,8 +6168,8 @@
           </p:nvSpPr>
           <p:spPr>
             <a:xfrm>
-              <a:off x="5033838" y="5752233"/>
-              <a:ext cx="62155" cy="80382"/>
+              <a:off x="5033867" y="5752434"/>
+              <a:ext cx="62179" cy="80101"/>
             </a:xfrm>
             <a:prstGeom prst="rect">
               <a:avLst/>
@@ -6214,8 +6214,8 @@
           </p:nvSpPr>
           <p:spPr>
             <a:xfrm>
-              <a:off x="7572254" y="5754252"/>
-              <a:ext cx="62155" cy="78362"/>
+              <a:off x="7572268" y="5752434"/>
+              <a:ext cx="62179" cy="80101"/>
             </a:xfrm>
             <a:prstGeom prst="rect">
               <a:avLst/>
@@ -6260,8 +6260,8 @@
           </p:nvSpPr>
           <p:spPr>
             <a:xfrm>
-              <a:off x="10110670" y="5753816"/>
-              <a:ext cx="62155" cy="78799"/>
+              <a:off x="10110668" y="5752434"/>
+              <a:ext cx="62179" cy="80101"/>
             </a:xfrm>
             <a:prstGeom prst="rect">
               <a:avLst/>
@@ -6306,8 +6306,8 @@
           </p:nvSpPr>
           <p:spPr>
             <a:xfrm>
-              <a:off x="6184314" y="5897724"/>
-              <a:ext cx="139700" cy="94611"/>
+              <a:off x="6184383" y="5892110"/>
+              <a:ext cx="139628" cy="100218"/>
             </a:xfrm>
             <a:prstGeom prst="rect">
               <a:avLst/>
@@ -6352,8 +6352,8 @@
           </p:nvSpPr>
           <p:spPr>
             <a:xfrm rot="-5400000">
-              <a:off x="352523" y="3730922"/>
-              <a:ext cx="271760" cy="105729"/>
+              <a:off x="355247" y="3733669"/>
+              <a:ext cx="271851" cy="100218"/>
             </a:xfrm>
             <a:prstGeom prst="rect">
               <a:avLst/>
